--- a/presentation/SPIN2022.pptx
+++ b/presentation/SPIN2022.pptx
@@ -129,6 +129,52 @@
 </p:presentation>
 </file>
 
+<file path=ppt/authors.xml><?xml version="1.0" encoding="utf-8"?>
+<p188:authorLst xmlns:a="http://schemas.openxmlformats.org/drawingml/2006/main" xmlns:r="http://schemas.openxmlformats.org/officeDocument/2006/relationships" xmlns:p188="http://schemas.microsoft.com/office/powerpoint/2018/8/main">
+  <p188:author id="{2047F790-A760-A233-90F9-8943DDACFEB7}" name="Parker Hanson" initials="PH" userId="Parker Hanson" providerId="None"/>
+</p188:authorLst>
+</file>
+
+<file path=ppt/comments/modernComment_110_EF993C80.xml><?xml version="1.0" encoding="utf-8"?>
+<p188:cmLst xmlns:a="http://schemas.openxmlformats.org/drawingml/2006/main" xmlns:r="http://schemas.openxmlformats.org/officeDocument/2006/relationships" xmlns:p188="http://schemas.microsoft.com/office/powerpoint/2018/8/main">
+  <p188:cm id="{EA0E8BA7-7854-472F-B1D3-F39F990E67FF}" authorId="{2047F790-A760-A233-90F9-8943DDACFEB7}" created="2022-05-19T00:44:11.223">
+    <ac:txMkLst xmlns:ac="http://schemas.microsoft.com/office/drawing/2013/main/command">
+      <pc:docMk xmlns:pc="http://schemas.microsoft.com/office/powerpoint/2013/main/command"/>
+      <pc:sldMk xmlns:pc="http://schemas.microsoft.com/office/powerpoint/2013/main/command" cId="4019797120" sldId="272"/>
+      <ac:spMk id="21" creationId="{D4EE9CAC-5C9B-9C40-A030-757CE0B5B310}"/>
+      <ac:txMk cp="4" len="3">
+        <ac:context len="28" hash="4099824638"/>
+      </ac:txMk>
+    </ac:txMkLst>
+    <p188:pos x="1471931" y="317299"/>
+    <p188:replyLst>
+      <p188:reply id="{FC1A7384-E593-402F-BD89-F6C1C17E4DA1}" authorId="{2047F790-A760-A233-90F9-8943DDACFEB7}" created="2022-05-19T00:44:34.992">
+        <p188:txBody>
+          <a:bodyPr/>
+          <a:lstStyle/>
+          <a:p>
+            <a:r>
+              <a:rPr lang="en-US"/>
+              <a:t>Main issues were typing and iterative stream setup.</a:t>
+            </a:r>
+          </a:p>
+        </p188:txBody>
+      </p188:reply>
+    </p188:replyLst>
+    <p188:txBody>
+      <a:bodyPr/>
+      <a:lstStyle/>
+      <a:p>
+        <a:r>
+          <a:rPr lang="en-US"/>
+          <a:t>Is this the proper term?</a:t>
+        </a:r>
+      </a:p>
+    </p188:txBody>
+  </p188:cm>
+</p188:cmLst>
+</file>
+
 <file path=ppt/notesMasters/notesMaster1.xml><?xml version="1.0" encoding="utf-8"?>
 <p:notesMaster xmlns:a="http://schemas.openxmlformats.org/drawingml/2006/main" xmlns:r="http://schemas.openxmlformats.org/officeDocument/2006/relationships" xmlns:p="http://schemas.openxmlformats.org/presentationml/2006/main">
   <p:cSld>
@@ -211,7 +257,7 @@
           <a:p>
             <a:fld id="{6E742D25-F818-3F41-A083-9D0C2C4584D2}" type="datetimeFigureOut">
               <a:rPr lang="en-US" smtClean="0"/>
-              <a:t>5/18/22</a:t>
+              <a:t>5/18/2022</a:t>
             </a:fld>
             <a:endParaRPr lang="en-US"/>
           </a:p>
@@ -522,7 +568,24 @@
           <a:bodyPr/>
           <a:lstStyle/>
           <a:p>
-            <a:endParaRPr lang="en-US" dirty="0"/>
+            <a:r>
+              <a:rPr lang="en-US" dirty="0"/>
+              <a:t>My name is Parker Hanson, and I’m an adult.</a:t>
+            </a:r>
+          </a:p>
+          <a:p>
+            <a:r>
+              <a:rPr lang="en-US" dirty="0"/>
+              <a:t>My dad </a:t>
+            </a:r>
+            <a:r>
+              <a:rPr lang="en-US" dirty="0" err="1"/>
+              <a:t>ain’t</a:t>
+            </a:r>
+            <a:r>
+              <a:rPr lang="en-US" dirty="0"/>
+              <a:t> a cell phone.</a:t>
+            </a:r>
           </a:p>
         </p:txBody>
       </p:sp>
@@ -553,6 +616,638 @@
     <p:extLst>
       <p:ext uri="{BB962C8B-B14F-4D97-AF65-F5344CB8AC3E}">
         <p14:creationId xmlns:p14="http://schemas.microsoft.com/office/powerpoint/2010/main" val="3372379462"/>
+      </p:ext>
+    </p:extLst>
+  </p:cSld>
+  <p:clrMapOvr>
+    <a:masterClrMapping/>
+  </p:clrMapOvr>
+</p:notes>
+</file>
+
+<file path=ppt/notesSlides/notesSlide10.xml><?xml version="1.0" encoding="utf-8"?>
+<p:notes xmlns:a="http://schemas.openxmlformats.org/drawingml/2006/main" xmlns:r="http://schemas.openxmlformats.org/officeDocument/2006/relationships" xmlns:p="http://schemas.openxmlformats.org/presentationml/2006/main">
+  <p:cSld>
+    <p:spTree>
+      <p:nvGrpSpPr>
+        <p:cNvPr id="1" name=""/>
+        <p:cNvGrpSpPr/>
+        <p:nvPr/>
+      </p:nvGrpSpPr>
+      <p:grpSpPr>
+        <a:xfrm>
+          <a:off x="0" y="0"/>
+          <a:ext cx="0" cy="0"/>
+          <a:chOff x="0" y="0"/>
+          <a:chExt cx="0" cy="0"/>
+        </a:xfrm>
+      </p:grpSpPr>
+      <p:sp>
+        <p:nvSpPr>
+          <p:cNvPr id="2" name="Slide Image Placeholder 1"/>
+          <p:cNvSpPr>
+            <a:spLocks noGrp="1" noRot="1" noChangeAspect="1"/>
+          </p:cNvSpPr>
+          <p:nvPr>
+            <p:ph type="sldImg"/>
+          </p:nvPr>
+        </p:nvSpPr>
+        <p:spPr/>
+      </p:sp>
+      <p:sp>
+        <p:nvSpPr>
+          <p:cNvPr id="3" name="Notes Placeholder 2"/>
+          <p:cNvSpPr>
+            <a:spLocks noGrp="1"/>
+          </p:cNvSpPr>
+          <p:nvPr>
+            <p:ph type="body" idx="1"/>
+          </p:nvPr>
+        </p:nvSpPr>
+        <p:spPr/>
+        <p:txBody>
+          <a:bodyPr/>
+          <a:lstStyle/>
+          <a:p>
+            <a:r>
+              <a:rPr lang="en-US" dirty="0"/>
+              <a:t>Since the NIST standard is written in a document, visual inspection is impossible to avoid.</a:t>
+            </a:r>
+          </a:p>
+          <a:p>
+            <a:r>
+              <a:rPr lang="en-US" dirty="0"/>
+              <a:t>By leveraging our higher-order functions we produced a visually comparable </a:t>
+            </a:r>
+            <a:r>
+              <a:rPr lang="en-US" dirty="0" err="1"/>
+              <a:t>Cryptol</a:t>
+            </a:r>
+            <a:r>
+              <a:rPr lang="en-US" dirty="0"/>
+              <a:t> implementation of SHA3.</a:t>
+            </a:r>
+          </a:p>
+          <a:p>
+            <a:r>
+              <a:rPr lang="en-US" dirty="0"/>
+              <a:t>We also relied on the provided NIST test vectors for additional assurance of correctness.</a:t>
+            </a:r>
+          </a:p>
+        </p:txBody>
+      </p:sp>
+      <p:sp>
+        <p:nvSpPr>
+          <p:cNvPr id="4" name="Slide Number Placeholder 3"/>
+          <p:cNvSpPr>
+            <a:spLocks noGrp="1"/>
+          </p:cNvSpPr>
+          <p:nvPr>
+            <p:ph type="sldNum" sz="quarter" idx="5"/>
+          </p:nvPr>
+        </p:nvSpPr>
+        <p:spPr/>
+        <p:txBody>
+          <a:bodyPr/>
+          <a:lstStyle/>
+          <a:p>
+            <a:fld id="{F9212696-0A7F-9A4B-8E6F-F66892427D89}" type="slidenum">
+              <a:rPr lang="en-US" smtClean="0"/>
+              <a:t>10</a:t>
+            </a:fld>
+            <a:endParaRPr lang="en-US"/>
+          </a:p>
+        </p:txBody>
+      </p:sp>
+    </p:spTree>
+    <p:extLst>
+      <p:ext uri="{BB962C8B-B14F-4D97-AF65-F5344CB8AC3E}">
+        <p14:creationId xmlns:p14="http://schemas.microsoft.com/office/powerpoint/2010/main" val="219260823"/>
+      </p:ext>
+    </p:extLst>
+  </p:cSld>
+  <p:clrMapOvr>
+    <a:masterClrMapping/>
+  </p:clrMapOvr>
+</p:notes>
+</file>
+
+<file path=ppt/notesSlides/notesSlide11.xml><?xml version="1.0" encoding="utf-8"?>
+<p:notes xmlns:a="http://schemas.openxmlformats.org/drawingml/2006/main" xmlns:r="http://schemas.openxmlformats.org/officeDocument/2006/relationships" xmlns:p="http://schemas.openxmlformats.org/presentationml/2006/main">
+  <p:cSld>
+    <p:spTree>
+      <p:nvGrpSpPr>
+        <p:cNvPr id="1" name=""/>
+        <p:cNvGrpSpPr/>
+        <p:nvPr/>
+      </p:nvGrpSpPr>
+      <p:grpSpPr>
+        <a:xfrm>
+          <a:off x="0" y="0"/>
+          <a:ext cx="0" cy="0"/>
+          <a:chOff x="0" y="0"/>
+          <a:chExt cx="0" cy="0"/>
+        </a:xfrm>
+      </p:grpSpPr>
+      <p:sp>
+        <p:nvSpPr>
+          <p:cNvPr id="2" name="Slide Image Placeholder 1"/>
+          <p:cNvSpPr>
+            <a:spLocks noGrp="1" noRot="1" noChangeAspect="1"/>
+          </p:cNvSpPr>
+          <p:nvPr>
+            <p:ph type="sldImg"/>
+          </p:nvPr>
+        </p:nvSpPr>
+        <p:spPr/>
+      </p:sp>
+      <p:sp>
+        <p:nvSpPr>
+          <p:cNvPr id="3" name="Notes Placeholder 2"/>
+          <p:cNvSpPr>
+            <a:spLocks noGrp="1"/>
+          </p:cNvSpPr>
+          <p:nvPr>
+            <p:ph type="body" idx="1"/>
+          </p:nvPr>
+        </p:nvSpPr>
+        <p:spPr/>
+        <p:txBody>
+          <a:bodyPr/>
+          <a:lstStyle/>
+          <a:p>
+            <a:r>
+              <a:rPr lang="en-US" dirty="0"/>
+              <a:t>OpenSSL’s C implementation formatted the intermediate state differently from the NIST standard.</a:t>
+            </a:r>
+          </a:p>
+          <a:p>
+            <a:r>
+              <a:rPr lang="en-US" dirty="0"/>
+              <a:t>A direct comparison from our visually reviewable </a:t>
+            </a:r>
+            <a:r>
+              <a:rPr lang="en-US" dirty="0" err="1"/>
+              <a:t>Cryptol</a:t>
+            </a:r>
+            <a:r>
+              <a:rPr lang="en-US" dirty="0"/>
+              <a:t> implementation to the OpenSSL implementation was too complex to complete with SAW.</a:t>
+            </a:r>
+          </a:p>
+          <a:p>
+            <a:r>
+              <a:rPr lang="en-US" dirty="0"/>
+              <a:t>Because </a:t>
+            </a:r>
+            <a:r>
+              <a:rPr lang="en-US" dirty="0" err="1"/>
+              <a:t>Cryptol</a:t>
+            </a:r>
+            <a:r>
+              <a:rPr lang="en-US" dirty="0"/>
+              <a:t> is natively supported in SAW, </a:t>
+            </a:r>
+            <a:r>
+              <a:rPr lang="en-US" dirty="0" err="1"/>
+              <a:t>Cryptol</a:t>
+            </a:r>
+            <a:r>
+              <a:rPr lang="en-US" dirty="0"/>
+              <a:t> to </a:t>
+            </a:r>
+            <a:r>
+              <a:rPr lang="en-US" dirty="0" err="1"/>
+              <a:t>Cryptol</a:t>
+            </a:r>
+            <a:r>
+              <a:rPr lang="en-US" dirty="0"/>
+              <a:t> comparisons are more feasible.</a:t>
+            </a:r>
+          </a:p>
+          <a:p>
+            <a:r>
+              <a:rPr lang="en-US" dirty="0"/>
+              <a:t>We produced a second </a:t>
+            </a:r>
+            <a:r>
+              <a:rPr lang="en-US" dirty="0" err="1"/>
+              <a:t>Cryptol</a:t>
+            </a:r>
+            <a:r>
+              <a:rPr lang="en-US" dirty="0"/>
+              <a:t> implementation that followed the OpenSSL’s memory layout and proved the equivalence between the two </a:t>
+            </a:r>
+            <a:r>
+              <a:rPr lang="en-US" dirty="0" err="1"/>
+              <a:t>Cryptol</a:t>
+            </a:r>
+            <a:r>
+              <a:rPr lang="en-US" dirty="0"/>
+              <a:t> implementations.</a:t>
+            </a:r>
+          </a:p>
+          <a:p>
+            <a:r>
+              <a:rPr lang="en-US" dirty="0"/>
+              <a:t>Due to differences in memory, this was done at the top level of the SHA3 algorithm.</a:t>
+            </a:r>
+          </a:p>
+          <a:p>
+            <a:r>
+              <a:rPr lang="en-US" dirty="0"/>
+              <a:t>Strict typing constraints required us to verify for each critical input message size.</a:t>
+            </a:r>
+          </a:p>
+          <a:p>
+            <a:r>
+              <a:rPr lang="en-US" dirty="0"/>
+              <a:t>By verifying all message lengths from 0 to 1088 bits, all possible padding inputs, we covered every conceivable branch.</a:t>
+            </a:r>
+          </a:p>
+        </p:txBody>
+      </p:sp>
+      <p:sp>
+        <p:nvSpPr>
+          <p:cNvPr id="4" name="Slide Number Placeholder 3"/>
+          <p:cNvSpPr>
+            <a:spLocks noGrp="1"/>
+          </p:cNvSpPr>
+          <p:nvPr>
+            <p:ph type="sldNum" sz="quarter" idx="5"/>
+          </p:nvPr>
+        </p:nvSpPr>
+        <p:spPr/>
+        <p:txBody>
+          <a:bodyPr/>
+          <a:lstStyle/>
+          <a:p>
+            <a:fld id="{F9212696-0A7F-9A4B-8E6F-F66892427D89}" type="slidenum">
+              <a:rPr lang="en-US" smtClean="0"/>
+              <a:t>11</a:t>
+            </a:fld>
+            <a:endParaRPr lang="en-US"/>
+          </a:p>
+        </p:txBody>
+      </p:sp>
+    </p:spTree>
+    <p:extLst>
+      <p:ext uri="{BB962C8B-B14F-4D97-AF65-F5344CB8AC3E}">
+        <p14:creationId xmlns:p14="http://schemas.microsoft.com/office/powerpoint/2010/main" val="4142389940"/>
+      </p:ext>
+    </p:extLst>
+  </p:cSld>
+  <p:clrMapOvr>
+    <a:masterClrMapping/>
+  </p:clrMapOvr>
+</p:notes>
+</file>
+
+<file path=ppt/notesSlides/notesSlide12.xml><?xml version="1.0" encoding="utf-8"?>
+<p:notes xmlns:a="http://schemas.openxmlformats.org/drawingml/2006/main" xmlns:r="http://schemas.openxmlformats.org/officeDocument/2006/relationships" xmlns:p="http://schemas.openxmlformats.org/presentationml/2006/main">
+  <p:cSld>
+    <p:spTree>
+      <p:nvGrpSpPr>
+        <p:cNvPr id="1" name=""/>
+        <p:cNvGrpSpPr/>
+        <p:nvPr/>
+      </p:nvGrpSpPr>
+      <p:grpSpPr>
+        <a:xfrm>
+          <a:off x="0" y="0"/>
+          <a:ext cx="0" cy="0"/>
+          <a:chOff x="0" y="0"/>
+          <a:chExt cx="0" cy="0"/>
+        </a:xfrm>
+      </p:grpSpPr>
+      <p:sp>
+        <p:nvSpPr>
+          <p:cNvPr id="2" name="Slide Image Placeholder 1"/>
+          <p:cNvSpPr>
+            <a:spLocks noGrp="1" noRot="1" noChangeAspect="1"/>
+          </p:cNvSpPr>
+          <p:nvPr>
+            <p:ph type="sldImg"/>
+          </p:nvPr>
+        </p:nvSpPr>
+        <p:spPr/>
+      </p:sp>
+      <p:sp>
+        <p:nvSpPr>
+          <p:cNvPr id="3" name="Notes Placeholder 2"/>
+          <p:cNvSpPr>
+            <a:spLocks noGrp="1"/>
+          </p:cNvSpPr>
+          <p:nvPr>
+            <p:ph type="body" idx="1"/>
+          </p:nvPr>
+        </p:nvSpPr>
+        <p:spPr/>
+        <p:txBody>
+          <a:bodyPr/>
+          <a:lstStyle/>
+          <a:p>
+            <a:r>
+              <a:rPr lang="en-US" dirty="0"/>
+              <a:t>&lt;What should we cover here?&gt;</a:t>
+            </a:r>
+          </a:p>
+        </p:txBody>
+      </p:sp>
+      <p:sp>
+        <p:nvSpPr>
+          <p:cNvPr id="4" name="Slide Number Placeholder 3"/>
+          <p:cNvSpPr>
+            <a:spLocks noGrp="1"/>
+          </p:cNvSpPr>
+          <p:nvPr>
+            <p:ph type="sldNum" sz="quarter" idx="5"/>
+          </p:nvPr>
+        </p:nvSpPr>
+        <p:spPr/>
+        <p:txBody>
+          <a:bodyPr/>
+          <a:lstStyle/>
+          <a:p>
+            <a:fld id="{F9212696-0A7F-9A4B-8E6F-F66892427D89}" type="slidenum">
+              <a:rPr lang="en-US" smtClean="0"/>
+              <a:t>12</a:t>
+            </a:fld>
+            <a:endParaRPr lang="en-US"/>
+          </a:p>
+        </p:txBody>
+      </p:sp>
+    </p:spTree>
+    <p:extLst>
+      <p:ext uri="{BB962C8B-B14F-4D97-AF65-F5344CB8AC3E}">
+        <p14:creationId xmlns:p14="http://schemas.microsoft.com/office/powerpoint/2010/main" val="2212572720"/>
+      </p:ext>
+    </p:extLst>
+  </p:cSld>
+  <p:clrMapOvr>
+    <a:masterClrMapping/>
+  </p:clrMapOvr>
+</p:notes>
+</file>
+
+<file path=ppt/notesSlides/notesSlide13.xml><?xml version="1.0" encoding="utf-8"?>
+<p:notes xmlns:a="http://schemas.openxmlformats.org/drawingml/2006/main" xmlns:r="http://schemas.openxmlformats.org/officeDocument/2006/relationships" xmlns:p="http://schemas.openxmlformats.org/presentationml/2006/main">
+  <p:cSld>
+    <p:spTree>
+      <p:nvGrpSpPr>
+        <p:cNvPr id="1" name=""/>
+        <p:cNvGrpSpPr/>
+        <p:nvPr/>
+      </p:nvGrpSpPr>
+      <p:grpSpPr>
+        <a:xfrm>
+          <a:off x="0" y="0"/>
+          <a:ext cx="0" cy="0"/>
+          <a:chOff x="0" y="0"/>
+          <a:chExt cx="0" cy="0"/>
+        </a:xfrm>
+      </p:grpSpPr>
+      <p:sp>
+        <p:nvSpPr>
+          <p:cNvPr id="2" name="Slide Image Placeholder 1"/>
+          <p:cNvSpPr>
+            <a:spLocks noGrp="1" noRot="1" noChangeAspect="1"/>
+          </p:cNvSpPr>
+          <p:nvPr>
+            <p:ph type="sldImg"/>
+          </p:nvPr>
+        </p:nvSpPr>
+        <p:spPr/>
+      </p:sp>
+      <p:sp>
+        <p:nvSpPr>
+          <p:cNvPr id="3" name="Notes Placeholder 2"/>
+          <p:cNvSpPr>
+            <a:spLocks noGrp="1"/>
+          </p:cNvSpPr>
+          <p:nvPr>
+            <p:ph type="body" idx="1"/>
+          </p:nvPr>
+        </p:nvSpPr>
+        <p:spPr/>
+        <p:txBody>
+          <a:bodyPr/>
+          <a:lstStyle/>
+          <a:p>
+            <a:r>
+              <a:rPr lang="en-US" dirty="0"/>
+              <a:t>Keccak was too difficult to prove, yet due to its modularity we could prove each of the inner functions individually.</a:t>
+            </a:r>
+          </a:p>
+        </p:txBody>
+      </p:sp>
+      <p:sp>
+        <p:nvSpPr>
+          <p:cNvPr id="4" name="Slide Number Placeholder 3"/>
+          <p:cNvSpPr>
+            <a:spLocks noGrp="1"/>
+          </p:cNvSpPr>
+          <p:nvPr>
+            <p:ph type="sldNum" sz="quarter" idx="5"/>
+          </p:nvPr>
+        </p:nvSpPr>
+        <p:spPr/>
+        <p:txBody>
+          <a:bodyPr/>
+          <a:lstStyle/>
+          <a:p>
+            <a:fld id="{F9212696-0A7F-9A4B-8E6F-F66892427D89}" type="slidenum">
+              <a:rPr lang="en-US" smtClean="0"/>
+              <a:t>13</a:t>
+            </a:fld>
+            <a:endParaRPr lang="en-US"/>
+          </a:p>
+        </p:txBody>
+      </p:sp>
+    </p:spTree>
+    <p:extLst>
+      <p:ext uri="{BB962C8B-B14F-4D97-AF65-F5344CB8AC3E}">
+        <p14:creationId xmlns:p14="http://schemas.microsoft.com/office/powerpoint/2010/main" val="4219573111"/>
+      </p:ext>
+    </p:extLst>
+  </p:cSld>
+  <p:clrMapOvr>
+    <a:masterClrMapping/>
+  </p:clrMapOvr>
+</p:notes>
+</file>
+
+<file path=ppt/notesSlides/notesSlide14.xml><?xml version="1.0" encoding="utf-8"?>
+<p:notes xmlns:a="http://schemas.openxmlformats.org/drawingml/2006/main" xmlns:r="http://schemas.openxmlformats.org/officeDocument/2006/relationships" xmlns:p="http://schemas.openxmlformats.org/presentationml/2006/main">
+  <p:cSld>
+    <p:spTree>
+      <p:nvGrpSpPr>
+        <p:cNvPr id="1" name=""/>
+        <p:cNvGrpSpPr/>
+        <p:nvPr/>
+      </p:nvGrpSpPr>
+      <p:grpSpPr>
+        <a:xfrm>
+          <a:off x="0" y="0"/>
+          <a:ext cx="0" cy="0"/>
+          <a:chOff x="0" y="0"/>
+          <a:chExt cx="0" cy="0"/>
+        </a:xfrm>
+      </p:grpSpPr>
+      <p:sp>
+        <p:nvSpPr>
+          <p:cNvPr id="2" name="Slide Image Placeholder 1"/>
+          <p:cNvSpPr>
+            <a:spLocks noGrp="1" noRot="1" noChangeAspect="1"/>
+          </p:cNvSpPr>
+          <p:nvPr>
+            <p:ph type="sldImg"/>
+          </p:nvPr>
+        </p:nvSpPr>
+        <p:spPr/>
+      </p:sp>
+      <p:sp>
+        <p:nvSpPr>
+          <p:cNvPr id="3" name="Notes Placeholder 2"/>
+          <p:cNvSpPr>
+            <a:spLocks noGrp="1"/>
+          </p:cNvSpPr>
+          <p:nvPr>
+            <p:ph type="body" idx="1"/>
+          </p:nvPr>
+        </p:nvSpPr>
+        <p:spPr/>
+        <p:txBody>
+          <a:bodyPr/>
+          <a:lstStyle/>
+          <a:p>
+            <a:r>
+              <a:rPr lang="en-US" dirty="0"/>
+              <a:t>Each smaller transformation function was compared and shown equivalent.</a:t>
+            </a:r>
+          </a:p>
+        </p:txBody>
+      </p:sp>
+      <p:sp>
+        <p:nvSpPr>
+          <p:cNvPr id="4" name="Slide Number Placeholder 3"/>
+          <p:cNvSpPr>
+            <a:spLocks noGrp="1"/>
+          </p:cNvSpPr>
+          <p:nvPr>
+            <p:ph type="sldNum" sz="quarter" idx="5"/>
+          </p:nvPr>
+        </p:nvSpPr>
+        <p:spPr/>
+        <p:txBody>
+          <a:bodyPr/>
+          <a:lstStyle/>
+          <a:p>
+            <a:fld id="{F9212696-0A7F-9A4B-8E6F-F66892427D89}" type="slidenum">
+              <a:rPr lang="en-US" smtClean="0"/>
+              <a:t>14</a:t>
+            </a:fld>
+            <a:endParaRPr lang="en-US"/>
+          </a:p>
+        </p:txBody>
+      </p:sp>
+    </p:spTree>
+    <p:extLst>
+      <p:ext uri="{BB962C8B-B14F-4D97-AF65-F5344CB8AC3E}">
+        <p14:creationId xmlns:p14="http://schemas.microsoft.com/office/powerpoint/2010/main" val="4238549404"/>
+      </p:ext>
+    </p:extLst>
+  </p:cSld>
+  <p:clrMapOvr>
+    <a:masterClrMapping/>
+  </p:clrMapOvr>
+</p:notes>
+</file>
+
+<file path=ppt/notesSlides/notesSlide15.xml><?xml version="1.0" encoding="utf-8"?>
+<p:notes xmlns:a="http://schemas.openxmlformats.org/drawingml/2006/main" xmlns:r="http://schemas.openxmlformats.org/officeDocument/2006/relationships" xmlns:p="http://schemas.openxmlformats.org/presentationml/2006/main">
+  <p:cSld>
+    <p:spTree>
+      <p:nvGrpSpPr>
+        <p:cNvPr id="1" name=""/>
+        <p:cNvGrpSpPr/>
+        <p:nvPr/>
+      </p:nvGrpSpPr>
+      <p:grpSpPr>
+        <a:xfrm>
+          <a:off x="0" y="0"/>
+          <a:ext cx="0" cy="0"/>
+          <a:chOff x="0" y="0"/>
+          <a:chExt cx="0" cy="0"/>
+        </a:xfrm>
+      </p:grpSpPr>
+      <p:sp>
+        <p:nvSpPr>
+          <p:cNvPr id="2" name="Slide Image Placeholder 1"/>
+          <p:cNvSpPr>
+            <a:spLocks noGrp="1" noRot="1" noChangeAspect="1"/>
+          </p:cNvSpPr>
+          <p:nvPr>
+            <p:ph type="sldImg"/>
+          </p:nvPr>
+        </p:nvSpPr>
+        <p:spPr/>
+      </p:sp>
+      <p:sp>
+        <p:nvSpPr>
+          <p:cNvPr id="3" name="Notes Placeholder 2"/>
+          <p:cNvSpPr>
+            <a:spLocks noGrp="1"/>
+          </p:cNvSpPr>
+          <p:nvPr>
+            <p:ph type="body" idx="1"/>
+          </p:nvPr>
+        </p:nvSpPr>
+        <p:spPr/>
+        <p:txBody>
+          <a:bodyPr/>
+          <a:lstStyle/>
+          <a:p>
+            <a:r>
+              <a:rPr lang="en-US" dirty="0"/>
+              <a:t>Through SAW overrides, we lessened the complexity of the generated computational models.</a:t>
+            </a:r>
+          </a:p>
+          <a:p>
+            <a:r>
+              <a:rPr lang="en-US" dirty="0"/>
+              <a:t>This allowed the solver to complete within a reasonable time.</a:t>
+            </a:r>
+          </a:p>
+        </p:txBody>
+      </p:sp>
+      <p:sp>
+        <p:nvSpPr>
+          <p:cNvPr id="4" name="Slide Number Placeholder 3"/>
+          <p:cNvSpPr>
+            <a:spLocks noGrp="1"/>
+          </p:cNvSpPr>
+          <p:nvPr>
+            <p:ph type="sldNum" sz="quarter" idx="5"/>
+          </p:nvPr>
+        </p:nvSpPr>
+        <p:spPr/>
+        <p:txBody>
+          <a:bodyPr/>
+          <a:lstStyle/>
+          <a:p>
+            <a:fld id="{F9212696-0A7F-9A4B-8E6F-F66892427D89}" type="slidenum">
+              <a:rPr lang="en-US" smtClean="0"/>
+              <a:t>15</a:t>
+            </a:fld>
+            <a:endParaRPr lang="en-US"/>
+          </a:p>
+        </p:txBody>
+      </p:sp>
+    </p:spTree>
+    <p:extLst>
+      <p:ext uri="{BB962C8B-B14F-4D97-AF65-F5344CB8AC3E}">
+        <p14:creationId xmlns:p14="http://schemas.microsoft.com/office/powerpoint/2010/main" val="536158739"/>
       </p:ext>
     </p:extLst>
   </p:cSld>
@@ -606,7 +1301,24 @@
           <a:bodyPr/>
           <a:lstStyle/>
           <a:p>
-            <a:endParaRPr lang="en-US" dirty="0"/>
+            <a:r>
+              <a:rPr lang="en-US" dirty="0"/>
+              <a:t>What is </a:t>
+            </a:r>
+            <a:r>
+              <a:rPr lang="en-US" dirty="0" err="1"/>
+              <a:t>cryptol</a:t>
+            </a:r>
+            <a:r>
+              <a:rPr lang="en-US" dirty="0"/>
+              <a:t>?</a:t>
+            </a:r>
+          </a:p>
+          <a:p>
+            <a:r>
+              <a:rPr lang="en-US" dirty="0"/>
+              <a:t>What is SAW?</a:t>
+            </a:r>
           </a:p>
         </p:txBody>
       </p:sp>
@@ -627,7 +1339,7 @@
           <a:p>
             <a:fld id="{F9212696-0A7F-9A4B-8E6F-F66892427D89}" type="slidenum">
               <a:rPr lang="en-US" smtClean="0"/>
-              <a:t>3</a:t>
+              <a:t>2</a:t>
             </a:fld>
             <a:endParaRPr lang="en-US"/>
           </a:p>
@@ -636,7 +1348,7 @@
     </p:spTree>
     <p:extLst>
       <p:ext uri="{BB962C8B-B14F-4D97-AF65-F5344CB8AC3E}">
-        <p14:creationId xmlns:p14="http://schemas.microsoft.com/office/powerpoint/2010/main" val="14635794"/>
+        <p14:creationId xmlns:p14="http://schemas.microsoft.com/office/powerpoint/2010/main" val="1844282506"/>
       </p:ext>
     </p:extLst>
   </p:cSld>
@@ -692,74 +1404,17 @@
           <a:p>
             <a:r>
               <a:rPr lang="en-US" dirty="0"/>
-              <a:t>SHA-2 is a compression based algorithm.</a:t>
+              <a:t>Galois used SAW to prove HMAC and other crypto structures to be correct.</a:t>
             </a:r>
           </a:p>
           <a:p>
             <a:r>
               <a:rPr lang="en-US" dirty="0"/>
-              <a:t>It is not modular, so it had to be decomposed to be proved out in SAW.</a:t>
-            </a:r>
-          </a:p>
-          <a:p>
-            <a:r>
-              <a:rPr lang="en-US" dirty="0"/>
-              <a:t>Each decomposed piece shown equivalent to a </a:t>
-            </a:r>
-            <a:r>
-              <a:rPr lang="en-US" dirty="0" err="1"/>
-              <a:t>Cryptol</a:t>
-            </a:r>
-            <a:r>
-              <a:rPr lang="en-US" dirty="0"/>
-              <a:t> specification.</a:t>
-            </a:r>
-          </a:p>
-          <a:p>
-            <a:r>
-              <a:rPr lang="en-US" dirty="0"/>
-              <a:t>Use overrides to replace decomposed piece with the </a:t>
-            </a:r>
-            <a:r>
-              <a:rPr lang="en-US" dirty="0" err="1"/>
-              <a:t>Cryptol</a:t>
-            </a:r>
-            <a:r>
-              <a:rPr lang="en-US" dirty="0"/>
-              <a:t>.</a:t>
-            </a:r>
-          </a:p>
-          <a:p>
-            <a:r>
-              <a:rPr lang="en-US" dirty="0"/>
-              <a:t>Reduced the complexity of the proof of equivalence to a </a:t>
-            </a:r>
-            <a:r>
-              <a:rPr lang="en-US" dirty="0" err="1"/>
-              <a:t>Cryptol</a:t>
-            </a:r>
-            <a:r>
-              <a:rPr lang="en-US" dirty="0"/>
-              <a:t> specification for SHA-2.</a:t>
-            </a:r>
-          </a:p>
-          <a:p>
-            <a:endParaRPr lang="en-US" dirty="0"/>
-          </a:p>
-          <a:p>
-            <a:r>
-              <a:rPr lang="en-US" dirty="0"/>
-              <a:t>What about SHA-2.</a:t>
-            </a:r>
-          </a:p>
-          <a:p>
-            <a:r>
-              <a:rPr lang="en-US" dirty="0"/>
-              <a:t>The sponge construction is inherently more modular so it should lend itself better to SAW---no need for a </a:t>
+              <a:t>The HMAC proof assumes correctness of the </a:t>
             </a:r>
             <a:r>
               <a:rPr lang="en-US"/>
-              <a:t>decomposition.</a:t>
+              <a:t>SHA2 algorithm</a:t>
             </a:r>
             <a:endParaRPr lang="en-US" dirty="0"/>
           </a:p>
@@ -782,7 +1437,7 @@
           <a:p>
             <a:fld id="{F9212696-0A7F-9A4B-8E6F-F66892427D89}" type="slidenum">
               <a:rPr lang="en-US" smtClean="0"/>
-              <a:t>4</a:t>
+              <a:t>3</a:t>
             </a:fld>
             <a:endParaRPr lang="en-US"/>
           </a:p>
@@ -791,7 +1446,7 @@
     </p:spTree>
     <p:extLst>
       <p:ext uri="{BB962C8B-B14F-4D97-AF65-F5344CB8AC3E}">
-        <p14:creationId xmlns:p14="http://schemas.microsoft.com/office/powerpoint/2010/main" val="2947933415"/>
+        <p14:creationId xmlns:p14="http://schemas.microsoft.com/office/powerpoint/2010/main" val="14635794"/>
       </p:ext>
     </p:extLst>
   </p:cSld>
@@ -845,36 +1500,73 @@
           <a:bodyPr/>
           <a:lstStyle/>
           <a:p>
-            <a:pPr marL="0" marR="0" lvl="0" indent="0" algn="l" defTabSz="914400" rtl="0" eaLnBrk="1" fontAlgn="auto" latinLnBrk="0" hangingPunct="1">
-              <a:lnSpc>
-                <a:spcPct val="100000"/>
-              </a:lnSpc>
-              <a:spcBef>
-                <a:spcPts val="0"/>
-              </a:spcBef>
-              <a:spcAft>
-                <a:spcPts val="0"/>
-              </a:spcAft>
-              <a:buClrTx/>
-              <a:buSzTx/>
-              <a:buFontTx/>
-              <a:buNone/>
-              <a:tabLst/>
-              <a:defRPr/>
-            </a:pPr>
-            <a:r>
-              <a:rPr lang="en-US" sz="1200" kern="1200" dirty="0">
-                <a:solidFill>
-                  <a:schemeClr val="tx1"/>
-                </a:solidFill>
-                <a:effectLst/>
-                <a:latin typeface="+mn-lt"/>
-                <a:ea typeface="+mn-ea"/>
-                <a:cs typeface="+mn-cs"/>
-              </a:rPr>
-              <a:t>n ≥ 0 and (d, r) ∈ {(224, 1152) (256, 1088) (384, 832) (512, 576)} </a:t>
-            </a:r>
+            <a:r>
+              <a:rPr lang="en-US" dirty="0"/>
+              <a:t>SHA-2 is a compression-based algorithm.</a:t>
+            </a:r>
+          </a:p>
+          <a:p>
+            <a:r>
+              <a:rPr lang="en-US" dirty="0"/>
+              <a:t>It is not modular, so it had to be decomposed to be proved out in SAW.</a:t>
+            </a:r>
+          </a:p>
+          <a:p>
+            <a:r>
+              <a:rPr lang="en-US" dirty="0"/>
+              <a:t>Each decomposed piece shown equivalent to a </a:t>
+            </a:r>
+            <a:r>
+              <a:rPr lang="en-US" dirty="0" err="1"/>
+              <a:t>Cryptol</a:t>
+            </a:r>
+            <a:r>
+              <a:rPr lang="en-US" dirty="0"/>
+              <a:t> specification.</a:t>
+            </a:r>
+          </a:p>
+          <a:p>
+            <a:r>
+              <a:rPr lang="en-US" dirty="0"/>
+              <a:t>Use overrides to replace decomposed piece with the </a:t>
+            </a:r>
+            <a:r>
+              <a:rPr lang="en-US" dirty="0" err="1"/>
+              <a:t>Cryptol</a:t>
+            </a:r>
+            <a:r>
+              <a:rPr lang="en-US" dirty="0"/>
+              <a:t>.</a:t>
+            </a:r>
+          </a:p>
+          <a:p>
+            <a:r>
+              <a:rPr lang="en-US" dirty="0"/>
+              <a:t>Reduced the complexity of the proof of equivalence to a </a:t>
+            </a:r>
+            <a:r>
+              <a:rPr lang="en-US" dirty="0" err="1"/>
+              <a:t>Cryptol</a:t>
+            </a:r>
+            <a:r>
+              <a:rPr lang="en-US" dirty="0"/>
+              <a:t> specification for SHA-2.</a:t>
+            </a:r>
+          </a:p>
+          <a:p>
             <a:endParaRPr lang="en-US" dirty="0"/>
+          </a:p>
+          <a:p>
+            <a:r>
+              <a:rPr lang="en-US" dirty="0"/>
+              <a:t>What about SHA-2.</a:t>
+            </a:r>
+          </a:p>
+          <a:p>
+            <a:r>
+              <a:rPr lang="en-US" dirty="0"/>
+              <a:t>The sponge construction is inherently more modular so it should lend itself better to SAW---no need for a decomposition.</a:t>
+            </a:r>
           </a:p>
         </p:txBody>
       </p:sp>
@@ -895,7 +1587,7 @@
           <a:p>
             <a:fld id="{F9212696-0A7F-9A4B-8E6F-F66892427D89}" type="slidenum">
               <a:rPr lang="en-US" smtClean="0"/>
-              <a:t>5</a:t>
+              <a:t>4</a:t>
             </a:fld>
             <a:endParaRPr lang="en-US"/>
           </a:p>
@@ -904,7 +1596,7 @@
     </p:spTree>
     <p:extLst>
       <p:ext uri="{BB962C8B-B14F-4D97-AF65-F5344CB8AC3E}">
-        <p14:creationId xmlns:p14="http://schemas.microsoft.com/office/powerpoint/2010/main" val="2911163790"/>
+        <p14:creationId xmlns:p14="http://schemas.microsoft.com/office/powerpoint/2010/main" val="2947933415"/>
       </p:ext>
     </p:extLst>
   </p:cSld>
@@ -958,9 +1650,287 @@
           <a:bodyPr/>
           <a:lstStyle/>
           <a:p>
-            <a:r>
-              <a:rPr lang="en-US" dirty="0"/>
-              <a:t>Sponge construction versus compression-based construction in SHA-2</a:t>
+            <a:pPr marL="0" marR="0" lvl="0" indent="0" algn="l" defTabSz="914400" rtl="0" eaLnBrk="1" fontAlgn="auto" latinLnBrk="0" hangingPunct="1">
+              <a:lnSpc>
+                <a:spcPct val="100000"/>
+              </a:lnSpc>
+              <a:spcBef>
+                <a:spcPts val="0"/>
+              </a:spcBef>
+              <a:spcAft>
+                <a:spcPts val="0"/>
+              </a:spcAft>
+              <a:buClrTx/>
+              <a:buSzTx/>
+              <a:buFontTx/>
+              <a:buNone/>
+              <a:tabLst/>
+              <a:defRPr/>
+            </a:pPr>
+            <a:r>
+              <a:rPr lang="en-US" sz="1200" kern="1200" dirty="0">
+                <a:solidFill>
+                  <a:schemeClr val="tx1"/>
+                </a:solidFill>
+                <a:effectLst/>
+                <a:latin typeface="+mn-lt"/>
+                <a:ea typeface="+mn-ea"/>
+                <a:cs typeface="+mn-cs"/>
+              </a:rPr>
+              <a:t>n ≥ 0 and (d, r) ∈ {(224, 1152) (256, 1088) (384, 832) (512, 576)} </a:t>
+            </a:r>
+          </a:p>
+          <a:p>
+            <a:pPr marL="0" marR="0" lvl="0" indent="0" algn="l" defTabSz="914400" rtl="0" eaLnBrk="1" fontAlgn="auto" latinLnBrk="0" hangingPunct="1">
+              <a:lnSpc>
+                <a:spcPct val="100000"/>
+              </a:lnSpc>
+              <a:spcBef>
+                <a:spcPts val="0"/>
+              </a:spcBef>
+              <a:spcAft>
+                <a:spcPts val="0"/>
+              </a:spcAft>
+              <a:buClrTx/>
+              <a:buSzTx/>
+              <a:buFontTx/>
+              <a:buNone/>
+              <a:tabLst/>
+              <a:defRPr/>
+            </a:pPr>
+            <a:endParaRPr lang="en-US" sz="1200" kern="1200" dirty="0">
+              <a:solidFill>
+                <a:schemeClr val="tx1"/>
+              </a:solidFill>
+              <a:effectLst/>
+              <a:latin typeface="+mn-lt"/>
+              <a:ea typeface="+mn-ea"/>
+              <a:cs typeface="+mn-cs"/>
+            </a:endParaRPr>
+          </a:p>
+          <a:p>
+            <a:pPr marL="0" marR="0" lvl="0" indent="0" algn="l" defTabSz="914400" rtl="0" eaLnBrk="1" fontAlgn="auto" latinLnBrk="0" hangingPunct="1">
+              <a:lnSpc>
+                <a:spcPct val="100000"/>
+              </a:lnSpc>
+              <a:spcBef>
+                <a:spcPts val="0"/>
+              </a:spcBef>
+              <a:spcAft>
+                <a:spcPts val="0"/>
+              </a:spcAft>
+              <a:buClrTx/>
+              <a:buSzTx/>
+              <a:buFontTx/>
+              <a:buNone/>
+              <a:tabLst/>
+              <a:defRPr/>
+            </a:pPr>
+            <a:r>
+              <a:rPr lang="en-US" sz="1200" kern="1200" dirty="0">
+                <a:solidFill>
+                  <a:schemeClr val="tx1"/>
+                </a:solidFill>
+                <a:effectLst/>
+                <a:latin typeface="+mn-lt"/>
+                <a:ea typeface="+mn-ea"/>
+                <a:cs typeface="+mn-cs"/>
+              </a:rPr>
+              <a:t>With d=</a:t>
+            </a:r>
+            <a:r>
+              <a:rPr lang="en-US" sz="1200" kern="1200" dirty="0" err="1">
+                <a:solidFill>
+                  <a:schemeClr val="tx1"/>
+                </a:solidFill>
+                <a:effectLst/>
+                <a:latin typeface="+mn-lt"/>
+                <a:ea typeface="+mn-ea"/>
+                <a:cs typeface="+mn-cs"/>
+              </a:rPr>
+              <a:t>digest_size</a:t>
+            </a:r>
+            <a:r>
+              <a:rPr lang="en-US" sz="1200" kern="1200" dirty="0">
+                <a:solidFill>
+                  <a:schemeClr val="tx1"/>
+                </a:solidFill>
+                <a:effectLst/>
+                <a:latin typeface="+mn-lt"/>
+                <a:ea typeface="+mn-ea"/>
+                <a:cs typeface="+mn-cs"/>
+              </a:rPr>
+              <a:t>, r=rate, n=</a:t>
+            </a:r>
+            <a:r>
+              <a:rPr lang="en-US" sz="1200" kern="1200" dirty="0" err="1">
+                <a:solidFill>
+                  <a:schemeClr val="tx1"/>
+                </a:solidFill>
+                <a:effectLst/>
+                <a:latin typeface="+mn-lt"/>
+                <a:ea typeface="+mn-ea"/>
+                <a:cs typeface="+mn-cs"/>
+              </a:rPr>
+              <a:t>input_size</a:t>
+            </a:r>
+            <a:endParaRPr lang="en-US" sz="1200" kern="1200" dirty="0">
+              <a:solidFill>
+                <a:schemeClr val="tx1"/>
+              </a:solidFill>
+              <a:effectLst/>
+              <a:latin typeface="+mn-lt"/>
+              <a:ea typeface="+mn-ea"/>
+              <a:cs typeface="+mn-cs"/>
+            </a:endParaRPr>
+          </a:p>
+          <a:p>
+            <a:pPr marL="0" marR="0" lvl="0" indent="0" algn="l" defTabSz="914400" rtl="0" eaLnBrk="1" fontAlgn="auto" latinLnBrk="0" hangingPunct="1">
+              <a:lnSpc>
+                <a:spcPct val="100000"/>
+              </a:lnSpc>
+              <a:spcBef>
+                <a:spcPts val="0"/>
+              </a:spcBef>
+              <a:spcAft>
+                <a:spcPts val="0"/>
+              </a:spcAft>
+              <a:buClrTx/>
+              <a:buSzTx/>
+              <a:buFontTx/>
+              <a:buNone/>
+              <a:tabLst/>
+              <a:defRPr/>
+            </a:pPr>
+            <a:r>
+              <a:rPr lang="en-US" sz="1200" kern="1200" dirty="0">
+                <a:solidFill>
+                  <a:schemeClr val="tx1"/>
+                </a:solidFill>
+                <a:effectLst/>
+                <a:latin typeface="+mn-lt"/>
+                <a:ea typeface="+mn-ea"/>
+                <a:cs typeface="+mn-cs"/>
+              </a:rPr>
+              <a:t>VERIFY ^</a:t>
+            </a:r>
+          </a:p>
+          <a:p>
+            <a:pPr marL="0" marR="0" lvl="0" indent="0" algn="l" defTabSz="914400" rtl="0" eaLnBrk="1" fontAlgn="auto" latinLnBrk="0" hangingPunct="1">
+              <a:lnSpc>
+                <a:spcPct val="100000"/>
+              </a:lnSpc>
+              <a:spcBef>
+                <a:spcPts val="0"/>
+              </a:spcBef>
+              <a:spcAft>
+                <a:spcPts val="0"/>
+              </a:spcAft>
+              <a:buClrTx/>
+              <a:buSzTx/>
+              <a:buFontTx/>
+              <a:buNone/>
+              <a:tabLst/>
+              <a:defRPr/>
+            </a:pPr>
+            <a:endParaRPr lang="en-US" sz="1200" kern="1200" dirty="0">
+              <a:solidFill>
+                <a:schemeClr val="tx1"/>
+              </a:solidFill>
+              <a:effectLst/>
+              <a:latin typeface="+mn-lt"/>
+              <a:ea typeface="+mn-ea"/>
+              <a:cs typeface="+mn-cs"/>
+            </a:endParaRPr>
+          </a:p>
+          <a:p>
+            <a:pPr marL="0" marR="0" lvl="0" indent="0" algn="l" defTabSz="914400" rtl="0" eaLnBrk="1" fontAlgn="auto" latinLnBrk="0" hangingPunct="1">
+              <a:lnSpc>
+                <a:spcPct val="100000"/>
+              </a:lnSpc>
+              <a:spcBef>
+                <a:spcPts val="0"/>
+              </a:spcBef>
+              <a:spcAft>
+                <a:spcPts val="0"/>
+              </a:spcAft>
+              <a:buClrTx/>
+              <a:buSzTx/>
+              <a:buFontTx/>
+              <a:buNone/>
+              <a:tabLst/>
+              <a:defRPr/>
+            </a:pPr>
+            <a:r>
+              <a:rPr lang="en-US" sz="1200" kern="1200" dirty="0">
+                <a:solidFill>
+                  <a:schemeClr val="tx1"/>
+                </a:solidFill>
+                <a:effectLst/>
+                <a:latin typeface="+mn-lt"/>
+                <a:ea typeface="+mn-ea"/>
+                <a:cs typeface="+mn-cs"/>
+              </a:rPr>
+              <a:t>SHA3 handles its input differently from its predecessors.</a:t>
+            </a:r>
+          </a:p>
+          <a:p>
+            <a:pPr marL="0" marR="0" lvl="0" indent="0" algn="l" defTabSz="914400" rtl="0" eaLnBrk="1" fontAlgn="auto" latinLnBrk="0" hangingPunct="1">
+              <a:lnSpc>
+                <a:spcPct val="100000"/>
+              </a:lnSpc>
+              <a:spcBef>
+                <a:spcPts val="0"/>
+              </a:spcBef>
+              <a:spcAft>
+                <a:spcPts val="0"/>
+              </a:spcAft>
+              <a:buClrTx/>
+              <a:buSzTx/>
+              <a:buFontTx/>
+              <a:buNone/>
+              <a:tabLst/>
+              <a:defRPr/>
+            </a:pPr>
+            <a:endParaRPr lang="en-US" sz="1200" kern="1200" dirty="0">
+              <a:solidFill>
+                <a:schemeClr val="tx1"/>
+              </a:solidFill>
+              <a:effectLst/>
+              <a:latin typeface="+mn-lt"/>
+              <a:ea typeface="+mn-ea"/>
+              <a:cs typeface="+mn-cs"/>
+            </a:endParaRPr>
+          </a:p>
+          <a:p>
+            <a:pPr marL="0" marR="0" lvl="0" indent="0" algn="l" defTabSz="914400" rtl="0" eaLnBrk="1" fontAlgn="auto" latinLnBrk="0" hangingPunct="1">
+              <a:lnSpc>
+                <a:spcPct val="100000"/>
+              </a:lnSpc>
+              <a:spcBef>
+                <a:spcPts val="0"/>
+              </a:spcBef>
+              <a:spcAft>
+                <a:spcPts val="0"/>
+              </a:spcAft>
+              <a:buClrTx/>
+              <a:buSzTx/>
+              <a:buFontTx/>
+              <a:buNone/>
+              <a:tabLst/>
+              <a:defRPr/>
+            </a:pPr>
+            <a:r>
+              <a:rPr lang="en-US" sz="1200" kern="1200" dirty="0">
+                <a:solidFill>
+                  <a:schemeClr val="tx1"/>
+                </a:solidFill>
+                <a:effectLst/>
+                <a:latin typeface="+mn-lt"/>
+                <a:ea typeface="+mn-ea"/>
+                <a:cs typeface="+mn-cs"/>
+              </a:rPr>
+              <a:t>&lt;Possible description of sponge?&gt;</a:t>
             </a:r>
           </a:p>
         </p:txBody>
@@ -982,7 +1952,7 @@
           <a:p>
             <a:fld id="{F9212696-0A7F-9A4B-8E6F-F66892427D89}" type="slidenum">
               <a:rPr lang="en-US" smtClean="0"/>
-              <a:t>7</a:t>
+              <a:t>5</a:t>
             </a:fld>
             <a:endParaRPr lang="en-US"/>
           </a:p>
@@ -991,7 +1961,7 @@
     </p:spTree>
     <p:extLst>
       <p:ext uri="{BB962C8B-B14F-4D97-AF65-F5344CB8AC3E}">
-        <p14:creationId xmlns:p14="http://schemas.microsoft.com/office/powerpoint/2010/main" val="196083981"/>
+        <p14:creationId xmlns:p14="http://schemas.microsoft.com/office/powerpoint/2010/main" val="2911163790"/>
       </p:ext>
     </p:extLst>
   </p:cSld>
@@ -1045,7 +2015,16 @@
           <a:bodyPr/>
           <a:lstStyle/>
           <a:p>
-            <a:endParaRPr lang="en-US" dirty="0"/>
+            <a:r>
+              <a:rPr lang="en-US" dirty="0"/>
+              <a:t>Keccak consists of five functions.</a:t>
+            </a:r>
+          </a:p>
+          <a:p>
+            <a:r>
+              <a:rPr lang="en-US" dirty="0"/>
+              <a:t>Each function performs an independent state transformation.</a:t>
+            </a:r>
           </a:p>
         </p:txBody>
       </p:sp>
@@ -1066,7 +2045,7 @@
           <a:p>
             <a:fld id="{F9212696-0A7F-9A4B-8E6F-F66892427D89}" type="slidenum">
               <a:rPr lang="en-US" smtClean="0"/>
-              <a:t>8</a:t>
+              <a:t>6</a:t>
             </a:fld>
             <a:endParaRPr lang="en-US"/>
           </a:p>
@@ -1075,7 +2054,7 @@
     </p:spTree>
     <p:extLst>
       <p:ext uri="{BB962C8B-B14F-4D97-AF65-F5344CB8AC3E}">
-        <p14:creationId xmlns:p14="http://schemas.microsoft.com/office/powerpoint/2010/main" val="2796285379"/>
+        <p14:creationId xmlns:p14="http://schemas.microsoft.com/office/powerpoint/2010/main" val="4106580584"/>
       </p:ext>
     </p:extLst>
   </p:cSld>
@@ -1129,7 +2108,19 @@
           <a:bodyPr/>
           <a:lstStyle/>
           <a:p>
+            <a:r>
+              <a:rPr lang="en-US" dirty="0"/>
+              <a:t>Sponge construction versus compression-based construction in SHA-2</a:t>
+            </a:r>
+          </a:p>
+          <a:p>
             <a:endParaRPr lang="en-US" dirty="0"/>
+          </a:p>
+          <a:p>
+            <a:r>
+              <a:rPr lang="en-US" dirty="0"/>
+              <a:t>&lt;What differences should we focus on?&gt;</a:t>
+            </a:r>
           </a:p>
         </p:txBody>
       </p:sp>
@@ -1150,7 +2141,7 @@
           <a:p>
             <a:fld id="{F9212696-0A7F-9A4B-8E6F-F66892427D89}" type="slidenum">
               <a:rPr lang="en-US" smtClean="0"/>
-              <a:t>10</a:t>
+              <a:t>7</a:t>
             </a:fld>
             <a:endParaRPr lang="en-US"/>
           </a:p>
@@ -1159,7 +2150,7 @@
     </p:spTree>
     <p:extLst>
       <p:ext uri="{BB962C8B-B14F-4D97-AF65-F5344CB8AC3E}">
-        <p14:creationId xmlns:p14="http://schemas.microsoft.com/office/powerpoint/2010/main" val="219260823"/>
+        <p14:creationId xmlns:p14="http://schemas.microsoft.com/office/powerpoint/2010/main" val="196083981"/>
       </p:ext>
     </p:extLst>
   </p:cSld>
@@ -1213,7 +2204,16 @@
           <a:bodyPr/>
           <a:lstStyle/>
           <a:p>
-            <a:endParaRPr lang="en-US" dirty="0"/>
+            <a:r>
+              <a:rPr lang="en-US" dirty="0"/>
+              <a:t>Through SAW’s override system and KECCAK’s modular layout, we were able to prove each of the five functions individually.</a:t>
+            </a:r>
+          </a:p>
+          <a:p>
+            <a:r>
+              <a:rPr lang="en-US" dirty="0"/>
+              <a:t>With those resulting contracts we proved the entirety of KECCAK.</a:t>
+            </a:r>
           </a:p>
         </p:txBody>
       </p:sp>
@@ -1234,7 +2234,7 @@
           <a:p>
             <a:fld id="{F9212696-0A7F-9A4B-8E6F-F66892427D89}" type="slidenum">
               <a:rPr lang="en-US" smtClean="0"/>
-              <a:t>11</a:t>
+              <a:t>8</a:t>
             </a:fld>
             <a:endParaRPr lang="en-US"/>
           </a:p>
@@ -1243,7 +2243,7 @@
     </p:spTree>
     <p:extLst>
       <p:ext uri="{BB962C8B-B14F-4D97-AF65-F5344CB8AC3E}">
-        <p14:creationId xmlns:p14="http://schemas.microsoft.com/office/powerpoint/2010/main" val="4142389940"/>
+        <p14:creationId xmlns:p14="http://schemas.microsoft.com/office/powerpoint/2010/main" val="2796285379"/>
       </p:ext>
     </p:extLst>
   </p:cSld>
@@ -1297,7 +2297,30 @@
           <a:bodyPr/>
           <a:lstStyle/>
           <a:p>
-            <a:endParaRPr lang="en-US" dirty="0"/>
+            <a:r>
+              <a:rPr lang="en-US" dirty="0"/>
+              <a:t>Visual inspection with the standard </a:t>
+            </a:r>
+            <a:r>
+              <a:rPr lang="en-US" dirty="0" err="1"/>
+              <a:t>Cryptol</a:t>
+            </a:r>
+            <a:r>
+              <a:rPr lang="en-US" dirty="0"/>
+              <a:t> syntax of list comprehensions was not always intuitive.</a:t>
+            </a:r>
+          </a:p>
+          <a:p>
+            <a:r>
+              <a:rPr lang="en-US" dirty="0"/>
+              <a:t>We constructed higher order functions that hide the less comparable list comprehensions to greatly simplify looping structures such as for and while loops.</a:t>
+            </a:r>
+          </a:p>
+          <a:p>
+            <a:r>
+              <a:rPr lang="en-US" dirty="0"/>
+              <a:t>This led to a more straightforward visual comparison.</a:t>
+            </a:r>
           </a:p>
         </p:txBody>
       </p:sp>
@@ -1318,7 +2341,7 @@
           <a:p>
             <a:fld id="{F9212696-0A7F-9A4B-8E6F-F66892427D89}" type="slidenum">
               <a:rPr lang="en-US" smtClean="0"/>
-              <a:t>12</a:t>
+              <a:t>9</a:t>
             </a:fld>
             <a:endParaRPr lang="en-US"/>
           </a:p>
@@ -1327,7 +2350,7 @@
     </p:spTree>
     <p:extLst>
       <p:ext uri="{BB962C8B-B14F-4D97-AF65-F5344CB8AC3E}">
-        <p14:creationId xmlns:p14="http://schemas.microsoft.com/office/powerpoint/2010/main" val="2212572720"/>
+        <p14:creationId xmlns:p14="http://schemas.microsoft.com/office/powerpoint/2010/main" val="1282549929"/>
       </p:ext>
     </p:extLst>
   </p:cSld>
@@ -1468,7 +2491,7 @@
           <a:p>
             <a:fld id="{F1C7DD81-8C6B-F24B-99BC-64FACD17F553}" type="datetimeFigureOut">
               <a:rPr lang="en-US" smtClean="0"/>
-              <a:t>5/18/22</a:t>
+              <a:t>5/18/2022</a:t>
             </a:fld>
             <a:endParaRPr lang="en-US"/>
           </a:p>
@@ -1638,7 +2661,7 @@
           <a:p>
             <a:fld id="{F1C7DD81-8C6B-F24B-99BC-64FACD17F553}" type="datetimeFigureOut">
               <a:rPr lang="en-US" smtClean="0"/>
-              <a:t>5/18/22</a:t>
+              <a:t>5/18/2022</a:t>
             </a:fld>
             <a:endParaRPr lang="en-US"/>
           </a:p>
@@ -1818,7 +2841,7 @@
           <a:p>
             <a:fld id="{F1C7DD81-8C6B-F24B-99BC-64FACD17F553}" type="datetimeFigureOut">
               <a:rPr lang="en-US" smtClean="0"/>
-              <a:t>5/18/22</a:t>
+              <a:t>5/18/2022</a:t>
             </a:fld>
             <a:endParaRPr lang="en-US"/>
           </a:p>
@@ -1988,7 +3011,7 @@
           <a:p>
             <a:fld id="{F1C7DD81-8C6B-F24B-99BC-64FACD17F553}" type="datetimeFigureOut">
               <a:rPr lang="en-US" smtClean="0"/>
-              <a:t>5/18/22</a:t>
+              <a:t>5/18/2022</a:t>
             </a:fld>
             <a:endParaRPr lang="en-US"/>
           </a:p>
@@ -2234,7 +3257,7 @@
           <a:p>
             <a:fld id="{F1C7DD81-8C6B-F24B-99BC-64FACD17F553}" type="datetimeFigureOut">
               <a:rPr lang="en-US" smtClean="0"/>
-              <a:t>5/18/22</a:t>
+              <a:t>5/18/2022</a:t>
             </a:fld>
             <a:endParaRPr lang="en-US"/>
           </a:p>
@@ -2466,7 +3489,7 @@
           <a:p>
             <a:fld id="{F1C7DD81-8C6B-F24B-99BC-64FACD17F553}" type="datetimeFigureOut">
               <a:rPr lang="en-US" smtClean="0"/>
-              <a:t>5/18/22</a:t>
+              <a:t>5/18/2022</a:t>
             </a:fld>
             <a:endParaRPr lang="en-US"/>
           </a:p>
@@ -2833,7 +3856,7 @@
           <a:p>
             <a:fld id="{F1C7DD81-8C6B-F24B-99BC-64FACD17F553}" type="datetimeFigureOut">
               <a:rPr lang="en-US" smtClean="0"/>
-              <a:t>5/18/22</a:t>
+              <a:t>5/18/2022</a:t>
             </a:fld>
             <a:endParaRPr lang="en-US"/>
           </a:p>
@@ -2951,7 +3974,7 @@
           <a:p>
             <a:fld id="{F1C7DD81-8C6B-F24B-99BC-64FACD17F553}" type="datetimeFigureOut">
               <a:rPr lang="en-US" smtClean="0"/>
-              <a:t>5/18/22</a:t>
+              <a:t>5/18/2022</a:t>
             </a:fld>
             <a:endParaRPr lang="en-US"/>
           </a:p>
@@ -3046,7 +4069,7 @@
           <a:p>
             <a:fld id="{F1C7DD81-8C6B-F24B-99BC-64FACD17F553}" type="datetimeFigureOut">
               <a:rPr lang="en-US" smtClean="0"/>
-              <a:t>5/18/22</a:t>
+              <a:t>5/18/2022</a:t>
             </a:fld>
             <a:endParaRPr lang="en-US"/>
           </a:p>
@@ -3323,7 +4346,7 @@
           <a:p>
             <a:fld id="{F1C7DD81-8C6B-F24B-99BC-64FACD17F553}" type="datetimeFigureOut">
               <a:rPr lang="en-US" smtClean="0"/>
-              <a:t>5/18/22</a:t>
+              <a:t>5/18/2022</a:t>
             </a:fld>
             <a:endParaRPr lang="en-US"/>
           </a:p>
@@ -3580,7 +4603,7 @@
           <a:p>
             <a:fld id="{F1C7DD81-8C6B-F24B-99BC-64FACD17F553}" type="datetimeFigureOut">
               <a:rPr lang="en-US" smtClean="0"/>
-              <a:t>5/18/22</a:t>
+              <a:t>5/18/2022</a:t>
             </a:fld>
             <a:endParaRPr lang="en-US"/>
           </a:p>
@@ -3793,7 +4816,7 @@
           <a:p>
             <a:fld id="{F1C7DD81-8C6B-F24B-99BC-64FACD17F553}" type="datetimeFigureOut">
               <a:rPr lang="en-US" smtClean="0"/>
-              <a:t>5/18/22</a:t>
+              <a:t>5/18/2022</a:t>
             </a:fld>
             <a:endParaRPr lang="en-US"/>
           </a:p>
@@ -7162,6 +8185,11 @@
       <p:bldP spid="21" grpId="1"/>
     </p:bldLst>
   </p:timing>
+  <p:extLst>
+    <p:ext uri="{6950BFC3-D8DA-4A85-94F7-54DA5524770B}">
+      <p188:commentRel xmlns:p188="http://schemas.microsoft.com/office/powerpoint/2018/8/main" r:id="rId3"/>
+    </p:ext>
+  </p:extLst>
 </p:sld>
 </file>
 
@@ -7304,8 +8332,8 @@
             </a:p>
           </p:txBody>
         </p:sp>
-        <mc:AlternateContent xmlns:mc="http://schemas.openxmlformats.org/markup-compatibility/2006">
-          <mc:Choice xmlns:a14="http://schemas.microsoft.com/office/drawing/2010/main" Requires="a14">
+        <mc:AlternateContent xmlns:mc="http://schemas.openxmlformats.org/markup-compatibility/2006" xmlns:a14="http://schemas.microsoft.com/office/drawing/2010/main">
+          <mc:Choice Requires="a14">
             <p:sp>
               <p:nvSpPr>
                 <p:cNvPr id="6" name="Rounded Rectangle 5">
@@ -7381,7 +8409,7 @@
               </p:txBody>
             </p:sp>
           </mc:Choice>
-          <mc:Fallback>
+          <mc:Fallback xmlns="">
             <p:sp>
               <p:nvSpPr>
                 <p:cNvPr id="6" name="Rounded Rectangle 5">
@@ -7405,7 +8433,7 @@
                   <a:avLst/>
                 </a:prstGeom>
                 <a:blipFill>
-                  <a:blip r:embed="rId2"/>
+                  <a:blip r:embed="rId3"/>
                   <a:stretch>
                     <a:fillRect l="-12195" b="-22222"/>
                   </a:stretch>
@@ -7431,8 +8459,8 @@
             </p:sp>
           </mc:Fallback>
         </mc:AlternateContent>
-        <mc:AlternateContent xmlns:mc="http://schemas.openxmlformats.org/markup-compatibility/2006">
-          <mc:Choice xmlns:a14="http://schemas.microsoft.com/office/drawing/2010/main" Requires="a14">
+        <mc:AlternateContent xmlns:mc="http://schemas.openxmlformats.org/markup-compatibility/2006" xmlns:a14="http://schemas.microsoft.com/office/drawing/2010/main">
+          <mc:Choice Requires="a14">
             <p:sp>
               <p:nvSpPr>
                 <p:cNvPr id="7" name="Rounded Rectangle 6">
@@ -7508,7 +8536,7 @@
               </p:txBody>
             </p:sp>
           </mc:Choice>
-          <mc:Fallback>
+          <mc:Fallback xmlns="">
             <p:sp>
               <p:nvSpPr>
                 <p:cNvPr id="7" name="Rounded Rectangle 6">
@@ -7532,7 +8560,7 @@
                   <a:avLst/>
                 </a:prstGeom>
                 <a:blipFill>
-                  <a:blip r:embed="rId3"/>
+                  <a:blip r:embed="rId4"/>
                   <a:stretch>
                     <a:fillRect l="-9756" b="-21622"/>
                   </a:stretch>
@@ -7558,8 +8586,8 @@
             </p:sp>
           </mc:Fallback>
         </mc:AlternateContent>
-        <mc:AlternateContent xmlns:mc="http://schemas.openxmlformats.org/markup-compatibility/2006">
-          <mc:Choice xmlns:a14="http://schemas.microsoft.com/office/drawing/2010/main" Requires="a14">
+        <mc:AlternateContent xmlns:mc="http://schemas.openxmlformats.org/markup-compatibility/2006" xmlns:a14="http://schemas.microsoft.com/office/drawing/2010/main">
+          <mc:Choice Requires="a14">
             <p:sp>
               <p:nvSpPr>
                 <p:cNvPr id="8" name="Rounded Rectangle 7">
@@ -7635,7 +8663,7 @@
               </p:txBody>
             </p:sp>
           </mc:Choice>
-          <mc:Fallback>
+          <mc:Fallback xmlns="">
             <p:sp>
               <p:nvSpPr>
                 <p:cNvPr id="8" name="Rounded Rectangle 7">
@@ -7659,7 +8687,7 @@
                   <a:avLst/>
                 </a:prstGeom>
                 <a:blipFill>
-                  <a:blip r:embed="rId4"/>
+                  <a:blip r:embed="rId5"/>
                   <a:stretch>
                     <a:fillRect l="-12195" b="-22222"/>
                   </a:stretch>
@@ -7685,8 +8713,8 @@
             </p:sp>
           </mc:Fallback>
         </mc:AlternateContent>
-        <mc:AlternateContent xmlns:mc="http://schemas.openxmlformats.org/markup-compatibility/2006">
-          <mc:Choice xmlns:a14="http://schemas.microsoft.com/office/drawing/2010/main" Requires="a14">
+        <mc:AlternateContent xmlns:mc="http://schemas.openxmlformats.org/markup-compatibility/2006" xmlns:a14="http://schemas.microsoft.com/office/drawing/2010/main">
+          <mc:Choice Requires="a14">
             <p:sp>
               <p:nvSpPr>
                 <p:cNvPr id="9" name="Rounded Rectangle 8">
@@ -7762,7 +8790,7 @@
               </p:txBody>
             </p:sp>
           </mc:Choice>
-          <mc:Fallback>
+          <mc:Fallback xmlns="">
             <p:sp>
               <p:nvSpPr>
                 <p:cNvPr id="9" name="Rounded Rectangle 8">
@@ -7786,7 +8814,7 @@
                   <a:avLst/>
                 </a:prstGeom>
                 <a:blipFill>
-                  <a:blip r:embed="rId5"/>
+                  <a:blip r:embed="rId6"/>
                   <a:stretch>
                     <a:fillRect l="-12500" b="-22222"/>
                   </a:stretch>
@@ -7812,8 +8840,8 @@
             </p:sp>
           </mc:Fallback>
         </mc:AlternateContent>
-        <mc:AlternateContent xmlns:mc="http://schemas.openxmlformats.org/markup-compatibility/2006">
-          <mc:Choice xmlns:a14="http://schemas.microsoft.com/office/drawing/2010/main" Requires="a14">
+        <mc:AlternateContent xmlns:mc="http://schemas.openxmlformats.org/markup-compatibility/2006" xmlns:a14="http://schemas.microsoft.com/office/drawing/2010/main">
+          <mc:Choice Requires="a14">
             <p:sp>
               <p:nvSpPr>
                 <p:cNvPr id="10" name="Rounded Rectangle 9">
@@ -7883,7 +8911,7 @@
               </p:txBody>
             </p:sp>
           </mc:Choice>
-          <mc:Fallback>
+          <mc:Fallback xmlns="">
             <p:sp>
               <p:nvSpPr>
                 <p:cNvPr id="10" name="Rounded Rectangle 9">
@@ -7907,7 +8935,7 @@
                   <a:avLst/>
                 </a:prstGeom>
                 <a:blipFill>
-                  <a:blip r:embed="rId6"/>
+                  <a:blip r:embed="rId7"/>
                   <a:stretch>
                     <a:fillRect/>
                   </a:stretch>
@@ -8018,8 +9046,8 @@
             </a:p>
           </p:txBody>
         </p:sp>
-        <mc:AlternateContent xmlns:mc="http://schemas.openxmlformats.org/markup-compatibility/2006">
-          <mc:Choice xmlns:a14="http://schemas.microsoft.com/office/drawing/2010/main" Requires="a14">
+        <mc:AlternateContent xmlns:mc="http://schemas.openxmlformats.org/markup-compatibility/2006" xmlns:a14="http://schemas.microsoft.com/office/drawing/2010/main">
+          <mc:Choice Requires="a14">
             <p:sp>
               <p:nvSpPr>
                 <p:cNvPr id="11" name="Rounded Rectangle 10">
@@ -8098,7 +9126,7 @@
               </p:txBody>
             </p:sp>
           </mc:Choice>
-          <mc:Fallback>
+          <mc:Fallback xmlns="">
             <p:sp>
               <p:nvSpPr>
                 <p:cNvPr id="11" name="Rounded Rectangle 10">
@@ -8122,7 +9150,7 @@
                   <a:avLst/>
                 </a:prstGeom>
                 <a:blipFill>
-                  <a:blip r:embed="rId7"/>
+                  <a:blip r:embed="rId8"/>
                   <a:stretch>
                     <a:fillRect l="-15000" b="-21622"/>
                   </a:stretch>
@@ -8148,8 +9176,8 @@
             </p:sp>
           </mc:Fallback>
         </mc:AlternateContent>
-        <mc:AlternateContent xmlns:mc="http://schemas.openxmlformats.org/markup-compatibility/2006">
-          <mc:Choice xmlns:a14="http://schemas.microsoft.com/office/drawing/2010/main" Requires="a14">
+        <mc:AlternateContent xmlns:mc="http://schemas.openxmlformats.org/markup-compatibility/2006" xmlns:a14="http://schemas.microsoft.com/office/drawing/2010/main">
+          <mc:Choice Requires="a14">
             <p:sp>
               <p:nvSpPr>
                 <p:cNvPr id="12" name="Rounded Rectangle 11">
@@ -8228,7 +9256,7 @@
               </p:txBody>
             </p:sp>
           </mc:Choice>
-          <mc:Fallback>
+          <mc:Fallback xmlns="">
             <p:sp>
               <p:nvSpPr>
                 <p:cNvPr id="12" name="Rounded Rectangle 11">
@@ -8252,7 +9280,7 @@
                   <a:avLst/>
                 </a:prstGeom>
                 <a:blipFill>
-                  <a:blip r:embed="rId8"/>
+                  <a:blip r:embed="rId9"/>
                   <a:stretch>
                     <a:fillRect l="-9756" b="-25000"/>
                   </a:stretch>
@@ -8278,8 +9306,8 @@
             </p:sp>
           </mc:Fallback>
         </mc:AlternateContent>
-        <mc:AlternateContent xmlns:mc="http://schemas.openxmlformats.org/markup-compatibility/2006">
-          <mc:Choice xmlns:a14="http://schemas.microsoft.com/office/drawing/2010/main" Requires="a14">
+        <mc:AlternateContent xmlns:mc="http://schemas.openxmlformats.org/markup-compatibility/2006" xmlns:a14="http://schemas.microsoft.com/office/drawing/2010/main">
+          <mc:Choice Requires="a14">
             <p:sp>
               <p:nvSpPr>
                 <p:cNvPr id="13" name="Rounded Rectangle 12">
@@ -8358,7 +9386,7 @@
               </p:txBody>
             </p:sp>
           </mc:Choice>
-          <mc:Fallback>
+          <mc:Fallback xmlns="">
             <p:sp>
               <p:nvSpPr>
                 <p:cNvPr id="13" name="Rounded Rectangle 12">
@@ -8382,7 +9410,7 @@
                   <a:avLst/>
                 </a:prstGeom>
                 <a:blipFill>
-                  <a:blip r:embed="rId9"/>
+                  <a:blip r:embed="rId10"/>
                   <a:stretch>
                     <a:fillRect l="-15000" b="-21622"/>
                   </a:stretch>
@@ -8408,8 +9436,8 @@
             </p:sp>
           </mc:Fallback>
         </mc:AlternateContent>
-        <mc:AlternateContent xmlns:mc="http://schemas.openxmlformats.org/markup-compatibility/2006">
-          <mc:Choice xmlns:a14="http://schemas.microsoft.com/office/drawing/2010/main" Requires="a14">
+        <mc:AlternateContent xmlns:mc="http://schemas.openxmlformats.org/markup-compatibility/2006" xmlns:a14="http://schemas.microsoft.com/office/drawing/2010/main">
+          <mc:Choice Requires="a14">
             <p:sp>
               <p:nvSpPr>
                 <p:cNvPr id="14" name="Rounded Rectangle 13">
@@ -8488,7 +9516,7 @@
               </p:txBody>
             </p:sp>
           </mc:Choice>
-          <mc:Fallback>
+          <mc:Fallback xmlns="">
             <p:sp>
               <p:nvSpPr>
                 <p:cNvPr id="14" name="Rounded Rectangle 13">
@@ -8512,7 +9540,7 @@
                   <a:avLst/>
                 </a:prstGeom>
                 <a:blipFill>
-                  <a:blip r:embed="rId10"/>
+                  <a:blip r:embed="rId11"/>
                   <a:stretch>
                     <a:fillRect l="-12195" b="-21622"/>
                   </a:stretch>
@@ -8538,8 +9566,8 @@
             </p:sp>
           </mc:Fallback>
         </mc:AlternateContent>
-        <mc:AlternateContent xmlns:mc="http://schemas.openxmlformats.org/markup-compatibility/2006">
-          <mc:Choice xmlns:a14="http://schemas.microsoft.com/office/drawing/2010/main" Requires="a14">
+        <mc:AlternateContent xmlns:mc="http://schemas.openxmlformats.org/markup-compatibility/2006" xmlns:a14="http://schemas.microsoft.com/office/drawing/2010/main">
+          <mc:Choice Requires="a14">
             <p:sp>
               <p:nvSpPr>
                 <p:cNvPr id="15" name="Rounded Rectangle 14">
@@ -8612,7 +9640,7 @@
               </p:txBody>
             </p:sp>
           </mc:Choice>
-          <mc:Fallback>
+          <mc:Fallback xmlns="">
             <p:sp>
               <p:nvSpPr>
                 <p:cNvPr id="15" name="Rounded Rectangle 14">
@@ -8636,7 +9664,7 @@
                   <a:avLst/>
                 </a:prstGeom>
                 <a:blipFill>
-                  <a:blip r:embed="rId11"/>
+                  <a:blip r:embed="rId12"/>
                   <a:stretch>
                     <a:fillRect/>
                   </a:stretch>
@@ -8677,8 +9705,8 @@
         </p:nvSpPr>
         <p:spPr>
           <a:xfrm>
-            <a:off x="4493334" y="2765722"/>
-            <a:ext cx="3197416" cy="1200329"/>
+            <a:off x="4491978" y="2583552"/>
+            <a:ext cx="3197416" cy="1754326"/>
           </a:xfrm>
           <a:prstGeom prst="rect">
             <a:avLst/>
@@ -8698,7 +9726,7 @@
                   <a:schemeClr val="accent5"/>
                 </a:solidFill>
               </a:rPr>
-              <a:t>Too big to prove equivalent</a:t>
+              <a:t>Too complex to prove equivalent</a:t>
             </a:r>
           </a:p>
         </p:txBody>
@@ -8839,8 +9867,8 @@
           </a:p>
         </p:txBody>
       </p:sp>
-      <mc:AlternateContent xmlns:mc="http://schemas.openxmlformats.org/markup-compatibility/2006">
-        <mc:Choice xmlns:a14="http://schemas.microsoft.com/office/drawing/2010/main" Requires="a14">
+      <mc:AlternateContent xmlns:mc="http://schemas.openxmlformats.org/markup-compatibility/2006" xmlns:a14="http://schemas.microsoft.com/office/drawing/2010/main">
+        <mc:Choice Requires="a14">
           <p:sp>
             <p:nvSpPr>
               <p:cNvPr id="3" name="Rounded Rectangle 2">
@@ -8911,7 +9939,7 @@
             </p:txBody>
           </p:sp>
         </mc:Choice>
-        <mc:Fallback>
+        <mc:Fallback xmlns="">
           <p:sp>
             <p:nvSpPr>
               <p:cNvPr id="3" name="Rounded Rectangle 2">
@@ -8935,7 +9963,7 @@
                 <a:avLst/>
               </a:prstGeom>
               <a:blipFill>
-                <a:blip r:embed="rId2"/>
+                <a:blip r:embed="rId3"/>
                 <a:stretch>
                   <a:fillRect b="-14754"/>
                 </a:stretch>
@@ -8956,8 +9984,8 @@
           </p:sp>
         </mc:Fallback>
       </mc:AlternateContent>
-      <mc:AlternateContent xmlns:mc="http://schemas.openxmlformats.org/markup-compatibility/2006">
-        <mc:Choice xmlns:a14="http://schemas.microsoft.com/office/drawing/2010/main" Requires="a14">
+      <mc:AlternateContent xmlns:mc="http://schemas.openxmlformats.org/markup-compatibility/2006" xmlns:a14="http://schemas.microsoft.com/office/drawing/2010/main">
+        <mc:Choice Requires="a14">
           <p:sp>
             <p:nvSpPr>
               <p:cNvPr id="4" name="Rounded Rectangle 3">
@@ -9028,7 +10056,7 @@
             </p:txBody>
           </p:sp>
         </mc:Choice>
-        <mc:Fallback>
+        <mc:Fallback xmlns="">
           <p:sp>
             <p:nvSpPr>
               <p:cNvPr id="4" name="Rounded Rectangle 3">
@@ -9052,7 +10080,7 @@
                 <a:avLst/>
               </a:prstGeom>
               <a:blipFill>
-                <a:blip r:embed="rId3"/>
+                <a:blip r:embed="rId4"/>
                 <a:stretch>
                   <a:fillRect b="-14754"/>
                 </a:stretch>
@@ -9073,8 +10101,8 @@
           </p:sp>
         </mc:Fallback>
       </mc:AlternateContent>
-      <mc:AlternateContent xmlns:mc="http://schemas.openxmlformats.org/markup-compatibility/2006">
-        <mc:Choice xmlns:a14="http://schemas.microsoft.com/office/drawing/2010/main" Requires="a14">
+      <mc:AlternateContent xmlns:mc="http://schemas.openxmlformats.org/markup-compatibility/2006" xmlns:a14="http://schemas.microsoft.com/office/drawing/2010/main">
+        <mc:Choice Requires="a14">
           <p:sp>
             <p:nvSpPr>
               <p:cNvPr id="5" name="Rounded Rectangle 4">
@@ -9145,7 +10173,7 @@
             </p:txBody>
           </p:sp>
         </mc:Choice>
-        <mc:Fallback>
+        <mc:Fallback xmlns="">
           <p:sp>
             <p:nvSpPr>
               <p:cNvPr id="5" name="Rounded Rectangle 4">
@@ -9169,7 +10197,7 @@
                 <a:avLst/>
               </a:prstGeom>
               <a:blipFill>
-                <a:blip r:embed="rId4"/>
+                <a:blip r:embed="rId5"/>
                 <a:stretch>
                   <a:fillRect b="-14754"/>
                 </a:stretch>
@@ -9190,8 +10218,8 @@
           </p:sp>
         </mc:Fallback>
       </mc:AlternateContent>
-      <mc:AlternateContent xmlns:mc="http://schemas.openxmlformats.org/markup-compatibility/2006">
-        <mc:Choice xmlns:a14="http://schemas.microsoft.com/office/drawing/2010/main" Requires="a14">
+      <mc:AlternateContent xmlns:mc="http://schemas.openxmlformats.org/markup-compatibility/2006" xmlns:a14="http://schemas.microsoft.com/office/drawing/2010/main">
+        <mc:Choice Requires="a14">
           <p:sp>
             <p:nvSpPr>
               <p:cNvPr id="6" name="Rounded Rectangle 5">
@@ -9262,7 +10290,7 @@
             </p:txBody>
           </p:sp>
         </mc:Choice>
-        <mc:Fallback>
+        <mc:Fallback xmlns="">
           <p:sp>
             <p:nvSpPr>
               <p:cNvPr id="6" name="Rounded Rectangle 5">
@@ -9286,7 +10314,7 @@
                 <a:avLst/>
               </a:prstGeom>
               <a:blipFill>
-                <a:blip r:embed="rId5"/>
+                <a:blip r:embed="rId6"/>
                 <a:stretch>
                   <a:fillRect b="-14754"/>
                 </a:stretch>
@@ -9307,8 +10335,8 @@
           </p:sp>
         </mc:Fallback>
       </mc:AlternateContent>
-      <mc:AlternateContent xmlns:mc="http://schemas.openxmlformats.org/markup-compatibility/2006">
-        <mc:Choice xmlns:a14="http://schemas.microsoft.com/office/drawing/2010/main" Requires="a14">
+      <mc:AlternateContent xmlns:mc="http://schemas.openxmlformats.org/markup-compatibility/2006" xmlns:a14="http://schemas.microsoft.com/office/drawing/2010/main">
+        <mc:Choice Requires="a14">
           <p:sp>
             <p:nvSpPr>
               <p:cNvPr id="7" name="Rounded Rectangle 6">
@@ -9373,7 +10401,7 @@
             </p:txBody>
           </p:sp>
         </mc:Choice>
-        <mc:Fallback>
+        <mc:Fallback xmlns="">
           <p:sp>
             <p:nvSpPr>
               <p:cNvPr id="7" name="Rounded Rectangle 6">
@@ -9397,7 +10425,7 @@
                 <a:avLst/>
               </a:prstGeom>
               <a:blipFill>
-                <a:blip r:embed="rId6"/>
+                <a:blip r:embed="rId7"/>
                 <a:stretch>
                   <a:fillRect/>
                 </a:stretch>
@@ -9418,8 +10446,8 @@
           </p:sp>
         </mc:Fallback>
       </mc:AlternateContent>
-      <mc:AlternateContent xmlns:mc="http://schemas.openxmlformats.org/markup-compatibility/2006">
-        <mc:Choice xmlns:a14="http://schemas.microsoft.com/office/drawing/2010/main" Requires="a14">
+      <mc:AlternateContent xmlns:mc="http://schemas.openxmlformats.org/markup-compatibility/2006" xmlns:a14="http://schemas.microsoft.com/office/drawing/2010/main">
+        <mc:Choice Requires="a14">
           <p:sp>
             <p:nvSpPr>
               <p:cNvPr id="8" name="Rounded Rectangle 7">
@@ -9490,7 +10518,7 @@
             </p:txBody>
           </p:sp>
         </mc:Choice>
-        <mc:Fallback>
+        <mc:Fallback xmlns="">
           <p:sp>
             <p:nvSpPr>
               <p:cNvPr id="8" name="Rounded Rectangle 7">
@@ -9514,7 +10542,7 @@
                 <a:avLst/>
               </a:prstGeom>
               <a:blipFill>
-                <a:blip r:embed="rId7"/>
+                <a:blip r:embed="rId8"/>
                 <a:stretch>
                   <a:fillRect b="-14754"/>
                 </a:stretch>
@@ -9535,8 +10563,8 @@
           </p:sp>
         </mc:Fallback>
       </mc:AlternateContent>
-      <mc:AlternateContent xmlns:mc="http://schemas.openxmlformats.org/markup-compatibility/2006">
-        <mc:Choice xmlns:a14="http://schemas.microsoft.com/office/drawing/2010/main" Requires="a14">
+      <mc:AlternateContent xmlns:mc="http://schemas.openxmlformats.org/markup-compatibility/2006" xmlns:a14="http://schemas.microsoft.com/office/drawing/2010/main">
+        <mc:Choice Requires="a14">
           <p:sp>
             <p:nvSpPr>
               <p:cNvPr id="9" name="Rounded Rectangle 8">
@@ -9607,7 +10635,7 @@
             </p:txBody>
           </p:sp>
         </mc:Choice>
-        <mc:Fallback>
+        <mc:Fallback xmlns="">
           <p:sp>
             <p:nvSpPr>
               <p:cNvPr id="9" name="Rounded Rectangle 8">
@@ -9631,7 +10659,7 @@
                 <a:avLst/>
               </a:prstGeom>
               <a:blipFill>
-                <a:blip r:embed="rId8"/>
+                <a:blip r:embed="rId9"/>
                 <a:stretch>
                   <a:fillRect b="-14754"/>
                 </a:stretch>
@@ -9652,8 +10680,8 @@
           </p:sp>
         </mc:Fallback>
       </mc:AlternateContent>
-      <mc:AlternateContent xmlns:mc="http://schemas.openxmlformats.org/markup-compatibility/2006">
-        <mc:Choice xmlns:a14="http://schemas.microsoft.com/office/drawing/2010/main" Requires="a14">
+      <mc:AlternateContent xmlns:mc="http://schemas.openxmlformats.org/markup-compatibility/2006" xmlns:a14="http://schemas.microsoft.com/office/drawing/2010/main">
+        <mc:Choice Requires="a14">
           <p:sp>
             <p:nvSpPr>
               <p:cNvPr id="10" name="Rounded Rectangle 9">
@@ -9724,7 +10752,7 @@
             </p:txBody>
           </p:sp>
         </mc:Choice>
-        <mc:Fallback>
+        <mc:Fallback xmlns="">
           <p:sp>
             <p:nvSpPr>
               <p:cNvPr id="10" name="Rounded Rectangle 9">
@@ -9748,7 +10776,7 @@
                 <a:avLst/>
               </a:prstGeom>
               <a:blipFill>
-                <a:blip r:embed="rId9"/>
+                <a:blip r:embed="rId10"/>
                 <a:stretch>
                   <a:fillRect b="-14754"/>
                 </a:stretch>
@@ -9769,8 +10797,8 @@
           </p:sp>
         </mc:Fallback>
       </mc:AlternateContent>
-      <mc:AlternateContent xmlns:mc="http://schemas.openxmlformats.org/markup-compatibility/2006">
-        <mc:Choice xmlns:a14="http://schemas.microsoft.com/office/drawing/2010/main" Requires="a14">
+      <mc:AlternateContent xmlns:mc="http://schemas.openxmlformats.org/markup-compatibility/2006" xmlns:a14="http://schemas.microsoft.com/office/drawing/2010/main">
+        <mc:Choice Requires="a14">
           <p:sp>
             <p:nvSpPr>
               <p:cNvPr id="11" name="Rounded Rectangle 10">
@@ -9841,7 +10869,7 @@
             </p:txBody>
           </p:sp>
         </mc:Choice>
-        <mc:Fallback>
+        <mc:Fallback xmlns="">
           <p:sp>
             <p:nvSpPr>
               <p:cNvPr id="11" name="Rounded Rectangle 10">
@@ -9865,7 +10893,7 @@
                 <a:avLst/>
               </a:prstGeom>
               <a:blipFill>
-                <a:blip r:embed="rId10"/>
+                <a:blip r:embed="rId11"/>
                 <a:stretch>
                   <a:fillRect b="-14754"/>
                 </a:stretch>
@@ -9886,8 +10914,8 @@
           </p:sp>
         </mc:Fallback>
       </mc:AlternateContent>
-      <mc:AlternateContent xmlns:mc="http://schemas.openxmlformats.org/markup-compatibility/2006">
-        <mc:Choice xmlns:a14="http://schemas.microsoft.com/office/drawing/2010/main" Requires="a14">
+      <mc:AlternateContent xmlns:mc="http://schemas.openxmlformats.org/markup-compatibility/2006" xmlns:a14="http://schemas.microsoft.com/office/drawing/2010/main">
+        <mc:Choice Requires="a14">
           <p:sp>
             <p:nvSpPr>
               <p:cNvPr id="12" name="Rounded Rectangle 11">
@@ -9952,7 +10980,7 @@
             </p:txBody>
           </p:sp>
         </mc:Choice>
-        <mc:Fallback>
+        <mc:Fallback xmlns="">
           <p:sp>
             <p:nvSpPr>
               <p:cNvPr id="12" name="Rounded Rectangle 11">
@@ -9976,7 +11004,7 @@
                 <a:avLst/>
               </a:prstGeom>
               <a:blipFill>
-                <a:blip r:embed="rId11"/>
+                <a:blip r:embed="rId12"/>
                 <a:stretch>
                   <a:fillRect/>
                 </a:stretch>
@@ -10730,8 +11758,8 @@
             </a:p>
           </p:txBody>
         </p:sp>
-        <mc:AlternateContent xmlns:mc="http://schemas.openxmlformats.org/markup-compatibility/2006">
-          <mc:Choice xmlns:a14="http://schemas.microsoft.com/office/drawing/2010/main" Requires="a14">
+        <mc:AlternateContent xmlns:mc="http://schemas.openxmlformats.org/markup-compatibility/2006" xmlns:a14="http://schemas.microsoft.com/office/drawing/2010/main">
+          <mc:Choice Requires="a14">
             <p:sp>
               <p:nvSpPr>
                 <p:cNvPr id="6" name="Rounded Rectangle 5">
@@ -10807,7 +11835,7 @@
               </p:txBody>
             </p:sp>
           </mc:Choice>
-          <mc:Fallback>
+          <mc:Fallback xmlns="">
             <p:sp>
               <p:nvSpPr>
                 <p:cNvPr id="6" name="Rounded Rectangle 5">
@@ -10831,7 +11859,7 @@
                   <a:avLst/>
                 </a:prstGeom>
                 <a:blipFill>
-                  <a:blip r:embed="rId2"/>
+                  <a:blip r:embed="rId3"/>
                   <a:stretch>
                     <a:fillRect l="-12195" b="-22222"/>
                   </a:stretch>
@@ -10857,8 +11885,8 @@
             </p:sp>
           </mc:Fallback>
         </mc:AlternateContent>
-        <mc:AlternateContent xmlns:mc="http://schemas.openxmlformats.org/markup-compatibility/2006">
-          <mc:Choice xmlns:a14="http://schemas.microsoft.com/office/drawing/2010/main" Requires="a14">
+        <mc:AlternateContent xmlns:mc="http://schemas.openxmlformats.org/markup-compatibility/2006" xmlns:a14="http://schemas.microsoft.com/office/drawing/2010/main">
+          <mc:Choice Requires="a14">
             <p:sp>
               <p:nvSpPr>
                 <p:cNvPr id="7" name="Rounded Rectangle 6">
@@ -10934,7 +11962,7 @@
               </p:txBody>
             </p:sp>
           </mc:Choice>
-          <mc:Fallback>
+          <mc:Fallback xmlns="">
             <p:sp>
               <p:nvSpPr>
                 <p:cNvPr id="7" name="Rounded Rectangle 6">
@@ -10958,7 +11986,7 @@
                   <a:avLst/>
                 </a:prstGeom>
                 <a:blipFill>
-                  <a:blip r:embed="rId3"/>
+                  <a:blip r:embed="rId4"/>
                   <a:stretch>
                     <a:fillRect l="-9756" b="-21622"/>
                   </a:stretch>
@@ -10984,8 +12012,8 @@
             </p:sp>
           </mc:Fallback>
         </mc:AlternateContent>
-        <mc:AlternateContent xmlns:mc="http://schemas.openxmlformats.org/markup-compatibility/2006">
-          <mc:Choice xmlns:a14="http://schemas.microsoft.com/office/drawing/2010/main" Requires="a14">
+        <mc:AlternateContent xmlns:mc="http://schemas.openxmlformats.org/markup-compatibility/2006" xmlns:a14="http://schemas.microsoft.com/office/drawing/2010/main">
+          <mc:Choice Requires="a14">
             <p:sp>
               <p:nvSpPr>
                 <p:cNvPr id="8" name="Rounded Rectangle 7">
@@ -11061,7 +12089,7 @@
               </p:txBody>
             </p:sp>
           </mc:Choice>
-          <mc:Fallback>
+          <mc:Fallback xmlns="">
             <p:sp>
               <p:nvSpPr>
                 <p:cNvPr id="8" name="Rounded Rectangle 7">
@@ -11085,7 +12113,7 @@
                   <a:avLst/>
                 </a:prstGeom>
                 <a:blipFill>
-                  <a:blip r:embed="rId4"/>
+                  <a:blip r:embed="rId5"/>
                   <a:stretch>
                     <a:fillRect l="-12195" b="-22222"/>
                   </a:stretch>
@@ -11111,8 +12139,8 @@
             </p:sp>
           </mc:Fallback>
         </mc:AlternateContent>
-        <mc:AlternateContent xmlns:mc="http://schemas.openxmlformats.org/markup-compatibility/2006">
-          <mc:Choice xmlns:a14="http://schemas.microsoft.com/office/drawing/2010/main" Requires="a14">
+        <mc:AlternateContent xmlns:mc="http://schemas.openxmlformats.org/markup-compatibility/2006" xmlns:a14="http://schemas.microsoft.com/office/drawing/2010/main">
+          <mc:Choice Requires="a14">
             <p:sp>
               <p:nvSpPr>
                 <p:cNvPr id="9" name="Rounded Rectangle 8">
@@ -11188,7 +12216,7 @@
               </p:txBody>
             </p:sp>
           </mc:Choice>
-          <mc:Fallback>
+          <mc:Fallback xmlns="">
             <p:sp>
               <p:nvSpPr>
                 <p:cNvPr id="9" name="Rounded Rectangle 8">
@@ -11212,7 +12240,7 @@
                   <a:avLst/>
                 </a:prstGeom>
                 <a:blipFill>
-                  <a:blip r:embed="rId5"/>
+                  <a:blip r:embed="rId6"/>
                   <a:stretch>
                     <a:fillRect l="-12500" b="-22222"/>
                   </a:stretch>
@@ -11238,8 +12266,8 @@
             </p:sp>
           </mc:Fallback>
         </mc:AlternateContent>
-        <mc:AlternateContent xmlns:mc="http://schemas.openxmlformats.org/markup-compatibility/2006">
-          <mc:Choice xmlns:a14="http://schemas.microsoft.com/office/drawing/2010/main" Requires="a14">
+        <mc:AlternateContent xmlns:mc="http://schemas.openxmlformats.org/markup-compatibility/2006" xmlns:a14="http://schemas.microsoft.com/office/drawing/2010/main">
+          <mc:Choice Requires="a14">
             <p:sp>
               <p:nvSpPr>
                 <p:cNvPr id="10" name="Rounded Rectangle 9">
@@ -11309,7 +12337,7 @@
               </p:txBody>
             </p:sp>
           </mc:Choice>
-          <mc:Fallback>
+          <mc:Fallback xmlns="">
             <p:sp>
               <p:nvSpPr>
                 <p:cNvPr id="10" name="Rounded Rectangle 9">
@@ -11333,7 +12361,7 @@
                   <a:avLst/>
                 </a:prstGeom>
                 <a:blipFill>
-                  <a:blip r:embed="rId6"/>
+                  <a:blip r:embed="rId7"/>
                   <a:stretch>
                     <a:fillRect/>
                   </a:stretch>
@@ -11444,8 +12472,8 @@
             </a:p>
           </p:txBody>
         </p:sp>
-        <mc:AlternateContent xmlns:mc="http://schemas.openxmlformats.org/markup-compatibility/2006">
-          <mc:Choice xmlns:a14="http://schemas.microsoft.com/office/drawing/2010/main" Requires="a14">
+        <mc:AlternateContent xmlns:mc="http://schemas.openxmlformats.org/markup-compatibility/2006" xmlns:a14="http://schemas.microsoft.com/office/drawing/2010/main">
+          <mc:Choice Requires="a14">
             <p:sp>
               <p:nvSpPr>
                 <p:cNvPr id="11" name="Rounded Rectangle 10">
@@ -11521,7 +12549,7 @@
               </p:txBody>
             </p:sp>
           </mc:Choice>
-          <mc:Fallback>
+          <mc:Fallback xmlns="">
             <p:sp>
               <p:nvSpPr>
                 <p:cNvPr id="11" name="Rounded Rectangle 10">
@@ -11545,7 +12573,7 @@
                   <a:avLst/>
                 </a:prstGeom>
                 <a:blipFill>
-                  <a:blip r:embed="rId7"/>
+                  <a:blip r:embed="rId8"/>
                   <a:stretch>
                     <a:fillRect l="-15000" b="-21622"/>
                   </a:stretch>
@@ -11571,8 +12599,8 @@
             </p:sp>
           </mc:Fallback>
         </mc:AlternateContent>
-        <mc:AlternateContent xmlns:mc="http://schemas.openxmlformats.org/markup-compatibility/2006">
-          <mc:Choice xmlns:a14="http://schemas.microsoft.com/office/drawing/2010/main" Requires="a14">
+        <mc:AlternateContent xmlns:mc="http://schemas.openxmlformats.org/markup-compatibility/2006" xmlns:a14="http://schemas.microsoft.com/office/drawing/2010/main">
+          <mc:Choice Requires="a14">
             <p:sp>
               <p:nvSpPr>
                 <p:cNvPr id="12" name="Rounded Rectangle 11">
@@ -11648,7 +12676,7 @@
               </p:txBody>
             </p:sp>
           </mc:Choice>
-          <mc:Fallback>
+          <mc:Fallback xmlns="">
             <p:sp>
               <p:nvSpPr>
                 <p:cNvPr id="12" name="Rounded Rectangle 11">
@@ -11672,7 +12700,7 @@
                   <a:avLst/>
                 </a:prstGeom>
                 <a:blipFill>
-                  <a:blip r:embed="rId8"/>
+                  <a:blip r:embed="rId9"/>
                   <a:stretch>
                     <a:fillRect l="-9756" b="-25000"/>
                   </a:stretch>
@@ -11698,8 +12726,8 @@
             </p:sp>
           </mc:Fallback>
         </mc:AlternateContent>
-        <mc:AlternateContent xmlns:mc="http://schemas.openxmlformats.org/markup-compatibility/2006">
-          <mc:Choice xmlns:a14="http://schemas.microsoft.com/office/drawing/2010/main" Requires="a14">
+        <mc:AlternateContent xmlns:mc="http://schemas.openxmlformats.org/markup-compatibility/2006" xmlns:a14="http://schemas.microsoft.com/office/drawing/2010/main">
+          <mc:Choice Requires="a14">
             <p:sp>
               <p:nvSpPr>
                 <p:cNvPr id="13" name="Rounded Rectangle 12">
@@ -11775,7 +12803,7 @@
               </p:txBody>
             </p:sp>
           </mc:Choice>
-          <mc:Fallback>
+          <mc:Fallback xmlns="">
             <p:sp>
               <p:nvSpPr>
                 <p:cNvPr id="13" name="Rounded Rectangle 12">
@@ -11799,7 +12827,7 @@
                   <a:avLst/>
                 </a:prstGeom>
                 <a:blipFill>
-                  <a:blip r:embed="rId9"/>
+                  <a:blip r:embed="rId10"/>
                   <a:stretch>
                     <a:fillRect l="-15000" b="-21622"/>
                   </a:stretch>
@@ -11825,8 +12853,8 @@
             </p:sp>
           </mc:Fallback>
         </mc:AlternateContent>
-        <mc:AlternateContent xmlns:mc="http://schemas.openxmlformats.org/markup-compatibility/2006">
-          <mc:Choice xmlns:a14="http://schemas.microsoft.com/office/drawing/2010/main" Requires="a14">
+        <mc:AlternateContent xmlns:mc="http://schemas.openxmlformats.org/markup-compatibility/2006" xmlns:a14="http://schemas.microsoft.com/office/drawing/2010/main">
+          <mc:Choice Requires="a14">
             <p:sp>
               <p:nvSpPr>
                 <p:cNvPr id="14" name="Rounded Rectangle 13">
@@ -11902,7 +12930,7 @@
               </p:txBody>
             </p:sp>
           </mc:Choice>
-          <mc:Fallback>
+          <mc:Fallback xmlns="">
             <p:sp>
               <p:nvSpPr>
                 <p:cNvPr id="14" name="Rounded Rectangle 13">
@@ -11926,7 +12954,7 @@
                   <a:avLst/>
                 </a:prstGeom>
                 <a:blipFill>
-                  <a:blip r:embed="rId10"/>
+                  <a:blip r:embed="rId11"/>
                   <a:stretch>
                     <a:fillRect l="-12195" b="-21622"/>
                   </a:stretch>
@@ -11952,8 +12980,8 @@
             </p:sp>
           </mc:Fallback>
         </mc:AlternateContent>
-        <mc:AlternateContent xmlns:mc="http://schemas.openxmlformats.org/markup-compatibility/2006">
-          <mc:Choice xmlns:a14="http://schemas.microsoft.com/office/drawing/2010/main" Requires="a14">
+        <mc:AlternateContent xmlns:mc="http://schemas.openxmlformats.org/markup-compatibility/2006" xmlns:a14="http://schemas.microsoft.com/office/drawing/2010/main">
+          <mc:Choice Requires="a14">
             <p:sp>
               <p:nvSpPr>
                 <p:cNvPr id="15" name="Rounded Rectangle 14">
@@ -12023,7 +13051,7 @@
               </p:txBody>
             </p:sp>
           </mc:Choice>
-          <mc:Fallback>
+          <mc:Fallback xmlns="">
             <p:sp>
               <p:nvSpPr>
                 <p:cNvPr id="15" name="Rounded Rectangle 14">
@@ -12047,7 +13075,7 @@
                   <a:avLst/>
                 </a:prstGeom>
                 <a:blipFill>
-                  <a:blip r:embed="rId11"/>
+                  <a:blip r:embed="rId12"/>
                   <a:stretch>
                     <a:fillRect/>
                   </a:stretch>
@@ -12205,7 +13233,7 @@
           <p:nvPr/>
         </p:nvPicPr>
         <p:blipFill rotWithShape="1">
-          <a:blip r:embed="rId2"/>
+          <a:blip r:embed="rId3"/>
           <a:srcRect r="-2" b="-2"/>
           <a:stretch/>
         </p:blipFill>
@@ -12266,7 +13294,7 @@
           <p:nvPr/>
         </p:nvPicPr>
         <p:blipFill rotWithShape="1">
-          <a:blip r:embed="rId3"/>
+          <a:blip r:embed="rId4"/>
           <a:srcRect l="4713" r="5232"/>
           <a:stretch/>
         </p:blipFill>
@@ -15111,8 +16139,8 @@
           </a:p>
         </p:txBody>
       </p:sp>
-      <mc:AlternateContent xmlns:mc="http://schemas.openxmlformats.org/markup-compatibility/2006">
-        <mc:Choice xmlns:a14="http://schemas.microsoft.com/office/drawing/2010/main" Requires="a14">
+      <mc:AlternateContent xmlns:mc="http://schemas.openxmlformats.org/markup-compatibility/2006" xmlns:a14="http://schemas.microsoft.com/office/drawing/2010/main">
+        <mc:Choice Requires="a14">
           <p:sp>
             <p:nvSpPr>
               <p:cNvPr id="5" name="Rounded Rectangle 4">
@@ -15183,7 +16211,7 @@
             </p:txBody>
           </p:sp>
         </mc:Choice>
-        <mc:Fallback>
+        <mc:Fallback xmlns="">
           <p:sp>
             <p:nvSpPr>
               <p:cNvPr id="5" name="Rounded Rectangle 4">
@@ -15207,7 +16235,7 @@
                 <a:avLst/>
               </a:prstGeom>
               <a:blipFill>
-                <a:blip r:embed="rId2"/>
+                <a:blip r:embed="rId3"/>
                 <a:stretch>
                   <a:fillRect b="-13115"/>
                 </a:stretch>
@@ -15228,8 +16256,8 @@
           </p:sp>
         </mc:Fallback>
       </mc:AlternateContent>
-      <mc:AlternateContent xmlns:mc="http://schemas.openxmlformats.org/markup-compatibility/2006">
-        <mc:Choice xmlns:a14="http://schemas.microsoft.com/office/drawing/2010/main" Requires="a14">
+      <mc:AlternateContent xmlns:mc="http://schemas.openxmlformats.org/markup-compatibility/2006" xmlns:a14="http://schemas.microsoft.com/office/drawing/2010/main">
+        <mc:Choice Requires="a14">
           <p:sp>
             <p:nvSpPr>
               <p:cNvPr id="6" name="Rounded Rectangle 5">
@@ -15300,7 +16328,7 @@
             </p:txBody>
           </p:sp>
         </mc:Choice>
-        <mc:Fallback>
+        <mc:Fallback xmlns="">
           <p:sp>
             <p:nvSpPr>
               <p:cNvPr id="6" name="Rounded Rectangle 5">
@@ -15324,7 +16352,7 @@
                 <a:avLst/>
               </a:prstGeom>
               <a:blipFill>
-                <a:blip r:embed="rId3"/>
+                <a:blip r:embed="rId4"/>
                 <a:stretch>
                   <a:fillRect b="-14754"/>
                 </a:stretch>
@@ -15345,8 +16373,8 @@
           </p:sp>
         </mc:Fallback>
       </mc:AlternateContent>
-      <mc:AlternateContent xmlns:mc="http://schemas.openxmlformats.org/markup-compatibility/2006">
-        <mc:Choice xmlns:a14="http://schemas.microsoft.com/office/drawing/2010/main" Requires="a14">
+      <mc:AlternateContent xmlns:mc="http://schemas.openxmlformats.org/markup-compatibility/2006" xmlns:a14="http://schemas.microsoft.com/office/drawing/2010/main">
+        <mc:Choice Requires="a14">
           <p:sp>
             <p:nvSpPr>
               <p:cNvPr id="7" name="Rounded Rectangle 6">
@@ -15417,7 +16445,7 @@
             </p:txBody>
           </p:sp>
         </mc:Choice>
-        <mc:Fallback>
+        <mc:Fallback xmlns="">
           <p:sp>
             <p:nvSpPr>
               <p:cNvPr id="7" name="Rounded Rectangle 6">
@@ -15441,7 +16469,7 @@
                 <a:avLst/>
               </a:prstGeom>
               <a:blipFill>
-                <a:blip r:embed="rId4"/>
+                <a:blip r:embed="rId5"/>
                 <a:stretch>
                   <a:fillRect b="-14754"/>
                 </a:stretch>
@@ -15462,8 +16490,8 @@
           </p:sp>
         </mc:Fallback>
       </mc:AlternateContent>
-      <mc:AlternateContent xmlns:mc="http://schemas.openxmlformats.org/markup-compatibility/2006">
-        <mc:Choice xmlns:a14="http://schemas.microsoft.com/office/drawing/2010/main" Requires="a14">
+      <mc:AlternateContent xmlns:mc="http://schemas.openxmlformats.org/markup-compatibility/2006" xmlns:a14="http://schemas.microsoft.com/office/drawing/2010/main">
+        <mc:Choice Requires="a14">
           <p:sp>
             <p:nvSpPr>
               <p:cNvPr id="8" name="Rounded Rectangle 7">
@@ -15534,7 +16562,7 @@
             </p:txBody>
           </p:sp>
         </mc:Choice>
-        <mc:Fallback>
+        <mc:Fallback xmlns="">
           <p:sp>
             <p:nvSpPr>
               <p:cNvPr id="8" name="Rounded Rectangle 7">
@@ -15558,7 +16586,7 @@
                 <a:avLst/>
               </a:prstGeom>
               <a:blipFill>
-                <a:blip r:embed="rId5"/>
+                <a:blip r:embed="rId6"/>
                 <a:stretch>
                   <a:fillRect b="-13115"/>
                 </a:stretch>
@@ -15669,7 +16697,7 @@
                 <a:avLst/>
               </a:prstGeom>
               <a:blipFill>
-                <a:blip r:embed="rId6"/>
+                <a:blip r:embed="rId7"/>
                 <a:stretch>
                   <a:fillRect/>
                 </a:stretch>
@@ -18225,7 +19253,7 @@
               </a:spcAft>
             </a:pPr>
             <a:r>
-              <a:rPr lang="en-US" sz="4000">
+              <a:rPr lang="en-US" sz="4000" dirty="0">
                 <a:latin typeface="+mj-lt"/>
                 <a:ea typeface="+mj-ea"/>
                 <a:cs typeface="+mj-cs"/>

--- a/presentation/SPIN2022.pptx
+++ b/presentation/SPIN2022.pptx
@@ -5,7 +5,7 @@
     <p:sldMasterId id="2147483672" r:id="rId1"/>
   </p:sldMasterIdLst>
   <p:notesMasterIdLst>
-    <p:notesMasterId r:id="rId17"/>
+    <p:notesMasterId r:id="rId20"/>
   </p:notesMasterIdLst>
   <p:sldIdLst>
     <p:sldId id="256" r:id="rId2"/>
@@ -14,15 +14,18 @@
     <p:sldId id="260" r:id="rId5"/>
     <p:sldId id="265" r:id="rId6"/>
     <p:sldId id="266" r:id="rId7"/>
-    <p:sldId id="267" r:id="rId8"/>
-    <p:sldId id="263" r:id="rId9"/>
-    <p:sldId id="269" r:id="rId10"/>
-    <p:sldId id="270" r:id="rId11"/>
-    <p:sldId id="271" r:id="rId12"/>
-    <p:sldId id="272" r:id="rId13"/>
-    <p:sldId id="275" r:id="rId14"/>
-    <p:sldId id="273" r:id="rId15"/>
-    <p:sldId id="274" r:id="rId16"/>
+    <p:sldId id="276" r:id="rId8"/>
+    <p:sldId id="267" r:id="rId9"/>
+    <p:sldId id="263" r:id="rId10"/>
+    <p:sldId id="278" r:id="rId11"/>
+    <p:sldId id="269" r:id="rId12"/>
+    <p:sldId id="270" r:id="rId13"/>
+    <p:sldId id="271" r:id="rId14"/>
+    <p:sldId id="272" r:id="rId15"/>
+    <p:sldId id="275" r:id="rId16"/>
+    <p:sldId id="273" r:id="rId17"/>
+    <p:sldId id="274" r:id="rId18"/>
+    <p:sldId id="277" r:id="rId19"/>
   </p:sldIdLst>
   <p:sldSz cx="12192000" cy="6858000"/>
   <p:notesSz cx="6858000" cy="9144000"/>
@@ -257,7 +260,7 @@
           <a:p>
             <a:fld id="{6E742D25-F818-3F41-A083-9D0C2C4584D2}" type="datetimeFigureOut">
               <a:rPr lang="en-US" smtClean="0"/>
-              <a:t>5/18/2022</a:t>
+              <a:t>5/19/22</a:t>
             </a:fld>
             <a:endParaRPr lang="en-US"/>
           </a:p>
@@ -671,13 +674,7 @@
           <a:p>
             <a:r>
               <a:rPr lang="en-US" dirty="0"/>
-              <a:t>Since the NIST standard is written in a document, visual inspection is impossible to avoid.</a:t>
-            </a:r>
-          </a:p>
-          <a:p>
-            <a:r>
-              <a:rPr lang="en-US" dirty="0"/>
-              <a:t>By leveraging our higher-order functions we produced a visually comparable </a:t>
+              <a:t>Visual inspection with the standard </a:t>
             </a:r>
             <a:r>
               <a:rPr lang="en-US" dirty="0" err="1"/>
@@ -685,13 +682,19 @@
             </a:r>
             <a:r>
               <a:rPr lang="en-US" dirty="0"/>
-              <a:t> implementation of SHA3.</a:t>
+              <a:t> syntax of list comprehensions was not always intuitive.</a:t>
             </a:r>
           </a:p>
           <a:p>
             <a:r>
               <a:rPr lang="en-US" dirty="0"/>
-              <a:t>We also relied on the provided NIST test vectors for additional assurance of correctness.</a:t>
+              <a:t>We constructed higher order functions that hide the less comparable list comprehensions to greatly simplify looping structures such as for and while loops.</a:t>
+            </a:r>
+          </a:p>
+          <a:p>
+            <a:r>
+              <a:rPr lang="en-US" dirty="0"/>
+              <a:t>This led to a more straightforward visual comparison.</a:t>
             </a:r>
           </a:p>
         </p:txBody>
@@ -722,7 +725,7 @@
     </p:spTree>
     <p:extLst>
       <p:ext uri="{BB962C8B-B14F-4D97-AF65-F5344CB8AC3E}">
-        <p14:creationId xmlns:p14="http://schemas.microsoft.com/office/powerpoint/2010/main" val="219260823"/>
+        <p14:creationId xmlns:p14="http://schemas.microsoft.com/office/powerpoint/2010/main" val="2487623202"/>
       </p:ext>
     </p:extLst>
   </p:cSld>
@@ -778,13 +781,7 @@
           <a:p>
             <a:r>
               <a:rPr lang="en-US" dirty="0"/>
-              <a:t>OpenSSL’s C implementation formatted the intermediate state differently from the NIST standard.</a:t>
-            </a:r>
-          </a:p>
-          <a:p>
-            <a:r>
-              <a:rPr lang="en-US" dirty="0"/>
-              <a:t>A direct comparison from our visually reviewable </a:t>
+              <a:t>Visual inspection with the standard </a:t>
             </a:r>
             <a:r>
               <a:rPr lang="en-US" dirty="0" err="1"/>
@@ -792,77 +789,19 @@
             </a:r>
             <a:r>
               <a:rPr lang="en-US" dirty="0"/>
-              <a:t> implementation to the OpenSSL implementation was too complex to complete with SAW.</a:t>
+              <a:t> syntax of list comprehensions was not always intuitive.</a:t>
             </a:r>
           </a:p>
           <a:p>
             <a:r>
               <a:rPr lang="en-US" dirty="0"/>
-              <a:t>Because </a:t>
-            </a:r>
-            <a:r>
-              <a:rPr lang="en-US" dirty="0" err="1"/>
-              <a:t>Cryptol</a:t>
-            </a:r>
+              <a:t>We constructed higher order functions that hide the less comparable list comprehensions to greatly simplify looping structures such as for and while loops.</a:t>
+            </a:r>
+          </a:p>
+          <a:p>
             <a:r>
               <a:rPr lang="en-US" dirty="0"/>
-              <a:t> is natively supported in SAW, </a:t>
-            </a:r>
-            <a:r>
-              <a:rPr lang="en-US" dirty="0" err="1"/>
-              <a:t>Cryptol</a:t>
-            </a:r>
-            <a:r>
-              <a:rPr lang="en-US" dirty="0"/>
-              <a:t> to </a:t>
-            </a:r>
-            <a:r>
-              <a:rPr lang="en-US" dirty="0" err="1"/>
-              <a:t>Cryptol</a:t>
-            </a:r>
-            <a:r>
-              <a:rPr lang="en-US" dirty="0"/>
-              <a:t> comparisons are more feasible.</a:t>
-            </a:r>
-          </a:p>
-          <a:p>
-            <a:r>
-              <a:rPr lang="en-US" dirty="0"/>
-              <a:t>We produced a second </a:t>
-            </a:r>
-            <a:r>
-              <a:rPr lang="en-US" dirty="0" err="1"/>
-              <a:t>Cryptol</a:t>
-            </a:r>
-            <a:r>
-              <a:rPr lang="en-US" dirty="0"/>
-              <a:t> implementation that followed the OpenSSL’s memory layout and proved the equivalence between the two </a:t>
-            </a:r>
-            <a:r>
-              <a:rPr lang="en-US" dirty="0" err="1"/>
-              <a:t>Cryptol</a:t>
-            </a:r>
-            <a:r>
-              <a:rPr lang="en-US" dirty="0"/>
-              <a:t> implementations.</a:t>
-            </a:r>
-          </a:p>
-          <a:p>
-            <a:r>
-              <a:rPr lang="en-US" dirty="0"/>
-              <a:t>Due to differences in memory, this was done at the top level of the SHA3 algorithm.</a:t>
-            </a:r>
-          </a:p>
-          <a:p>
-            <a:r>
-              <a:rPr lang="en-US" dirty="0"/>
-              <a:t>Strict typing constraints required us to verify for each critical input message size.</a:t>
-            </a:r>
-          </a:p>
-          <a:p>
-            <a:r>
-              <a:rPr lang="en-US" dirty="0"/>
-              <a:t>By verifying all message lengths from 0 to 1088 bits, all possible padding inputs, we covered every conceivable branch.</a:t>
+              <a:t>This led to a more straightforward visual comparison.</a:t>
             </a:r>
           </a:p>
         </p:txBody>
@@ -893,7 +832,7 @@
     </p:spTree>
     <p:extLst>
       <p:ext uri="{BB962C8B-B14F-4D97-AF65-F5344CB8AC3E}">
-        <p14:creationId xmlns:p14="http://schemas.microsoft.com/office/powerpoint/2010/main" val="4142389940"/>
+        <p14:creationId xmlns:p14="http://schemas.microsoft.com/office/powerpoint/2010/main" val="1282549929"/>
       </p:ext>
     </p:extLst>
   </p:cSld>
@@ -949,7 +888,27 @@
           <a:p>
             <a:r>
               <a:rPr lang="en-US" dirty="0"/>
-              <a:t>&lt;What should we cover here?&gt;</a:t>
+              <a:t>Since the NIST standard is written in a document, visual inspection is impossible to avoid.</a:t>
+            </a:r>
+          </a:p>
+          <a:p>
+            <a:r>
+              <a:rPr lang="en-US" dirty="0"/>
+              <a:t>By leveraging our higher-order functions we produced a visually comparable </a:t>
+            </a:r>
+            <a:r>
+              <a:rPr lang="en-US" dirty="0" err="1"/>
+              <a:t>Cryptol</a:t>
+            </a:r>
+            <a:r>
+              <a:rPr lang="en-US" dirty="0"/>
+              <a:t> implementation of SHA3.</a:t>
+            </a:r>
+          </a:p>
+          <a:p>
+            <a:r>
+              <a:rPr lang="en-US" dirty="0"/>
+              <a:t>We also relied on the provided NIST test vectors for additional assurance of correctness.</a:t>
             </a:r>
           </a:p>
         </p:txBody>
@@ -980,7 +939,7 @@
     </p:spTree>
     <p:extLst>
       <p:ext uri="{BB962C8B-B14F-4D97-AF65-F5344CB8AC3E}">
-        <p14:creationId xmlns:p14="http://schemas.microsoft.com/office/powerpoint/2010/main" val="2212572720"/>
+        <p14:creationId xmlns:p14="http://schemas.microsoft.com/office/powerpoint/2010/main" val="219260823"/>
       </p:ext>
     </p:extLst>
   </p:cSld>
@@ -1036,7 +995,91 @@
           <a:p>
             <a:r>
               <a:rPr lang="en-US" dirty="0"/>
-              <a:t>Keccak was too difficult to prove, yet due to its modularity we could prove each of the inner functions individually.</a:t>
+              <a:t>OpenSSL’s C implementation formatted the intermediate state differently from the NIST standard.</a:t>
+            </a:r>
+          </a:p>
+          <a:p>
+            <a:r>
+              <a:rPr lang="en-US" dirty="0"/>
+              <a:t>A direct comparison from our visually reviewable </a:t>
+            </a:r>
+            <a:r>
+              <a:rPr lang="en-US" dirty="0" err="1"/>
+              <a:t>Cryptol</a:t>
+            </a:r>
+            <a:r>
+              <a:rPr lang="en-US" dirty="0"/>
+              <a:t> implementation to the OpenSSL implementation was too complex to complete with SAW.</a:t>
+            </a:r>
+          </a:p>
+          <a:p>
+            <a:r>
+              <a:rPr lang="en-US" dirty="0"/>
+              <a:t>Because </a:t>
+            </a:r>
+            <a:r>
+              <a:rPr lang="en-US" dirty="0" err="1"/>
+              <a:t>Cryptol</a:t>
+            </a:r>
+            <a:r>
+              <a:rPr lang="en-US" dirty="0"/>
+              <a:t> is natively supported in SAW, </a:t>
+            </a:r>
+            <a:r>
+              <a:rPr lang="en-US" dirty="0" err="1"/>
+              <a:t>Cryptol</a:t>
+            </a:r>
+            <a:r>
+              <a:rPr lang="en-US" dirty="0"/>
+              <a:t> to </a:t>
+            </a:r>
+            <a:r>
+              <a:rPr lang="en-US" dirty="0" err="1"/>
+              <a:t>Cryptol</a:t>
+            </a:r>
+            <a:r>
+              <a:rPr lang="en-US" dirty="0"/>
+              <a:t> comparisons are more feasible.</a:t>
+            </a:r>
+          </a:p>
+          <a:p>
+            <a:r>
+              <a:rPr lang="en-US" dirty="0"/>
+              <a:t>We produced a second </a:t>
+            </a:r>
+            <a:r>
+              <a:rPr lang="en-US" dirty="0" err="1"/>
+              <a:t>Cryptol</a:t>
+            </a:r>
+            <a:r>
+              <a:rPr lang="en-US" dirty="0"/>
+              <a:t> implementation that followed the OpenSSL’s memory layout and proved the equivalence between the two </a:t>
+            </a:r>
+            <a:r>
+              <a:rPr lang="en-US" dirty="0" err="1"/>
+              <a:t>Cryptol</a:t>
+            </a:r>
+            <a:r>
+              <a:rPr lang="en-US" dirty="0"/>
+              <a:t> implementations.</a:t>
+            </a:r>
+          </a:p>
+          <a:p>
+            <a:r>
+              <a:rPr lang="en-US" dirty="0"/>
+              <a:t>Due to differences in memory, this was done at the top level of the SHA3 algorithm.</a:t>
+            </a:r>
+          </a:p>
+          <a:p>
+            <a:r>
+              <a:rPr lang="en-US" dirty="0"/>
+              <a:t>Strict typing constraints required us to verify for each critical input message size.</a:t>
+            </a:r>
+          </a:p>
+          <a:p>
+            <a:r>
+              <a:rPr lang="en-US" dirty="0"/>
+              <a:t>By verifying all message lengths from 0 to 1088 bits, all possible padding inputs, we covered every conceivable branch.</a:t>
             </a:r>
           </a:p>
         </p:txBody>
@@ -1067,7 +1110,7 @@
     </p:spTree>
     <p:extLst>
       <p:ext uri="{BB962C8B-B14F-4D97-AF65-F5344CB8AC3E}">
-        <p14:creationId xmlns:p14="http://schemas.microsoft.com/office/powerpoint/2010/main" val="4219573111"/>
+        <p14:creationId xmlns:p14="http://schemas.microsoft.com/office/powerpoint/2010/main" val="4142389940"/>
       </p:ext>
     </p:extLst>
   </p:cSld>
@@ -1123,7 +1166,7 @@
           <a:p>
             <a:r>
               <a:rPr lang="en-US" dirty="0"/>
-              <a:t>Each smaller transformation function was compared and shown equivalent.</a:t>
+              <a:t>&lt;What should we cover here?&gt;</a:t>
             </a:r>
           </a:p>
         </p:txBody>
@@ -1154,7 +1197,7 @@
     </p:spTree>
     <p:extLst>
       <p:ext uri="{BB962C8B-B14F-4D97-AF65-F5344CB8AC3E}">
-        <p14:creationId xmlns:p14="http://schemas.microsoft.com/office/powerpoint/2010/main" val="4238549404"/>
+        <p14:creationId xmlns:p14="http://schemas.microsoft.com/office/powerpoint/2010/main" val="2212572720"/>
       </p:ext>
     </p:extLst>
   </p:cSld>
@@ -1210,13 +1253,7 @@
           <a:p>
             <a:r>
               <a:rPr lang="en-US" dirty="0"/>
-              <a:t>Through SAW overrides, we lessened the complexity of the generated computational models.</a:t>
-            </a:r>
-          </a:p>
-          <a:p>
-            <a:r>
-              <a:rPr lang="en-US" dirty="0"/>
-              <a:t>This allowed the solver to complete within a reasonable time.</a:t>
+              <a:t>Keccak was too difficult to prove, yet due to its modularity we could prove each of the inner functions individually.</a:t>
             </a:r>
           </a:p>
         </p:txBody>
@@ -1239,6 +1276,186 @@
             <a:fld id="{F9212696-0A7F-9A4B-8E6F-F66892427D89}" type="slidenum">
               <a:rPr lang="en-US" smtClean="0"/>
               <a:t>15</a:t>
+            </a:fld>
+            <a:endParaRPr lang="en-US"/>
+          </a:p>
+        </p:txBody>
+      </p:sp>
+    </p:spTree>
+    <p:extLst>
+      <p:ext uri="{BB962C8B-B14F-4D97-AF65-F5344CB8AC3E}">
+        <p14:creationId xmlns:p14="http://schemas.microsoft.com/office/powerpoint/2010/main" val="4219573111"/>
+      </p:ext>
+    </p:extLst>
+  </p:cSld>
+  <p:clrMapOvr>
+    <a:masterClrMapping/>
+  </p:clrMapOvr>
+</p:notes>
+</file>
+
+<file path=ppt/notesSlides/notesSlide16.xml><?xml version="1.0" encoding="utf-8"?>
+<p:notes xmlns:a="http://schemas.openxmlformats.org/drawingml/2006/main" xmlns:r="http://schemas.openxmlformats.org/officeDocument/2006/relationships" xmlns:p="http://schemas.openxmlformats.org/presentationml/2006/main">
+  <p:cSld>
+    <p:spTree>
+      <p:nvGrpSpPr>
+        <p:cNvPr id="1" name=""/>
+        <p:cNvGrpSpPr/>
+        <p:nvPr/>
+      </p:nvGrpSpPr>
+      <p:grpSpPr>
+        <a:xfrm>
+          <a:off x="0" y="0"/>
+          <a:ext cx="0" cy="0"/>
+          <a:chOff x="0" y="0"/>
+          <a:chExt cx="0" cy="0"/>
+        </a:xfrm>
+      </p:grpSpPr>
+      <p:sp>
+        <p:nvSpPr>
+          <p:cNvPr id="2" name="Slide Image Placeholder 1"/>
+          <p:cNvSpPr>
+            <a:spLocks noGrp="1" noRot="1" noChangeAspect="1"/>
+          </p:cNvSpPr>
+          <p:nvPr>
+            <p:ph type="sldImg"/>
+          </p:nvPr>
+        </p:nvSpPr>
+        <p:spPr/>
+      </p:sp>
+      <p:sp>
+        <p:nvSpPr>
+          <p:cNvPr id="3" name="Notes Placeholder 2"/>
+          <p:cNvSpPr>
+            <a:spLocks noGrp="1"/>
+          </p:cNvSpPr>
+          <p:nvPr>
+            <p:ph type="body" idx="1"/>
+          </p:nvPr>
+        </p:nvSpPr>
+        <p:spPr/>
+        <p:txBody>
+          <a:bodyPr/>
+          <a:lstStyle/>
+          <a:p>
+            <a:r>
+              <a:rPr lang="en-US" dirty="0"/>
+              <a:t>Each smaller transformation function was compared and shown equivalent.</a:t>
+            </a:r>
+          </a:p>
+        </p:txBody>
+      </p:sp>
+      <p:sp>
+        <p:nvSpPr>
+          <p:cNvPr id="4" name="Slide Number Placeholder 3"/>
+          <p:cNvSpPr>
+            <a:spLocks noGrp="1"/>
+          </p:cNvSpPr>
+          <p:nvPr>
+            <p:ph type="sldNum" sz="quarter" idx="5"/>
+          </p:nvPr>
+        </p:nvSpPr>
+        <p:spPr/>
+        <p:txBody>
+          <a:bodyPr/>
+          <a:lstStyle/>
+          <a:p>
+            <a:fld id="{F9212696-0A7F-9A4B-8E6F-F66892427D89}" type="slidenum">
+              <a:rPr lang="en-US" smtClean="0"/>
+              <a:t>16</a:t>
+            </a:fld>
+            <a:endParaRPr lang="en-US"/>
+          </a:p>
+        </p:txBody>
+      </p:sp>
+    </p:spTree>
+    <p:extLst>
+      <p:ext uri="{BB962C8B-B14F-4D97-AF65-F5344CB8AC3E}">
+        <p14:creationId xmlns:p14="http://schemas.microsoft.com/office/powerpoint/2010/main" val="4238549404"/>
+      </p:ext>
+    </p:extLst>
+  </p:cSld>
+  <p:clrMapOvr>
+    <a:masterClrMapping/>
+  </p:clrMapOvr>
+</p:notes>
+</file>
+
+<file path=ppt/notesSlides/notesSlide17.xml><?xml version="1.0" encoding="utf-8"?>
+<p:notes xmlns:a="http://schemas.openxmlformats.org/drawingml/2006/main" xmlns:r="http://schemas.openxmlformats.org/officeDocument/2006/relationships" xmlns:p="http://schemas.openxmlformats.org/presentationml/2006/main">
+  <p:cSld>
+    <p:spTree>
+      <p:nvGrpSpPr>
+        <p:cNvPr id="1" name=""/>
+        <p:cNvGrpSpPr/>
+        <p:nvPr/>
+      </p:nvGrpSpPr>
+      <p:grpSpPr>
+        <a:xfrm>
+          <a:off x="0" y="0"/>
+          <a:ext cx="0" cy="0"/>
+          <a:chOff x="0" y="0"/>
+          <a:chExt cx="0" cy="0"/>
+        </a:xfrm>
+      </p:grpSpPr>
+      <p:sp>
+        <p:nvSpPr>
+          <p:cNvPr id="2" name="Slide Image Placeholder 1"/>
+          <p:cNvSpPr>
+            <a:spLocks noGrp="1" noRot="1" noChangeAspect="1"/>
+          </p:cNvSpPr>
+          <p:nvPr>
+            <p:ph type="sldImg"/>
+          </p:nvPr>
+        </p:nvSpPr>
+        <p:spPr/>
+      </p:sp>
+      <p:sp>
+        <p:nvSpPr>
+          <p:cNvPr id="3" name="Notes Placeholder 2"/>
+          <p:cNvSpPr>
+            <a:spLocks noGrp="1"/>
+          </p:cNvSpPr>
+          <p:nvPr>
+            <p:ph type="body" idx="1"/>
+          </p:nvPr>
+        </p:nvSpPr>
+        <p:spPr/>
+        <p:txBody>
+          <a:bodyPr/>
+          <a:lstStyle/>
+          <a:p>
+            <a:r>
+              <a:rPr lang="en-US" dirty="0"/>
+              <a:t>Through SAW overrides, we lessened the complexity of the generated computational models.</a:t>
+            </a:r>
+          </a:p>
+          <a:p>
+            <a:r>
+              <a:rPr lang="en-US" dirty="0"/>
+              <a:t>This allowed the solver to complete within a reasonable time.</a:t>
+            </a:r>
+          </a:p>
+        </p:txBody>
+      </p:sp>
+      <p:sp>
+        <p:nvSpPr>
+          <p:cNvPr id="4" name="Slide Number Placeholder 3"/>
+          <p:cNvSpPr>
+            <a:spLocks noGrp="1"/>
+          </p:cNvSpPr>
+          <p:nvPr>
+            <p:ph type="sldNum" sz="quarter" idx="5"/>
+          </p:nvPr>
+        </p:nvSpPr>
+        <p:spPr/>
+        <p:txBody>
+          <a:bodyPr/>
+          <a:lstStyle/>
+          <a:p>
+            <a:fld id="{F9212696-0A7F-9A4B-8E6F-F66892427D89}" type="slidenum">
+              <a:rPr lang="en-US" smtClean="0"/>
+              <a:t>17</a:t>
             </a:fld>
             <a:endParaRPr lang="en-US"/>
           </a:p>
@@ -2110,16 +2327,13 @@
           <a:p>
             <a:r>
               <a:rPr lang="en-US" dirty="0"/>
-              <a:t>Sponge construction versus compression-based construction in SHA-2</a:t>
-            </a:r>
-          </a:p>
-          <a:p>
-            <a:endParaRPr lang="en-US" dirty="0"/>
+              <a:t>Keccak consists of five functions.</a:t>
+            </a:r>
           </a:p>
           <a:p>
             <a:r>
               <a:rPr lang="en-US" dirty="0"/>
-              <a:t>&lt;What differences should we focus on?&gt;</a:t>
+              <a:t>Each function performs an independent state transformation.</a:t>
             </a:r>
           </a:p>
         </p:txBody>
@@ -2150,7 +2364,7 @@
     </p:spTree>
     <p:extLst>
       <p:ext uri="{BB962C8B-B14F-4D97-AF65-F5344CB8AC3E}">
-        <p14:creationId xmlns:p14="http://schemas.microsoft.com/office/powerpoint/2010/main" val="196083981"/>
+        <p14:creationId xmlns:p14="http://schemas.microsoft.com/office/powerpoint/2010/main" val="1139405910"/>
       </p:ext>
     </p:extLst>
   </p:cSld>
@@ -2206,13 +2420,16 @@
           <a:p>
             <a:r>
               <a:rPr lang="en-US" dirty="0"/>
-              <a:t>Through SAW’s override system and KECCAK’s modular layout, we were able to prove each of the five functions individually.</a:t>
-            </a:r>
+              <a:t>Sponge construction versus compression-based construction in SHA-2</a:t>
+            </a:r>
+          </a:p>
+          <a:p>
+            <a:endParaRPr lang="en-US" dirty="0"/>
           </a:p>
           <a:p>
             <a:r>
               <a:rPr lang="en-US" dirty="0"/>
-              <a:t>With those resulting contracts we proved the entirety of KECCAK.</a:t>
+              <a:t>&lt;What differences should we focus on?&gt;</a:t>
             </a:r>
           </a:p>
         </p:txBody>
@@ -2243,7 +2460,7 @@
     </p:spTree>
     <p:extLst>
       <p:ext uri="{BB962C8B-B14F-4D97-AF65-F5344CB8AC3E}">
-        <p14:creationId xmlns:p14="http://schemas.microsoft.com/office/powerpoint/2010/main" val="2796285379"/>
+        <p14:creationId xmlns:p14="http://schemas.microsoft.com/office/powerpoint/2010/main" val="196083981"/>
       </p:ext>
     </p:extLst>
   </p:cSld>
@@ -2299,27 +2516,13 @@
           <a:p>
             <a:r>
               <a:rPr lang="en-US" dirty="0"/>
-              <a:t>Visual inspection with the standard </a:t>
-            </a:r>
-            <a:r>
-              <a:rPr lang="en-US" dirty="0" err="1"/>
-              <a:t>Cryptol</a:t>
-            </a:r>
+              <a:t>Through SAW’s override system and KECCAK’s modular layout, we were able to prove each of the five functions individually.</a:t>
+            </a:r>
+          </a:p>
+          <a:p>
             <a:r>
               <a:rPr lang="en-US" dirty="0"/>
-              <a:t> syntax of list comprehensions was not always intuitive.</a:t>
-            </a:r>
-          </a:p>
-          <a:p>
-            <a:r>
-              <a:rPr lang="en-US" dirty="0"/>
-              <a:t>We constructed higher order functions that hide the less comparable list comprehensions to greatly simplify looping structures such as for and while loops.</a:t>
-            </a:r>
-          </a:p>
-          <a:p>
-            <a:r>
-              <a:rPr lang="en-US" dirty="0"/>
-              <a:t>This led to a more straightforward visual comparison.</a:t>
+              <a:t>With those resulting contracts we proved the entirety of KECCAK.</a:t>
             </a:r>
           </a:p>
         </p:txBody>
@@ -2350,7 +2553,7 @@
     </p:spTree>
     <p:extLst>
       <p:ext uri="{BB962C8B-B14F-4D97-AF65-F5344CB8AC3E}">
-        <p14:creationId xmlns:p14="http://schemas.microsoft.com/office/powerpoint/2010/main" val="1282549929"/>
+        <p14:creationId xmlns:p14="http://schemas.microsoft.com/office/powerpoint/2010/main" val="2796285379"/>
       </p:ext>
     </p:extLst>
   </p:cSld>
@@ -2491,7 +2694,7 @@
           <a:p>
             <a:fld id="{F1C7DD81-8C6B-F24B-99BC-64FACD17F553}" type="datetimeFigureOut">
               <a:rPr lang="en-US" smtClean="0"/>
-              <a:t>5/18/2022</a:t>
+              <a:t>5/19/22</a:t>
             </a:fld>
             <a:endParaRPr lang="en-US"/>
           </a:p>
@@ -2661,7 +2864,7 @@
           <a:p>
             <a:fld id="{F1C7DD81-8C6B-F24B-99BC-64FACD17F553}" type="datetimeFigureOut">
               <a:rPr lang="en-US" smtClean="0"/>
-              <a:t>5/18/2022</a:t>
+              <a:t>5/19/22</a:t>
             </a:fld>
             <a:endParaRPr lang="en-US"/>
           </a:p>
@@ -2841,7 +3044,7 @@
           <a:p>
             <a:fld id="{F1C7DD81-8C6B-F24B-99BC-64FACD17F553}" type="datetimeFigureOut">
               <a:rPr lang="en-US" smtClean="0"/>
-              <a:t>5/18/2022</a:t>
+              <a:t>5/19/22</a:t>
             </a:fld>
             <a:endParaRPr lang="en-US"/>
           </a:p>
@@ -3011,7 +3214,7 @@
           <a:p>
             <a:fld id="{F1C7DD81-8C6B-F24B-99BC-64FACD17F553}" type="datetimeFigureOut">
               <a:rPr lang="en-US" smtClean="0"/>
-              <a:t>5/18/2022</a:t>
+              <a:t>5/19/22</a:t>
             </a:fld>
             <a:endParaRPr lang="en-US"/>
           </a:p>
@@ -3257,7 +3460,7 @@
           <a:p>
             <a:fld id="{F1C7DD81-8C6B-F24B-99BC-64FACD17F553}" type="datetimeFigureOut">
               <a:rPr lang="en-US" smtClean="0"/>
-              <a:t>5/18/2022</a:t>
+              <a:t>5/19/22</a:t>
             </a:fld>
             <a:endParaRPr lang="en-US"/>
           </a:p>
@@ -3489,7 +3692,7 @@
           <a:p>
             <a:fld id="{F1C7DD81-8C6B-F24B-99BC-64FACD17F553}" type="datetimeFigureOut">
               <a:rPr lang="en-US" smtClean="0"/>
-              <a:t>5/18/2022</a:t>
+              <a:t>5/19/22</a:t>
             </a:fld>
             <a:endParaRPr lang="en-US"/>
           </a:p>
@@ -3856,7 +4059,7 @@
           <a:p>
             <a:fld id="{F1C7DD81-8C6B-F24B-99BC-64FACD17F553}" type="datetimeFigureOut">
               <a:rPr lang="en-US" smtClean="0"/>
-              <a:t>5/18/2022</a:t>
+              <a:t>5/19/22</a:t>
             </a:fld>
             <a:endParaRPr lang="en-US"/>
           </a:p>
@@ -3974,7 +4177,7 @@
           <a:p>
             <a:fld id="{F1C7DD81-8C6B-F24B-99BC-64FACD17F553}" type="datetimeFigureOut">
               <a:rPr lang="en-US" smtClean="0"/>
-              <a:t>5/18/2022</a:t>
+              <a:t>5/19/22</a:t>
             </a:fld>
             <a:endParaRPr lang="en-US"/>
           </a:p>
@@ -4069,7 +4272,7 @@
           <a:p>
             <a:fld id="{F1C7DD81-8C6B-F24B-99BC-64FACD17F553}" type="datetimeFigureOut">
               <a:rPr lang="en-US" smtClean="0"/>
-              <a:t>5/18/2022</a:t>
+              <a:t>5/19/22</a:t>
             </a:fld>
             <a:endParaRPr lang="en-US"/>
           </a:p>
@@ -4346,7 +4549,7 @@
           <a:p>
             <a:fld id="{F1C7DD81-8C6B-F24B-99BC-64FACD17F553}" type="datetimeFigureOut">
               <a:rPr lang="en-US" smtClean="0"/>
-              <a:t>5/18/2022</a:t>
+              <a:t>5/19/22</a:t>
             </a:fld>
             <a:endParaRPr lang="en-US"/>
           </a:p>
@@ -4603,7 +4806,7 @@
           <a:p>
             <a:fld id="{F1C7DD81-8C6B-F24B-99BC-64FACD17F553}" type="datetimeFigureOut">
               <a:rPr lang="en-US" smtClean="0"/>
-              <a:t>5/18/2022</a:t>
+              <a:t>5/19/22</a:t>
             </a:fld>
             <a:endParaRPr lang="en-US"/>
           </a:p>
@@ -4816,7 +5019,7 @@
           <a:p>
             <a:fld id="{F1C7DD81-8C6B-F24B-99BC-64FACD17F553}" type="datetimeFigureOut">
               <a:rPr lang="en-US" smtClean="0"/>
-              <a:t>5/18/2022</a:t>
+              <a:t>5/19/22</a:t>
             </a:fld>
             <a:endParaRPr lang="en-US"/>
           </a:p>
@@ -5511,6 +5714,2894 @@
           <p:cNvPr id="2" name="Title 1">
             <a:extLst>
               <a:ext uri="{FF2B5EF4-FFF2-40B4-BE49-F238E27FC236}">
+                <a16:creationId xmlns:a16="http://schemas.microsoft.com/office/drawing/2014/main" id="{6ADCD1C5-66AC-B94D-A967-87E5DE1E3A4C}"/>
+              </a:ext>
+            </a:extLst>
+          </p:cNvPr>
+          <p:cNvSpPr>
+            <a:spLocks noGrp="1"/>
+          </p:cNvSpPr>
+          <p:nvPr>
+            <p:ph type="title"/>
+          </p:nvPr>
+        </p:nvSpPr>
+        <p:spPr/>
+        <p:txBody>
+          <a:bodyPr/>
+          <a:lstStyle/>
+          <a:p>
+            <a:r>
+              <a:rPr lang="en-US" dirty="0"/>
+              <a:t>Write a </a:t>
+            </a:r>
+            <a:r>
+              <a:rPr lang="en-US" dirty="0" err="1"/>
+              <a:t>Cryptol</a:t>
+            </a:r>
+            <a:r>
+              <a:rPr lang="en-US" dirty="0"/>
+              <a:t> Specification for SHA-3</a:t>
+            </a:r>
+          </a:p>
+        </p:txBody>
+      </p:sp>
+      <p:sp>
+        <p:nvSpPr>
+          <p:cNvPr id="3" name="TextBox 2">
+            <a:extLst>
+              <a:ext uri="{FF2B5EF4-FFF2-40B4-BE49-F238E27FC236}">
+                <a16:creationId xmlns:a16="http://schemas.microsoft.com/office/drawing/2014/main" id="{2F73F3D8-CD8F-ED4B-893E-832546BDDFF0}"/>
+              </a:ext>
+            </a:extLst>
+          </p:cNvPr>
+          <p:cNvSpPr txBox="1"/>
+          <p:nvPr/>
+        </p:nvSpPr>
+        <p:spPr>
+          <a:xfrm>
+            <a:off x="3511177" y="1737192"/>
+            <a:ext cx="5488774" cy="1200329"/>
+          </a:xfrm>
+          <a:prstGeom prst="rect">
+            <a:avLst/>
+          </a:prstGeom>
+          <a:noFill/>
+        </p:spPr>
+        <p:txBody>
+          <a:bodyPr wrap="square" rtlCol="0">
+            <a:spAutoFit/>
+          </a:bodyPr>
+          <a:lstStyle/>
+          <a:p>
+            <a:r>
+              <a:rPr lang="en-US" sz="2400" b="1" dirty="0">
+                <a:solidFill>
+                  <a:schemeClr val="accent4"/>
+                </a:solidFill>
+              </a:rPr>
+              <a:t>For all</a:t>
+            </a:r>
+            <a:r>
+              <a:rPr lang="en-US" sz="2400" b="1" dirty="0">
+                <a:solidFill>
+                  <a:schemeClr val="tx2">
+                    <a:lumMod val="90000"/>
+                  </a:schemeClr>
+                </a:solidFill>
+              </a:rPr>
+              <a:t> </a:t>
+            </a:r>
+            <a:r>
+              <a:rPr lang="en-US" sz="2400" dirty="0">
+                <a:solidFill>
+                  <a:schemeClr val="tx2">
+                    <a:lumMod val="90000"/>
+                  </a:schemeClr>
+                </a:solidFill>
+              </a:rPr>
+              <a:t>triples (</a:t>
+            </a:r>
+            <a:r>
+              <a:rPr lang="en-US" sz="2400" i="1" dirty="0">
+                <a:solidFill>
+                  <a:schemeClr val="tx2">
+                    <a:lumMod val="90000"/>
+                  </a:schemeClr>
+                </a:solidFill>
+              </a:rPr>
+              <a:t>x, y, z</a:t>
+            </a:r>
+            <a:r>
+              <a:rPr lang="en-US" sz="2400" dirty="0">
+                <a:solidFill>
+                  <a:schemeClr val="tx2">
+                    <a:lumMod val="90000"/>
+                  </a:schemeClr>
+                </a:solidFill>
+              </a:rPr>
+              <a:t>) </a:t>
+            </a:r>
+            <a:r>
+              <a:rPr lang="en-US" sz="2400" b="1" dirty="0">
+                <a:solidFill>
+                  <a:schemeClr val="accent4"/>
+                </a:solidFill>
+              </a:rPr>
+              <a:t>such that </a:t>
+            </a:r>
+          </a:p>
+          <a:p>
+            <a:r>
+              <a:rPr lang="en-US" sz="2400" dirty="0">
+                <a:solidFill>
+                  <a:schemeClr val="tx2">
+                    <a:lumMod val="90000"/>
+                  </a:schemeClr>
+                </a:solidFill>
+              </a:rPr>
+              <a:t>	0 &lt;= </a:t>
+            </a:r>
+            <a:r>
+              <a:rPr lang="en-US" sz="2400" i="1" dirty="0">
+                <a:solidFill>
+                  <a:schemeClr val="tx2">
+                    <a:lumMod val="90000"/>
+                  </a:schemeClr>
+                </a:solidFill>
+              </a:rPr>
+              <a:t>x</a:t>
+            </a:r>
+            <a:r>
+              <a:rPr lang="en-US" sz="2400" dirty="0">
+                <a:solidFill>
+                  <a:schemeClr val="tx2">
+                    <a:lumMod val="90000"/>
+                  </a:schemeClr>
+                </a:solidFill>
+              </a:rPr>
+              <a:t> &lt; 5, 0 &lt;= </a:t>
+            </a:r>
+            <a:r>
+              <a:rPr lang="en-US" sz="2400" i="1" dirty="0">
+                <a:solidFill>
+                  <a:schemeClr val="tx2">
+                    <a:lumMod val="90000"/>
+                  </a:schemeClr>
+                </a:solidFill>
+              </a:rPr>
+              <a:t>y</a:t>
+            </a:r>
+            <a:r>
+              <a:rPr lang="en-US" sz="2400" dirty="0">
+                <a:solidFill>
+                  <a:schemeClr val="tx2">
+                    <a:lumMod val="90000"/>
+                  </a:schemeClr>
+                </a:solidFill>
+              </a:rPr>
+              <a:t> &lt; 5, and 0 &lt;= </a:t>
+            </a:r>
+            <a:r>
+              <a:rPr lang="en-US" sz="2400" i="1" dirty="0">
+                <a:solidFill>
+                  <a:schemeClr val="tx2">
+                    <a:lumMod val="90000"/>
+                  </a:schemeClr>
+                </a:solidFill>
+              </a:rPr>
+              <a:t>z</a:t>
+            </a:r>
+            <a:r>
+              <a:rPr lang="en-US" sz="2400" dirty="0">
+                <a:solidFill>
+                  <a:schemeClr val="tx2">
+                    <a:lumMod val="90000"/>
+                  </a:schemeClr>
+                </a:solidFill>
+              </a:rPr>
+              <a:t> &lt; 64,</a:t>
+            </a:r>
+          </a:p>
+          <a:p>
+            <a:r>
+              <a:rPr lang="en-US" sz="2400" b="1" dirty="0">
+                <a:solidFill>
+                  <a:schemeClr val="accent4"/>
+                </a:solidFill>
+              </a:rPr>
+              <a:t>Let</a:t>
+            </a:r>
+            <a:r>
+              <a:rPr lang="en-US" sz="2400" dirty="0">
+                <a:solidFill>
+                  <a:schemeClr val="tx2">
+                    <a:lumMod val="90000"/>
+                  </a:schemeClr>
+                </a:solidFill>
+              </a:rPr>
+              <a:t> </a:t>
+            </a:r>
+            <a:r>
+              <a:rPr lang="en-US" sz="2400" i="1" dirty="0">
+                <a:solidFill>
+                  <a:schemeClr val="tx2">
+                    <a:lumMod val="90000"/>
+                  </a:schemeClr>
+                </a:solidFill>
+              </a:rPr>
+              <a:t>A</a:t>
+            </a:r>
+            <a:r>
+              <a:rPr lang="en-US" sz="2400" dirty="0">
+                <a:solidFill>
+                  <a:schemeClr val="tx2">
+                    <a:lumMod val="90000"/>
+                  </a:schemeClr>
+                </a:solidFill>
+              </a:rPr>
+              <a:t>’[</a:t>
+            </a:r>
+            <a:r>
+              <a:rPr lang="en-US" sz="2400" i="1" dirty="0">
+                <a:solidFill>
+                  <a:schemeClr val="tx2">
+                    <a:lumMod val="90000"/>
+                  </a:schemeClr>
+                </a:solidFill>
+              </a:rPr>
+              <a:t>x, y, z</a:t>
+            </a:r>
+            <a:r>
+              <a:rPr lang="en-US" sz="2400" dirty="0">
+                <a:solidFill>
+                  <a:schemeClr val="tx2">
+                    <a:lumMod val="90000"/>
+                  </a:schemeClr>
+                </a:solidFill>
+              </a:rPr>
+              <a:t>] = </a:t>
+            </a:r>
+            <a:r>
+              <a:rPr lang="en-US" sz="2400" i="1" dirty="0">
+                <a:solidFill>
+                  <a:schemeClr val="tx2">
+                    <a:lumMod val="90000"/>
+                  </a:schemeClr>
+                </a:solidFill>
+              </a:rPr>
+              <a:t>A</a:t>
+            </a:r>
+            <a:r>
+              <a:rPr lang="en-US" sz="2400" dirty="0">
+                <a:solidFill>
+                  <a:schemeClr val="tx2">
+                    <a:lumMod val="90000"/>
+                  </a:schemeClr>
+                </a:solidFill>
+              </a:rPr>
+              <a:t>[(</a:t>
+            </a:r>
+            <a:r>
+              <a:rPr lang="en-US" sz="2400" i="1" dirty="0">
+                <a:solidFill>
+                  <a:schemeClr val="tx2">
+                    <a:lumMod val="90000"/>
+                  </a:schemeClr>
+                </a:solidFill>
+              </a:rPr>
+              <a:t>x</a:t>
+            </a:r>
+            <a:r>
+              <a:rPr lang="en-US" sz="2400" dirty="0">
+                <a:solidFill>
+                  <a:schemeClr val="tx2">
+                    <a:lumMod val="90000"/>
+                  </a:schemeClr>
+                </a:solidFill>
+              </a:rPr>
+              <a:t> + 3</a:t>
+            </a:r>
+            <a:r>
+              <a:rPr lang="en-US" sz="2400" i="1" dirty="0">
+                <a:solidFill>
+                  <a:schemeClr val="tx2">
+                    <a:lumMod val="90000"/>
+                  </a:schemeClr>
+                </a:solidFill>
+              </a:rPr>
+              <a:t>y</a:t>
+            </a:r>
+            <a:r>
+              <a:rPr lang="en-US" sz="2400" dirty="0">
+                <a:solidFill>
+                  <a:schemeClr val="tx2">
+                    <a:lumMod val="90000"/>
+                  </a:schemeClr>
+                </a:solidFill>
+              </a:rPr>
+              <a:t>) </a:t>
+            </a:r>
+            <a:r>
+              <a:rPr lang="en-US" sz="2400" b="1" dirty="0">
+                <a:solidFill>
+                  <a:schemeClr val="accent4"/>
+                </a:solidFill>
+              </a:rPr>
+              <a:t>mod</a:t>
+            </a:r>
+            <a:r>
+              <a:rPr lang="en-US" sz="2400" dirty="0">
+                <a:solidFill>
+                  <a:schemeClr val="tx2">
+                    <a:lumMod val="90000"/>
+                  </a:schemeClr>
+                </a:solidFill>
+              </a:rPr>
+              <a:t> 5, </a:t>
+            </a:r>
+            <a:r>
+              <a:rPr lang="en-US" sz="2400" i="1" dirty="0">
+                <a:solidFill>
+                  <a:schemeClr val="tx2">
+                    <a:lumMod val="90000"/>
+                  </a:schemeClr>
+                </a:solidFill>
+              </a:rPr>
+              <a:t>x</a:t>
+            </a:r>
+            <a:r>
+              <a:rPr lang="en-US" sz="2400" dirty="0">
+                <a:solidFill>
+                  <a:schemeClr val="tx2">
+                    <a:lumMod val="90000"/>
+                  </a:schemeClr>
+                </a:solidFill>
+              </a:rPr>
+              <a:t>, </a:t>
+            </a:r>
+            <a:r>
+              <a:rPr lang="en-US" sz="2400" i="1" dirty="0">
+                <a:solidFill>
+                  <a:schemeClr val="tx2">
+                    <a:lumMod val="90000"/>
+                  </a:schemeClr>
+                </a:solidFill>
+              </a:rPr>
+              <a:t>z</a:t>
+            </a:r>
+            <a:r>
+              <a:rPr lang="en-US" sz="2400" dirty="0">
+                <a:solidFill>
+                  <a:schemeClr val="tx2">
+                    <a:lumMod val="90000"/>
+                  </a:schemeClr>
+                </a:solidFill>
+              </a:rPr>
+              <a:t>]</a:t>
+            </a:r>
+          </a:p>
+        </p:txBody>
+      </p:sp>
+      <p:sp>
+        <p:nvSpPr>
+          <p:cNvPr id="8" name="TextBox 7">
+            <a:extLst>
+              <a:ext uri="{FF2B5EF4-FFF2-40B4-BE49-F238E27FC236}">
+                <a16:creationId xmlns:a16="http://schemas.microsoft.com/office/drawing/2014/main" id="{74E669FB-15C3-6744-8672-DB4CF0234FD4}"/>
+              </a:ext>
+            </a:extLst>
+          </p:cNvPr>
+          <p:cNvSpPr txBox="1"/>
+          <p:nvPr/>
+        </p:nvSpPr>
+        <p:spPr>
+          <a:xfrm>
+            <a:off x="6305922" y="3189233"/>
+            <a:ext cx="5544671" cy="400110"/>
+          </a:xfrm>
+          <a:prstGeom prst="rect">
+            <a:avLst/>
+          </a:prstGeom>
+          <a:noFill/>
+        </p:spPr>
+        <p:txBody>
+          <a:bodyPr wrap="square">
+            <a:spAutoFit/>
+          </a:bodyPr>
+          <a:lstStyle/>
+          <a:p>
+            <a:r>
+              <a:rPr lang="en-US" sz="2000" b="1" dirty="0">
+                <a:latin typeface="Menlo" panose="020B0609030804020204" pitchFamily="49" charset="0"/>
+              </a:rPr>
+              <a:t>for </a:t>
+            </a:r>
+            <a:r>
+              <a:rPr lang="en-US" sz="2000" b="1" dirty="0" err="1">
+                <a:latin typeface="Menlo" panose="020B0609030804020204" pitchFamily="49" charset="0"/>
+              </a:rPr>
+              <a:t>vals</a:t>
+            </a:r>
+            <a:r>
+              <a:rPr lang="en-US" sz="2000" b="1" dirty="0">
+                <a:latin typeface="Menlo" panose="020B0609030804020204" pitchFamily="49" charset="0"/>
+              </a:rPr>
+              <a:t> f </a:t>
+            </a:r>
+            <a:r>
+              <a:rPr lang="en-US" sz="2000" dirty="0">
+                <a:solidFill>
+                  <a:srgbClr val="D4D4D4"/>
+                </a:solidFill>
+                <a:latin typeface="Menlo" panose="020B0609030804020204" pitchFamily="49" charset="0"/>
+              </a:rPr>
+              <a:t>= [</a:t>
+            </a:r>
+            <a:r>
+              <a:rPr lang="en-US" sz="2000" b="1" dirty="0">
+                <a:latin typeface="Menlo" panose="020B0609030804020204" pitchFamily="49" charset="0"/>
+              </a:rPr>
+              <a:t>f </a:t>
+            </a:r>
+            <a:r>
+              <a:rPr lang="en-US" sz="2000" b="1" dirty="0" err="1">
+                <a:latin typeface="Menlo" panose="020B0609030804020204" pitchFamily="49" charset="0"/>
+              </a:rPr>
+              <a:t>i</a:t>
+            </a:r>
+            <a:r>
+              <a:rPr lang="en-US" sz="2000" dirty="0">
+                <a:solidFill>
+                  <a:srgbClr val="D4D4D4"/>
+                </a:solidFill>
+                <a:latin typeface="Menlo" panose="020B0609030804020204" pitchFamily="49" charset="0"/>
+              </a:rPr>
+              <a:t> | </a:t>
+            </a:r>
+            <a:r>
+              <a:rPr lang="en-US" sz="2000" b="1" dirty="0" err="1">
+                <a:latin typeface="Menlo" panose="020B0609030804020204" pitchFamily="49" charset="0"/>
+              </a:rPr>
+              <a:t>i</a:t>
+            </a:r>
+            <a:r>
+              <a:rPr lang="en-US" sz="2000" dirty="0">
+                <a:solidFill>
+                  <a:srgbClr val="D4D4D4"/>
+                </a:solidFill>
+                <a:latin typeface="Menlo" panose="020B0609030804020204" pitchFamily="49" charset="0"/>
+              </a:rPr>
+              <a:t> &lt;- </a:t>
+            </a:r>
+            <a:r>
+              <a:rPr lang="en-US" sz="2000" b="1" dirty="0" err="1">
+                <a:latin typeface="Menlo" panose="020B0609030804020204" pitchFamily="49" charset="0"/>
+              </a:rPr>
+              <a:t>vals</a:t>
+            </a:r>
+            <a:r>
+              <a:rPr lang="en-US" sz="2000" dirty="0">
+                <a:solidFill>
+                  <a:srgbClr val="D4D4D4"/>
+                </a:solidFill>
+                <a:latin typeface="Menlo" panose="020B0609030804020204" pitchFamily="49" charset="0"/>
+              </a:rPr>
+              <a:t>]</a:t>
+            </a:r>
+            <a:endParaRPr lang="en-US" sz="2000" b="0" dirty="0">
+              <a:solidFill>
+                <a:srgbClr val="D4D4D4"/>
+              </a:solidFill>
+              <a:effectLst/>
+              <a:latin typeface="Menlo" panose="020B0609030804020204" pitchFamily="49" charset="0"/>
+            </a:endParaRPr>
+          </a:p>
+        </p:txBody>
+      </p:sp>
+      <p:sp>
+        <p:nvSpPr>
+          <p:cNvPr id="9" name="TextBox 8">
+            <a:extLst>
+              <a:ext uri="{FF2B5EF4-FFF2-40B4-BE49-F238E27FC236}">
+                <a16:creationId xmlns:a16="http://schemas.microsoft.com/office/drawing/2014/main" id="{00CDB295-7566-644B-8BA5-DC8710E27E22}"/>
+              </a:ext>
+            </a:extLst>
+          </p:cNvPr>
+          <p:cNvSpPr txBox="1"/>
+          <p:nvPr/>
+        </p:nvSpPr>
+        <p:spPr>
+          <a:xfrm>
+            <a:off x="528387" y="3833412"/>
+            <a:ext cx="5100918" cy="1631216"/>
+          </a:xfrm>
+          <a:prstGeom prst="rect">
+            <a:avLst/>
+          </a:prstGeom>
+          <a:noFill/>
+        </p:spPr>
+        <p:txBody>
+          <a:bodyPr wrap="square">
+            <a:spAutoFit/>
+          </a:bodyPr>
+          <a:lstStyle/>
+          <a:p>
+            <a:r>
+              <a:rPr lang="en-US" sz="2000" b="1" dirty="0">
+                <a:effectLst/>
+                <a:latin typeface="Menlo" panose="020B0609030804020204" pitchFamily="49" charset="0"/>
+              </a:rPr>
+              <a:t>pi a</a:t>
+            </a:r>
+            <a:r>
+              <a:rPr lang="en-US" sz="2000" b="0" dirty="0">
+                <a:solidFill>
+                  <a:srgbClr val="D4D4D4"/>
+                </a:solidFill>
+                <a:effectLst/>
+                <a:latin typeface="Menlo" panose="020B0609030804020204" pitchFamily="49" charset="0"/>
+              </a:rPr>
+              <a:t> = </a:t>
+            </a:r>
+          </a:p>
+          <a:p>
+            <a:r>
+              <a:rPr lang="en-US" sz="2000" dirty="0">
+                <a:solidFill>
+                  <a:srgbClr val="D4D4D4"/>
+                </a:solidFill>
+                <a:latin typeface="Menlo" panose="020B0609030804020204" pitchFamily="49" charset="0"/>
+              </a:rPr>
+              <a:t>  </a:t>
+            </a:r>
+            <a:r>
+              <a:rPr lang="en-US" sz="2000" b="0" dirty="0">
+                <a:solidFill>
+                  <a:srgbClr val="D4D4D4"/>
+                </a:solidFill>
+                <a:effectLst/>
+                <a:latin typeface="Menlo" panose="020B0609030804020204" pitchFamily="49" charset="0"/>
+              </a:rPr>
+              <a:t>[ [ [ </a:t>
+            </a:r>
+            <a:r>
+              <a:rPr lang="en-US" sz="2000" b="1" dirty="0">
+                <a:latin typeface="Menlo" panose="020B0609030804020204" pitchFamily="49" charset="0"/>
+              </a:rPr>
+              <a:t>a</a:t>
+            </a:r>
+            <a:r>
+              <a:rPr lang="en-US" sz="2000" dirty="0">
+                <a:solidFill>
+                  <a:srgbClr val="D4D4D4"/>
+                </a:solidFill>
+                <a:latin typeface="Menlo" panose="020B0609030804020204" pitchFamily="49" charset="0"/>
+              </a:rPr>
+              <a:t> @((</a:t>
+            </a:r>
+            <a:r>
+              <a:rPr lang="en-US" sz="2000" b="1" dirty="0">
+                <a:latin typeface="Menlo" panose="020B0609030804020204" pitchFamily="49" charset="0"/>
+              </a:rPr>
+              <a:t>x</a:t>
+            </a:r>
+            <a:r>
+              <a:rPr lang="en-US" sz="2000" dirty="0">
+                <a:solidFill>
+                  <a:srgbClr val="D4D4D4"/>
+                </a:solidFill>
+                <a:latin typeface="Menlo" panose="020B0609030804020204" pitchFamily="49" charset="0"/>
+              </a:rPr>
+              <a:t> + </a:t>
+            </a:r>
+            <a:r>
+              <a:rPr lang="en-US" sz="2000" dirty="0">
+                <a:solidFill>
+                  <a:schemeClr val="accent2"/>
+                </a:solidFill>
+                <a:latin typeface="Menlo" panose="020B0609030804020204" pitchFamily="49" charset="0"/>
+              </a:rPr>
+              <a:t>3</a:t>
+            </a:r>
+            <a:r>
+              <a:rPr lang="en-US" sz="2000" dirty="0">
+                <a:solidFill>
+                  <a:srgbClr val="D4D4D4"/>
+                </a:solidFill>
+                <a:latin typeface="Menlo" panose="020B0609030804020204" pitchFamily="49" charset="0"/>
+              </a:rPr>
+              <a:t>*</a:t>
+            </a:r>
+            <a:r>
+              <a:rPr lang="en-US" sz="2000" b="1" dirty="0">
+                <a:latin typeface="Menlo" panose="020B0609030804020204" pitchFamily="49" charset="0"/>
+              </a:rPr>
+              <a:t>y</a:t>
+            </a:r>
+            <a:r>
+              <a:rPr lang="en-US" sz="2000" dirty="0">
+                <a:solidFill>
+                  <a:srgbClr val="D4D4D4"/>
+                </a:solidFill>
+                <a:latin typeface="Menlo" panose="020B0609030804020204" pitchFamily="49" charset="0"/>
+              </a:rPr>
+              <a:t>) % </a:t>
+            </a:r>
+            <a:r>
+              <a:rPr lang="en-US" sz="2000" dirty="0">
+                <a:solidFill>
+                  <a:schemeClr val="accent2"/>
+                </a:solidFill>
+                <a:latin typeface="Menlo" panose="020B0609030804020204" pitchFamily="49" charset="0"/>
+              </a:rPr>
+              <a:t>5</a:t>
+            </a:r>
+            <a:r>
+              <a:rPr lang="en-US" sz="2000" dirty="0">
+                <a:solidFill>
+                  <a:srgbClr val="D4D4D4"/>
+                </a:solidFill>
+                <a:latin typeface="Menlo" panose="020B0609030804020204" pitchFamily="49" charset="0"/>
+              </a:rPr>
+              <a:t>) @</a:t>
+            </a:r>
+            <a:r>
+              <a:rPr lang="en-US" sz="2000" b="1" dirty="0">
+                <a:latin typeface="Menlo" panose="020B0609030804020204" pitchFamily="49" charset="0"/>
+              </a:rPr>
+              <a:t>x</a:t>
+            </a:r>
+            <a:r>
+              <a:rPr lang="en-US" sz="2000" dirty="0">
+                <a:solidFill>
+                  <a:srgbClr val="D4D4D4"/>
+                </a:solidFill>
+                <a:latin typeface="Menlo" panose="020B0609030804020204" pitchFamily="49" charset="0"/>
+              </a:rPr>
+              <a:t> @</a:t>
+            </a:r>
+            <a:r>
+              <a:rPr lang="en-US" sz="2000" b="1" dirty="0">
+                <a:latin typeface="Menlo" panose="020B0609030804020204" pitchFamily="49" charset="0"/>
+              </a:rPr>
+              <a:t>z</a:t>
+            </a:r>
+            <a:r>
+              <a:rPr lang="en-US" sz="2000" dirty="0">
+                <a:solidFill>
+                  <a:srgbClr val="D4D4D4"/>
+                </a:solidFill>
+                <a:latin typeface="Menlo" panose="020B0609030804020204" pitchFamily="49" charset="0"/>
+              </a:rPr>
+              <a:t> </a:t>
+            </a:r>
+          </a:p>
+          <a:p>
+            <a:r>
+              <a:rPr lang="en-US" sz="2000" dirty="0">
+                <a:solidFill>
+                  <a:srgbClr val="D4D4D4"/>
+                </a:solidFill>
+                <a:latin typeface="Menlo" panose="020B0609030804020204" pitchFamily="49" charset="0"/>
+              </a:rPr>
+              <a:t>      | </a:t>
+            </a:r>
+            <a:r>
+              <a:rPr lang="en-US" sz="2000" b="1" dirty="0">
+                <a:latin typeface="Menlo" panose="020B0609030804020204" pitchFamily="49" charset="0"/>
+              </a:rPr>
+              <a:t>z</a:t>
+            </a:r>
+            <a:r>
+              <a:rPr lang="en-US" sz="2000" dirty="0">
+                <a:solidFill>
+                  <a:srgbClr val="D4D4D4"/>
+                </a:solidFill>
+                <a:latin typeface="Menlo" panose="020B0609030804020204" pitchFamily="49" charset="0"/>
+              </a:rPr>
+              <a:t> &lt;- [</a:t>
+            </a:r>
+            <a:r>
+              <a:rPr lang="en-US" sz="2000" dirty="0">
+                <a:solidFill>
+                  <a:schemeClr val="accent2"/>
+                </a:solidFill>
+                <a:latin typeface="Menlo" panose="020B0609030804020204" pitchFamily="49" charset="0"/>
+              </a:rPr>
+              <a:t>0</a:t>
+            </a:r>
+            <a:r>
+              <a:rPr lang="en-US" sz="2000" dirty="0">
+                <a:solidFill>
+                  <a:srgbClr val="D4D4D4"/>
+                </a:solidFill>
+                <a:latin typeface="Menlo" panose="020B0609030804020204" pitchFamily="49" charset="0"/>
+              </a:rPr>
+              <a:t>..</a:t>
+            </a:r>
+            <a:r>
+              <a:rPr lang="en-US" sz="2000" dirty="0">
+                <a:solidFill>
+                  <a:schemeClr val="accent2"/>
+                </a:solidFill>
+                <a:latin typeface="Menlo" panose="020B0609030804020204" pitchFamily="49" charset="0"/>
+              </a:rPr>
+              <a:t>63</a:t>
+            </a:r>
+            <a:r>
+              <a:rPr lang="en-US" sz="2000" dirty="0">
+                <a:solidFill>
+                  <a:srgbClr val="D4D4D4"/>
+                </a:solidFill>
+                <a:latin typeface="Menlo" panose="020B0609030804020204" pitchFamily="49" charset="0"/>
+              </a:rPr>
+              <a:t>]]</a:t>
+            </a:r>
+          </a:p>
+          <a:p>
+            <a:r>
+              <a:rPr lang="en-US" sz="2000" dirty="0">
+                <a:solidFill>
+                  <a:srgbClr val="D4D4D4"/>
+                </a:solidFill>
+                <a:latin typeface="Menlo" panose="020B0609030804020204" pitchFamily="49" charset="0"/>
+              </a:rPr>
+              <a:t>    | </a:t>
+            </a:r>
+            <a:r>
+              <a:rPr lang="en-US" sz="2000" b="1" dirty="0">
+                <a:latin typeface="Menlo" panose="020B0609030804020204" pitchFamily="49" charset="0"/>
+              </a:rPr>
+              <a:t>y</a:t>
+            </a:r>
+            <a:r>
+              <a:rPr lang="en-US" sz="2000" dirty="0">
+                <a:solidFill>
+                  <a:srgbClr val="D4D4D4"/>
+                </a:solidFill>
+                <a:latin typeface="Menlo" panose="020B0609030804020204" pitchFamily="49" charset="0"/>
+              </a:rPr>
+              <a:t> &lt;- [</a:t>
+            </a:r>
+            <a:r>
+              <a:rPr lang="en-US" sz="2000" dirty="0">
+                <a:solidFill>
+                  <a:schemeClr val="accent2"/>
+                </a:solidFill>
+                <a:latin typeface="Menlo" panose="020B0609030804020204" pitchFamily="49" charset="0"/>
+              </a:rPr>
+              <a:t>0</a:t>
+            </a:r>
+            <a:r>
+              <a:rPr lang="en-US" sz="2000" dirty="0">
+                <a:solidFill>
+                  <a:srgbClr val="D4D4D4"/>
+                </a:solidFill>
+                <a:latin typeface="Menlo" panose="020B0609030804020204" pitchFamily="49" charset="0"/>
+              </a:rPr>
+              <a:t>..</a:t>
+            </a:r>
+            <a:r>
+              <a:rPr lang="en-US" sz="2000" dirty="0">
+                <a:solidFill>
+                  <a:schemeClr val="accent2"/>
+                </a:solidFill>
+                <a:latin typeface="Menlo" panose="020B0609030804020204" pitchFamily="49" charset="0"/>
+              </a:rPr>
+              <a:t>4</a:t>
+            </a:r>
+            <a:r>
+              <a:rPr lang="en-US" sz="2000" dirty="0">
+                <a:solidFill>
+                  <a:srgbClr val="D4D4D4"/>
+                </a:solidFill>
+                <a:latin typeface="Menlo" panose="020B0609030804020204" pitchFamily="49" charset="0"/>
+              </a:rPr>
+              <a:t>]]</a:t>
+            </a:r>
+          </a:p>
+          <a:p>
+            <a:r>
+              <a:rPr lang="en-US" sz="2000" dirty="0">
+                <a:solidFill>
+                  <a:srgbClr val="D4D4D4"/>
+                </a:solidFill>
+                <a:latin typeface="Menlo" panose="020B0609030804020204" pitchFamily="49" charset="0"/>
+              </a:rPr>
+              <a:t>  | </a:t>
+            </a:r>
+            <a:r>
+              <a:rPr lang="en-US" sz="2000" b="1" dirty="0">
+                <a:latin typeface="Menlo" panose="020B0609030804020204" pitchFamily="49" charset="0"/>
+              </a:rPr>
+              <a:t>x</a:t>
+            </a:r>
+            <a:r>
+              <a:rPr lang="en-US" sz="2000" dirty="0">
+                <a:solidFill>
+                  <a:srgbClr val="D4D4D4"/>
+                </a:solidFill>
+                <a:latin typeface="Menlo" panose="020B0609030804020204" pitchFamily="49" charset="0"/>
+              </a:rPr>
+              <a:t> &lt;- [</a:t>
+            </a:r>
+            <a:r>
+              <a:rPr lang="en-US" sz="2000" dirty="0">
+                <a:solidFill>
+                  <a:schemeClr val="accent2"/>
+                </a:solidFill>
+                <a:latin typeface="Menlo" panose="020B0609030804020204" pitchFamily="49" charset="0"/>
+              </a:rPr>
+              <a:t>0</a:t>
+            </a:r>
+            <a:r>
+              <a:rPr lang="en-US" sz="2000" dirty="0">
+                <a:solidFill>
+                  <a:srgbClr val="D4D4D4"/>
+                </a:solidFill>
+                <a:latin typeface="Menlo" panose="020B0609030804020204" pitchFamily="49" charset="0"/>
+              </a:rPr>
+              <a:t>..</a:t>
+            </a:r>
+            <a:r>
+              <a:rPr lang="en-US" sz="2000" dirty="0">
+                <a:solidFill>
+                  <a:schemeClr val="accent2"/>
+                </a:solidFill>
+                <a:latin typeface="Menlo" panose="020B0609030804020204" pitchFamily="49" charset="0"/>
+              </a:rPr>
+              <a:t>4</a:t>
+            </a:r>
+            <a:r>
+              <a:rPr lang="en-US" sz="2000" dirty="0">
+                <a:solidFill>
+                  <a:srgbClr val="D4D4D4"/>
+                </a:solidFill>
+                <a:latin typeface="Menlo" panose="020B0609030804020204" pitchFamily="49" charset="0"/>
+              </a:rPr>
+              <a:t>]]</a:t>
+            </a:r>
+            <a:endParaRPr lang="en-US" sz="2000" b="0" dirty="0">
+              <a:solidFill>
+                <a:srgbClr val="D4D4D4"/>
+              </a:solidFill>
+              <a:effectLst/>
+              <a:latin typeface="Menlo" panose="020B0609030804020204" pitchFamily="49" charset="0"/>
+            </a:endParaRPr>
+          </a:p>
+        </p:txBody>
+      </p:sp>
+      <p:sp>
+        <p:nvSpPr>
+          <p:cNvPr id="10" name="TextBox 9">
+            <a:extLst>
+              <a:ext uri="{FF2B5EF4-FFF2-40B4-BE49-F238E27FC236}">
+                <a16:creationId xmlns:a16="http://schemas.microsoft.com/office/drawing/2014/main" id="{36242F04-C086-F343-BF70-A0E479A270D0}"/>
+              </a:ext>
+            </a:extLst>
+          </p:cNvPr>
+          <p:cNvSpPr txBox="1"/>
+          <p:nvPr/>
+        </p:nvSpPr>
+        <p:spPr>
+          <a:xfrm>
+            <a:off x="6305922" y="3833897"/>
+            <a:ext cx="5544671" cy="1631216"/>
+          </a:xfrm>
+          <a:prstGeom prst="rect">
+            <a:avLst/>
+          </a:prstGeom>
+          <a:noFill/>
+        </p:spPr>
+        <p:txBody>
+          <a:bodyPr wrap="square">
+            <a:spAutoFit/>
+          </a:bodyPr>
+          <a:lstStyle/>
+          <a:p>
+            <a:r>
+              <a:rPr lang="en-US" sz="2000" b="1" dirty="0">
+                <a:effectLst/>
+                <a:latin typeface="Menlo" panose="020B0609030804020204" pitchFamily="49" charset="0"/>
+              </a:rPr>
+              <a:t>pi</a:t>
+            </a:r>
+            <a:r>
+              <a:rPr lang="en-US" sz="2000" b="0" dirty="0">
+                <a:solidFill>
+                  <a:srgbClr val="D4D4D4"/>
+                </a:solidFill>
+                <a:effectLst/>
+                <a:latin typeface="Menlo" panose="020B0609030804020204" pitchFamily="49" charset="0"/>
+              </a:rPr>
+              <a:t> </a:t>
+            </a:r>
+            <a:r>
+              <a:rPr lang="en-US" sz="2000" b="1" dirty="0">
+                <a:effectLst/>
+                <a:latin typeface="Menlo" panose="020B0609030804020204" pitchFamily="49" charset="0"/>
+              </a:rPr>
+              <a:t>a</a:t>
+            </a:r>
+            <a:r>
+              <a:rPr lang="en-US" sz="2000" b="0" dirty="0">
+                <a:solidFill>
+                  <a:srgbClr val="D4D4D4"/>
+                </a:solidFill>
+                <a:effectLst/>
+                <a:latin typeface="Menlo" panose="020B0609030804020204" pitchFamily="49" charset="0"/>
+              </a:rPr>
+              <a:t> = </a:t>
+            </a:r>
+          </a:p>
+          <a:p>
+            <a:r>
+              <a:rPr lang="en-US" sz="2000" dirty="0">
+                <a:solidFill>
+                  <a:srgbClr val="D4D4D4"/>
+                </a:solidFill>
+                <a:latin typeface="Menlo" panose="020B0609030804020204" pitchFamily="49" charset="0"/>
+              </a:rPr>
+              <a:t>  </a:t>
+            </a:r>
+            <a:r>
+              <a:rPr lang="en-US" sz="2000" b="1" dirty="0">
+                <a:effectLst/>
+                <a:latin typeface="Menlo" panose="020B0609030804020204" pitchFamily="49" charset="0"/>
+              </a:rPr>
+              <a:t>for</a:t>
+            </a:r>
+            <a:r>
+              <a:rPr lang="en-US" sz="2000" b="0" dirty="0">
+                <a:solidFill>
+                  <a:srgbClr val="D4D4D4"/>
+                </a:solidFill>
+                <a:effectLst/>
+                <a:latin typeface="Menlo" panose="020B0609030804020204" pitchFamily="49" charset="0"/>
+              </a:rPr>
+              <a:t> </a:t>
+            </a:r>
+            <a:r>
+              <a:rPr lang="en-US" sz="2000" b="0" dirty="0">
+                <a:solidFill>
+                  <a:schemeClr val="tx2"/>
+                </a:solidFill>
+                <a:effectLst/>
+                <a:latin typeface="Menlo" panose="020B0609030804020204" pitchFamily="49" charset="0"/>
+              </a:rPr>
+              <a:t>[</a:t>
+            </a:r>
+            <a:r>
+              <a:rPr lang="en-US" sz="2000" b="0" dirty="0">
+                <a:solidFill>
+                  <a:schemeClr val="accent2"/>
+                </a:solidFill>
+                <a:effectLst/>
+                <a:latin typeface="Menlo" panose="020B0609030804020204" pitchFamily="49" charset="0"/>
+              </a:rPr>
+              <a:t>0</a:t>
+            </a:r>
+            <a:r>
+              <a:rPr lang="en-US" sz="2000" b="0" dirty="0">
+                <a:solidFill>
+                  <a:schemeClr val="tx2"/>
+                </a:solidFill>
+                <a:effectLst/>
+                <a:latin typeface="Menlo" panose="020B0609030804020204" pitchFamily="49" charset="0"/>
+              </a:rPr>
+              <a:t>..</a:t>
+            </a:r>
+            <a:r>
+              <a:rPr lang="en-US" sz="2000" b="0" dirty="0">
+                <a:solidFill>
+                  <a:schemeClr val="accent2"/>
+                </a:solidFill>
+                <a:effectLst/>
+                <a:latin typeface="Menlo" panose="020B0609030804020204" pitchFamily="49" charset="0"/>
+              </a:rPr>
+              <a:t>4</a:t>
+            </a:r>
+            <a:r>
+              <a:rPr lang="en-US" sz="2000" b="0" dirty="0">
+                <a:solidFill>
+                  <a:schemeClr val="tx2"/>
+                </a:solidFill>
+                <a:effectLst/>
+                <a:latin typeface="Menlo" panose="020B0609030804020204" pitchFamily="49" charset="0"/>
+              </a:rPr>
+              <a:t>] </a:t>
+            </a:r>
+            <a:r>
+              <a:rPr lang="en-US" sz="2000" b="0" dirty="0">
+                <a:solidFill>
+                  <a:srgbClr val="D4D4D4"/>
+                </a:solidFill>
+                <a:effectLst/>
+                <a:latin typeface="Menlo" panose="020B0609030804020204" pitchFamily="49" charset="0"/>
+              </a:rPr>
+              <a:t>(\</a:t>
+            </a:r>
+            <a:r>
+              <a:rPr lang="en-US" sz="2000" b="1" dirty="0">
+                <a:effectLst/>
+                <a:latin typeface="Menlo" panose="020B0609030804020204" pitchFamily="49" charset="0"/>
+              </a:rPr>
+              <a:t>x</a:t>
+            </a:r>
+            <a:r>
+              <a:rPr lang="en-US" sz="2000" b="0" dirty="0">
+                <a:solidFill>
+                  <a:srgbClr val="D4D4D4"/>
+                </a:solidFill>
+                <a:effectLst/>
+                <a:latin typeface="Menlo" panose="020B0609030804020204" pitchFamily="49" charset="0"/>
+              </a:rPr>
+              <a:t> -&gt; </a:t>
+            </a:r>
+          </a:p>
+          <a:p>
+            <a:r>
+              <a:rPr lang="en-US" sz="2000" dirty="0">
+                <a:solidFill>
+                  <a:srgbClr val="D4D4D4"/>
+                </a:solidFill>
+                <a:latin typeface="Menlo" panose="020B0609030804020204" pitchFamily="49" charset="0"/>
+              </a:rPr>
+              <a:t>  </a:t>
+            </a:r>
+            <a:r>
+              <a:rPr lang="en-US" sz="2000" b="0" dirty="0">
+                <a:solidFill>
+                  <a:srgbClr val="D4D4D4"/>
+                </a:solidFill>
+                <a:effectLst/>
+                <a:latin typeface="Menlo" panose="020B0609030804020204" pitchFamily="49" charset="0"/>
+              </a:rPr>
+              <a:t>  </a:t>
+            </a:r>
+            <a:r>
+              <a:rPr lang="en-US" sz="2000" b="1" dirty="0">
+                <a:effectLst/>
+                <a:latin typeface="Menlo" panose="020B0609030804020204" pitchFamily="49" charset="0"/>
+              </a:rPr>
+              <a:t>for</a:t>
+            </a:r>
+            <a:r>
+              <a:rPr lang="en-US" sz="2000" b="0" dirty="0">
+                <a:solidFill>
+                  <a:srgbClr val="D4D4D4"/>
+                </a:solidFill>
+                <a:effectLst/>
+                <a:latin typeface="Menlo" panose="020B0609030804020204" pitchFamily="49" charset="0"/>
+              </a:rPr>
+              <a:t> </a:t>
+            </a:r>
+            <a:r>
+              <a:rPr lang="en-US" sz="2000" dirty="0">
+                <a:solidFill>
+                  <a:schemeClr val="tx2"/>
+                </a:solidFill>
+                <a:latin typeface="Menlo" panose="020B0609030804020204" pitchFamily="49" charset="0"/>
+              </a:rPr>
+              <a:t>[</a:t>
+            </a:r>
+            <a:r>
+              <a:rPr lang="en-US" sz="2000" dirty="0">
+                <a:solidFill>
+                  <a:schemeClr val="accent2"/>
+                </a:solidFill>
+                <a:latin typeface="Menlo" panose="020B0609030804020204" pitchFamily="49" charset="0"/>
+              </a:rPr>
+              <a:t>0</a:t>
+            </a:r>
+            <a:r>
+              <a:rPr lang="en-US" sz="2000" dirty="0">
+                <a:solidFill>
+                  <a:schemeClr val="tx2"/>
+                </a:solidFill>
+                <a:latin typeface="Menlo" panose="020B0609030804020204" pitchFamily="49" charset="0"/>
+              </a:rPr>
+              <a:t>..</a:t>
+            </a:r>
+            <a:r>
+              <a:rPr lang="en-US" sz="2000" dirty="0">
+                <a:solidFill>
+                  <a:schemeClr val="accent2"/>
+                </a:solidFill>
+                <a:latin typeface="Menlo" panose="020B0609030804020204" pitchFamily="49" charset="0"/>
+              </a:rPr>
+              <a:t>4</a:t>
+            </a:r>
+            <a:r>
+              <a:rPr lang="en-US" sz="2000" dirty="0">
+                <a:solidFill>
+                  <a:schemeClr val="tx2"/>
+                </a:solidFill>
+                <a:latin typeface="Menlo" panose="020B0609030804020204" pitchFamily="49" charset="0"/>
+              </a:rPr>
+              <a:t>]</a:t>
+            </a:r>
+            <a:r>
+              <a:rPr lang="en-US" sz="2000" b="0" dirty="0">
+                <a:solidFill>
+                  <a:schemeClr val="tx2"/>
+                </a:solidFill>
+                <a:effectLst/>
+                <a:latin typeface="Menlo" panose="020B0609030804020204" pitchFamily="49" charset="0"/>
+              </a:rPr>
+              <a:t> </a:t>
+            </a:r>
+            <a:r>
+              <a:rPr lang="en-US" sz="2000" b="0" dirty="0">
+                <a:solidFill>
+                  <a:srgbClr val="D4D4D4"/>
+                </a:solidFill>
+                <a:effectLst/>
+                <a:latin typeface="Menlo" panose="020B0609030804020204" pitchFamily="49" charset="0"/>
+              </a:rPr>
+              <a:t>(\</a:t>
+            </a:r>
+            <a:r>
+              <a:rPr lang="en-US" sz="2000" b="1" dirty="0">
+                <a:effectLst/>
+                <a:latin typeface="Menlo" panose="020B0609030804020204" pitchFamily="49" charset="0"/>
+              </a:rPr>
+              <a:t>y</a:t>
+            </a:r>
+            <a:r>
+              <a:rPr lang="en-US" sz="2000" b="0" dirty="0">
+                <a:solidFill>
+                  <a:srgbClr val="D4D4D4"/>
+                </a:solidFill>
+                <a:effectLst/>
+                <a:latin typeface="Menlo" panose="020B0609030804020204" pitchFamily="49" charset="0"/>
+              </a:rPr>
+              <a:t> -&gt; </a:t>
+            </a:r>
+          </a:p>
+          <a:p>
+            <a:r>
+              <a:rPr lang="en-US" sz="2000" b="0" dirty="0">
+                <a:solidFill>
+                  <a:srgbClr val="D4D4D4"/>
+                </a:solidFill>
+                <a:effectLst/>
+                <a:latin typeface="Menlo" panose="020B0609030804020204" pitchFamily="49" charset="0"/>
+              </a:rPr>
+              <a:t>      </a:t>
+            </a:r>
+            <a:r>
+              <a:rPr lang="en-US" sz="2000" b="1" dirty="0">
+                <a:effectLst/>
+                <a:latin typeface="Menlo" panose="020B0609030804020204" pitchFamily="49" charset="0"/>
+              </a:rPr>
+              <a:t>for</a:t>
+            </a:r>
+            <a:r>
+              <a:rPr lang="en-US" sz="2000" b="0" dirty="0">
+                <a:solidFill>
+                  <a:srgbClr val="D4D4D4"/>
+                </a:solidFill>
+                <a:effectLst/>
+                <a:latin typeface="Menlo" panose="020B0609030804020204" pitchFamily="49" charset="0"/>
+              </a:rPr>
+              <a:t> </a:t>
+            </a:r>
+            <a:r>
+              <a:rPr lang="en-US" sz="2000" dirty="0">
+                <a:solidFill>
+                  <a:schemeClr val="tx2"/>
+                </a:solidFill>
+                <a:latin typeface="Menlo" panose="020B0609030804020204" pitchFamily="49" charset="0"/>
+              </a:rPr>
+              <a:t>[</a:t>
+            </a:r>
+            <a:r>
+              <a:rPr lang="en-US" sz="2000" dirty="0">
+                <a:solidFill>
+                  <a:schemeClr val="accent2"/>
+                </a:solidFill>
+                <a:latin typeface="Menlo" panose="020B0609030804020204" pitchFamily="49" charset="0"/>
+              </a:rPr>
+              <a:t>0</a:t>
+            </a:r>
+            <a:r>
+              <a:rPr lang="en-US" sz="2000" dirty="0">
+                <a:solidFill>
+                  <a:schemeClr val="tx2"/>
+                </a:solidFill>
+                <a:latin typeface="Menlo" panose="020B0609030804020204" pitchFamily="49" charset="0"/>
+              </a:rPr>
+              <a:t>..</a:t>
+            </a:r>
+            <a:r>
+              <a:rPr lang="en-US" sz="2000" dirty="0">
+                <a:solidFill>
+                  <a:schemeClr val="accent2"/>
+                </a:solidFill>
+                <a:latin typeface="Menlo" panose="020B0609030804020204" pitchFamily="49" charset="0"/>
+              </a:rPr>
+              <a:t>63</a:t>
+            </a:r>
+            <a:r>
+              <a:rPr lang="en-US" sz="2000" dirty="0">
+                <a:solidFill>
+                  <a:schemeClr val="tx2"/>
+                </a:solidFill>
+                <a:latin typeface="Menlo" panose="020B0609030804020204" pitchFamily="49" charset="0"/>
+              </a:rPr>
+              <a:t>]</a:t>
+            </a:r>
+            <a:r>
+              <a:rPr lang="en-US" sz="2000" b="0" dirty="0">
+                <a:solidFill>
+                  <a:schemeClr val="tx2"/>
+                </a:solidFill>
+                <a:effectLst/>
+                <a:latin typeface="Menlo" panose="020B0609030804020204" pitchFamily="49" charset="0"/>
+              </a:rPr>
+              <a:t> </a:t>
+            </a:r>
+            <a:r>
+              <a:rPr lang="en-US" sz="2000" b="0" dirty="0">
+                <a:solidFill>
+                  <a:srgbClr val="D4D4D4"/>
+                </a:solidFill>
+                <a:effectLst/>
+                <a:latin typeface="Menlo" panose="020B0609030804020204" pitchFamily="49" charset="0"/>
+              </a:rPr>
+              <a:t>(\</a:t>
+            </a:r>
+            <a:r>
+              <a:rPr lang="en-US" sz="2000" b="1" dirty="0">
+                <a:effectLst/>
+                <a:latin typeface="Menlo" panose="020B0609030804020204" pitchFamily="49" charset="0"/>
+              </a:rPr>
+              <a:t>z</a:t>
+            </a:r>
+            <a:r>
+              <a:rPr lang="en-US" sz="2000" b="0" dirty="0">
+                <a:solidFill>
+                  <a:srgbClr val="D4D4D4"/>
+                </a:solidFill>
+                <a:effectLst/>
+                <a:latin typeface="Menlo" panose="020B0609030804020204" pitchFamily="49" charset="0"/>
+              </a:rPr>
+              <a:t> -&gt; </a:t>
+            </a:r>
+          </a:p>
+          <a:p>
+            <a:r>
+              <a:rPr lang="en-US" sz="2000" b="0" dirty="0">
+                <a:solidFill>
+                  <a:srgbClr val="D4D4D4"/>
+                </a:solidFill>
+                <a:effectLst/>
+                <a:latin typeface="Menlo" panose="020B0609030804020204" pitchFamily="49" charset="0"/>
+              </a:rPr>
+              <a:t>        </a:t>
+            </a:r>
+            <a:r>
+              <a:rPr lang="en-US" sz="2000" b="1" dirty="0">
+                <a:effectLst/>
+                <a:latin typeface="Menlo" panose="020B0609030804020204" pitchFamily="49" charset="0"/>
+              </a:rPr>
+              <a:t>a</a:t>
+            </a:r>
+            <a:r>
+              <a:rPr lang="en-US" sz="2000" b="0" dirty="0">
+                <a:solidFill>
+                  <a:srgbClr val="D4D4D4"/>
+                </a:solidFill>
+                <a:effectLst/>
+                <a:latin typeface="Menlo" panose="020B0609030804020204" pitchFamily="49" charset="0"/>
+              </a:rPr>
+              <a:t> @((</a:t>
+            </a:r>
+            <a:r>
+              <a:rPr lang="en-US" sz="2000" b="1" dirty="0">
+                <a:effectLst/>
+                <a:latin typeface="Menlo" panose="020B0609030804020204" pitchFamily="49" charset="0"/>
+              </a:rPr>
+              <a:t>x</a:t>
+            </a:r>
+            <a:r>
+              <a:rPr lang="en-US" sz="2000" b="0" dirty="0">
+                <a:solidFill>
+                  <a:srgbClr val="D4D4D4"/>
+                </a:solidFill>
+                <a:effectLst/>
+                <a:latin typeface="Menlo" panose="020B0609030804020204" pitchFamily="49" charset="0"/>
+              </a:rPr>
+              <a:t> + </a:t>
+            </a:r>
+            <a:r>
+              <a:rPr lang="en-US" sz="2000" b="0" dirty="0">
+                <a:solidFill>
+                  <a:schemeClr val="accent2"/>
+                </a:solidFill>
+                <a:effectLst/>
+                <a:latin typeface="Menlo" panose="020B0609030804020204" pitchFamily="49" charset="0"/>
+              </a:rPr>
+              <a:t>3</a:t>
+            </a:r>
+            <a:r>
+              <a:rPr lang="en-US" sz="2000" b="0" dirty="0">
+                <a:solidFill>
+                  <a:srgbClr val="D4D4D4"/>
+                </a:solidFill>
+                <a:effectLst/>
+                <a:latin typeface="Menlo" panose="020B0609030804020204" pitchFamily="49" charset="0"/>
+              </a:rPr>
+              <a:t>*</a:t>
+            </a:r>
+            <a:r>
+              <a:rPr lang="en-US" sz="2000" b="1" dirty="0">
+                <a:effectLst/>
+                <a:latin typeface="Menlo" panose="020B0609030804020204" pitchFamily="49" charset="0"/>
+              </a:rPr>
+              <a:t>y</a:t>
+            </a:r>
+            <a:r>
+              <a:rPr lang="en-US" sz="2000" b="0" dirty="0">
+                <a:solidFill>
+                  <a:srgbClr val="D4D4D4"/>
+                </a:solidFill>
+                <a:effectLst/>
+                <a:latin typeface="Menlo" panose="020B0609030804020204" pitchFamily="49" charset="0"/>
+              </a:rPr>
+              <a:t>) % </a:t>
+            </a:r>
+            <a:r>
+              <a:rPr lang="en-US" sz="2000" dirty="0">
+                <a:solidFill>
+                  <a:schemeClr val="accent2"/>
+                </a:solidFill>
+                <a:latin typeface="Menlo" panose="020B0609030804020204" pitchFamily="49" charset="0"/>
+              </a:rPr>
+              <a:t>5</a:t>
+            </a:r>
+            <a:r>
+              <a:rPr lang="en-US" sz="2000" b="0" dirty="0">
+                <a:solidFill>
+                  <a:srgbClr val="D4D4D4"/>
+                </a:solidFill>
+                <a:effectLst/>
+                <a:latin typeface="Menlo" panose="020B0609030804020204" pitchFamily="49" charset="0"/>
+              </a:rPr>
+              <a:t>) @</a:t>
+            </a:r>
+            <a:r>
+              <a:rPr lang="en-US" sz="2000" b="1" dirty="0">
+                <a:effectLst/>
+                <a:latin typeface="Menlo" panose="020B0609030804020204" pitchFamily="49" charset="0"/>
+              </a:rPr>
+              <a:t>x</a:t>
+            </a:r>
+            <a:r>
+              <a:rPr lang="en-US" sz="2000" b="0" dirty="0">
+                <a:solidFill>
+                  <a:srgbClr val="D4D4D4"/>
+                </a:solidFill>
+                <a:effectLst/>
+                <a:latin typeface="Menlo" panose="020B0609030804020204" pitchFamily="49" charset="0"/>
+              </a:rPr>
+              <a:t> @</a:t>
+            </a:r>
+            <a:r>
+              <a:rPr lang="en-US" sz="2000" b="1" dirty="0">
+                <a:effectLst/>
+                <a:latin typeface="Menlo" panose="020B0609030804020204" pitchFamily="49" charset="0"/>
+              </a:rPr>
+              <a:t>z</a:t>
+            </a:r>
+            <a:r>
+              <a:rPr lang="en-US" sz="2000" b="0" dirty="0">
+                <a:solidFill>
+                  <a:srgbClr val="D4D4D4"/>
+                </a:solidFill>
+                <a:effectLst/>
+                <a:latin typeface="Menlo" panose="020B0609030804020204" pitchFamily="49" charset="0"/>
+              </a:rPr>
+              <a:t>)))</a:t>
+            </a:r>
+          </a:p>
+        </p:txBody>
+      </p:sp>
+      <p:sp>
+        <p:nvSpPr>
+          <p:cNvPr id="7" name="Right Brace 6">
+            <a:extLst>
+              <a:ext uri="{FF2B5EF4-FFF2-40B4-BE49-F238E27FC236}">
+                <a16:creationId xmlns:a16="http://schemas.microsoft.com/office/drawing/2014/main" id="{238737B3-BF31-5B40-A3B4-B7C7F8385B05}"/>
+              </a:ext>
+            </a:extLst>
+          </p:cNvPr>
+          <p:cNvSpPr/>
+          <p:nvPr/>
+        </p:nvSpPr>
+        <p:spPr>
+          <a:xfrm rot="10800000">
+            <a:off x="3234545" y="1831360"/>
+            <a:ext cx="276632" cy="1011992"/>
+          </a:xfrm>
+          <a:prstGeom prst="rightBrace">
+            <a:avLst/>
+          </a:prstGeom>
+          <a:ln w="38100"/>
+        </p:spPr>
+        <p:style>
+          <a:lnRef idx="1">
+            <a:schemeClr val="accent1"/>
+          </a:lnRef>
+          <a:fillRef idx="0">
+            <a:schemeClr val="accent1"/>
+          </a:fillRef>
+          <a:effectRef idx="0">
+            <a:schemeClr val="accent1"/>
+          </a:effectRef>
+          <a:fontRef idx="minor">
+            <a:schemeClr val="tx1"/>
+          </a:fontRef>
+        </p:style>
+        <p:txBody>
+          <a:bodyPr rtlCol="0" anchor="ctr"/>
+          <a:lstStyle/>
+          <a:p>
+            <a:pPr algn="ctr"/>
+            <a:endParaRPr lang="en-US"/>
+          </a:p>
+        </p:txBody>
+      </p:sp>
+      <p:sp>
+        <p:nvSpPr>
+          <p:cNvPr id="11" name="TextBox 10">
+            <a:extLst>
+              <a:ext uri="{FF2B5EF4-FFF2-40B4-BE49-F238E27FC236}">
+                <a16:creationId xmlns:a16="http://schemas.microsoft.com/office/drawing/2014/main" id="{8CE51CE9-902D-8840-A6A7-67E0882A58FC}"/>
+              </a:ext>
+            </a:extLst>
+          </p:cNvPr>
+          <p:cNvSpPr txBox="1"/>
+          <p:nvPr/>
+        </p:nvSpPr>
+        <p:spPr>
+          <a:xfrm>
+            <a:off x="1180492" y="2001804"/>
+            <a:ext cx="2054052" cy="584775"/>
+          </a:xfrm>
+          <a:prstGeom prst="rect">
+            <a:avLst/>
+          </a:prstGeom>
+          <a:noFill/>
+        </p:spPr>
+        <p:txBody>
+          <a:bodyPr wrap="square" rtlCol="0">
+            <a:spAutoFit/>
+          </a:bodyPr>
+          <a:lstStyle/>
+          <a:p>
+            <a:pPr algn="r"/>
+            <a:r>
+              <a:rPr lang="en-US" sz="3200" dirty="0">
+                <a:solidFill>
+                  <a:schemeClr val="accent1"/>
+                </a:solidFill>
+              </a:rPr>
+              <a:t>Parallel for</a:t>
+            </a:r>
+          </a:p>
+        </p:txBody>
+      </p:sp>
+      <p:sp>
+        <p:nvSpPr>
+          <p:cNvPr id="12" name="TextBox 11">
+            <a:extLst>
+              <a:ext uri="{FF2B5EF4-FFF2-40B4-BE49-F238E27FC236}">
+                <a16:creationId xmlns:a16="http://schemas.microsoft.com/office/drawing/2014/main" id="{EF55E869-359B-CD4A-9DCB-05D20D098A52}"/>
+              </a:ext>
+            </a:extLst>
+          </p:cNvPr>
+          <p:cNvSpPr txBox="1"/>
+          <p:nvPr/>
+        </p:nvSpPr>
+        <p:spPr>
+          <a:xfrm>
+            <a:off x="528387" y="5634243"/>
+            <a:ext cx="4103404" cy="1077218"/>
+          </a:xfrm>
+          <a:prstGeom prst="rect">
+            <a:avLst/>
+          </a:prstGeom>
+          <a:noFill/>
+        </p:spPr>
+        <p:txBody>
+          <a:bodyPr wrap="square" rtlCol="0">
+            <a:spAutoFit/>
+          </a:bodyPr>
+          <a:lstStyle/>
+          <a:p>
+            <a:pPr algn="ctr"/>
+            <a:r>
+              <a:rPr lang="en-US" sz="3200" dirty="0">
+                <a:solidFill>
+                  <a:schemeClr val="accent1"/>
+                </a:solidFill>
+              </a:rPr>
+              <a:t>List comprehensions are not obvious</a:t>
+            </a:r>
+          </a:p>
+        </p:txBody>
+      </p:sp>
+      <p:sp>
+        <p:nvSpPr>
+          <p:cNvPr id="13" name="TextBox 12">
+            <a:extLst>
+              <a:ext uri="{FF2B5EF4-FFF2-40B4-BE49-F238E27FC236}">
+                <a16:creationId xmlns:a16="http://schemas.microsoft.com/office/drawing/2014/main" id="{5107EFDC-B170-0844-B1C3-00942F18FE9A}"/>
+              </a:ext>
+            </a:extLst>
+          </p:cNvPr>
+          <p:cNvSpPr txBox="1"/>
+          <p:nvPr/>
+        </p:nvSpPr>
+        <p:spPr>
+          <a:xfrm>
+            <a:off x="6837329" y="5634243"/>
+            <a:ext cx="4103404" cy="1077218"/>
+          </a:xfrm>
+          <a:prstGeom prst="rect">
+            <a:avLst/>
+          </a:prstGeom>
+          <a:noFill/>
+        </p:spPr>
+        <p:txBody>
+          <a:bodyPr wrap="square" rtlCol="0">
+            <a:spAutoFit/>
+          </a:bodyPr>
+          <a:lstStyle/>
+          <a:p>
+            <a:pPr algn="ctr"/>
+            <a:r>
+              <a:rPr lang="en-US" sz="3200" dirty="0">
+                <a:solidFill>
+                  <a:schemeClr val="accent1"/>
+                </a:solidFill>
+              </a:rPr>
+              <a:t>More direct with function</a:t>
+            </a:r>
+          </a:p>
+        </p:txBody>
+      </p:sp>
+    </p:spTree>
+    <p:extLst>
+      <p:ext uri="{BB962C8B-B14F-4D97-AF65-F5344CB8AC3E}">
+        <p14:creationId xmlns:p14="http://schemas.microsoft.com/office/powerpoint/2010/main" val="3126626600"/>
+      </p:ext>
+    </p:extLst>
+  </p:cSld>
+  <p:clrMapOvr>
+    <a:masterClrMapping/>
+  </p:clrMapOvr>
+  <p:timing>
+    <p:tnLst>
+      <p:par>
+        <p:cTn id="1" dur="indefinite" restart="never" nodeType="tmRoot">
+          <p:childTnLst>
+            <p:seq concurrent="1" nextAc="seek">
+              <p:cTn id="2" dur="indefinite" nodeType="mainSeq">
+                <p:childTnLst>
+                  <p:par>
+                    <p:cTn id="3" fill="hold">
+                      <p:stCondLst>
+                        <p:cond delay="indefinite"/>
+                      </p:stCondLst>
+                      <p:childTnLst>
+                        <p:par>
+                          <p:cTn id="4" fill="hold">
+                            <p:stCondLst>
+                              <p:cond delay="0"/>
+                            </p:stCondLst>
+                            <p:childTnLst>
+                              <p:par>
+                                <p:cTn id="5" presetID="1" presetClass="entr" presetSubtype="0" fill="hold" grpId="0" nodeType="clickEffect">
+                                  <p:stCondLst>
+                                    <p:cond delay="0"/>
+                                  </p:stCondLst>
+                                  <p:childTnLst>
+                                    <p:set>
+                                      <p:cBhvr>
+                                        <p:cTn id="6" dur="1" fill="hold">
+                                          <p:stCondLst>
+                                            <p:cond delay="0"/>
+                                          </p:stCondLst>
+                                        </p:cTn>
+                                        <p:tgtEl>
+                                          <p:spTgt spid="11"/>
+                                        </p:tgtEl>
+                                        <p:attrNameLst>
+                                          <p:attrName>style.visibility</p:attrName>
+                                        </p:attrNameLst>
+                                      </p:cBhvr>
+                                      <p:to>
+                                        <p:strVal val="visible"/>
+                                      </p:to>
+                                    </p:set>
+                                  </p:childTnLst>
+                                </p:cTn>
+                              </p:par>
+                              <p:par>
+                                <p:cTn id="7" presetID="1" presetClass="entr" presetSubtype="0" fill="hold" grpId="0" nodeType="withEffect">
+                                  <p:stCondLst>
+                                    <p:cond delay="0"/>
+                                  </p:stCondLst>
+                                  <p:childTnLst>
+                                    <p:set>
+                                      <p:cBhvr>
+                                        <p:cTn id="8" dur="1" fill="hold">
+                                          <p:stCondLst>
+                                            <p:cond delay="0"/>
+                                          </p:stCondLst>
+                                        </p:cTn>
+                                        <p:tgtEl>
+                                          <p:spTgt spid="7"/>
+                                        </p:tgtEl>
+                                        <p:attrNameLst>
+                                          <p:attrName>style.visibility</p:attrName>
+                                        </p:attrNameLst>
+                                      </p:cBhvr>
+                                      <p:to>
+                                        <p:strVal val="visible"/>
+                                      </p:to>
+                                    </p:set>
+                                  </p:childTnLst>
+                                </p:cTn>
+                              </p:par>
+                            </p:childTnLst>
+                          </p:cTn>
+                        </p:par>
+                      </p:childTnLst>
+                    </p:cTn>
+                  </p:par>
+                  <p:par>
+                    <p:cTn id="9" fill="hold">
+                      <p:stCondLst>
+                        <p:cond delay="indefinite"/>
+                      </p:stCondLst>
+                      <p:childTnLst>
+                        <p:par>
+                          <p:cTn id="10" fill="hold">
+                            <p:stCondLst>
+                              <p:cond delay="0"/>
+                            </p:stCondLst>
+                            <p:childTnLst>
+                              <p:par>
+                                <p:cTn id="11" presetID="1" presetClass="entr" presetSubtype="0" fill="hold" grpId="0" nodeType="clickEffect">
+                                  <p:stCondLst>
+                                    <p:cond delay="0"/>
+                                  </p:stCondLst>
+                                  <p:childTnLst>
+                                    <p:set>
+                                      <p:cBhvr>
+                                        <p:cTn id="12" dur="1" fill="hold">
+                                          <p:stCondLst>
+                                            <p:cond delay="0"/>
+                                          </p:stCondLst>
+                                        </p:cTn>
+                                        <p:tgtEl>
+                                          <p:spTgt spid="9"/>
+                                        </p:tgtEl>
+                                        <p:attrNameLst>
+                                          <p:attrName>style.visibility</p:attrName>
+                                        </p:attrNameLst>
+                                      </p:cBhvr>
+                                      <p:to>
+                                        <p:strVal val="visible"/>
+                                      </p:to>
+                                    </p:set>
+                                  </p:childTnLst>
+                                </p:cTn>
+                              </p:par>
+                              <p:par>
+                                <p:cTn id="13" presetID="1" presetClass="entr" presetSubtype="0" fill="hold" grpId="0" nodeType="withEffect">
+                                  <p:stCondLst>
+                                    <p:cond delay="0"/>
+                                  </p:stCondLst>
+                                  <p:childTnLst>
+                                    <p:set>
+                                      <p:cBhvr>
+                                        <p:cTn id="14" dur="1" fill="hold">
+                                          <p:stCondLst>
+                                            <p:cond delay="0"/>
+                                          </p:stCondLst>
+                                        </p:cTn>
+                                        <p:tgtEl>
+                                          <p:spTgt spid="12"/>
+                                        </p:tgtEl>
+                                        <p:attrNameLst>
+                                          <p:attrName>style.visibility</p:attrName>
+                                        </p:attrNameLst>
+                                      </p:cBhvr>
+                                      <p:to>
+                                        <p:strVal val="visible"/>
+                                      </p:to>
+                                    </p:set>
+                                  </p:childTnLst>
+                                </p:cTn>
+                              </p:par>
+                            </p:childTnLst>
+                          </p:cTn>
+                        </p:par>
+                      </p:childTnLst>
+                    </p:cTn>
+                  </p:par>
+                  <p:par>
+                    <p:cTn id="15" fill="hold">
+                      <p:stCondLst>
+                        <p:cond delay="indefinite"/>
+                      </p:stCondLst>
+                      <p:childTnLst>
+                        <p:par>
+                          <p:cTn id="16" fill="hold">
+                            <p:stCondLst>
+                              <p:cond delay="0"/>
+                            </p:stCondLst>
+                            <p:childTnLst>
+                              <p:par>
+                                <p:cTn id="17" presetID="1" presetClass="entr" presetSubtype="0" fill="hold" grpId="0" nodeType="clickEffect">
+                                  <p:stCondLst>
+                                    <p:cond delay="0"/>
+                                  </p:stCondLst>
+                                  <p:childTnLst>
+                                    <p:set>
+                                      <p:cBhvr>
+                                        <p:cTn id="18" dur="1" fill="hold">
+                                          <p:stCondLst>
+                                            <p:cond delay="0"/>
+                                          </p:stCondLst>
+                                        </p:cTn>
+                                        <p:tgtEl>
+                                          <p:spTgt spid="8"/>
+                                        </p:tgtEl>
+                                        <p:attrNameLst>
+                                          <p:attrName>style.visibility</p:attrName>
+                                        </p:attrNameLst>
+                                      </p:cBhvr>
+                                      <p:to>
+                                        <p:strVal val="visible"/>
+                                      </p:to>
+                                    </p:set>
+                                  </p:childTnLst>
+                                </p:cTn>
+                              </p:par>
+                            </p:childTnLst>
+                          </p:cTn>
+                        </p:par>
+                      </p:childTnLst>
+                    </p:cTn>
+                  </p:par>
+                  <p:par>
+                    <p:cTn id="19" fill="hold">
+                      <p:stCondLst>
+                        <p:cond delay="indefinite"/>
+                      </p:stCondLst>
+                      <p:childTnLst>
+                        <p:par>
+                          <p:cTn id="20" fill="hold">
+                            <p:stCondLst>
+                              <p:cond delay="0"/>
+                            </p:stCondLst>
+                            <p:childTnLst>
+                              <p:par>
+                                <p:cTn id="21" presetID="1" presetClass="entr" presetSubtype="0" fill="hold" grpId="0" nodeType="clickEffect">
+                                  <p:stCondLst>
+                                    <p:cond delay="0"/>
+                                  </p:stCondLst>
+                                  <p:childTnLst>
+                                    <p:set>
+                                      <p:cBhvr>
+                                        <p:cTn id="22" dur="1" fill="hold">
+                                          <p:stCondLst>
+                                            <p:cond delay="0"/>
+                                          </p:stCondLst>
+                                        </p:cTn>
+                                        <p:tgtEl>
+                                          <p:spTgt spid="10"/>
+                                        </p:tgtEl>
+                                        <p:attrNameLst>
+                                          <p:attrName>style.visibility</p:attrName>
+                                        </p:attrNameLst>
+                                      </p:cBhvr>
+                                      <p:to>
+                                        <p:strVal val="visible"/>
+                                      </p:to>
+                                    </p:set>
+                                  </p:childTnLst>
+                                </p:cTn>
+                              </p:par>
+                              <p:par>
+                                <p:cTn id="23" presetID="1" presetClass="entr" presetSubtype="0" fill="hold" grpId="0" nodeType="withEffect">
+                                  <p:stCondLst>
+                                    <p:cond delay="0"/>
+                                  </p:stCondLst>
+                                  <p:childTnLst>
+                                    <p:set>
+                                      <p:cBhvr>
+                                        <p:cTn id="24" dur="1" fill="hold">
+                                          <p:stCondLst>
+                                            <p:cond delay="0"/>
+                                          </p:stCondLst>
+                                        </p:cTn>
+                                        <p:tgtEl>
+                                          <p:spTgt spid="13"/>
+                                        </p:tgtEl>
+                                        <p:attrNameLst>
+                                          <p:attrName>style.visibility</p:attrName>
+                                        </p:attrNameLst>
+                                      </p:cBhvr>
+                                      <p:to>
+                                        <p:strVal val="visible"/>
+                                      </p:to>
+                                    </p:set>
+                                  </p:childTnLst>
+                                </p:cTn>
+                              </p:par>
+                            </p:childTnLst>
+                          </p:cTn>
+                        </p:par>
+                      </p:childTnLst>
+                    </p:cTn>
+                  </p:par>
+                </p:childTnLst>
+              </p:cTn>
+              <p:prevCondLst>
+                <p:cond evt="onPrev" delay="0">
+                  <p:tgtEl>
+                    <p:sldTgt/>
+                  </p:tgtEl>
+                </p:cond>
+              </p:prevCondLst>
+              <p:nextCondLst>
+                <p:cond evt="onNext" delay="0">
+                  <p:tgtEl>
+                    <p:sldTgt/>
+                  </p:tgtEl>
+                </p:cond>
+              </p:nextCondLst>
+            </p:seq>
+          </p:childTnLst>
+        </p:cTn>
+      </p:par>
+    </p:tnLst>
+    <p:bldLst>
+      <p:bldP spid="8" grpId="0"/>
+      <p:bldP spid="9" grpId="0"/>
+      <p:bldP spid="10" grpId="0"/>
+      <p:bldP spid="7" grpId="0" animBg="1"/>
+      <p:bldP spid="11" grpId="0"/>
+      <p:bldP spid="12" grpId="0"/>
+      <p:bldP spid="13" grpId="0"/>
+    </p:bldLst>
+  </p:timing>
+</p:sld>
+</file>
+
+<file path=ppt/slides/slide11.xml><?xml version="1.0" encoding="utf-8"?>
+<p:sld xmlns:a="http://schemas.openxmlformats.org/drawingml/2006/main" xmlns:r="http://schemas.openxmlformats.org/officeDocument/2006/relationships" xmlns:p="http://schemas.openxmlformats.org/presentationml/2006/main">
+  <p:cSld>
+    <p:spTree>
+      <p:nvGrpSpPr>
+        <p:cNvPr id="1" name=""/>
+        <p:cNvGrpSpPr/>
+        <p:nvPr/>
+      </p:nvGrpSpPr>
+      <p:grpSpPr>
+        <a:xfrm>
+          <a:off x="0" y="0"/>
+          <a:ext cx="0" cy="0"/>
+          <a:chOff x="0" y="0"/>
+          <a:chExt cx="0" cy="0"/>
+        </a:xfrm>
+      </p:grpSpPr>
+      <p:sp>
+        <p:nvSpPr>
+          <p:cNvPr id="3" name="TextBox 2">
+            <a:extLst>
+              <a:ext uri="{FF2B5EF4-FFF2-40B4-BE49-F238E27FC236}">
+                <a16:creationId xmlns:a16="http://schemas.microsoft.com/office/drawing/2014/main" id="{2F73F3D8-CD8F-ED4B-893E-832546BDDFF0}"/>
+              </a:ext>
+            </a:extLst>
+          </p:cNvPr>
+          <p:cNvSpPr txBox="1"/>
+          <p:nvPr/>
+        </p:nvSpPr>
+        <p:spPr>
+          <a:xfrm>
+            <a:off x="1092212" y="564492"/>
+            <a:ext cx="3924462" cy="3046988"/>
+          </a:xfrm>
+          <a:prstGeom prst="rect">
+            <a:avLst/>
+          </a:prstGeom>
+          <a:noFill/>
+        </p:spPr>
+        <p:txBody>
+          <a:bodyPr wrap="square" rtlCol="0">
+            <a:spAutoFit/>
+          </a:bodyPr>
+          <a:lstStyle/>
+          <a:p>
+            <a:r>
+              <a:rPr lang="en-US" sz="2400" b="1" dirty="0">
+                <a:solidFill>
+                  <a:schemeClr val="accent4"/>
+                </a:solidFill>
+              </a:rPr>
+              <a:t>If </a:t>
+            </a:r>
+            <a:r>
+              <a:rPr lang="en-US" sz="2400" i="1" dirty="0">
+                <a:solidFill>
+                  <a:schemeClr val="tx1">
+                    <a:lumMod val="95000"/>
+                  </a:schemeClr>
+                </a:solidFill>
+              </a:rPr>
+              <a:t>t</a:t>
+            </a:r>
+            <a:r>
+              <a:rPr lang="en-US" sz="2400" b="1" dirty="0">
+                <a:solidFill>
+                  <a:schemeClr val="accent4"/>
+                </a:solidFill>
+              </a:rPr>
+              <a:t> mod </a:t>
+            </a:r>
+            <a:r>
+              <a:rPr lang="en-US" sz="2400" dirty="0">
+                <a:solidFill>
+                  <a:schemeClr val="tx1">
+                    <a:lumMod val="95000"/>
+                  </a:schemeClr>
+                </a:solidFill>
+              </a:rPr>
+              <a:t>255</a:t>
+            </a:r>
+            <a:r>
+              <a:rPr lang="en-US" sz="2400" dirty="0">
+                <a:solidFill>
+                  <a:schemeClr val="accent4"/>
+                </a:solidFill>
+              </a:rPr>
+              <a:t> </a:t>
+            </a:r>
+            <a:r>
+              <a:rPr lang="en-US" sz="2400" dirty="0">
+                <a:solidFill>
+                  <a:schemeClr val="tx1">
+                    <a:lumMod val="95000"/>
+                  </a:schemeClr>
+                </a:solidFill>
+              </a:rPr>
+              <a:t>= 0,</a:t>
+            </a:r>
+            <a:r>
+              <a:rPr lang="en-US" sz="2400" dirty="0">
+                <a:solidFill>
+                  <a:schemeClr val="accent4"/>
+                </a:solidFill>
+              </a:rPr>
+              <a:t> </a:t>
+            </a:r>
+            <a:r>
+              <a:rPr lang="en-US" sz="2400" b="1" dirty="0">
+                <a:solidFill>
+                  <a:schemeClr val="accent4"/>
+                </a:solidFill>
+              </a:rPr>
+              <a:t>return </a:t>
+            </a:r>
+            <a:r>
+              <a:rPr lang="en-US" sz="2400" dirty="0">
+                <a:solidFill>
+                  <a:schemeClr val="tx1">
+                    <a:lumMod val="95000"/>
+                  </a:schemeClr>
+                </a:solidFill>
+              </a:rPr>
+              <a:t>1</a:t>
+            </a:r>
+            <a:r>
+              <a:rPr lang="en-US" sz="2400" b="1" dirty="0">
+                <a:solidFill>
+                  <a:schemeClr val="accent4"/>
+                </a:solidFill>
+              </a:rPr>
+              <a:t>.</a:t>
+            </a:r>
+          </a:p>
+          <a:p>
+            <a:r>
+              <a:rPr lang="en-US" sz="2400" b="1" dirty="0">
+                <a:solidFill>
+                  <a:schemeClr val="accent4"/>
+                </a:solidFill>
+              </a:rPr>
+              <a:t>Let</a:t>
+            </a:r>
+            <a:r>
+              <a:rPr lang="en-US" sz="2400" dirty="0">
+                <a:solidFill>
+                  <a:schemeClr val="tx1">
+                    <a:lumMod val="95000"/>
+                  </a:schemeClr>
+                </a:solidFill>
+              </a:rPr>
+              <a:t> </a:t>
+            </a:r>
+            <a:r>
+              <a:rPr lang="en-US" sz="2400" i="1" dirty="0">
+                <a:solidFill>
+                  <a:schemeClr val="tx1">
+                    <a:lumMod val="95000"/>
+                  </a:schemeClr>
+                </a:solidFill>
+              </a:rPr>
+              <a:t>R</a:t>
+            </a:r>
+            <a:r>
+              <a:rPr lang="en-US" sz="2400" dirty="0">
+                <a:solidFill>
+                  <a:schemeClr val="tx1">
+                    <a:lumMod val="95000"/>
+                  </a:schemeClr>
+                </a:solidFill>
+              </a:rPr>
+              <a:t> = 100000.</a:t>
+            </a:r>
+          </a:p>
+          <a:p>
+            <a:r>
+              <a:rPr lang="en-US" sz="2400" b="1" dirty="0">
+                <a:solidFill>
+                  <a:schemeClr val="accent4"/>
+                </a:solidFill>
+              </a:rPr>
+              <a:t>For</a:t>
+            </a:r>
+            <a:r>
+              <a:rPr lang="en-US" sz="2400" dirty="0">
+                <a:solidFill>
+                  <a:schemeClr val="tx1">
+                    <a:lumMod val="95000"/>
+                  </a:schemeClr>
+                </a:solidFill>
+              </a:rPr>
+              <a:t> </a:t>
+            </a:r>
+            <a:r>
+              <a:rPr lang="en-US" sz="2400" i="1" dirty="0" err="1">
+                <a:solidFill>
+                  <a:schemeClr val="tx1">
+                    <a:lumMod val="95000"/>
+                  </a:schemeClr>
+                </a:solidFill>
+              </a:rPr>
+              <a:t>i</a:t>
+            </a:r>
+            <a:r>
+              <a:rPr lang="en-US" sz="2400" dirty="0">
+                <a:solidFill>
+                  <a:schemeClr val="tx1">
+                    <a:lumMod val="95000"/>
+                  </a:schemeClr>
+                </a:solidFill>
+              </a:rPr>
+              <a:t> </a:t>
+            </a:r>
+            <a:r>
+              <a:rPr lang="en-US" sz="2400" b="1" dirty="0">
+                <a:solidFill>
+                  <a:schemeClr val="accent4"/>
+                </a:solidFill>
+              </a:rPr>
+              <a:t>from</a:t>
+            </a:r>
+            <a:r>
+              <a:rPr lang="en-US" sz="2400" dirty="0">
+                <a:solidFill>
+                  <a:schemeClr val="tx1">
+                    <a:lumMod val="95000"/>
+                  </a:schemeClr>
+                </a:solidFill>
+              </a:rPr>
+              <a:t> 1 </a:t>
+            </a:r>
+            <a:r>
+              <a:rPr lang="en-US" sz="2400" b="1" dirty="0">
+                <a:solidFill>
+                  <a:schemeClr val="accent4"/>
+                </a:solidFill>
+              </a:rPr>
+              <a:t>to</a:t>
+            </a:r>
+            <a:r>
+              <a:rPr lang="en-US" sz="2400" dirty="0">
+                <a:solidFill>
+                  <a:schemeClr val="tx1">
+                    <a:lumMod val="95000"/>
+                  </a:schemeClr>
+                </a:solidFill>
+              </a:rPr>
+              <a:t> </a:t>
+            </a:r>
+            <a:r>
+              <a:rPr lang="en-US" sz="2400" i="1" dirty="0">
+                <a:solidFill>
+                  <a:schemeClr val="tx1">
+                    <a:lumMod val="95000"/>
+                  </a:schemeClr>
+                </a:solidFill>
+              </a:rPr>
+              <a:t>t</a:t>
+            </a:r>
+            <a:r>
+              <a:rPr lang="en-US" sz="2400" dirty="0">
+                <a:solidFill>
+                  <a:schemeClr val="tx1">
+                    <a:lumMod val="95000"/>
+                  </a:schemeClr>
+                </a:solidFill>
+              </a:rPr>
+              <a:t> </a:t>
+            </a:r>
+            <a:r>
+              <a:rPr lang="en-US" sz="2400" b="1" dirty="0">
+                <a:solidFill>
+                  <a:schemeClr val="accent4"/>
+                </a:solidFill>
+              </a:rPr>
+              <a:t>mod</a:t>
+            </a:r>
+            <a:r>
+              <a:rPr lang="en-US" sz="2400" dirty="0">
+                <a:solidFill>
+                  <a:schemeClr val="tx1">
+                    <a:lumMod val="95000"/>
+                  </a:schemeClr>
+                </a:solidFill>
+              </a:rPr>
+              <a:t> 255 </a:t>
+            </a:r>
+          </a:p>
+          <a:p>
+            <a:r>
+              <a:rPr lang="en-US" sz="2400" b="1" dirty="0">
+                <a:solidFill>
+                  <a:schemeClr val="accent4"/>
+                </a:solidFill>
+              </a:rPr>
+              <a:t>  Let</a:t>
+            </a:r>
+            <a:r>
+              <a:rPr lang="en-US" sz="2400" dirty="0">
+                <a:solidFill>
+                  <a:schemeClr val="tx1">
+                    <a:lumMod val="95000"/>
+                  </a:schemeClr>
+                </a:solidFill>
+              </a:rPr>
+              <a:t>:</a:t>
+            </a:r>
+          </a:p>
+          <a:p>
+            <a:r>
+              <a:rPr lang="en-US" sz="2400" dirty="0">
+                <a:solidFill>
+                  <a:schemeClr val="tx1">
+                    <a:lumMod val="95000"/>
+                  </a:schemeClr>
+                </a:solidFill>
+              </a:rPr>
+              <a:t>    </a:t>
+            </a:r>
+            <a:r>
+              <a:rPr lang="en-US" sz="2400" i="1" dirty="0">
+                <a:solidFill>
+                  <a:schemeClr val="tx1">
+                    <a:lumMod val="95000"/>
+                  </a:schemeClr>
+                </a:solidFill>
+              </a:rPr>
+              <a:t>update(R)</a:t>
+            </a:r>
+            <a:endParaRPr lang="en-US" sz="2400" dirty="0">
+              <a:solidFill>
+                <a:schemeClr val="tx1">
+                  <a:lumMod val="95000"/>
+                </a:schemeClr>
+              </a:solidFill>
+            </a:endParaRPr>
+          </a:p>
+          <a:p>
+            <a:r>
+              <a:rPr lang="en-US" sz="2400" dirty="0">
+                <a:solidFill>
+                  <a:schemeClr val="tx1">
+                    <a:lumMod val="95000"/>
+                  </a:schemeClr>
+                </a:solidFill>
+              </a:rPr>
+              <a:t>    </a:t>
+            </a:r>
+            <a:r>
+              <a:rPr lang="en-US" sz="2400" i="1" dirty="0">
+                <a:solidFill>
+                  <a:schemeClr val="tx1">
+                    <a:lumMod val="95000"/>
+                  </a:schemeClr>
+                </a:solidFill>
+              </a:rPr>
+              <a:t>R</a:t>
+            </a:r>
+            <a:r>
+              <a:rPr lang="en-US" sz="2400" dirty="0">
+                <a:solidFill>
+                  <a:schemeClr val="tx1">
+                    <a:lumMod val="95000"/>
+                  </a:schemeClr>
+                </a:solidFill>
+              </a:rPr>
+              <a:t> = </a:t>
+            </a:r>
+            <a:r>
+              <a:rPr lang="en-US" sz="2400" dirty="0">
+                <a:solidFill>
+                  <a:schemeClr val="accent6"/>
+                </a:solidFill>
+              </a:rPr>
+              <a:t>Trunc8</a:t>
+            </a:r>
+            <a:r>
+              <a:rPr lang="en-US" sz="2400" dirty="0">
+                <a:solidFill>
+                  <a:schemeClr val="tx1">
+                    <a:lumMod val="95000"/>
+                  </a:schemeClr>
+                </a:solidFill>
+              </a:rPr>
+              <a:t>[</a:t>
+            </a:r>
+            <a:r>
+              <a:rPr lang="en-US" sz="2400" i="1" dirty="0">
+                <a:solidFill>
+                  <a:schemeClr val="tx1">
+                    <a:lumMod val="95000"/>
+                  </a:schemeClr>
+                </a:solidFill>
+              </a:rPr>
+              <a:t>R</a:t>
+            </a:r>
+            <a:r>
+              <a:rPr lang="en-US" sz="2400" dirty="0">
+                <a:solidFill>
+                  <a:schemeClr val="tx1">
+                    <a:lumMod val="95000"/>
+                  </a:schemeClr>
+                </a:solidFill>
+              </a:rPr>
+              <a:t>].</a:t>
+            </a:r>
+          </a:p>
+          <a:p>
+            <a:r>
+              <a:rPr lang="en-US" sz="2400" b="1" dirty="0">
+                <a:solidFill>
+                  <a:schemeClr val="accent4"/>
+                </a:solidFill>
+              </a:rPr>
+              <a:t>Return</a:t>
+            </a:r>
+            <a:r>
+              <a:rPr lang="en-US" sz="2400" dirty="0">
+                <a:solidFill>
+                  <a:schemeClr val="tx1">
+                    <a:lumMod val="95000"/>
+                  </a:schemeClr>
+                </a:solidFill>
+              </a:rPr>
+              <a:t> </a:t>
+            </a:r>
+            <a:r>
+              <a:rPr lang="en-US" sz="2400" i="1" dirty="0">
+                <a:solidFill>
+                  <a:schemeClr val="tx1">
+                    <a:lumMod val="95000"/>
+                  </a:schemeClr>
+                </a:solidFill>
+              </a:rPr>
+              <a:t>R</a:t>
+            </a:r>
+            <a:r>
+              <a:rPr lang="en-US" sz="2400" dirty="0">
+                <a:solidFill>
+                  <a:schemeClr val="tx1">
+                    <a:lumMod val="95000"/>
+                  </a:schemeClr>
+                </a:solidFill>
+              </a:rPr>
+              <a:t>.</a:t>
+            </a:r>
+          </a:p>
+          <a:p>
+            <a:endParaRPr lang="en-US" sz="2400" dirty="0">
+              <a:solidFill>
+                <a:schemeClr val="tx1">
+                  <a:lumMod val="95000"/>
+                </a:schemeClr>
+              </a:solidFill>
+            </a:endParaRPr>
+          </a:p>
+        </p:txBody>
+      </p:sp>
+      <p:sp>
+        <p:nvSpPr>
+          <p:cNvPr id="8" name="TextBox 7">
+            <a:extLst>
+              <a:ext uri="{FF2B5EF4-FFF2-40B4-BE49-F238E27FC236}">
+                <a16:creationId xmlns:a16="http://schemas.microsoft.com/office/drawing/2014/main" id="{74E669FB-15C3-6744-8672-DB4CF0234FD4}"/>
+              </a:ext>
+            </a:extLst>
+          </p:cNvPr>
+          <p:cNvSpPr txBox="1"/>
+          <p:nvPr/>
+        </p:nvSpPr>
+        <p:spPr>
+          <a:xfrm>
+            <a:off x="1092212" y="4376167"/>
+            <a:ext cx="5544671" cy="1631216"/>
+          </a:xfrm>
+          <a:prstGeom prst="rect">
+            <a:avLst/>
+          </a:prstGeom>
+          <a:noFill/>
+        </p:spPr>
+        <p:txBody>
+          <a:bodyPr wrap="square">
+            <a:spAutoFit/>
+          </a:bodyPr>
+          <a:lstStyle/>
+          <a:p>
+            <a:r>
+              <a:rPr lang="en-US" sz="2000" dirty="0">
+                <a:solidFill>
+                  <a:srgbClr val="D4D4D4"/>
+                </a:solidFill>
+                <a:latin typeface="Menlo" panose="020B0609030804020204" pitchFamily="49" charset="0"/>
+              </a:rPr>
+              <a:t>w</a:t>
+            </a:r>
+            <a:r>
+              <a:rPr lang="en-US" sz="2000" dirty="0">
+                <a:solidFill>
+                  <a:srgbClr val="D4D4D4"/>
+                </a:solidFill>
+                <a:effectLst/>
+                <a:latin typeface="Menlo" panose="020B0609030804020204" pitchFamily="49" charset="0"/>
+              </a:rPr>
+              <a:t>hile</a:t>
+            </a:r>
+            <a:r>
+              <a:rPr lang="en-US" sz="2000" b="0" dirty="0">
+                <a:solidFill>
+                  <a:srgbClr val="D4D4D4"/>
+                </a:solidFill>
+                <a:effectLst/>
+                <a:latin typeface="Menlo" panose="020B0609030804020204" pitchFamily="49" charset="0"/>
+              </a:rPr>
+              <a:t> state </a:t>
+            </a:r>
+            <a:r>
+              <a:rPr lang="en-US" sz="2000" b="0" dirty="0" err="1">
+                <a:solidFill>
+                  <a:srgbClr val="D4D4D4"/>
+                </a:solidFill>
+                <a:effectLst/>
+                <a:latin typeface="Menlo" panose="020B0609030804020204" pitchFamily="49" charset="0"/>
+              </a:rPr>
+              <a:t>cond</a:t>
+            </a:r>
+            <a:r>
+              <a:rPr lang="en-US" sz="2000" b="0" dirty="0">
+                <a:solidFill>
+                  <a:srgbClr val="D4D4D4"/>
+                </a:solidFill>
+                <a:effectLst/>
+                <a:latin typeface="Menlo" panose="020B0609030804020204" pitchFamily="49" charset="0"/>
+              </a:rPr>
+              <a:t> f =</a:t>
+            </a:r>
+          </a:p>
+          <a:p>
+            <a:r>
+              <a:rPr lang="en-US" sz="2000" dirty="0">
+                <a:solidFill>
+                  <a:srgbClr val="D4D4D4"/>
+                </a:solidFill>
+                <a:latin typeface="Menlo" panose="020B0609030804020204" pitchFamily="49" charset="0"/>
+              </a:rPr>
+              <a:t>  </a:t>
+            </a:r>
+            <a:r>
+              <a:rPr lang="en-US" sz="2000" b="1" dirty="0">
+                <a:solidFill>
+                  <a:schemeClr val="accent4"/>
+                </a:solidFill>
+                <a:latin typeface="Menlo" panose="020B0609030804020204" pitchFamily="49" charset="0"/>
+              </a:rPr>
+              <a:t>if</a:t>
+            </a:r>
+            <a:r>
+              <a:rPr lang="en-US" sz="2000" dirty="0">
+                <a:solidFill>
+                  <a:srgbClr val="D4D4D4"/>
+                </a:solidFill>
+                <a:latin typeface="Menlo" panose="020B0609030804020204" pitchFamily="49" charset="0"/>
+              </a:rPr>
+              <a:t> (</a:t>
+            </a:r>
+            <a:r>
+              <a:rPr lang="en-US" sz="2000" dirty="0" err="1">
+                <a:solidFill>
+                  <a:srgbClr val="D4D4D4"/>
+                </a:solidFill>
+                <a:latin typeface="Menlo" panose="020B0609030804020204" pitchFamily="49" charset="0"/>
+              </a:rPr>
+              <a:t>cond</a:t>
+            </a:r>
+            <a:r>
+              <a:rPr lang="en-US" sz="2000" dirty="0">
+                <a:solidFill>
+                  <a:srgbClr val="D4D4D4"/>
+                </a:solidFill>
+                <a:latin typeface="Menlo" panose="020B0609030804020204" pitchFamily="49" charset="0"/>
+              </a:rPr>
+              <a:t> state) </a:t>
+            </a:r>
+            <a:r>
+              <a:rPr lang="en-US" sz="2000" b="1" dirty="0">
+                <a:solidFill>
+                  <a:schemeClr val="accent4"/>
+                </a:solidFill>
+                <a:latin typeface="Menlo" panose="020B0609030804020204" pitchFamily="49" charset="0"/>
+              </a:rPr>
+              <a:t>then</a:t>
+            </a:r>
+            <a:r>
+              <a:rPr lang="en-US" sz="2000" dirty="0">
+                <a:solidFill>
+                  <a:srgbClr val="D4D4D4"/>
+                </a:solidFill>
+                <a:latin typeface="Menlo" panose="020B0609030804020204" pitchFamily="49" charset="0"/>
+              </a:rPr>
+              <a:t> </a:t>
+            </a:r>
+          </a:p>
+          <a:p>
+            <a:r>
+              <a:rPr lang="en-US" sz="2000" dirty="0">
+                <a:solidFill>
+                  <a:srgbClr val="D4D4D4"/>
+                </a:solidFill>
+                <a:latin typeface="Menlo" panose="020B0609030804020204" pitchFamily="49" charset="0"/>
+              </a:rPr>
+              <a:t>    (while (f state) </a:t>
+            </a:r>
+            <a:r>
+              <a:rPr lang="en-US" sz="2000" dirty="0" err="1">
+                <a:solidFill>
+                  <a:srgbClr val="D4D4D4"/>
+                </a:solidFill>
+                <a:latin typeface="Menlo" panose="020B0609030804020204" pitchFamily="49" charset="0"/>
+              </a:rPr>
+              <a:t>cond</a:t>
+            </a:r>
+            <a:r>
+              <a:rPr lang="en-US" sz="2000" dirty="0">
+                <a:solidFill>
+                  <a:srgbClr val="D4D4D4"/>
+                </a:solidFill>
+                <a:latin typeface="Menlo" panose="020B0609030804020204" pitchFamily="49" charset="0"/>
+              </a:rPr>
+              <a:t> f)</a:t>
+            </a:r>
+          </a:p>
+          <a:p>
+            <a:r>
+              <a:rPr lang="en-US" sz="2000" b="0" dirty="0">
+                <a:solidFill>
+                  <a:srgbClr val="D4D4D4"/>
+                </a:solidFill>
+                <a:effectLst/>
+                <a:latin typeface="Menlo" panose="020B0609030804020204" pitchFamily="49" charset="0"/>
+              </a:rPr>
+              <a:t>  </a:t>
+            </a:r>
+            <a:r>
+              <a:rPr lang="en-US" sz="2000" b="1" dirty="0">
+                <a:solidFill>
+                  <a:schemeClr val="accent4"/>
+                </a:solidFill>
+                <a:effectLst/>
+                <a:latin typeface="Menlo" panose="020B0609030804020204" pitchFamily="49" charset="0"/>
+              </a:rPr>
+              <a:t>else</a:t>
+            </a:r>
+            <a:endParaRPr lang="en-US" sz="2000" b="1" dirty="0">
+              <a:solidFill>
+                <a:schemeClr val="accent4"/>
+              </a:solidFill>
+              <a:latin typeface="Menlo" panose="020B0609030804020204" pitchFamily="49" charset="0"/>
+            </a:endParaRPr>
+          </a:p>
+          <a:p>
+            <a:r>
+              <a:rPr lang="en-US" sz="2000" b="0" dirty="0">
+                <a:solidFill>
+                  <a:srgbClr val="D4D4D4"/>
+                </a:solidFill>
+                <a:effectLst/>
+                <a:latin typeface="Menlo" panose="020B0609030804020204" pitchFamily="49" charset="0"/>
+              </a:rPr>
+              <a:t>    state</a:t>
+            </a:r>
+          </a:p>
+        </p:txBody>
+      </p:sp>
+      <p:sp>
+        <p:nvSpPr>
+          <p:cNvPr id="9" name="TextBox 8">
+            <a:extLst>
+              <a:ext uri="{FF2B5EF4-FFF2-40B4-BE49-F238E27FC236}">
+                <a16:creationId xmlns:a16="http://schemas.microsoft.com/office/drawing/2014/main" id="{00CDB295-7566-644B-8BA5-DC8710E27E22}"/>
+              </a:ext>
+            </a:extLst>
+          </p:cNvPr>
+          <p:cNvSpPr txBox="1"/>
+          <p:nvPr/>
+        </p:nvSpPr>
+        <p:spPr>
+          <a:xfrm>
+            <a:off x="5924811" y="564492"/>
+            <a:ext cx="6267189" cy="2862322"/>
+          </a:xfrm>
+          <a:prstGeom prst="rect">
+            <a:avLst/>
+          </a:prstGeom>
+          <a:noFill/>
+        </p:spPr>
+        <p:txBody>
+          <a:bodyPr wrap="square">
+            <a:spAutoFit/>
+          </a:bodyPr>
+          <a:lstStyle/>
+          <a:p>
+            <a:r>
+              <a:rPr lang="en-US" sz="2000" dirty="0" err="1">
+                <a:solidFill>
+                  <a:srgbClr val="D4D4D4"/>
+                </a:solidFill>
+                <a:latin typeface="Menlo" panose="020B0609030804020204" pitchFamily="49" charset="0"/>
+              </a:rPr>
+              <a:t>rc</a:t>
+            </a:r>
+            <a:r>
+              <a:rPr lang="en-US" sz="2000" b="0" dirty="0">
+                <a:solidFill>
+                  <a:srgbClr val="D4D4D4"/>
+                </a:solidFill>
+                <a:effectLst/>
+                <a:latin typeface="Menlo" panose="020B0609030804020204" pitchFamily="49" charset="0"/>
+              </a:rPr>
+              <a:t> t = if (t % 255) == 0 then 1</a:t>
+            </a:r>
+          </a:p>
+          <a:p>
+            <a:r>
+              <a:rPr lang="en-US" sz="2000" dirty="0">
+                <a:solidFill>
+                  <a:srgbClr val="D4D4D4"/>
+                </a:solidFill>
+                <a:latin typeface="Menlo" panose="020B0609030804020204" pitchFamily="49" charset="0"/>
+              </a:rPr>
+              <a:t>       else </a:t>
+            </a:r>
+            <a:r>
+              <a:rPr lang="en-US" sz="2000" dirty="0" err="1">
+                <a:solidFill>
+                  <a:srgbClr val="D4D4D4"/>
+                </a:solidFill>
+                <a:latin typeface="Menlo" panose="020B0609030804020204" pitchFamily="49" charset="0"/>
+              </a:rPr>
+              <a:t>rs</a:t>
+            </a:r>
+            <a:r>
+              <a:rPr lang="en-US" sz="2000" dirty="0">
+                <a:solidFill>
+                  <a:srgbClr val="D4D4D4"/>
+                </a:solidFill>
+                <a:latin typeface="Menlo" panose="020B0609030804020204" pitchFamily="49" charset="0"/>
+              </a:rPr>
+              <a:t> !0 @0 where</a:t>
+            </a:r>
+          </a:p>
+          <a:p>
+            <a:r>
+              <a:rPr lang="en-US" sz="2000" b="0" dirty="0">
+                <a:solidFill>
+                  <a:srgbClr val="D4D4D4"/>
+                </a:solidFill>
+                <a:effectLst/>
+                <a:latin typeface="Menlo" panose="020B0609030804020204" pitchFamily="49" charset="0"/>
+              </a:rPr>
+              <a:t>         </a:t>
+            </a:r>
+            <a:r>
+              <a:rPr lang="en-US" sz="2000" b="0" dirty="0" err="1">
+                <a:solidFill>
+                  <a:srgbClr val="D4D4D4"/>
+                </a:solidFill>
+                <a:effectLst/>
+                <a:latin typeface="Menlo" panose="020B0609030804020204" pitchFamily="49" charset="0"/>
+              </a:rPr>
+              <a:t>rs</a:t>
+            </a:r>
+            <a:r>
+              <a:rPr lang="en-US" sz="2000" b="0" dirty="0">
+                <a:solidFill>
+                  <a:srgbClr val="D4D4D4"/>
+                </a:solidFill>
+                <a:effectLst/>
+                <a:latin typeface="Menlo" panose="020B0609030804020204" pitchFamily="49" charset="0"/>
+              </a:rPr>
+              <a:t> = [0b10000000] #</a:t>
+            </a:r>
+          </a:p>
+          <a:p>
+            <a:r>
+              <a:rPr lang="en-US" sz="2000" dirty="0">
+                <a:solidFill>
+                  <a:srgbClr val="D4D4D4"/>
+                </a:solidFill>
+                <a:latin typeface="Menlo" panose="020B0609030804020204" pitchFamily="49" charset="0"/>
+              </a:rPr>
+              <a:t>              [if </a:t>
+            </a:r>
+            <a:r>
+              <a:rPr lang="en-US" sz="2000" dirty="0" err="1">
+                <a:solidFill>
+                  <a:srgbClr val="D4D4D4"/>
+                </a:solidFill>
+                <a:latin typeface="Menlo" panose="020B0609030804020204" pitchFamily="49" charset="0"/>
+              </a:rPr>
+              <a:t>i</a:t>
+            </a:r>
+            <a:r>
+              <a:rPr lang="en-US" sz="2000" dirty="0">
+                <a:solidFill>
+                  <a:srgbClr val="D4D4D4"/>
+                </a:solidFill>
+                <a:latin typeface="Menlo" panose="020B0609030804020204" pitchFamily="49" charset="0"/>
+              </a:rPr>
+              <a:t> &lt;= t % 255 then</a:t>
+            </a:r>
+          </a:p>
+          <a:p>
+            <a:r>
+              <a:rPr lang="en-US" sz="2000" b="0" dirty="0">
+                <a:solidFill>
+                  <a:srgbClr val="D4D4D4"/>
+                </a:solidFill>
+                <a:effectLst/>
+                <a:latin typeface="Menlo" panose="020B0609030804020204" pitchFamily="49" charset="0"/>
+              </a:rPr>
+              <a:t>                 ((update r) </a:t>
+            </a:r>
+          </a:p>
+          <a:p>
+            <a:r>
+              <a:rPr lang="en-US" sz="2000" dirty="0">
+                <a:solidFill>
+                  <a:srgbClr val="D4D4D4"/>
+                </a:solidFill>
+                <a:latin typeface="Menlo" panose="020B0609030804020204" pitchFamily="49" charset="0"/>
+              </a:rPr>
+              <a:t>                   </a:t>
+            </a:r>
+            <a:r>
+              <a:rPr lang="en-US" sz="2000" b="0" dirty="0">
+                <a:solidFill>
+                  <a:srgbClr val="D4D4D4"/>
+                </a:solidFill>
+                <a:effectLst/>
+                <a:latin typeface="Menlo" panose="020B0609030804020204" pitchFamily="49" charset="0"/>
+              </a:rPr>
+              <a:t>where r = [0] # </a:t>
+            </a:r>
+          </a:p>
+          <a:p>
+            <a:r>
+              <a:rPr lang="en-US" sz="2000" dirty="0">
+                <a:solidFill>
+                  <a:srgbClr val="D4D4D4"/>
+                </a:solidFill>
+                <a:latin typeface="Menlo" panose="020B0609030804020204" pitchFamily="49" charset="0"/>
+              </a:rPr>
+              <a:t>                   </a:t>
+            </a:r>
+            <a:r>
+              <a:rPr lang="en-US" sz="2000" b="0" dirty="0" err="1">
+                <a:solidFill>
+                  <a:srgbClr val="D4D4D4"/>
+                </a:solidFill>
+                <a:effectLst/>
+                <a:latin typeface="Menlo" panose="020B0609030804020204" pitchFamily="49" charset="0"/>
+              </a:rPr>
+              <a:t>rs</a:t>
+            </a:r>
+            <a:r>
+              <a:rPr lang="en-US" sz="2000" dirty="0">
+                <a:solidFill>
+                  <a:srgbClr val="D4D4D4"/>
+                </a:solidFill>
+                <a:latin typeface="Menlo" panose="020B0609030804020204" pitchFamily="49" charset="0"/>
+              </a:rPr>
+              <a:t>@(</a:t>
+            </a:r>
+            <a:r>
+              <a:rPr lang="en-US" sz="2000" dirty="0" err="1">
+                <a:solidFill>
+                  <a:srgbClr val="D4D4D4"/>
+                </a:solidFill>
+                <a:latin typeface="Menlo" panose="020B0609030804020204" pitchFamily="49" charset="0"/>
+              </a:rPr>
+              <a:t>i</a:t>
+            </a:r>
+            <a:r>
+              <a:rPr lang="en-US" sz="2000" dirty="0">
+                <a:solidFill>
+                  <a:srgbClr val="D4D4D4"/>
+                </a:solidFill>
+                <a:latin typeface="Menlo" panose="020B0609030804020204" pitchFamily="49" charset="0"/>
+              </a:rPr>
+              <a:t> – 1)))</a:t>
+            </a:r>
+          </a:p>
+          <a:p>
+            <a:r>
+              <a:rPr lang="en-US" sz="2000" b="0" dirty="0">
+                <a:solidFill>
+                  <a:srgbClr val="D4D4D4"/>
+                </a:solidFill>
+                <a:effectLst/>
+                <a:latin typeface="Menlo" panose="020B0609030804020204" pitchFamily="49" charset="0"/>
+              </a:rPr>
+              <a:t>               else </a:t>
+            </a:r>
+            <a:r>
+              <a:rPr lang="en-US" sz="2000" b="0" dirty="0" err="1">
+                <a:solidFill>
+                  <a:srgbClr val="D4D4D4"/>
+                </a:solidFill>
+                <a:effectLst/>
+                <a:latin typeface="Menlo" panose="020B0609030804020204" pitchFamily="49" charset="0"/>
+              </a:rPr>
+              <a:t>rs</a:t>
+            </a:r>
+            <a:r>
+              <a:rPr lang="en-US" sz="2000" b="0" dirty="0">
+                <a:solidFill>
+                  <a:srgbClr val="D4D4D4"/>
+                </a:solidFill>
+                <a:effectLst/>
+                <a:latin typeface="Menlo" panose="020B0609030804020204" pitchFamily="49" charset="0"/>
+              </a:rPr>
+              <a:t>@(</a:t>
+            </a:r>
+            <a:r>
+              <a:rPr lang="en-US" sz="2000" b="0" dirty="0" err="1">
+                <a:solidFill>
+                  <a:srgbClr val="D4D4D4"/>
+                </a:solidFill>
+                <a:effectLst/>
+                <a:latin typeface="Menlo" panose="020B0609030804020204" pitchFamily="49" charset="0"/>
+              </a:rPr>
+              <a:t>i</a:t>
+            </a:r>
+            <a:r>
+              <a:rPr lang="en-US" sz="2000" b="0" dirty="0">
+                <a:solidFill>
+                  <a:srgbClr val="D4D4D4"/>
+                </a:solidFill>
+                <a:effectLst/>
+                <a:latin typeface="Menlo" panose="020B0609030804020204" pitchFamily="49" charset="0"/>
+              </a:rPr>
+              <a:t> – 1)</a:t>
+            </a:r>
+          </a:p>
+          <a:p>
+            <a:r>
+              <a:rPr lang="en-US" sz="2000" dirty="0">
+                <a:solidFill>
+                  <a:srgbClr val="D4D4D4"/>
+                </a:solidFill>
+                <a:latin typeface="Menlo" panose="020B0609030804020204" pitchFamily="49" charset="0"/>
+              </a:rPr>
+              <a:t>              | </a:t>
+            </a:r>
+            <a:r>
+              <a:rPr lang="en-US" sz="2000" dirty="0" err="1">
+                <a:solidFill>
+                  <a:srgbClr val="D4D4D4"/>
+                </a:solidFill>
+                <a:latin typeface="Menlo" panose="020B0609030804020204" pitchFamily="49" charset="0"/>
+              </a:rPr>
+              <a:t>i</a:t>
+            </a:r>
+            <a:r>
+              <a:rPr lang="en-US" sz="2000" dirty="0">
+                <a:solidFill>
+                  <a:srgbClr val="D4D4D4"/>
+                </a:solidFill>
+                <a:latin typeface="Menlo" panose="020B0609030804020204" pitchFamily="49" charset="0"/>
+              </a:rPr>
+              <a:t> &lt;= [1..254]]</a:t>
+            </a:r>
+            <a:endParaRPr lang="en-US" sz="2000" b="0" dirty="0">
+              <a:solidFill>
+                <a:srgbClr val="D4D4D4"/>
+              </a:solidFill>
+              <a:effectLst/>
+              <a:latin typeface="Menlo" panose="020B0609030804020204" pitchFamily="49" charset="0"/>
+            </a:endParaRPr>
+          </a:p>
+        </p:txBody>
+      </p:sp>
+    </p:spTree>
+    <p:extLst>
+      <p:ext uri="{BB962C8B-B14F-4D97-AF65-F5344CB8AC3E}">
+        <p14:creationId xmlns:p14="http://schemas.microsoft.com/office/powerpoint/2010/main" val="1623768468"/>
+      </p:ext>
+    </p:extLst>
+  </p:cSld>
+  <p:clrMapOvr>
+    <a:masterClrMapping/>
+  </p:clrMapOvr>
+</p:sld>
+</file>
+
+<file path=ppt/slides/slide12.xml><?xml version="1.0" encoding="utf-8"?>
+<p:sld xmlns:a="http://schemas.openxmlformats.org/drawingml/2006/main" xmlns:r="http://schemas.openxmlformats.org/officeDocument/2006/relationships" xmlns:p="http://schemas.openxmlformats.org/presentationml/2006/main">
+  <p:cSld>
+    <p:spTree>
+      <p:nvGrpSpPr>
+        <p:cNvPr id="1" name=""/>
+        <p:cNvGrpSpPr/>
+        <p:nvPr/>
+      </p:nvGrpSpPr>
+      <p:grpSpPr>
+        <a:xfrm>
+          <a:off x="0" y="0"/>
+          <a:ext cx="0" cy="0"/>
+          <a:chOff x="0" y="0"/>
+          <a:chExt cx="0" cy="0"/>
+        </a:xfrm>
+      </p:grpSpPr>
+      <p:sp>
+        <p:nvSpPr>
+          <p:cNvPr id="2" name="Title 1">
+            <a:extLst>
+              <a:ext uri="{FF2B5EF4-FFF2-40B4-BE49-F238E27FC236}">
                 <a16:creationId xmlns:a16="http://schemas.microsoft.com/office/drawing/2014/main" id="{92850140-1BD9-6140-925B-439B2CA011E0}"/>
               </a:ext>
             </a:extLst>
@@ -6088,7 +9179,7 @@
 </p:sld>
 </file>
 
-<file path=ppt/slides/slide11.xml><?xml version="1.0" encoding="utf-8"?>
+<file path=ppt/slides/slide13.xml><?xml version="1.0" encoding="utf-8"?>
 <p:sld xmlns:a="http://schemas.openxmlformats.org/drawingml/2006/main" xmlns:r="http://schemas.openxmlformats.org/officeDocument/2006/relationships" xmlns:p="http://schemas.openxmlformats.org/presentationml/2006/main">
   <p:cSld>
     <p:spTree>
@@ -7198,7 +10289,7 @@
 </p:sld>
 </file>
 
-<file path=ppt/slides/slide12.xml><?xml version="1.0" encoding="utf-8"?>
+<file path=ppt/slides/slide14.xml><?xml version="1.0" encoding="utf-8"?>
 <p:sld xmlns:a="http://schemas.openxmlformats.org/drawingml/2006/main" xmlns:r="http://schemas.openxmlformats.org/officeDocument/2006/relationships" xmlns:p="http://schemas.openxmlformats.org/presentationml/2006/main">
   <p:cSld>
     <p:spTree>
@@ -8193,7 +11284,7 @@
 </p:sld>
 </file>
 
-<file path=ppt/slides/slide13.xml><?xml version="1.0" encoding="utf-8"?>
+<file path=ppt/slides/slide15.xml><?xml version="1.0" encoding="utf-8"?>
 <p:sld xmlns:a="http://schemas.openxmlformats.org/drawingml/2006/main" xmlns:r="http://schemas.openxmlformats.org/officeDocument/2006/relationships" xmlns:p="http://schemas.openxmlformats.org/presentationml/2006/main">
   <p:cSld>
     <p:spTree>
@@ -9822,7 +12913,7 @@
 </p:sld>
 </file>
 
-<file path=ppt/slides/slide14.xml><?xml version="1.0" encoding="utf-8"?>
+<file path=ppt/slides/slide16.xml><?xml version="1.0" encoding="utf-8"?>
 <p:sld xmlns:a="http://schemas.openxmlformats.org/drawingml/2006/main" xmlns:r="http://schemas.openxmlformats.org/officeDocument/2006/relationships" xmlns:p="http://schemas.openxmlformats.org/presentationml/2006/main">
   <p:cSld>
     <p:spTree>
@@ -11568,7 +14659,7 @@
 </p:sld>
 </file>
 
-<file path=ppt/slides/slide15.xml><?xml version="1.0" encoding="utf-8"?>
+<file path=ppt/slides/slide17.xml><?xml version="1.0" encoding="utf-8"?>
 <p:sld xmlns:a="http://schemas.openxmlformats.org/drawingml/2006/main" xmlns:r="http://schemas.openxmlformats.org/officeDocument/2006/relationships" xmlns:p="http://schemas.openxmlformats.org/presentationml/2006/main">
   <p:cSld>
     <p:spTree>
@@ -13102,6 +16193,60 @@
           </mc:Fallback>
         </mc:AlternateContent>
       </p:grpSp>
+      <p:sp>
+        <p:nvSpPr>
+          <p:cNvPr id="18" name="TextBox 17">
+            <a:extLst>
+              <a:ext uri="{FF2B5EF4-FFF2-40B4-BE49-F238E27FC236}">
+                <a16:creationId xmlns:a16="http://schemas.microsoft.com/office/drawing/2014/main" id="{2F3622C1-E940-0D4B-8DD3-4424FA072496}"/>
+              </a:ext>
+            </a:extLst>
+          </p:cNvPr>
+          <p:cNvSpPr txBox="1"/>
+          <p:nvPr/>
+        </p:nvSpPr>
+        <p:spPr>
+          <a:xfrm>
+            <a:off x="2099946" y="5342352"/>
+            <a:ext cx="7993792" cy="646331"/>
+          </a:xfrm>
+          <a:prstGeom prst="rect">
+            <a:avLst/>
+          </a:prstGeom>
+          <a:noFill/>
+        </p:spPr>
+        <p:txBody>
+          <a:bodyPr wrap="square" rtlCol="0">
+            <a:spAutoFit/>
+          </a:bodyPr>
+          <a:lstStyle/>
+          <a:p>
+            <a:pPr algn="r"/>
+            <a:r>
+              <a:rPr lang="en-US" sz="3600" dirty="0">
+                <a:solidFill>
+                  <a:schemeClr val="accent5"/>
+                </a:solidFill>
+              </a:rPr>
+              <a:t>Proof considers all 24 rounds in </a:t>
+            </a:r>
+            <a:r>
+              <a:rPr lang="en-US" sz="3600" dirty="0">
+                <a:solidFill>
+                  <a:schemeClr val="accent5"/>
+                </a:solidFill>
+                <a:latin typeface="Copperplate" panose="02000504000000020004" pitchFamily="2" charset="77"/>
+              </a:rPr>
+              <a:t>Keccak</a:t>
+            </a:r>
+            <a:endParaRPr lang="en-US" sz="3600" dirty="0">
+              <a:solidFill>
+                <a:schemeClr val="accent5"/>
+              </a:solidFill>
+            </a:endParaRPr>
+          </a:p>
+        </p:txBody>
+      </p:sp>
     </p:spTree>
     <p:extLst>
       <p:ext uri="{BB962C8B-B14F-4D97-AF65-F5344CB8AC3E}">
@@ -13190,6 +16335,1405 @@
       <p:bldP spid="5" grpId="0" animBg="1"/>
     </p:bldLst>
   </p:timing>
+</p:sld>
+</file>
+
+<file path=ppt/slides/slide18.xml><?xml version="1.0" encoding="utf-8"?>
+<p:sld xmlns:a="http://schemas.openxmlformats.org/drawingml/2006/main" xmlns:r="http://schemas.openxmlformats.org/officeDocument/2006/relationships" xmlns:p="http://schemas.openxmlformats.org/presentationml/2006/main">
+  <p:cSld>
+    <p:spTree>
+      <p:nvGrpSpPr>
+        <p:cNvPr id="1" name=""/>
+        <p:cNvGrpSpPr/>
+        <p:nvPr/>
+      </p:nvGrpSpPr>
+      <p:grpSpPr>
+        <a:xfrm>
+          <a:off x="0" y="0"/>
+          <a:ext cx="0" cy="0"/>
+          <a:chOff x="0" y="0"/>
+          <a:chExt cx="0" cy="0"/>
+        </a:xfrm>
+      </p:grpSpPr>
+      <p:sp>
+        <p:nvSpPr>
+          <p:cNvPr id="2" name="Title 1">
+            <a:extLst>
+              <a:ext uri="{FF2B5EF4-FFF2-40B4-BE49-F238E27FC236}">
+                <a16:creationId xmlns:a16="http://schemas.microsoft.com/office/drawing/2014/main" id="{682E857E-861E-AC4D-A316-9B5225759792}"/>
+              </a:ext>
+            </a:extLst>
+          </p:cNvPr>
+          <p:cNvSpPr>
+            <a:spLocks noGrp="1"/>
+          </p:cNvSpPr>
+          <p:nvPr>
+            <p:ph type="title"/>
+          </p:nvPr>
+        </p:nvSpPr>
+        <p:spPr/>
+        <p:txBody>
+          <a:bodyPr/>
+          <a:lstStyle/>
+          <a:p>
+            <a:r>
+              <a:rPr lang="en-US" dirty="0"/>
+              <a:t>Runtimes and Lines of Code</a:t>
+            </a:r>
+          </a:p>
+        </p:txBody>
+      </p:sp>
+      <mc:AlternateContent xmlns:mc="http://schemas.openxmlformats.org/markup-compatibility/2006">
+        <mc:Choice xmlns:a14="http://schemas.microsoft.com/office/drawing/2010/main" Requires="a14">
+          <p:graphicFrame>
+            <p:nvGraphicFramePr>
+              <p:cNvPr id="3" name="Table 3">
+                <a:extLst>
+                  <a:ext uri="{FF2B5EF4-FFF2-40B4-BE49-F238E27FC236}">
+                    <a16:creationId xmlns:a16="http://schemas.microsoft.com/office/drawing/2014/main" id="{8F6EF353-5F0E-3B44-BFC8-1DFC9E2D58B5}"/>
+                  </a:ext>
+                </a:extLst>
+              </p:cNvPr>
+              <p:cNvGraphicFramePr>
+                <a:graphicFrameLocks noGrp="1"/>
+              </p:cNvGraphicFramePr>
+              <p:nvPr>
+                <p:extLst>
+                  <p:ext uri="{D42A27DB-BD31-4B8C-83A1-F6EECF244321}">
+                    <p14:modId xmlns:p14="http://schemas.microsoft.com/office/powerpoint/2010/main" val="2407504857"/>
+                  </p:ext>
+                </p:extLst>
+              </p:nvPr>
+            </p:nvGraphicFramePr>
+            <p:xfrm>
+              <a:off x="2032000" y="2141417"/>
+              <a:ext cx="8128000" cy="3132248"/>
+            </p:xfrm>
+            <a:graphic>
+              <a:graphicData uri="http://schemas.openxmlformats.org/drawingml/2006/table">
+                <a:tbl>
+                  <a:tblPr firstRow="1" bandRow="1">
+                    <a:tableStyleId>{5C22544A-7EE6-4342-B048-85BDC9FD1C3A}</a:tableStyleId>
+                  </a:tblPr>
+                  <a:tblGrid>
+                    <a:gridCol w="1625600">
+                      <a:extLst>
+                        <a:ext uri="{9D8B030D-6E8A-4147-A177-3AD203B41FA5}">
+                          <a16:colId xmlns:a16="http://schemas.microsoft.com/office/drawing/2014/main" val="2879735117"/>
+                        </a:ext>
+                      </a:extLst>
+                    </a:gridCol>
+                    <a:gridCol w="1625600">
+                      <a:extLst>
+                        <a:ext uri="{9D8B030D-6E8A-4147-A177-3AD203B41FA5}">
+                          <a16:colId xmlns:a16="http://schemas.microsoft.com/office/drawing/2014/main" val="2164817480"/>
+                        </a:ext>
+                      </a:extLst>
+                    </a:gridCol>
+                    <a:gridCol w="1625600">
+                      <a:extLst>
+                        <a:ext uri="{9D8B030D-6E8A-4147-A177-3AD203B41FA5}">
+                          <a16:colId xmlns:a16="http://schemas.microsoft.com/office/drawing/2014/main" val="1245300551"/>
+                        </a:ext>
+                      </a:extLst>
+                    </a:gridCol>
+                    <a:gridCol w="1625600">
+                      <a:extLst>
+                        <a:ext uri="{9D8B030D-6E8A-4147-A177-3AD203B41FA5}">
+                          <a16:colId xmlns:a16="http://schemas.microsoft.com/office/drawing/2014/main" val="545532321"/>
+                        </a:ext>
+                      </a:extLst>
+                    </a:gridCol>
+                    <a:gridCol w="1625600">
+                      <a:extLst>
+                        <a:ext uri="{9D8B030D-6E8A-4147-A177-3AD203B41FA5}">
+                          <a16:colId xmlns:a16="http://schemas.microsoft.com/office/drawing/2014/main" val="3834621358"/>
+                        </a:ext>
+                      </a:extLst>
+                    </a:gridCol>
+                  </a:tblGrid>
+                  <a:tr h="389048">
+                    <a:tc>
+                      <a:txBody>
+                        <a:bodyPr/>
+                        <a:lstStyle/>
+                        <a:p>
+                          <a:r>
+                            <a:rPr lang="en-US" dirty="0"/>
+                            <a:t>Function</a:t>
+                          </a:r>
+                        </a:p>
+                      </a:txBody>
+                      <a:tcPr/>
+                    </a:tc>
+                    <a:tc>
+                      <a:txBody>
+                        <a:bodyPr/>
+                        <a:lstStyle/>
+                        <a:p>
+                          <a:r>
+                            <a:rPr lang="en-US" dirty="0" err="1"/>
+                            <a:t>Yices</a:t>
+                          </a:r>
+                          <a:r>
+                            <a:rPr lang="en-US" dirty="0"/>
+                            <a:t> (seconds)</a:t>
+                          </a:r>
+                        </a:p>
+                      </a:txBody>
+                      <a:tcPr/>
+                    </a:tc>
+                    <a:tc>
+                      <a:txBody>
+                        <a:bodyPr/>
+                        <a:lstStyle/>
+                        <a:p>
+                          <a:r>
+                            <a:rPr lang="en-US" dirty="0" err="1"/>
+                            <a:t>Abc</a:t>
+                          </a:r>
+                          <a:r>
+                            <a:rPr lang="en-US" dirty="0"/>
+                            <a:t> (seconds)</a:t>
+                          </a:r>
+                        </a:p>
+                      </a:txBody>
+                      <a:tcPr/>
+                    </a:tc>
+                    <a:tc>
+                      <a:txBody>
+                        <a:bodyPr/>
+                        <a:lstStyle/>
+                        <a:p>
+                          <a:r>
+                            <a:rPr lang="en-US" dirty="0" err="1"/>
+                            <a:t>Cryptol</a:t>
+                          </a:r>
+                          <a:r>
+                            <a:rPr lang="en-US" dirty="0"/>
+                            <a:t> (LOCs)</a:t>
+                          </a:r>
+                        </a:p>
+                      </a:txBody>
+                      <a:tcPr/>
+                    </a:tc>
+                    <a:tc>
+                      <a:txBody>
+                        <a:bodyPr/>
+                        <a:lstStyle/>
+                        <a:p>
+                          <a:r>
+                            <a:rPr lang="en-US" dirty="0"/>
+                            <a:t>C (LOCs)</a:t>
+                          </a:r>
+                        </a:p>
+                      </a:txBody>
+                      <a:tcPr/>
+                    </a:tc>
+                    <a:extLst>
+                      <a:ext uri="{0D108BD9-81ED-4DB2-BD59-A6C34878D82A}">
+                        <a16:rowId xmlns:a16="http://schemas.microsoft.com/office/drawing/2014/main" val="669597279"/>
+                      </a:ext>
+                    </a:extLst>
+                  </a:tr>
+                  <a:tr h="370840">
+                    <a:tc>
+                      <a:txBody>
+                        <a:bodyPr/>
+                        <a:lstStyle/>
+                        <a:p>
+                          <a:pPr/>
+                          <a14:m>
+                            <m:oMathPara xmlns:m="http://schemas.openxmlformats.org/officeDocument/2006/math">
+                              <m:oMathParaPr>
+                                <m:jc m:val="left"/>
+                              </m:oMathParaPr>
+                              <m:oMath xmlns:m="http://schemas.openxmlformats.org/officeDocument/2006/math">
+                                <m:r>
+                                  <a:rPr lang="en-US" sz="2400" i="1" smtClean="0">
+                                    <a:latin typeface="Cambria Math" panose="02040503050406030204" pitchFamily="18" charset="0"/>
+                                    <a:ea typeface="Cambria Math" panose="02040503050406030204" pitchFamily="18" charset="0"/>
+                                  </a:rPr>
+                                  <m:t>𝜃</m:t>
+                                </m:r>
+                              </m:oMath>
+                            </m:oMathPara>
+                          </a14:m>
+                          <a:endParaRPr lang="en-US" sz="2400" dirty="0"/>
+                        </a:p>
+                      </a:txBody>
+                      <a:tcPr/>
+                    </a:tc>
+                    <a:tc>
+                      <a:txBody>
+                        <a:bodyPr/>
+                        <a:lstStyle/>
+                        <a:p>
+                          <a:r>
+                            <a:rPr lang="en-US" sz="2400" dirty="0"/>
+                            <a:t>0.9</a:t>
+                          </a:r>
+                        </a:p>
+                      </a:txBody>
+                      <a:tcPr/>
+                    </a:tc>
+                    <a:tc>
+                      <a:txBody>
+                        <a:bodyPr/>
+                        <a:lstStyle/>
+                        <a:p>
+                          <a:r>
+                            <a:rPr lang="en-US" sz="2400" dirty="0"/>
+                            <a:t>0.4</a:t>
+                          </a:r>
+                        </a:p>
+                      </a:txBody>
+                      <a:tcPr/>
+                    </a:tc>
+                    <a:tc>
+                      <a:txBody>
+                        <a:bodyPr/>
+                        <a:lstStyle/>
+                        <a:p>
+                          <a:r>
+                            <a:rPr lang="en-US" sz="2400" dirty="0"/>
+                            <a:t>7 </a:t>
+                          </a:r>
+                        </a:p>
+                      </a:txBody>
+                      <a:tcPr/>
+                    </a:tc>
+                    <a:tc>
+                      <a:txBody>
+                        <a:bodyPr/>
+                        <a:lstStyle/>
+                        <a:p>
+                          <a:r>
+                            <a:rPr lang="en-US" sz="2400" dirty="0"/>
+                            <a:t>35</a:t>
+                          </a:r>
+                        </a:p>
+                      </a:txBody>
+                      <a:tcPr/>
+                    </a:tc>
+                    <a:extLst>
+                      <a:ext uri="{0D108BD9-81ED-4DB2-BD59-A6C34878D82A}">
+                        <a16:rowId xmlns:a16="http://schemas.microsoft.com/office/drawing/2014/main" val="3167975065"/>
+                      </a:ext>
+                    </a:extLst>
+                  </a:tr>
+                  <a:tr h="370840">
+                    <a:tc>
+                      <a:txBody>
+                        <a:bodyPr/>
+                        <a:lstStyle/>
+                        <a:p>
+                          <a:pPr/>
+                          <a14:m>
+                            <m:oMathPara xmlns:m="http://schemas.openxmlformats.org/officeDocument/2006/math">
+                              <m:oMathParaPr>
+                                <m:jc m:val="left"/>
+                              </m:oMathParaPr>
+                              <m:oMath xmlns:m="http://schemas.openxmlformats.org/officeDocument/2006/math">
+                                <m:r>
+                                  <a:rPr lang="en-US" sz="2400" i="1" smtClean="0">
+                                    <a:latin typeface="Cambria Math" panose="02040503050406030204" pitchFamily="18" charset="0"/>
+                                    <a:ea typeface="Cambria Math" panose="02040503050406030204" pitchFamily="18" charset="0"/>
+                                  </a:rPr>
+                                  <m:t>𝜌</m:t>
+                                </m:r>
+                              </m:oMath>
+                            </m:oMathPara>
+                          </a14:m>
+                          <a:endParaRPr lang="en-US" sz="2400" dirty="0"/>
+                        </a:p>
+                      </a:txBody>
+                      <a:tcPr/>
+                    </a:tc>
+                    <a:tc>
+                      <a:txBody>
+                        <a:bodyPr/>
+                        <a:lstStyle/>
+                        <a:p>
+                          <a:r>
+                            <a:rPr lang="en-US" sz="2400" dirty="0"/>
+                            <a:t>4.5</a:t>
+                          </a:r>
+                        </a:p>
+                      </a:txBody>
+                      <a:tcPr/>
+                    </a:tc>
+                    <a:tc>
+                      <a:txBody>
+                        <a:bodyPr/>
+                        <a:lstStyle/>
+                        <a:p>
+                          <a:r>
+                            <a:rPr lang="en-US" sz="2400" dirty="0"/>
+                            <a:t>5.9</a:t>
+                          </a:r>
+                        </a:p>
+                      </a:txBody>
+                      <a:tcPr/>
+                    </a:tc>
+                    <a:tc>
+                      <a:txBody>
+                        <a:bodyPr/>
+                        <a:lstStyle/>
+                        <a:p>
+                          <a:r>
+                            <a:rPr lang="en-US" sz="2400" dirty="0"/>
+                            <a:t>19</a:t>
+                          </a:r>
+                        </a:p>
+                      </a:txBody>
+                      <a:tcPr/>
+                    </a:tc>
+                    <a:tc>
+                      <a:txBody>
+                        <a:bodyPr/>
+                        <a:lstStyle/>
+                        <a:p>
+                          <a:r>
+                            <a:rPr lang="en-US" sz="2400" dirty="0"/>
+                            <a:t>41</a:t>
+                          </a:r>
+                        </a:p>
+                      </a:txBody>
+                      <a:tcPr/>
+                    </a:tc>
+                    <a:extLst>
+                      <a:ext uri="{0D108BD9-81ED-4DB2-BD59-A6C34878D82A}">
+                        <a16:rowId xmlns:a16="http://schemas.microsoft.com/office/drawing/2014/main" val="2140319325"/>
+                      </a:ext>
+                    </a:extLst>
+                  </a:tr>
+                  <a:tr h="370840">
+                    <a:tc>
+                      <a:txBody>
+                        <a:bodyPr/>
+                        <a:lstStyle/>
+                        <a:p>
+                          <a:pPr/>
+                          <a14:m>
+                            <m:oMathPara xmlns:m="http://schemas.openxmlformats.org/officeDocument/2006/math">
+                              <m:oMathParaPr>
+                                <m:jc m:val="left"/>
+                              </m:oMathParaPr>
+                              <m:oMath xmlns:m="http://schemas.openxmlformats.org/officeDocument/2006/math">
+                                <m:r>
+                                  <a:rPr lang="en-US" sz="2400" i="1" smtClean="0">
+                                    <a:latin typeface="Cambria Math" panose="02040503050406030204" pitchFamily="18" charset="0"/>
+                                    <a:ea typeface="Cambria Math" panose="02040503050406030204" pitchFamily="18" charset="0"/>
+                                  </a:rPr>
+                                  <m:t>𝜋</m:t>
+                                </m:r>
+                              </m:oMath>
+                            </m:oMathPara>
+                          </a14:m>
+                          <a:endParaRPr lang="en-US" sz="2400" dirty="0"/>
+                        </a:p>
+                      </a:txBody>
+                      <a:tcPr/>
+                    </a:tc>
+                    <a:tc>
+                      <a:txBody>
+                        <a:bodyPr/>
+                        <a:lstStyle/>
+                        <a:p>
+                          <a:r>
+                            <a:rPr lang="en-US" sz="2400" dirty="0"/>
+                            <a:t>25.9</a:t>
+                          </a:r>
+                        </a:p>
+                      </a:txBody>
+                      <a:tcPr/>
+                    </a:tc>
+                    <a:tc>
+                      <a:txBody>
+                        <a:bodyPr/>
+                        <a:lstStyle/>
+                        <a:p>
+                          <a:r>
+                            <a:rPr lang="en-US" sz="2400" dirty="0"/>
+                            <a:t>14.9</a:t>
+                          </a:r>
+                        </a:p>
+                      </a:txBody>
+                      <a:tcPr/>
+                    </a:tc>
+                    <a:tc>
+                      <a:txBody>
+                        <a:bodyPr/>
+                        <a:lstStyle/>
+                        <a:p>
+                          <a:r>
+                            <a:rPr lang="en-US" sz="2400" dirty="0"/>
+                            <a:t>17</a:t>
+                          </a:r>
+                        </a:p>
+                      </a:txBody>
+                      <a:tcPr/>
+                    </a:tc>
+                    <a:tc>
+                      <a:txBody>
+                        <a:bodyPr/>
+                        <a:lstStyle/>
+                        <a:p>
+                          <a:r>
+                            <a:rPr lang="en-US" sz="2400" dirty="0"/>
+                            <a:t>55</a:t>
+                          </a:r>
+                        </a:p>
+                      </a:txBody>
+                      <a:tcPr/>
+                    </a:tc>
+                    <a:extLst>
+                      <a:ext uri="{0D108BD9-81ED-4DB2-BD59-A6C34878D82A}">
+                        <a16:rowId xmlns:a16="http://schemas.microsoft.com/office/drawing/2014/main" val="2579932726"/>
+                      </a:ext>
+                    </a:extLst>
+                  </a:tr>
+                  <a:tr h="370840">
+                    <a:tc>
+                      <a:txBody>
+                        <a:bodyPr/>
+                        <a:lstStyle/>
+                        <a:p>
+                          <a:pPr marL="0" marR="0" lvl="0" indent="0" algn="l" defTabSz="914400" rtl="0" eaLnBrk="1" fontAlgn="auto" latinLnBrk="0" hangingPunct="1">
+                            <a:lnSpc>
+                              <a:spcPct val="100000"/>
+                            </a:lnSpc>
+                            <a:spcBef>
+                              <a:spcPts val="0"/>
+                            </a:spcBef>
+                            <a:spcAft>
+                              <a:spcPts val="0"/>
+                            </a:spcAft>
+                            <a:buClrTx/>
+                            <a:buSzTx/>
+                            <a:buFontTx/>
+                            <a:buNone/>
+                            <a:tabLst/>
+                            <a:defRPr/>
+                          </a:pPr>
+                          <a14:m>
+                            <m:oMathPara xmlns:m="http://schemas.openxmlformats.org/officeDocument/2006/math">
+                              <m:oMathParaPr>
+                                <m:jc m:val="left"/>
+                              </m:oMathParaPr>
+                              <m:oMath xmlns:m="http://schemas.openxmlformats.org/officeDocument/2006/math">
+                                <m:r>
+                                  <a:rPr lang="en-US" sz="2400" i="1" smtClean="0">
+                                    <a:latin typeface="Cambria Math" panose="02040503050406030204" pitchFamily="18" charset="0"/>
+                                    <a:ea typeface="Cambria Math" panose="02040503050406030204" pitchFamily="18" charset="0"/>
+                                  </a:rPr>
+                                  <m:t>𝜒</m:t>
+                                </m:r>
+                              </m:oMath>
+                            </m:oMathPara>
+                          </a14:m>
+                          <a:endParaRPr lang="en-US" sz="2400" dirty="0"/>
+                        </a:p>
+                      </a:txBody>
+                      <a:tcPr/>
+                    </a:tc>
+                    <a:tc>
+                      <a:txBody>
+                        <a:bodyPr/>
+                        <a:lstStyle/>
+                        <a:p>
+                          <a:r>
+                            <a:rPr lang="en-US" sz="2400" dirty="0"/>
+                            <a:t>5.1</a:t>
+                          </a:r>
+                        </a:p>
+                      </a:txBody>
+                      <a:tcPr/>
+                    </a:tc>
+                    <a:tc>
+                      <a:txBody>
+                        <a:bodyPr/>
+                        <a:lstStyle/>
+                        <a:p>
+                          <a:r>
+                            <a:rPr lang="en-US" sz="2400" dirty="0"/>
+                            <a:t>1.3</a:t>
+                          </a:r>
+                        </a:p>
+                      </a:txBody>
+                      <a:tcPr/>
+                    </a:tc>
+                    <a:tc>
+                      <a:txBody>
+                        <a:bodyPr/>
+                        <a:lstStyle/>
+                        <a:p>
+                          <a:r>
+                            <a:rPr lang="en-US" sz="2400" dirty="0"/>
+                            <a:t>7</a:t>
+                          </a:r>
+                        </a:p>
+                      </a:txBody>
+                      <a:tcPr/>
+                    </a:tc>
+                    <a:tc>
+                      <a:txBody>
+                        <a:bodyPr/>
+                        <a:lstStyle/>
+                        <a:p>
+                          <a:r>
+                            <a:rPr lang="en-US" sz="2400" dirty="0"/>
+                            <a:t>18</a:t>
+                          </a:r>
+                        </a:p>
+                      </a:txBody>
+                      <a:tcPr/>
+                    </a:tc>
+                    <a:extLst>
+                      <a:ext uri="{0D108BD9-81ED-4DB2-BD59-A6C34878D82A}">
+                        <a16:rowId xmlns:a16="http://schemas.microsoft.com/office/drawing/2014/main" val="1739855429"/>
+                      </a:ext>
+                    </a:extLst>
+                  </a:tr>
+                  <a:tr h="370840">
+                    <a:tc>
+                      <a:txBody>
+                        <a:bodyPr/>
+                        <a:lstStyle/>
+                        <a:p>
+                          <a:pPr/>
+                          <a14:m>
+                            <m:oMathPara xmlns:m="http://schemas.openxmlformats.org/officeDocument/2006/math">
+                              <m:oMathParaPr>
+                                <m:jc m:val="left"/>
+                              </m:oMathParaPr>
+                              <m:oMath xmlns:m="http://schemas.openxmlformats.org/officeDocument/2006/math">
+                                <m:r>
+                                  <a:rPr lang="en-US" sz="2400" i="1" smtClean="0">
+                                    <a:latin typeface="Cambria Math" panose="02040503050406030204" pitchFamily="18" charset="0"/>
+                                    <a:ea typeface="Cambria Math" panose="02040503050406030204" pitchFamily="18" charset="0"/>
+                                  </a:rPr>
+                                  <m:t>𝜄</m:t>
+                                </m:r>
+                              </m:oMath>
+                            </m:oMathPara>
+                          </a14:m>
+                          <a:endParaRPr lang="en-US" sz="2400" dirty="0"/>
+                        </a:p>
+                      </a:txBody>
+                      <a:tcPr/>
+                    </a:tc>
+                    <a:tc>
+                      <a:txBody>
+                        <a:bodyPr/>
+                        <a:lstStyle/>
+                        <a:p>
+                          <a:r>
+                            <a:rPr lang="en-US" sz="2400" dirty="0"/>
+                            <a:t>11.0</a:t>
+                          </a:r>
+                        </a:p>
+                      </a:txBody>
+                      <a:tcPr/>
+                    </a:tc>
+                    <a:tc>
+                      <a:txBody>
+                        <a:bodyPr/>
+                        <a:lstStyle/>
+                        <a:p>
+                          <a:r>
+                            <a:rPr lang="en-US" sz="2400" dirty="0"/>
+                            <a:t>612.5</a:t>
+                          </a:r>
+                        </a:p>
+                      </a:txBody>
+                      <a:tcPr/>
+                    </a:tc>
+                    <a:tc>
+                      <a:txBody>
+                        <a:bodyPr/>
+                        <a:lstStyle/>
+                        <a:p>
+                          <a:r>
+                            <a:rPr lang="en-US" sz="2400" dirty="0"/>
+                            <a:t>37</a:t>
+                          </a:r>
+                        </a:p>
+                      </a:txBody>
+                      <a:tcPr/>
+                    </a:tc>
+                    <a:tc>
+                      <a:txBody>
+                        <a:bodyPr/>
+                        <a:lstStyle/>
+                        <a:p>
+                          <a:r>
+                            <a:rPr lang="en-US" sz="2400" dirty="0"/>
+                            <a:t>31</a:t>
+                          </a:r>
+                        </a:p>
+                      </a:txBody>
+                      <a:tcPr/>
+                    </a:tc>
+                    <a:extLst>
+                      <a:ext uri="{0D108BD9-81ED-4DB2-BD59-A6C34878D82A}">
+                        <a16:rowId xmlns:a16="http://schemas.microsoft.com/office/drawing/2014/main" val="840066752"/>
+                      </a:ext>
+                    </a:extLst>
+                  </a:tr>
+                  <a:tr h="370840">
+                    <a:tc>
+                      <a:txBody>
+                        <a:bodyPr/>
+                        <a:lstStyle/>
+                        <a:p>
+                          <a:r>
+                            <a:rPr lang="en-US" sz="2400" dirty="0">
+                              <a:latin typeface="Copperplate" panose="02000504000000020004" pitchFamily="2" charset="77"/>
+                            </a:rPr>
+                            <a:t>Keccak*</a:t>
+                          </a:r>
+                          <a:endParaRPr lang="en-US" sz="2400" dirty="0"/>
+                        </a:p>
+                      </a:txBody>
+                      <a:tcPr/>
+                    </a:tc>
+                    <a:tc>
+                      <a:txBody>
+                        <a:bodyPr/>
+                        <a:lstStyle/>
+                        <a:p>
+                          <a:r>
+                            <a:rPr lang="en-US" sz="2400" dirty="0"/>
+                            <a:t>745.2</a:t>
+                          </a:r>
+                        </a:p>
+                      </a:txBody>
+                      <a:tcPr/>
+                    </a:tc>
+                    <a:tc>
+                      <a:txBody>
+                        <a:bodyPr/>
+                        <a:lstStyle/>
+                        <a:p>
+                          <a:r>
+                            <a:rPr lang="en-US" sz="2400" dirty="0"/>
+                            <a:t>2910.5</a:t>
+                          </a:r>
+                        </a:p>
+                      </a:txBody>
+                      <a:tcPr/>
+                    </a:tc>
+                    <a:tc>
+                      <a:txBody>
+                        <a:bodyPr/>
+                        <a:lstStyle/>
+                        <a:p>
+                          <a:r>
+                            <a:rPr lang="en-US" sz="2400" dirty="0"/>
+                            <a:t>93</a:t>
+                          </a:r>
+                        </a:p>
+                      </a:txBody>
+                      <a:tcPr/>
+                    </a:tc>
+                    <a:tc>
+                      <a:txBody>
+                        <a:bodyPr/>
+                        <a:lstStyle/>
+                        <a:p>
+                          <a:r>
+                            <a:rPr lang="en-US" sz="2400" dirty="0"/>
+                            <a:t>129</a:t>
+                          </a:r>
+                        </a:p>
+                      </a:txBody>
+                      <a:tcPr/>
+                    </a:tc>
+                    <a:extLst>
+                      <a:ext uri="{0D108BD9-81ED-4DB2-BD59-A6C34878D82A}">
+                        <a16:rowId xmlns:a16="http://schemas.microsoft.com/office/drawing/2014/main" val="2835924756"/>
+                      </a:ext>
+                    </a:extLst>
+                  </a:tr>
+                </a:tbl>
+              </a:graphicData>
+            </a:graphic>
+          </p:graphicFrame>
+        </mc:Choice>
+        <mc:Fallback>
+          <p:graphicFrame>
+            <p:nvGraphicFramePr>
+              <p:cNvPr id="3" name="Table 3">
+                <a:extLst>
+                  <a:ext uri="{FF2B5EF4-FFF2-40B4-BE49-F238E27FC236}">
+                    <a16:creationId xmlns:a16="http://schemas.microsoft.com/office/drawing/2014/main" id="{8F6EF353-5F0E-3B44-BFC8-1DFC9E2D58B5}"/>
+                  </a:ext>
+                </a:extLst>
+              </p:cNvPr>
+              <p:cNvGraphicFramePr>
+                <a:graphicFrameLocks noGrp="1"/>
+              </p:cNvGraphicFramePr>
+              <p:nvPr>
+                <p:extLst>
+                  <p:ext uri="{D42A27DB-BD31-4B8C-83A1-F6EECF244321}">
+                    <p14:modId xmlns:p14="http://schemas.microsoft.com/office/powerpoint/2010/main" val="2407504857"/>
+                  </p:ext>
+                </p:extLst>
+              </p:nvPr>
+            </p:nvGraphicFramePr>
+            <p:xfrm>
+              <a:off x="2032000" y="2141417"/>
+              <a:ext cx="8128000" cy="3132248"/>
+            </p:xfrm>
+            <a:graphic>
+              <a:graphicData uri="http://schemas.openxmlformats.org/drawingml/2006/table">
+                <a:tbl>
+                  <a:tblPr firstRow="1" bandRow="1">
+                    <a:tableStyleId>{5C22544A-7EE6-4342-B048-85BDC9FD1C3A}</a:tableStyleId>
+                  </a:tblPr>
+                  <a:tblGrid>
+                    <a:gridCol w="1625600">
+                      <a:extLst>
+                        <a:ext uri="{9D8B030D-6E8A-4147-A177-3AD203B41FA5}">
+                          <a16:colId xmlns:a16="http://schemas.microsoft.com/office/drawing/2014/main" val="2879735117"/>
+                        </a:ext>
+                      </a:extLst>
+                    </a:gridCol>
+                    <a:gridCol w="1625600">
+                      <a:extLst>
+                        <a:ext uri="{9D8B030D-6E8A-4147-A177-3AD203B41FA5}">
+                          <a16:colId xmlns:a16="http://schemas.microsoft.com/office/drawing/2014/main" val="2164817480"/>
+                        </a:ext>
+                      </a:extLst>
+                    </a:gridCol>
+                    <a:gridCol w="1625600">
+                      <a:extLst>
+                        <a:ext uri="{9D8B030D-6E8A-4147-A177-3AD203B41FA5}">
+                          <a16:colId xmlns:a16="http://schemas.microsoft.com/office/drawing/2014/main" val="1245300551"/>
+                        </a:ext>
+                      </a:extLst>
+                    </a:gridCol>
+                    <a:gridCol w="1625600">
+                      <a:extLst>
+                        <a:ext uri="{9D8B030D-6E8A-4147-A177-3AD203B41FA5}">
+                          <a16:colId xmlns:a16="http://schemas.microsoft.com/office/drawing/2014/main" val="545532321"/>
+                        </a:ext>
+                      </a:extLst>
+                    </a:gridCol>
+                    <a:gridCol w="1625600">
+                      <a:extLst>
+                        <a:ext uri="{9D8B030D-6E8A-4147-A177-3AD203B41FA5}">
+                          <a16:colId xmlns:a16="http://schemas.microsoft.com/office/drawing/2014/main" val="3834621358"/>
+                        </a:ext>
+                      </a:extLst>
+                    </a:gridCol>
+                  </a:tblGrid>
+                  <a:tr h="389048">
+                    <a:tc>
+                      <a:txBody>
+                        <a:bodyPr/>
+                        <a:lstStyle/>
+                        <a:p>
+                          <a:r>
+                            <a:rPr lang="en-US" dirty="0"/>
+                            <a:t>Function</a:t>
+                          </a:r>
+                        </a:p>
+                      </a:txBody>
+                      <a:tcPr/>
+                    </a:tc>
+                    <a:tc>
+                      <a:txBody>
+                        <a:bodyPr/>
+                        <a:lstStyle/>
+                        <a:p>
+                          <a:r>
+                            <a:rPr lang="en-US" dirty="0" err="1"/>
+                            <a:t>Yices</a:t>
+                          </a:r>
+                          <a:r>
+                            <a:rPr lang="en-US" dirty="0"/>
+                            <a:t> (seconds)</a:t>
+                          </a:r>
+                        </a:p>
+                      </a:txBody>
+                      <a:tcPr/>
+                    </a:tc>
+                    <a:tc>
+                      <a:txBody>
+                        <a:bodyPr/>
+                        <a:lstStyle/>
+                        <a:p>
+                          <a:r>
+                            <a:rPr lang="en-US" dirty="0" err="1"/>
+                            <a:t>Abc</a:t>
+                          </a:r>
+                          <a:r>
+                            <a:rPr lang="en-US" dirty="0"/>
+                            <a:t> (seconds)</a:t>
+                          </a:r>
+                        </a:p>
+                      </a:txBody>
+                      <a:tcPr/>
+                    </a:tc>
+                    <a:tc>
+                      <a:txBody>
+                        <a:bodyPr/>
+                        <a:lstStyle/>
+                        <a:p>
+                          <a:r>
+                            <a:rPr lang="en-US" dirty="0" err="1"/>
+                            <a:t>Cryptol</a:t>
+                          </a:r>
+                          <a:r>
+                            <a:rPr lang="en-US" dirty="0"/>
+                            <a:t> (LOCs)</a:t>
+                          </a:r>
+                        </a:p>
+                      </a:txBody>
+                      <a:tcPr/>
+                    </a:tc>
+                    <a:tc>
+                      <a:txBody>
+                        <a:bodyPr/>
+                        <a:lstStyle/>
+                        <a:p>
+                          <a:r>
+                            <a:rPr lang="en-US" dirty="0"/>
+                            <a:t>C (LOCs)</a:t>
+                          </a:r>
+                        </a:p>
+                      </a:txBody>
+                      <a:tcPr/>
+                    </a:tc>
+                    <a:extLst>
+                      <a:ext uri="{0D108BD9-81ED-4DB2-BD59-A6C34878D82A}">
+                        <a16:rowId xmlns:a16="http://schemas.microsoft.com/office/drawing/2014/main" val="669597279"/>
+                      </a:ext>
+                    </a:extLst>
+                  </a:tr>
+                  <a:tr h="457200">
+                    <a:tc>
+                      <a:txBody>
+                        <a:bodyPr/>
+                        <a:lstStyle/>
+                        <a:p>
+                          <a:endParaRPr lang="en-US"/>
+                        </a:p>
+                      </a:txBody>
+                      <a:tcPr>
+                        <a:blipFill>
+                          <a:blip r:embed="rId2"/>
+                          <a:stretch>
+                            <a:fillRect l="-781" t="-91667" r="-402344" b="-533333"/>
+                          </a:stretch>
+                        </a:blipFill>
+                      </a:tcPr>
+                    </a:tc>
+                    <a:tc>
+                      <a:txBody>
+                        <a:bodyPr/>
+                        <a:lstStyle/>
+                        <a:p>
+                          <a:r>
+                            <a:rPr lang="en-US" sz="2400" dirty="0"/>
+                            <a:t>0.9</a:t>
+                          </a:r>
+                        </a:p>
+                      </a:txBody>
+                      <a:tcPr/>
+                    </a:tc>
+                    <a:tc>
+                      <a:txBody>
+                        <a:bodyPr/>
+                        <a:lstStyle/>
+                        <a:p>
+                          <a:r>
+                            <a:rPr lang="en-US" sz="2400" dirty="0"/>
+                            <a:t>0.4</a:t>
+                          </a:r>
+                        </a:p>
+                      </a:txBody>
+                      <a:tcPr/>
+                    </a:tc>
+                    <a:tc>
+                      <a:txBody>
+                        <a:bodyPr/>
+                        <a:lstStyle/>
+                        <a:p>
+                          <a:r>
+                            <a:rPr lang="en-US" sz="2400" dirty="0"/>
+                            <a:t>7 </a:t>
+                          </a:r>
+                        </a:p>
+                      </a:txBody>
+                      <a:tcPr/>
+                    </a:tc>
+                    <a:tc>
+                      <a:txBody>
+                        <a:bodyPr/>
+                        <a:lstStyle/>
+                        <a:p>
+                          <a:r>
+                            <a:rPr lang="en-US" sz="2400" dirty="0"/>
+                            <a:t>35</a:t>
+                          </a:r>
+                        </a:p>
+                      </a:txBody>
+                      <a:tcPr/>
+                    </a:tc>
+                    <a:extLst>
+                      <a:ext uri="{0D108BD9-81ED-4DB2-BD59-A6C34878D82A}">
+                        <a16:rowId xmlns:a16="http://schemas.microsoft.com/office/drawing/2014/main" val="3167975065"/>
+                      </a:ext>
+                    </a:extLst>
+                  </a:tr>
+                  <a:tr h="457200">
+                    <a:tc>
+                      <a:txBody>
+                        <a:bodyPr/>
+                        <a:lstStyle/>
+                        <a:p>
+                          <a:endParaRPr lang="en-US"/>
+                        </a:p>
+                      </a:txBody>
+                      <a:tcPr>
+                        <a:blipFill>
+                          <a:blip r:embed="rId2"/>
+                          <a:stretch>
+                            <a:fillRect l="-781" t="-191667" r="-402344" b="-433333"/>
+                          </a:stretch>
+                        </a:blipFill>
+                      </a:tcPr>
+                    </a:tc>
+                    <a:tc>
+                      <a:txBody>
+                        <a:bodyPr/>
+                        <a:lstStyle/>
+                        <a:p>
+                          <a:r>
+                            <a:rPr lang="en-US" sz="2400" dirty="0"/>
+                            <a:t>4.5</a:t>
+                          </a:r>
+                        </a:p>
+                      </a:txBody>
+                      <a:tcPr/>
+                    </a:tc>
+                    <a:tc>
+                      <a:txBody>
+                        <a:bodyPr/>
+                        <a:lstStyle/>
+                        <a:p>
+                          <a:r>
+                            <a:rPr lang="en-US" sz="2400" dirty="0"/>
+                            <a:t>5.9</a:t>
+                          </a:r>
+                        </a:p>
+                      </a:txBody>
+                      <a:tcPr/>
+                    </a:tc>
+                    <a:tc>
+                      <a:txBody>
+                        <a:bodyPr/>
+                        <a:lstStyle/>
+                        <a:p>
+                          <a:r>
+                            <a:rPr lang="en-US" sz="2400" dirty="0"/>
+                            <a:t>19</a:t>
+                          </a:r>
+                        </a:p>
+                      </a:txBody>
+                      <a:tcPr/>
+                    </a:tc>
+                    <a:tc>
+                      <a:txBody>
+                        <a:bodyPr/>
+                        <a:lstStyle/>
+                        <a:p>
+                          <a:r>
+                            <a:rPr lang="en-US" sz="2400" dirty="0"/>
+                            <a:t>41</a:t>
+                          </a:r>
+                        </a:p>
+                      </a:txBody>
+                      <a:tcPr/>
+                    </a:tc>
+                    <a:extLst>
+                      <a:ext uri="{0D108BD9-81ED-4DB2-BD59-A6C34878D82A}">
+                        <a16:rowId xmlns:a16="http://schemas.microsoft.com/office/drawing/2014/main" val="2140319325"/>
+                      </a:ext>
+                    </a:extLst>
+                  </a:tr>
+                  <a:tr h="457200">
+                    <a:tc>
+                      <a:txBody>
+                        <a:bodyPr/>
+                        <a:lstStyle/>
+                        <a:p>
+                          <a:endParaRPr lang="en-US"/>
+                        </a:p>
+                      </a:txBody>
+                      <a:tcPr>
+                        <a:blipFill>
+                          <a:blip r:embed="rId2"/>
+                          <a:stretch>
+                            <a:fillRect l="-781" t="-291667" r="-402344" b="-333333"/>
+                          </a:stretch>
+                        </a:blipFill>
+                      </a:tcPr>
+                    </a:tc>
+                    <a:tc>
+                      <a:txBody>
+                        <a:bodyPr/>
+                        <a:lstStyle/>
+                        <a:p>
+                          <a:r>
+                            <a:rPr lang="en-US" sz="2400" dirty="0"/>
+                            <a:t>25.9</a:t>
+                          </a:r>
+                        </a:p>
+                      </a:txBody>
+                      <a:tcPr/>
+                    </a:tc>
+                    <a:tc>
+                      <a:txBody>
+                        <a:bodyPr/>
+                        <a:lstStyle/>
+                        <a:p>
+                          <a:r>
+                            <a:rPr lang="en-US" sz="2400" dirty="0"/>
+                            <a:t>14.9</a:t>
+                          </a:r>
+                        </a:p>
+                      </a:txBody>
+                      <a:tcPr/>
+                    </a:tc>
+                    <a:tc>
+                      <a:txBody>
+                        <a:bodyPr/>
+                        <a:lstStyle/>
+                        <a:p>
+                          <a:r>
+                            <a:rPr lang="en-US" sz="2400" dirty="0"/>
+                            <a:t>17</a:t>
+                          </a:r>
+                        </a:p>
+                      </a:txBody>
+                      <a:tcPr/>
+                    </a:tc>
+                    <a:tc>
+                      <a:txBody>
+                        <a:bodyPr/>
+                        <a:lstStyle/>
+                        <a:p>
+                          <a:r>
+                            <a:rPr lang="en-US" sz="2400" dirty="0"/>
+                            <a:t>55</a:t>
+                          </a:r>
+                        </a:p>
+                      </a:txBody>
+                      <a:tcPr/>
+                    </a:tc>
+                    <a:extLst>
+                      <a:ext uri="{0D108BD9-81ED-4DB2-BD59-A6C34878D82A}">
+                        <a16:rowId xmlns:a16="http://schemas.microsoft.com/office/drawing/2014/main" val="2579932726"/>
+                      </a:ext>
+                    </a:extLst>
+                  </a:tr>
+                  <a:tr h="457200">
+                    <a:tc>
+                      <a:txBody>
+                        <a:bodyPr/>
+                        <a:lstStyle/>
+                        <a:p>
+                          <a:endParaRPr lang="en-US"/>
+                        </a:p>
+                      </a:txBody>
+                      <a:tcPr>
+                        <a:blipFill>
+                          <a:blip r:embed="rId2"/>
+                          <a:stretch>
+                            <a:fillRect l="-781" t="-381081" r="-402344" b="-224324"/>
+                          </a:stretch>
+                        </a:blipFill>
+                      </a:tcPr>
+                    </a:tc>
+                    <a:tc>
+                      <a:txBody>
+                        <a:bodyPr/>
+                        <a:lstStyle/>
+                        <a:p>
+                          <a:r>
+                            <a:rPr lang="en-US" sz="2400" dirty="0"/>
+                            <a:t>5.1</a:t>
+                          </a:r>
+                        </a:p>
+                      </a:txBody>
+                      <a:tcPr/>
+                    </a:tc>
+                    <a:tc>
+                      <a:txBody>
+                        <a:bodyPr/>
+                        <a:lstStyle/>
+                        <a:p>
+                          <a:r>
+                            <a:rPr lang="en-US" sz="2400" dirty="0"/>
+                            <a:t>1.3</a:t>
+                          </a:r>
+                        </a:p>
+                      </a:txBody>
+                      <a:tcPr/>
+                    </a:tc>
+                    <a:tc>
+                      <a:txBody>
+                        <a:bodyPr/>
+                        <a:lstStyle/>
+                        <a:p>
+                          <a:r>
+                            <a:rPr lang="en-US" sz="2400" dirty="0"/>
+                            <a:t>7</a:t>
+                          </a:r>
+                        </a:p>
+                      </a:txBody>
+                      <a:tcPr/>
+                    </a:tc>
+                    <a:tc>
+                      <a:txBody>
+                        <a:bodyPr/>
+                        <a:lstStyle/>
+                        <a:p>
+                          <a:r>
+                            <a:rPr lang="en-US" sz="2400" dirty="0"/>
+                            <a:t>18</a:t>
+                          </a:r>
+                        </a:p>
+                      </a:txBody>
+                      <a:tcPr/>
+                    </a:tc>
+                    <a:extLst>
+                      <a:ext uri="{0D108BD9-81ED-4DB2-BD59-A6C34878D82A}">
+                        <a16:rowId xmlns:a16="http://schemas.microsoft.com/office/drawing/2014/main" val="1739855429"/>
+                      </a:ext>
+                    </a:extLst>
+                  </a:tr>
+                  <a:tr h="457200">
+                    <a:tc>
+                      <a:txBody>
+                        <a:bodyPr/>
+                        <a:lstStyle/>
+                        <a:p>
+                          <a:endParaRPr lang="en-US"/>
+                        </a:p>
+                      </a:txBody>
+                      <a:tcPr>
+                        <a:blipFill>
+                          <a:blip r:embed="rId2"/>
+                          <a:stretch>
+                            <a:fillRect l="-781" t="-494444" r="-402344" b="-130556"/>
+                          </a:stretch>
+                        </a:blipFill>
+                      </a:tcPr>
+                    </a:tc>
+                    <a:tc>
+                      <a:txBody>
+                        <a:bodyPr/>
+                        <a:lstStyle/>
+                        <a:p>
+                          <a:r>
+                            <a:rPr lang="en-US" sz="2400" dirty="0"/>
+                            <a:t>11.0</a:t>
+                          </a:r>
+                        </a:p>
+                      </a:txBody>
+                      <a:tcPr/>
+                    </a:tc>
+                    <a:tc>
+                      <a:txBody>
+                        <a:bodyPr/>
+                        <a:lstStyle/>
+                        <a:p>
+                          <a:r>
+                            <a:rPr lang="en-US" sz="2400" dirty="0"/>
+                            <a:t>612.5</a:t>
+                          </a:r>
+                        </a:p>
+                      </a:txBody>
+                      <a:tcPr/>
+                    </a:tc>
+                    <a:tc>
+                      <a:txBody>
+                        <a:bodyPr/>
+                        <a:lstStyle/>
+                        <a:p>
+                          <a:r>
+                            <a:rPr lang="en-US" sz="2400" dirty="0"/>
+                            <a:t>37</a:t>
+                          </a:r>
+                        </a:p>
+                      </a:txBody>
+                      <a:tcPr/>
+                    </a:tc>
+                    <a:tc>
+                      <a:txBody>
+                        <a:bodyPr/>
+                        <a:lstStyle/>
+                        <a:p>
+                          <a:r>
+                            <a:rPr lang="en-US" sz="2400" dirty="0"/>
+                            <a:t>31</a:t>
+                          </a:r>
+                        </a:p>
+                      </a:txBody>
+                      <a:tcPr/>
+                    </a:tc>
+                    <a:extLst>
+                      <a:ext uri="{0D108BD9-81ED-4DB2-BD59-A6C34878D82A}">
+                        <a16:rowId xmlns:a16="http://schemas.microsoft.com/office/drawing/2014/main" val="840066752"/>
+                      </a:ext>
+                    </a:extLst>
+                  </a:tr>
+                  <a:tr h="457200">
+                    <a:tc>
+                      <a:txBody>
+                        <a:bodyPr/>
+                        <a:lstStyle/>
+                        <a:p>
+                          <a:r>
+                            <a:rPr lang="en-US" sz="2400" dirty="0">
+                              <a:latin typeface="Copperplate" panose="02000504000000020004" pitchFamily="2" charset="77"/>
+                            </a:rPr>
+                            <a:t>Keccak*</a:t>
+                          </a:r>
+                          <a:endParaRPr lang="en-US" sz="2400" dirty="0"/>
+                        </a:p>
+                      </a:txBody>
+                      <a:tcPr/>
+                    </a:tc>
+                    <a:tc>
+                      <a:txBody>
+                        <a:bodyPr/>
+                        <a:lstStyle/>
+                        <a:p>
+                          <a:r>
+                            <a:rPr lang="en-US" sz="2400" dirty="0"/>
+                            <a:t>745.2</a:t>
+                          </a:r>
+                        </a:p>
+                      </a:txBody>
+                      <a:tcPr/>
+                    </a:tc>
+                    <a:tc>
+                      <a:txBody>
+                        <a:bodyPr/>
+                        <a:lstStyle/>
+                        <a:p>
+                          <a:r>
+                            <a:rPr lang="en-US" sz="2400" dirty="0"/>
+                            <a:t>2910.5</a:t>
+                          </a:r>
+                        </a:p>
+                      </a:txBody>
+                      <a:tcPr/>
+                    </a:tc>
+                    <a:tc>
+                      <a:txBody>
+                        <a:bodyPr/>
+                        <a:lstStyle/>
+                        <a:p>
+                          <a:r>
+                            <a:rPr lang="en-US" sz="2400" dirty="0"/>
+                            <a:t>93</a:t>
+                          </a:r>
+                        </a:p>
+                      </a:txBody>
+                      <a:tcPr/>
+                    </a:tc>
+                    <a:tc>
+                      <a:txBody>
+                        <a:bodyPr/>
+                        <a:lstStyle/>
+                        <a:p>
+                          <a:r>
+                            <a:rPr lang="en-US" sz="2400" dirty="0"/>
+                            <a:t>129</a:t>
+                          </a:r>
+                        </a:p>
+                      </a:txBody>
+                      <a:tcPr/>
+                    </a:tc>
+                    <a:extLst>
+                      <a:ext uri="{0D108BD9-81ED-4DB2-BD59-A6C34878D82A}">
+                        <a16:rowId xmlns:a16="http://schemas.microsoft.com/office/drawing/2014/main" val="2835924756"/>
+                      </a:ext>
+                    </a:extLst>
+                  </a:tr>
+                </a:tbl>
+              </a:graphicData>
+            </a:graphic>
+          </p:graphicFrame>
+        </mc:Fallback>
+      </mc:AlternateContent>
+      <p:sp>
+        <p:nvSpPr>
+          <p:cNvPr id="4" name="TextBox 3">
+            <a:extLst>
+              <a:ext uri="{FF2B5EF4-FFF2-40B4-BE49-F238E27FC236}">
+                <a16:creationId xmlns:a16="http://schemas.microsoft.com/office/drawing/2014/main" id="{26553559-CD02-6544-B8C1-4DD104345596}"/>
+              </a:ext>
+            </a:extLst>
+          </p:cNvPr>
+          <p:cNvSpPr txBox="1"/>
+          <p:nvPr/>
+        </p:nvSpPr>
+        <p:spPr>
+          <a:xfrm>
+            <a:off x="1764430" y="5724395"/>
+            <a:ext cx="8663140" cy="646331"/>
+          </a:xfrm>
+          <a:prstGeom prst="rect">
+            <a:avLst/>
+          </a:prstGeom>
+          <a:noFill/>
+        </p:spPr>
+        <p:txBody>
+          <a:bodyPr wrap="square" rtlCol="0">
+            <a:spAutoFit/>
+          </a:bodyPr>
+          <a:lstStyle/>
+          <a:p>
+            <a:pPr algn="ctr"/>
+            <a:r>
+              <a:rPr lang="en-US" sz="3600" dirty="0">
+                <a:solidFill>
+                  <a:schemeClr val="accent5"/>
+                </a:solidFill>
+                <a:latin typeface="Copperplate" panose="02000504000000020004" pitchFamily="2" charset="77"/>
+              </a:rPr>
+              <a:t>Keccak* </a:t>
+            </a:r>
+            <a:r>
+              <a:rPr lang="en-US" sz="3600" dirty="0">
+                <a:solidFill>
+                  <a:schemeClr val="accent5"/>
+                </a:solidFill>
+              </a:rPr>
+              <a:t>is the version using overrides</a:t>
+            </a:r>
+          </a:p>
+        </p:txBody>
+      </p:sp>
+    </p:spTree>
+    <p:extLst>
+      <p:ext uri="{BB962C8B-B14F-4D97-AF65-F5344CB8AC3E}">
+        <p14:creationId xmlns:p14="http://schemas.microsoft.com/office/powerpoint/2010/main" val="4135349509"/>
+      </p:ext>
+    </p:extLst>
+  </p:cSld>
+  <p:clrMapOvr>
+    <a:masterClrMapping/>
+  </p:clrMapOvr>
 </p:sld>
 </file>
 
@@ -15832,8 +20376,8 @@
         </p:nvSpPr>
         <p:spPr>
           <a:xfrm>
-            <a:off x="8447822" y="3969592"/>
-            <a:ext cx="2304940" cy="584775"/>
+            <a:off x="8447821" y="3969592"/>
+            <a:ext cx="2590765" cy="584775"/>
           </a:xfrm>
           <a:prstGeom prst="rect">
             <a:avLst/>
@@ -16134,7 +20678,7 @@
             </a:r>
             <a:r>
               <a:rPr lang="en-US" sz="4800" dirty="0"/>
-              <a:t>Transformation Function</a:t>
+              <a:t>Inner Functions</a:t>
             </a:r>
           </a:p>
         </p:txBody>
@@ -16987,6 +21531,608 @@
       </p:grpSpPr>
       <p:sp>
         <p:nvSpPr>
+          <p:cNvPr id="2" name="Title 1">
+            <a:extLst>
+              <a:ext uri="{FF2B5EF4-FFF2-40B4-BE49-F238E27FC236}">
+                <a16:creationId xmlns:a16="http://schemas.microsoft.com/office/drawing/2014/main" id="{8B1A1B1F-4FED-1342-97AC-7CF50C59309D}"/>
+              </a:ext>
+            </a:extLst>
+          </p:cNvPr>
+          <p:cNvSpPr>
+            <a:spLocks noGrp="1"/>
+          </p:cNvSpPr>
+          <p:nvPr>
+            <p:ph type="title"/>
+          </p:nvPr>
+        </p:nvSpPr>
+        <p:spPr/>
+        <p:txBody>
+          <a:bodyPr>
+            <a:normAutofit/>
+          </a:bodyPr>
+          <a:lstStyle/>
+          <a:p>
+            <a:r>
+              <a:rPr lang="en-US" sz="4800" dirty="0">
+                <a:latin typeface="Copperplate" panose="02000504000000020004" pitchFamily="2" charset="77"/>
+              </a:rPr>
+              <a:t>Keccak </a:t>
+            </a:r>
+            <a:r>
+              <a:rPr lang="en-US" sz="4800" dirty="0"/>
+              <a:t>Transformation Function</a:t>
+            </a:r>
+          </a:p>
+        </p:txBody>
+      </p:sp>
+      <mc:AlternateContent xmlns:mc="http://schemas.openxmlformats.org/markup-compatibility/2006">
+        <mc:Choice xmlns:a14="http://schemas.microsoft.com/office/drawing/2010/main" Requires="a14">
+          <p:sp>
+            <p:nvSpPr>
+              <p:cNvPr id="14" name="TextBox 13">
+                <a:extLst>
+                  <a:ext uri="{FF2B5EF4-FFF2-40B4-BE49-F238E27FC236}">
+                    <a16:creationId xmlns:a16="http://schemas.microsoft.com/office/drawing/2014/main" id="{3549498B-8CF0-874C-B73A-B8496974AA39}"/>
+                  </a:ext>
+                </a:extLst>
+              </p:cNvPr>
+              <p:cNvSpPr txBox="1"/>
+              <p:nvPr/>
+            </p:nvSpPr>
+            <p:spPr>
+              <a:xfrm>
+                <a:off x="3849855" y="2024503"/>
+                <a:ext cx="6914923" cy="3477875"/>
+              </a:xfrm>
+              <a:prstGeom prst="rect">
+                <a:avLst/>
+              </a:prstGeom>
+              <a:noFill/>
+            </p:spPr>
+            <p:txBody>
+              <a:bodyPr wrap="square" rtlCol="0">
+                <a:spAutoFit/>
+              </a:bodyPr>
+              <a:lstStyle/>
+              <a:p>
+                <a:r>
+                  <a:rPr lang="en-US" sz="2400" b="1" dirty="0" err="1">
+                    <a:solidFill>
+                      <a:schemeClr val="accent4"/>
+                    </a:solidFill>
+                    <a:latin typeface="Lucida Console" panose="020B0609040504020204" pitchFamily="49" charset="0"/>
+                  </a:rPr>
+                  <a:t>func</a:t>
+                </a:r>
+                <a:r>
+                  <a:rPr lang="en-US" sz="2400" dirty="0">
+                    <a:latin typeface="Lucida Console" panose="020B0609040504020204" pitchFamily="49" charset="0"/>
+                  </a:rPr>
+                  <a:t> </a:t>
+                </a:r>
+                <a:r>
+                  <a:rPr lang="en-US" sz="2400" dirty="0">
+                    <a:latin typeface="Copperplate" panose="02000504000000020004" pitchFamily="2" charset="77"/>
+                  </a:rPr>
+                  <a:t>Keccak</a:t>
+                </a:r>
+                <a:r>
+                  <a:rPr lang="en-US" sz="2400" dirty="0">
+                    <a:latin typeface="Lucida Console" panose="020B0609040504020204" pitchFamily="49" charset="0"/>
+                  </a:rPr>
+                  <a:t>(</a:t>
+                </a:r>
+                <a:r>
+                  <a:rPr lang="en-US" sz="2400" i="1" dirty="0">
+                    <a:latin typeface="Lucida Console" panose="020B0609040504020204" pitchFamily="49" charset="0"/>
+                  </a:rPr>
+                  <a:t>A</a:t>
+                </a:r>
+                <a:r>
+                  <a:rPr lang="en-US" sz="2400" dirty="0">
+                    <a:latin typeface="Lucida Console" panose="020B0609040504020204" pitchFamily="49" charset="0"/>
+                  </a:rPr>
+                  <a:t>) </a:t>
+                </a:r>
+                <a:r>
+                  <a:rPr lang="en-US" sz="2400" b="1" dirty="0">
+                    <a:solidFill>
+                      <a:schemeClr val="accent4"/>
+                    </a:solidFill>
+                    <a:latin typeface="Lucida Console" panose="020B0609040504020204" pitchFamily="49" charset="0"/>
+                  </a:rPr>
+                  <a:t>returns</a:t>
+                </a:r>
+                <a:r>
+                  <a:rPr lang="en-US" sz="2400" dirty="0">
+                    <a:latin typeface="Lucida Console" panose="020B0609040504020204" pitchFamily="49" charset="0"/>
+                  </a:rPr>
+                  <a:t> </a:t>
+                </a:r>
+                <a:r>
+                  <a:rPr lang="en-US" sz="2400" i="1" dirty="0">
+                    <a:latin typeface="Lucida Console" panose="020B0609040504020204" pitchFamily="49" charset="0"/>
+                  </a:rPr>
+                  <a:t>A</a:t>
+                </a:r>
+              </a:p>
+              <a:p>
+                <a:r>
+                  <a:rPr lang="en-US" sz="2400" dirty="0">
+                    <a:latin typeface="Lucida Console" panose="020B0609040504020204" pitchFamily="49" charset="0"/>
+                  </a:rPr>
+                  <a:t>  1: </a:t>
+                </a:r>
+                <a:r>
+                  <a:rPr lang="en-US" sz="2400" b="1" dirty="0">
+                    <a:solidFill>
+                      <a:schemeClr val="accent4"/>
+                    </a:solidFill>
+                    <a:latin typeface="Lucida Console" panose="020B0609040504020204" pitchFamily="49" charset="0"/>
+                  </a:rPr>
+                  <a:t>for</a:t>
+                </a:r>
+                <a:r>
+                  <a:rPr lang="en-US" sz="2400" dirty="0">
+                    <a:latin typeface="Lucida Console" panose="020B0609040504020204" pitchFamily="49" charset="0"/>
+                  </a:rPr>
+                  <a:t> </a:t>
+                </a:r>
+                <a:r>
+                  <a:rPr lang="en-US" sz="2400" i="1" dirty="0" err="1">
+                    <a:latin typeface="Lucida Console" panose="020B0609040504020204" pitchFamily="49" charset="0"/>
+                  </a:rPr>
+                  <a:t>i</a:t>
+                </a:r>
+                <a:r>
+                  <a:rPr lang="en-US" sz="2400" dirty="0">
+                    <a:latin typeface="Lucida Console" panose="020B0609040504020204" pitchFamily="49" charset="0"/>
+                  </a:rPr>
+                  <a:t> </a:t>
+                </a:r>
+                <a:r>
+                  <a:rPr lang="en-US" sz="2400" b="1" dirty="0">
+                    <a:solidFill>
+                      <a:schemeClr val="accent4"/>
+                    </a:solidFill>
+                    <a:latin typeface="Lucida Console" panose="020B0609040504020204" pitchFamily="49" charset="0"/>
+                  </a:rPr>
+                  <a:t>in</a:t>
+                </a:r>
+                <a:r>
+                  <a:rPr lang="en-US" sz="2400" dirty="0">
+                    <a:latin typeface="Lucida Console" panose="020B0609040504020204" pitchFamily="49" charset="0"/>
+                  </a:rPr>
+                  <a:t> 0…23</a:t>
+                </a:r>
+                <a:r>
+                  <a:rPr lang="en-US" sz="2400" i="1" dirty="0">
+                    <a:latin typeface="Lucida Console" panose="020B0609040504020204" pitchFamily="49" charset="0"/>
+                  </a:rPr>
+                  <a:t> </a:t>
+                </a:r>
+                <a:r>
+                  <a:rPr lang="en-US" sz="2400" b="1" dirty="0">
+                    <a:solidFill>
+                      <a:schemeClr val="accent4"/>
+                    </a:solidFill>
+                    <a:latin typeface="Lucida Console" panose="020B0609040504020204" pitchFamily="49" charset="0"/>
+                  </a:rPr>
+                  <a:t>do</a:t>
+                </a:r>
+              </a:p>
+              <a:p>
+                <a:r>
+                  <a:rPr lang="en-US" sz="2400" dirty="0">
+                    <a:latin typeface="Lucida Console" panose="020B0609040504020204" pitchFamily="49" charset="0"/>
+                  </a:rPr>
+                  <a:t>  2:   </a:t>
+                </a:r>
+                <a:r>
+                  <a:rPr lang="en-US" sz="2400" i="1" dirty="0">
+                    <a:latin typeface="Lucida Console" panose="020B0609040504020204" pitchFamily="49" charset="0"/>
+                  </a:rPr>
+                  <a:t>A</a:t>
+                </a:r>
+                <a:r>
+                  <a:rPr lang="en-US" sz="2400" dirty="0">
+                    <a:latin typeface="Lucida Console" panose="020B0609040504020204" pitchFamily="49" charset="0"/>
+                  </a:rPr>
+                  <a:t> = </a:t>
+                </a:r>
+                <a:r>
+                  <a:rPr lang="en-US" sz="2800" dirty="0" err="1">
+                    <a:solidFill>
+                      <a:schemeClr val="accent5"/>
+                    </a:solidFill>
+                    <a:latin typeface="+mj-lt"/>
+                  </a:rPr>
+                  <a:t>Θ</a:t>
+                </a:r>
+                <a:r>
+                  <a:rPr lang="en-US" sz="2400" dirty="0">
+                    <a:latin typeface="Lucida Console" panose="020B0609040504020204" pitchFamily="49" charset="0"/>
+                  </a:rPr>
+                  <a:t>(</a:t>
+                </a:r>
+                <a:r>
+                  <a:rPr lang="en-US" sz="2400" i="1" dirty="0">
+                    <a:latin typeface="Lucida Console" panose="020B0609040504020204" pitchFamily="49" charset="0"/>
+                  </a:rPr>
+                  <a:t>A</a:t>
+                </a:r>
+                <a:r>
+                  <a:rPr lang="en-US" sz="2400" dirty="0">
+                    <a:latin typeface="Lucida Console" panose="020B0609040504020204" pitchFamily="49" charset="0"/>
+                  </a:rPr>
+                  <a:t>)</a:t>
+                </a:r>
+              </a:p>
+              <a:p>
+                <a:r>
+                  <a:rPr lang="en-US" sz="2400" dirty="0">
+                    <a:latin typeface="Lucida Console" panose="020B0609040504020204" pitchFamily="49" charset="0"/>
+                  </a:rPr>
+                  <a:t>  3:   </a:t>
+                </a:r>
+                <a:r>
+                  <a:rPr lang="en-US" sz="2400" i="1" dirty="0">
+                    <a:latin typeface="Lucida Console" panose="020B0609040504020204" pitchFamily="49" charset="0"/>
+                  </a:rPr>
+                  <a:t>A</a:t>
+                </a:r>
+                <a:r>
+                  <a:rPr lang="en-US" sz="2400" dirty="0">
+                    <a:latin typeface="Lucida Console" panose="020B0609040504020204" pitchFamily="49" charset="0"/>
+                  </a:rPr>
+                  <a:t> = </a:t>
+                </a:r>
+                <a:r>
+                  <a:rPr lang="en-US" sz="2400" dirty="0" err="1">
+                    <a:solidFill>
+                      <a:schemeClr val="accent5"/>
+                    </a:solidFill>
+                    <a:latin typeface="Lucida Console" panose="020B0609040504020204" pitchFamily="49" charset="0"/>
+                  </a:rPr>
+                  <a:t>ρ</a:t>
+                </a:r>
+                <a:r>
+                  <a:rPr lang="en-US" sz="2400" dirty="0">
+                    <a:latin typeface="Lucida Console" panose="020B0609040504020204" pitchFamily="49" charset="0"/>
+                  </a:rPr>
+                  <a:t>(</a:t>
+                </a:r>
+                <a:r>
+                  <a:rPr lang="en-US" sz="2400" i="1" dirty="0">
+                    <a:latin typeface="Lucida Console" panose="020B0609040504020204" pitchFamily="49" charset="0"/>
+                  </a:rPr>
+                  <a:t>A</a:t>
+                </a:r>
+                <a:r>
+                  <a:rPr lang="en-US" sz="2400" dirty="0">
+                    <a:latin typeface="Lucida Console" panose="020B0609040504020204" pitchFamily="49" charset="0"/>
+                  </a:rPr>
+                  <a:t>)</a:t>
+                </a:r>
+              </a:p>
+              <a:p>
+                <a:r>
+                  <a:rPr lang="en-US" sz="2400" dirty="0">
+                    <a:latin typeface="Lucida Console" panose="020B0609040504020204" pitchFamily="49" charset="0"/>
+                  </a:rPr>
+                  <a:t>  4:   </a:t>
+                </a:r>
+                <a:r>
+                  <a:rPr lang="en-US" sz="2400" i="1" dirty="0">
+                    <a:latin typeface="Lucida Console" panose="020B0609040504020204" pitchFamily="49" charset="0"/>
+                  </a:rPr>
+                  <a:t>A</a:t>
+                </a:r>
+                <a:r>
+                  <a:rPr lang="en-US" sz="2400" dirty="0">
+                    <a:latin typeface="Lucida Console" panose="020B0609040504020204" pitchFamily="49" charset="0"/>
+                  </a:rPr>
+                  <a:t> = </a:t>
+                </a:r>
+                <a14:m>
+                  <m:oMath xmlns:m="http://schemas.openxmlformats.org/officeDocument/2006/math">
+                    <m:r>
+                      <a:rPr lang="en-US" sz="2400" i="1" smtClean="0">
+                        <a:solidFill>
+                          <a:schemeClr val="accent5"/>
+                        </a:solidFill>
+                        <a:latin typeface="Cambria Math" panose="02040503050406030204" pitchFamily="18" charset="0"/>
+                        <a:ea typeface="Cambria Math" panose="02040503050406030204" pitchFamily="18" charset="0"/>
+                      </a:rPr>
+                      <m:t>𝜋</m:t>
+                    </m:r>
+                  </m:oMath>
+                </a14:m>
+                <a:r>
+                  <a:rPr lang="en-US" sz="2400" dirty="0">
+                    <a:latin typeface="Lucida Console" panose="020B0609040504020204" pitchFamily="49" charset="0"/>
+                  </a:rPr>
+                  <a:t>(</a:t>
+                </a:r>
+                <a:r>
+                  <a:rPr lang="en-US" sz="2400" i="1" dirty="0">
+                    <a:latin typeface="Lucida Console" panose="020B0609040504020204" pitchFamily="49" charset="0"/>
+                  </a:rPr>
+                  <a:t>A</a:t>
+                </a:r>
+                <a:r>
+                  <a:rPr lang="en-US" sz="2400" dirty="0">
+                    <a:latin typeface="Lucida Console" panose="020B0609040504020204" pitchFamily="49" charset="0"/>
+                  </a:rPr>
+                  <a:t>)</a:t>
+                </a:r>
+              </a:p>
+              <a:p>
+                <a:r>
+                  <a:rPr lang="en-US" sz="2400" dirty="0">
+                    <a:latin typeface="Lucida Console" panose="020B0609040504020204" pitchFamily="49" charset="0"/>
+                  </a:rPr>
+                  <a:t>  5:   </a:t>
+                </a:r>
+                <a:r>
+                  <a:rPr lang="en-US" sz="2400" i="1" dirty="0">
+                    <a:latin typeface="Lucida Console" panose="020B0609040504020204" pitchFamily="49" charset="0"/>
+                  </a:rPr>
+                  <a:t>A</a:t>
+                </a:r>
+                <a:r>
+                  <a:rPr lang="en-US" sz="2400" dirty="0">
+                    <a:latin typeface="Lucida Console" panose="020B0609040504020204" pitchFamily="49" charset="0"/>
+                  </a:rPr>
+                  <a:t> = </a:t>
+                </a:r>
+                <a14:m>
+                  <m:oMath xmlns:m="http://schemas.openxmlformats.org/officeDocument/2006/math">
+                    <m:r>
+                      <a:rPr lang="en-US" sz="2400" i="1" smtClean="0">
+                        <a:solidFill>
+                          <a:schemeClr val="accent5"/>
+                        </a:solidFill>
+                        <a:latin typeface="Cambria Math" panose="02040503050406030204" pitchFamily="18" charset="0"/>
+                        <a:ea typeface="Cambria Math" panose="02040503050406030204" pitchFamily="18" charset="0"/>
+                      </a:rPr>
+                      <m:t>𝜒</m:t>
+                    </m:r>
+                  </m:oMath>
+                </a14:m>
+                <a:r>
+                  <a:rPr lang="en-US" sz="2400" dirty="0">
+                    <a:latin typeface="Lucida Console" panose="020B0609040504020204" pitchFamily="49" charset="0"/>
+                  </a:rPr>
+                  <a:t>(</a:t>
+                </a:r>
+                <a:r>
+                  <a:rPr lang="en-US" sz="2400" i="1" dirty="0">
+                    <a:latin typeface="Lucida Console" panose="020B0609040504020204" pitchFamily="49" charset="0"/>
+                  </a:rPr>
+                  <a:t>A</a:t>
+                </a:r>
+                <a:r>
+                  <a:rPr lang="en-US" sz="2400" dirty="0">
+                    <a:latin typeface="Lucida Console" panose="020B0609040504020204" pitchFamily="49" charset="0"/>
+                  </a:rPr>
+                  <a:t>)</a:t>
+                </a:r>
+              </a:p>
+              <a:p>
+                <a:r>
+                  <a:rPr lang="en-US" sz="2400" dirty="0">
+                    <a:latin typeface="Lucida Console" panose="020B0609040504020204" pitchFamily="49" charset="0"/>
+                  </a:rPr>
+                  <a:t>  6:   </a:t>
+                </a:r>
+                <a:r>
+                  <a:rPr lang="en-US" sz="2400" i="1" dirty="0">
+                    <a:latin typeface="Lucida Console" panose="020B0609040504020204" pitchFamily="49" charset="0"/>
+                  </a:rPr>
+                  <a:t>A</a:t>
+                </a:r>
+                <a:r>
+                  <a:rPr lang="en-US" sz="2400" dirty="0">
+                    <a:latin typeface="Lucida Console" panose="020B0609040504020204" pitchFamily="49" charset="0"/>
+                  </a:rPr>
+                  <a:t> = </a:t>
+                </a:r>
+                <a14:m>
+                  <m:oMath xmlns:m="http://schemas.openxmlformats.org/officeDocument/2006/math">
+                    <m:r>
+                      <a:rPr lang="en-US" sz="2400" i="1" smtClean="0">
+                        <a:solidFill>
+                          <a:schemeClr val="accent5"/>
+                        </a:solidFill>
+                        <a:latin typeface="Cambria Math" panose="02040503050406030204" pitchFamily="18" charset="0"/>
+                        <a:ea typeface="Cambria Math" panose="02040503050406030204" pitchFamily="18" charset="0"/>
+                      </a:rPr>
+                      <m:t>𝜄</m:t>
+                    </m:r>
+                  </m:oMath>
+                </a14:m>
+                <a:r>
+                  <a:rPr lang="en-US" sz="2400" dirty="0">
+                    <a:latin typeface="Lucida Console" panose="020B0609040504020204" pitchFamily="49" charset="0"/>
+                  </a:rPr>
+                  <a:t>(</a:t>
+                </a:r>
+                <a:r>
+                  <a:rPr lang="en-US" sz="2400" i="1" dirty="0">
+                    <a:latin typeface="Lucida Console" panose="020B0609040504020204" pitchFamily="49" charset="0"/>
+                  </a:rPr>
+                  <a:t>A</a:t>
+                </a:r>
+                <a:r>
+                  <a:rPr lang="en-US" sz="2400" dirty="0">
+                    <a:latin typeface="Lucida Console" panose="020B0609040504020204" pitchFamily="49" charset="0"/>
+                  </a:rPr>
+                  <a:t>)</a:t>
+                </a:r>
+              </a:p>
+              <a:p>
+                <a:r>
+                  <a:rPr lang="en-US" sz="2400" dirty="0">
+                    <a:latin typeface="Lucida Console" panose="020B0609040504020204" pitchFamily="49" charset="0"/>
+                  </a:rPr>
+                  <a:t>  7: </a:t>
+                </a:r>
+                <a:r>
+                  <a:rPr lang="en-US" sz="2400" b="1" dirty="0">
+                    <a:solidFill>
+                      <a:schemeClr val="accent4"/>
+                    </a:solidFill>
+                    <a:latin typeface="Lucida Console" panose="020B0609040504020204" pitchFamily="49" charset="0"/>
+                  </a:rPr>
+                  <a:t>end for</a:t>
+                </a:r>
+              </a:p>
+              <a:p>
+                <a:r>
+                  <a:rPr lang="en-US" sz="2400" dirty="0">
+                    <a:latin typeface="Lucida Console" panose="020B0609040504020204" pitchFamily="49" charset="0"/>
+                  </a:rPr>
+                  <a:t>  </a:t>
+                </a:r>
+              </a:p>
+            </p:txBody>
+          </p:sp>
+        </mc:Choice>
+        <mc:Fallback>
+          <p:sp>
+            <p:nvSpPr>
+              <p:cNvPr id="14" name="TextBox 13">
+                <a:extLst>
+                  <a:ext uri="{FF2B5EF4-FFF2-40B4-BE49-F238E27FC236}">
+                    <a16:creationId xmlns:a16="http://schemas.microsoft.com/office/drawing/2014/main" id="{3549498B-8CF0-874C-B73A-B8496974AA39}"/>
+                  </a:ext>
+                </a:extLst>
+              </p:cNvPr>
+              <p:cNvSpPr txBox="1">
+                <a:spLocks noRot="1" noChangeAspect="1" noMove="1" noResize="1" noEditPoints="1" noAdjustHandles="1" noChangeArrowheads="1" noChangeShapeType="1" noTextEdit="1"/>
+              </p:cNvSpPr>
+              <p:nvPr/>
+            </p:nvSpPr>
+            <p:spPr>
+              <a:xfrm>
+                <a:off x="3849855" y="2024503"/>
+                <a:ext cx="6914923" cy="3477875"/>
+              </a:xfrm>
+              <a:prstGeom prst="rect">
+                <a:avLst/>
+              </a:prstGeom>
+              <a:blipFill>
+                <a:blip r:embed="rId3"/>
+                <a:stretch>
+                  <a:fillRect l="-1468" t="-1818"/>
+                </a:stretch>
+              </a:blipFill>
+            </p:spPr>
+            <p:txBody>
+              <a:bodyPr/>
+              <a:lstStyle/>
+              <a:p>
+                <a:r>
+                  <a:rPr lang="en-US">
+                    <a:noFill/>
+                  </a:rPr>
+                  <a:t> </a:t>
+                </a:r>
+              </a:p>
+            </p:txBody>
+          </p:sp>
+        </mc:Fallback>
+      </mc:AlternateContent>
+      <p:sp>
+        <p:nvSpPr>
+          <p:cNvPr id="3" name="TextBox 2">
+            <a:extLst>
+              <a:ext uri="{FF2B5EF4-FFF2-40B4-BE49-F238E27FC236}">
+                <a16:creationId xmlns:a16="http://schemas.microsoft.com/office/drawing/2014/main" id="{5C48EA3E-33A1-A94A-953B-A3CD0D35B524}"/>
+              </a:ext>
+            </a:extLst>
+          </p:cNvPr>
+          <p:cNvSpPr txBox="1"/>
+          <p:nvPr/>
+        </p:nvSpPr>
+        <p:spPr>
+          <a:xfrm>
+            <a:off x="1877860" y="5705605"/>
+            <a:ext cx="8436280" cy="646331"/>
+          </a:xfrm>
+          <a:prstGeom prst="rect">
+            <a:avLst/>
+          </a:prstGeom>
+          <a:noFill/>
+        </p:spPr>
+        <p:txBody>
+          <a:bodyPr wrap="square" rtlCol="0">
+            <a:spAutoFit/>
+          </a:bodyPr>
+          <a:lstStyle/>
+          <a:p>
+            <a:pPr algn="ctr"/>
+            <a:r>
+              <a:rPr lang="en-US" sz="3600" dirty="0">
+                <a:solidFill>
+                  <a:schemeClr val="accent5"/>
+                </a:solidFill>
+              </a:rPr>
+              <a:t>24 Rounds in a call to </a:t>
+            </a:r>
+            <a:r>
+              <a:rPr lang="en-US" sz="3600" dirty="0">
+                <a:solidFill>
+                  <a:schemeClr val="accent5"/>
+                </a:solidFill>
+                <a:latin typeface="Copperplate" panose="02000504000000020004" pitchFamily="2" charset="77"/>
+              </a:rPr>
+              <a:t>Keccak</a:t>
+            </a:r>
+            <a:r>
+              <a:rPr lang="en-US" sz="3600" dirty="0">
+                <a:solidFill>
+                  <a:schemeClr val="accent5"/>
+                </a:solidFill>
+              </a:rPr>
+              <a:t> </a:t>
+            </a:r>
+          </a:p>
+        </p:txBody>
+      </p:sp>
+    </p:spTree>
+    <p:extLst>
+      <p:ext uri="{BB962C8B-B14F-4D97-AF65-F5344CB8AC3E}">
+        <p14:creationId xmlns:p14="http://schemas.microsoft.com/office/powerpoint/2010/main" val="1459923805"/>
+      </p:ext>
+    </p:extLst>
+  </p:cSld>
+  <p:clrMapOvr>
+    <a:masterClrMapping/>
+  </p:clrMapOvr>
+</p:sld>
+</file>
+
+<file path=ppt/slides/slide8.xml><?xml version="1.0" encoding="utf-8"?>
+<p:sld xmlns:a="http://schemas.openxmlformats.org/drawingml/2006/main" xmlns:r="http://schemas.openxmlformats.org/officeDocument/2006/relationships" xmlns:p="http://schemas.openxmlformats.org/presentationml/2006/main">
+  <p:cSld>
+    <p:spTree>
+      <p:nvGrpSpPr>
+        <p:cNvPr id="1" name=""/>
+        <p:cNvGrpSpPr/>
+        <p:nvPr/>
+      </p:nvGrpSpPr>
+      <p:grpSpPr>
+        <a:xfrm>
+          <a:off x="0" y="0"/>
+          <a:ext cx="0" cy="0"/>
+          <a:chOff x="0" y="0"/>
+          <a:chExt cx="0" cy="0"/>
+        </a:xfrm>
+      </p:grpSpPr>
+      <p:sp>
+        <p:nvSpPr>
           <p:cNvPr id="3" name="TextBox 2">
             <a:extLst>
               <a:ext uri="{FF2B5EF4-FFF2-40B4-BE49-F238E27FC236}">
@@ -19013,7 +24159,7 @@
 </p:sld>
 </file>
 
-<file path=ppt/slides/slide8.xml><?xml version="1.0" encoding="utf-8"?>
+<file path=ppt/slides/slide9.xml><?xml version="1.0" encoding="utf-8"?>
 <p:sld xmlns:a="http://schemas.openxmlformats.org/drawingml/2006/main" xmlns:r="http://schemas.openxmlformats.org/officeDocument/2006/relationships" xmlns:p="http://schemas.openxmlformats.org/presentationml/2006/main">
   <p:cSld>
     <p:bg>
@@ -19267,622 +24413,6 @@
     <p:extLst>
       <p:ext uri="{BB962C8B-B14F-4D97-AF65-F5344CB8AC3E}">
         <p14:creationId xmlns:p14="http://schemas.microsoft.com/office/powerpoint/2010/main" val="1753551444"/>
-      </p:ext>
-    </p:extLst>
-  </p:cSld>
-  <p:clrMapOvr>
-    <a:masterClrMapping/>
-  </p:clrMapOvr>
-</p:sld>
-</file>
-
-<file path=ppt/slides/slide9.xml><?xml version="1.0" encoding="utf-8"?>
-<p:sld xmlns:a="http://schemas.openxmlformats.org/drawingml/2006/main" xmlns:r="http://schemas.openxmlformats.org/officeDocument/2006/relationships" xmlns:p="http://schemas.openxmlformats.org/presentationml/2006/main">
-  <p:cSld>
-    <p:spTree>
-      <p:nvGrpSpPr>
-        <p:cNvPr id="1" name=""/>
-        <p:cNvGrpSpPr/>
-        <p:nvPr/>
-      </p:nvGrpSpPr>
-      <p:grpSpPr>
-        <a:xfrm>
-          <a:off x="0" y="0"/>
-          <a:ext cx="0" cy="0"/>
-          <a:chOff x="0" y="0"/>
-          <a:chExt cx="0" cy="0"/>
-        </a:xfrm>
-      </p:grpSpPr>
-      <p:sp>
-        <p:nvSpPr>
-          <p:cNvPr id="2" name="Title 1">
-            <a:extLst>
-              <a:ext uri="{FF2B5EF4-FFF2-40B4-BE49-F238E27FC236}">
-                <a16:creationId xmlns:a16="http://schemas.microsoft.com/office/drawing/2014/main" id="{6ADCD1C5-66AC-B94D-A967-87E5DE1E3A4C}"/>
-              </a:ext>
-            </a:extLst>
-          </p:cNvPr>
-          <p:cNvSpPr>
-            <a:spLocks noGrp="1"/>
-          </p:cNvSpPr>
-          <p:nvPr>
-            <p:ph type="title"/>
-          </p:nvPr>
-        </p:nvSpPr>
-        <p:spPr/>
-        <p:txBody>
-          <a:bodyPr/>
-          <a:lstStyle/>
-          <a:p>
-            <a:r>
-              <a:rPr lang="en-US" dirty="0"/>
-              <a:t>Write a </a:t>
-            </a:r>
-            <a:r>
-              <a:rPr lang="en-US" dirty="0" err="1"/>
-              <a:t>Cryptol</a:t>
-            </a:r>
-            <a:r>
-              <a:rPr lang="en-US" dirty="0"/>
-              <a:t> Specification for SHA-3</a:t>
-            </a:r>
-          </a:p>
-        </p:txBody>
-      </p:sp>
-      <p:sp>
-        <p:nvSpPr>
-          <p:cNvPr id="3" name="TextBox 2">
-            <a:extLst>
-              <a:ext uri="{FF2B5EF4-FFF2-40B4-BE49-F238E27FC236}">
-                <a16:creationId xmlns:a16="http://schemas.microsoft.com/office/drawing/2014/main" id="{2F73F3D8-CD8F-ED4B-893E-832546BDDFF0}"/>
-              </a:ext>
-            </a:extLst>
-          </p:cNvPr>
-          <p:cNvSpPr txBox="1"/>
-          <p:nvPr/>
-        </p:nvSpPr>
-        <p:spPr>
-          <a:xfrm>
-            <a:off x="3511177" y="1649510"/>
-            <a:ext cx="5169646" cy="1200329"/>
-          </a:xfrm>
-          <a:prstGeom prst="rect">
-            <a:avLst/>
-          </a:prstGeom>
-          <a:noFill/>
-        </p:spPr>
-        <p:txBody>
-          <a:bodyPr wrap="square" rtlCol="0">
-            <a:spAutoFit/>
-          </a:bodyPr>
-          <a:lstStyle/>
-          <a:p>
-            <a:r>
-              <a:rPr lang="en-US" sz="2400" dirty="0">
-                <a:solidFill>
-                  <a:schemeClr val="accent6"/>
-                </a:solidFill>
-              </a:rPr>
-              <a:t>For all triples (</a:t>
-            </a:r>
-            <a:r>
-              <a:rPr lang="en-US" sz="2400" dirty="0" err="1">
-                <a:solidFill>
-                  <a:schemeClr val="accent6"/>
-                </a:solidFill>
-              </a:rPr>
-              <a:t>x,y,z</a:t>
-            </a:r>
-            <a:r>
-              <a:rPr lang="en-US" sz="2400" dirty="0">
-                <a:solidFill>
-                  <a:schemeClr val="accent6"/>
-                </a:solidFill>
-              </a:rPr>
-              <a:t>) such that </a:t>
-            </a:r>
-          </a:p>
-          <a:p>
-            <a:r>
-              <a:rPr lang="en-US" sz="2400" dirty="0">
-                <a:solidFill>
-                  <a:schemeClr val="accent6"/>
-                </a:solidFill>
-              </a:rPr>
-              <a:t>	0 &lt;= x &lt; 5, 0 &lt;= y &lt; 5, and 0 &lt;= z &lt; w,</a:t>
-            </a:r>
-          </a:p>
-          <a:p>
-            <a:r>
-              <a:rPr lang="en-US" sz="2400" dirty="0">
-                <a:solidFill>
-                  <a:schemeClr val="accent6"/>
-                </a:solidFill>
-              </a:rPr>
-              <a:t>Let A’[</a:t>
-            </a:r>
-            <a:r>
-              <a:rPr lang="en-US" sz="2400" dirty="0" err="1">
-                <a:solidFill>
-                  <a:schemeClr val="accent6"/>
-                </a:solidFill>
-              </a:rPr>
-              <a:t>x,y,z</a:t>
-            </a:r>
-            <a:r>
-              <a:rPr lang="en-US" sz="2400" dirty="0">
-                <a:solidFill>
-                  <a:schemeClr val="accent6"/>
-                </a:solidFill>
-              </a:rPr>
-              <a:t>] = A[(x + 3y) mod 5, x, z]</a:t>
-            </a:r>
-          </a:p>
-        </p:txBody>
-      </p:sp>
-      <p:sp>
-        <p:nvSpPr>
-          <p:cNvPr id="8" name="TextBox 7">
-            <a:extLst>
-              <a:ext uri="{FF2B5EF4-FFF2-40B4-BE49-F238E27FC236}">
-                <a16:creationId xmlns:a16="http://schemas.microsoft.com/office/drawing/2014/main" id="{74E669FB-15C3-6744-8672-DB4CF0234FD4}"/>
-              </a:ext>
-            </a:extLst>
-          </p:cNvPr>
-          <p:cNvSpPr txBox="1"/>
-          <p:nvPr/>
-        </p:nvSpPr>
-        <p:spPr>
-          <a:xfrm>
-            <a:off x="6305924" y="3055867"/>
-            <a:ext cx="5544671" cy="1631216"/>
-          </a:xfrm>
-          <a:prstGeom prst="rect">
-            <a:avLst/>
-          </a:prstGeom>
-          <a:noFill/>
-        </p:spPr>
-        <p:txBody>
-          <a:bodyPr wrap="square">
-            <a:spAutoFit/>
-          </a:bodyPr>
-          <a:lstStyle/>
-          <a:p>
-            <a:r>
-              <a:rPr lang="en-US" sz="2000" b="0" dirty="0">
-                <a:solidFill>
-                  <a:srgbClr val="D4D4D4"/>
-                </a:solidFill>
-                <a:effectLst/>
-                <a:latin typeface="Menlo" panose="020B0609030804020204" pitchFamily="49" charset="0"/>
-              </a:rPr>
-              <a:t>pi a = </a:t>
-            </a:r>
-          </a:p>
-          <a:p>
-            <a:r>
-              <a:rPr lang="en-US" sz="2000" dirty="0">
-                <a:solidFill>
-                  <a:srgbClr val="D4D4D4"/>
-                </a:solidFill>
-                <a:latin typeface="Menlo" panose="020B0609030804020204" pitchFamily="49" charset="0"/>
-              </a:rPr>
-              <a:t>  </a:t>
-            </a:r>
-            <a:r>
-              <a:rPr lang="en-US" sz="2000" b="0" dirty="0">
-                <a:solidFill>
-                  <a:srgbClr val="D4D4D4"/>
-                </a:solidFill>
-                <a:effectLst/>
-                <a:latin typeface="Menlo" panose="020B0609030804020204" pitchFamily="49" charset="0"/>
-              </a:rPr>
-              <a:t>for </a:t>
-            </a:r>
-            <a:r>
-              <a:rPr lang="en-US" sz="2000" b="0" dirty="0">
-                <a:solidFill>
-                  <a:srgbClr val="569CD6"/>
-                </a:solidFill>
-                <a:effectLst/>
-                <a:latin typeface="Menlo" panose="020B0609030804020204" pitchFamily="49" charset="0"/>
-              </a:rPr>
-              <a:t>LIST4</a:t>
-            </a:r>
-            <a:r>
-              <a:rPr lang="en-US" sz="2000" b="0" dirty="0">
-                <a:solidFill>
-                  <a:srgbClr val="D4D4D4"/>
-                </a:solidFill>
-                <a:effectLst/>
-                <a:latin typeface="Menlo" panose="020B0609030804020204" pitchFamily="49" charset="0"/>
-              </a:rPr>
-              <a:t> (\x -&gt; </a:t>
-            </a:r>
-          </a:p>
-          <a:p>
-            <a:r>
-              <a:rPr lang="en-US" sz="2000" dirty="0">
-                <a:solidFill>
-                  <a:srgbClr val="D4D4D4"/>
-                </a:solidFill>
-                <a:latin typeface="Menlo" panose="020B0609030804020204" pitchFamily="49" charset="0"/>
-              </a:rPr>
-              <a:t>  </a:t>
-            </a:r>
-            <a:r>
-              <a:rPr lang="en-US" sz="2000" b="0" dirty="0">
-                <a:solidFill>
-                  <a:srgbClr val="D4D4D4"/>
-                </a:solidFill>
-                <a:effectLst/>
-                <a:latin typeface="Menlo" panose="020B0609030804020204" pitchFamily="49" charset="0"/>
-              </a:rPr>
-              <a:t>  for </a:t>
-            </a:r>
-            <a:r>
-              <a:rPr lang="en-US" sz="2000" b="0" dirty="0">
-                <a:solidFill>
-                  <a:srgbClr val="569CD6"/>
-                </a:solidFill>
-                <a:effectLst/>
-                <a:latin typeface="Menlo" panose="020B0609030804020204" pitchFamily="49" charset="0"/>
-              </a:rPr>
-              <a:t>LIST4</a:t>
-            </a:r>
-            <a:r>
-              <a:rPr lang="en-US" sz="2000" b="0" dirty="0">
-                <a:solidFill>
-                  <a:srgbClr val="D4D4D4"/>
-                </a:solidFill>
-                <a:effectLst/>
-                <a:latin typeface="Menlo" panose="020B0609030804020204" pitchFamily="49" charset="0"/>
-              </a:rPr>
-              <a:t> (\y -&gt; </a:t>
-            </a:r>
-          </a:p>
-          <a:p>
-            <a:r>
-              <a:rPr lang="en-US" sz="2000" b="0" dirty="0">
-                <a:solidFill>
-                  <a:srgbClr val="D4D4D4"/>
-                </a:solidFill>
-                <a:effectLst/>
-                <a:latin typeface="Menlo" panose="020B0609030804020204" pitchFamily="49" charset="0"/>
-              </a:rPr>
-              <a:t>      for </a:t>
-            </a:r>
-            <a:r>
-              <a:rPr lang="en-US" sz="2000" b="0" dirty="0">
-                <a:solidFill>
-                  <a:srgbClr val="569CD6"/>
-                </a:solidFill>
-                <a:effectLst/>
-                <a:latin typeface="Menlo" panose="020B0609030804020204" pitchFamily="49" charset="0"/>
-              </a:rPr>
-              <a:t>LIST63</a:t>
-            </a:r>
-            <a:r>
-              <a:rPr lang="en-US" sz="2000" b="0" dirty="0">
-                <a:solidFill>
-                  <a:srgbClr val="D4D4D4"/>
-                </a:solidFill>
-                <a:effectLst/>
-                <a:latin typeface="Menlo" panose="020B0609030804020204" pitchFamily="49" charset="0"/>
-              </a:rPr>
-              <a:t> (\z -&gt; </a:t>
-            </a:r>
-          </a:p>
-          <a:p>
-            <a:r>
-              <a:rPr lang="en-US" sz="2000" b="0" dirty="0">
-                <a:solidFill>
-                  <a:srgbClr val="D4D4D4"/>
-                </a:solidFill>
-                <a:effectLst/>
-                <a:latin typeface="Menlo" panose="020B0609030804020204" pitchFamily="49" charset="0"/>
-              </a:rPr>
-              <a:t>        a @((x + </a:t>
-            </a:r>
-            <a:r>
-              <a:rPr lang="en-US" sz="2000" b="0" dirty="0">
-                <a:solidFill>
-                  <a:srgbClr val="B5CEA8"/>
-                </a:solidFill>
-                <a:effectLst/>
-                <a:latin typeface="Menlo" panose="020B0609030804020204" pitchFamily="49" charset="0"/>
-              </a:rPr>
-              <a:t>3</a:t>
-            </a:r>
-            <a:r>
-              <a:rPr lang="en-US" sz="2000" b="0" dirty="0">
-                <a:solidFill>
-                  <a:srgbClr val="D4D4D4"/>
-                </a:solidFill>
-                <a:effectLst/>
-                <a:latin typeface="Menlo" panose="020B0609030804020204" pitchFamily="49" charset="0"/>
-              </a:rPr>
-              <a:t>*y) % </a:t>
-            </a:r>
-            <a:r>
-              <a:rPr lang="en-US" sz="2000" dirty="0">
-                <a:solidFill>
-                  <a:srgbClr val="D4D4D4"/>
-                </a:solidFill>
-                <a:latin typeface="Menlo" panose="020B0609030804020204" pitchFamily="49" charset="0"/>
-              </a:rPr>
-              <a:t>5</a:t>
-            </a:r>
-            <a:r>
-              <a:rPr lang="en-US" sz="2000" b="0" dirty="0">
-                <a:solidFill>
-                  <a:srgbClr val="D4D4D4"/>
-                </a:solidFill>
-                <a:effectLst/>
-                <a:latin typeface="Menlo" panose="020B0609030804020204" pitchFamily="49" charset="0"/>
-              </a:rPr>
-              <a:t>) @x @z)))</a:t>
-            </a:r>
-          </a:p>
-        </p:txBody>
-      </p:sp>
-      <p:sp>
-        <p:nvSpPr>
-          <p:cNvPr id="9" name="TextBox 8">
-            <a:extLst>
-              <a:ext uri="{FF2B5EF4-FFF2-40B4-BE49-F238E27FC236}">
-                <a16:creationId xmlns:a16="http://schemas.microsoft.com/office/drawing/2014/main" id="{00CDB295-7566-644B-8BA5-DC8710E27E22}"/>
-              </a:ext>
-            </a:extLst>
-          </p:cNvPr>
-          <p:cNvSpPr txBox="1"/>
-          <p:nvPr/>
-        </p:nvSpPr>
-        <p:spPr>
-          <a:xfrm>
-            <a:off x="409389" y="3055867"/>
-            <a:ext cx="5100918" cy="1631216"/>
-          </a:xfrm>
-          <a:prstGeom prst="rect">
-            <a:avLst/>
-          </a:prstGeom>
-          <a:noFill/>
-        </p:spPr>
-        <p:txBody>
-          <a:bodyPr wrap="square">
-            <a:spAutoFit/>
-          </a:bodyPr>
-          <a:lstStyle/>
-          <a:p>
-            <a:r>
-              <a:rPr lang="en-US" sz="2000" b="0" dirty="0">
-                <a:solidFill>
-                  <a:srgbClr val="D4D4D4"/>
-                </a:solidFill>
-                <a:effectLst/>
-                <a:latin typeface="Menlo" panose="020B0609030804020204" pitchFamily="49" charset="0"/>
-              </a:rPr>
-              <a:t>pi a = </a:t>
-            </a:r>
-          </a:p>
-          <a:p>
-            <a:r>
-              <a:rPr lang="en-US" sz="2000" dirty="0">
-                <a:solidFill>
-                  <a:srgbClr val="D4D4D4"/>
-                </a:solidFill>
-                <a:latin typeface="Menlo" panose="020B0609030804020204" pitchFamily="49" charset="0"/>
-              </a:rPr>
-              <a:t>  </a:t>
-            </a:r>
-            <a:r>
-              <a:rPr lang="en-US" sz="2000" b="0" dirty="0">
-                <a:solidFill>
-                  <a:srgbClr val="D4D4D4"/>
-                </a:solidFill>
-                <a:effectLst/>
-                <a:latin typeface="Menlo" panose="020B0609030804020204" pitchFamily="49" charset="0"/>
-              </a:rPr>
-              <a:t>[ [ [ </a:t>
-            </a:r>
-            <a:r>
-              <a:rPr lang="en-US" sz="2000" dirty="0">
-                <a:solidFill>
-                  <a:srgbClr val="D4D4D4"/>
-                </a:solidFill>
-                <a:latin typeface="Menlo" panose="020B0609030804020204" pitchFamily="49" charset="0"/>
-              </a:rPr>
-              <a:t>a @((x + </a:t>
-            </a:r>
-            <a:r>
-              <a:rPr lang="en-US" sz="2000" dirty="0">
-                <a:solidFill>
-                  <a:srgbClr val="B5CEA8"/>
-                </a:solidFill>
-                <a:latin typeface="Menlo" panose="020B0609030804020204" pitchFamily="49" charset="0"/>
-              </a:rPr>
-              <a:t>3</a:t>
-            </a:r>
-            <a:r>
-              <a:rPr lang="en-US" sz="2000" dirty="0">
-                <a:solidFill>
-                  <a:srgbClr val="D4D4D4"/>
-                </a:solidFill>
-                <a:latin typeface="Menlo" panose="020B0609030804020204" pitchFamily="49" charset="0"/>
-              </a:rPr>
-              <a:t>*y) % 5) @x @z </a:t>
-            </a:r>
-          </a:p>
-          <a:p>
-            <a:r>
-              <a:rPr lang="en-US" sz="2000" dirty="0">
-                <a:solidFill>
-                  <a:srgbClr val="D4D4D4"/>
-                </a:solidFill>
-                <a:latin typeface="Menlo" panose="020B0609030804020204" pitchFamily="49" charset="0"/>
-              </a:rPr>
-              <a:t>      | z &lt;- [0..63]]</a:t>
-            </a:r>
-          </a:p>
-          <a:p>
-            <a:r>
-              <a:rPr lang="en-US" sz="2000" dirty="0">
-                <a:solidFill>
-                  <a:srgbClr val="D4D4D4"/>
-                </a:solidFill>
-                <a:latin typeface="Menlo" panose="020B0609030804020204" pitchFamily="49" charset="0"/>
-              </a:rPr>
-              <a:t>    | y &lt;- [0..4]]</a:t>
-            </a:r>
-          </a:p>
-          <a:p>
-            <a:r>
-              <a:rPr lang="en-US" sz="2000" dirty="0">
-                <a:solidFill>
-                  <a:srgbClr val="D4D4D4"/>
-                </a:solidFill>
-                <a:latin typeface="Menlo" panose="020B0609030804020204" pitchFamily="49" charset="0"/>
-              </a:rPr>
-              <a:t>  | x &lt;- [0..4]]</a:t>
-            </a:r>
-            <a:endParaRPr lang="en-US" sz="2000" b="0" dirty="0">
-              <a:solidFill>
-                <a:srgbClr val="D4D4D4"/>
-              </a:solidFill>
-              <a:effectLst/>
-              <a:latin typeface="Menlo" panose="020B0609030804020204" pitchFamily="49" charset="0"/>
-            </a:endParaRPr>
-          </a:p>
-        </p:txBody>
-      </p:sp>
-      <p:sp>
-        <p:nvSpPr>
-          <p:cNvPr id="11" name="TextBox 10">
-            <a:extLst>
-              <a:ext uri="{FF2B5EF4-FFF2-40B4-BE49-F238E27FC236}">
-                <a16:creationId xmlns:a16="http://schemas.microsoft.com/office/drawing/2014/main" id="{FF5B972E-2A90-5348-9C84-8C15E1C30B46}"/>
-              </a:ext>
-            </a:extLst>
-          </p:cNvPr>
-          <p:cNvSpPr txBox="1"/>
-          <p:nvPr/>
-        </p:nvSpPr>
-        <p:spPr>
-          <a:xfrm>
-            <a:off x="782917" y="4673337"/>
-            <a:ext cx="3179483" cy="523220"/>
-          </a:xfrm>
-          <a:prstGeom prst="rect">
-            <a:avLst/>
-          </a:prstGeom>
-          <a:noFill/>
-        </p:spPr>
-        <p:txBody>
-          <a:bodyPr wrap="square" rtlCol="0">
-            <a:spAutoFit/>
-          </a:bodyPr>
-          <a:lstStyle/>
-          <a:p>
-            <a:pPr algn="ctr"/>
-            <a:r>
-              <a:rPr lang="en-US" sz="2800" dirty="0">
-                <a:solidFill>
-                  <a:schemeClr val="accent1"/>
-                </a:solidFill>
-              </a:rPr>
-              <a:t>Without for-macro</a:t>
-            </a:r>
-          </a:p>
-        </p:txBody>
-      </p:sp>
-      <p:sp>
-        <p:nvSpPr>
-          <p:cNvPr id="12" name="TextBox 11">
-            <a:extLst>
-              <a:ext uri="{FF2B5EF4-FFF2-40B4-BE49-F238E27FC236}">
-                <a16:creationId xmlns:a16="http://schemas.microsoft.com/office/drawing/2014/main" id="{5AF4C648-0F4D-E044-BDCA-5C81895EF90A}"/>
-              </a:ext>
-            </a:extLst>
-          </p:cNvPr>
-          <p:cNvSpPr txBox="1"/>
-          <p:nvPr/>
-        </p:nvSpPr>
-        <p:spPr>
-          <a:xfrm>
-            <a:off x="7091081" y="4673337"/>
-            <a:ext cx="3179483" cy="523220"/>
-          </a:xfrm>
-          <a:prstGeom prst="rect">
-            <a:avLst/>
-          </a:prstGeom>
-          <a:noFill/>
-        </p:spPr>
-        <p:txBody>
-          <a:bodyPr wrap="square" rtlCol="0">
-            <a:spAutoFit/>
-          </a:bodyPr>
-          <a:lstStyle/>
-          <a:p>
-            <a:pPr algn="ctr"/>
-            <a:r>
-              <a:rPr lang="en-US" sz="2800" dirty="0">
-                <a:solidFill>
-                  <a:schemeClr val="accent1"/>
-                </a:solidFill>
-              </a:rPr>
-              <a:t>With for-macro</a:t>
-            </a:r>
-          </a:p>
-        </p:txBody>
-      </p:sp>
-      <p:sp>
-        <p:nvSpPr>
-          <p:cNvPr id="13" name="TextBox 12">
-            <a:extLst>
-              <a:ext uri="{FF2B5EF4-FFF2-40B4-BE49-F238E27FC236}">
-                <a16:creationId xmlns:a16="http://schemas.microsoft.com/office/drawing/2014/main" id="{AF1A8F71-A8FA-9649-8D37-52E443817799}"/>
-              </a:ext>
-            </a:extLst>
-          </p:cNvPr>
-          <p:cNvSpPr txBox="1"/>
-          <p:nvPr/>
-        </p:nvSpPr>
-        <p:spPr>
-          <a:xfrm>
-            <a:off x="1180353" y="5785223"/>
-            <a:ext cx="9831294" cy="830997"/>
-          </a:xfrm>
-          <a:prstGeom prst="rect">
-            <a:avLst/>
-          </a:prstGeom>
-          <a:noFill/>
-        </p:spPr>
-        <p:txBody>
-          <a:bodyPr wrap="square" rtlCol="0">
-            <a:spAutoFit/>
-          </a:bodyPr>
-          <a:lstStyle/>
-          <a:p>
-            <a:pPr algn="ctr"/>
-            <a:r>
-              <a:rPr lang="en-US" sz="4800" dirty="0"/>
-              <a:t>Created similar macro for </a:t>
-            </a:r>
-            <a:r>
-              <a:rPr lang="en-US" sz="4800" b="1" dirty="0">
-                <a:solidFill>
-                  <a:schemeClr val="accent4"/>
-                </a:solidFill>
-              </a:rPr>
-              <a:t>while-loops</a:t>
-            </a:r>
-          </a:p>
-        </p:txBody>
-      </p:sp>
-    </p:spTree>
-    <p:extLst>
-      <p:ext uri="{BB962C8B-B14F-4D97-AF65-F5344CB8AC3E}">
-        <p14:creationId xmlns:p14="http://schemas.microsoft.com/office/powerpoint/2010/main" val="1623768468"/>
       </p:ext>
     </p:extLst>
   </p:cSld>

--- a/presentation/SPIN2022.pptx
+++ b/presentation/SPIN2022.pptx
@@ -5,7 +5,7 @@
     <p:sldMasterId id="2147483672" r:id="rId1"/>
   </p:sldMasterIdLst>
   <p:notesMasterIdLst>
-    <p:notesMasterId r:id="rId23"/>
+    <p:notesMasterId r:id="rId24"/>
   </p:notesMasterIdLst>
   <p:sldIdLst>
     <p:sldId id="256" r:id="rId2"/>
@@ -29,6 +29,7 @@
     <p:sldId id="273" r:id="rId20"/>
     <p:sldId id="274" r:id="rId21"/>
     <p:sldId id="277" r:id="rId22"/>
+    <p:sldId id="282" r:id="rId23"/>
   </p:sldIdLst>
   <p:sldSz cx="12192000" cy="6858000"/>
   <p:notesSz cx="6858000" cy="9144000"/>
@@ -6611,8 +6612,8 @@
         </p:nvSpPr>
         <p:spPr>
           <a:xfrm>
-            <a:off x="6305922" y="3824233"/>
-            <a:ext cx="5544671" cy="400110"/>
+            <a:off x="6305922" y="3608333"/>
+            <a:ext cx="5544671" cy="707886"/>
           </a:xfrm>
           <a:prstGeom prst="rect">
             <a:avLst/>
@@ -6624,6 +6625,19 @@
             <a:spAutoFit/>
           </a:bodyPr>
           <a:lstStyle/>
+          <a:p>
+            <a:r>
+              <a:rPr lang="en-US" sz="2000" dirty="0">
+                <a:solidFill>
+                  <a:schemeClr val="accent1">
+                    <a:lumMod val="75000"/>
+                  </a:schemeClr>
+                </a:solidFill>
+                <a:latin typeface="Menlo" panose="020B0609030804020204" pitchFamily="49" charset="0"/>
+              </a:rPr>
+              <a:t>// parallel-for function</a:t>
+            </a:r>
+          </a:p>
           <a:p>
             <a:r>
               <a:rPr lang="en-US" sz="2000" b="1" dirty="0">
@@ -8533,8 +8547,8 @@
         </p:nvSpPr>
         <p:spPr>
           <a:xfrm>
-            <a:off x="409545" y="4495164"/>
-            <a:ext cx="5544671" cy="1631216"/>
+            <a:off x="409545" y="4222114"/>
+            <a:ext cx="5544671" cy="1938992"/>
           </a:xfrm>
           <a:prstGeom prst="rect">
             <a:avLst/>
@@ -8546,6 +8560,19 @@
             <a:spAutoFit/>
           </a:bodyPr>
           <a:lstStyle/>
+          <a:p>
+            <a:r>
+              <a:rPr lang="en-US" sz="2000" dirty="0">
+                <a:solidFill>
+                  <a:schemeClr val="accent1">
+                    <a:lumMod val="75000"/>
+                  </a:schemeClr>
+                </a:solidFill>
+                <a:latin typeface="Menlo" panose="020B0609030804020204" pitchFamily="49" charset="0"/>
+              </a:rPr>
+              <a:t>// while function</a:t>
+            </a:r>
+          </a:p>
           <a:p>
             <a:r>
               <a:rPr lang="en-US" sz="2000" b="1" dirty="0">
@@ -10516,6 +10543,118 @@
           <a:chExt cx="0" cy="0"/>
         </a:xfrm>
       </p:grpSpPr>
+      <p:sp>
+        <p:nvSpPr>
+          <p:cNvPr id="16" name="TextBox 15">
+            <a:extLst>
+              <a:ext uri="{FF2B5EF4-FFF2-40B4-BE49-F238E27FC236}">
+                <a16:creationId xmlns:a16="http://schemas.microsoft.com/office/drawing/2014/main" id="{FE9768D8-EF42-1844-B563-19E207A2A994}"/>
+              </a:ext>
+            </a:extLst>
+          </p:cNvPr>
+          <p:cNvSpPr txBox="1"/>
+          <p:nvPr/>
+        </p:nvSpPr>
+        <p:spPr>
+          <a:xfrm>
+            <a:off x="1296894" y="5922012"/>
+            <a:ext cx="9598211" cy="954107"/>
+          </a:xfrm>
+          <a:prstGeom prst="rect">
+            <a:avLst/>
+          </a:prstGeom>
+          <a:noFill/>
+        </p:spPr>
+        <p:txBody>
+          <a:bodyPr wrap="square" rtlCol="0">
+            <a:spAutoFit/>
+          </a:bodyPr>
+          <a:lstStyle/>
+          <a:p>
+            <a:pPr algn="ctr"/>
+            <a:r>
+              <a:rPr lang="en-US" sz="2800" dirty="0">
+                <a:solidFill>
+                  <a:schemeClr val="accent6"/>
+                </a:solidFill>
+              </a:rPr>
+              <a:t>Around 200 Lines of </a:t>
+            </a:r>
+            <a:r>
+              <a:rPr lang="en-US" sz="2800" dirty="0" err="1">
+                <a:solidFill>
+                  <a:schemeClr val="accent6"/>
+                </a:solidFill>
+              </a:rPr>
+              <a:t>Cryptol</a:t>
+            </a:r>
+            <a:r>
+              <a:rPr lang="en-US" sz="2800" dirty="0">
+                <a:solidFill>
+                  <a:schemeClr val="accent6"/>
+                </a:solidFill>
+              </a:rPr>
+              <a:t> to ponder and compare but…</a:t>
+            </a:r>
+          </a:p>
+          <a:p>
+            <a:pPr algn="ctr"/>
+            <a:endParaRPr lang="en-US" sz="2800" dirty="0">
+              <a:solidFill>
+                <a:schemeClr val="accent6"/>
+              </a:solidFill>
+            </a:endParaRPr>
+          </a:p>
+        </p:txBody>
+      </p:sp>
+      <p:sp>
+        <p:nvSpPr>
+          <p:cNvPr id="17" name="TextBox 16">
+            <a:extLst>
+              <a:ext uri="{FF2B5EF4-FFF2-40B4-BE49-F238E27FC236}">
+                <a16:creationId xmlns:a16="http://schemas.microsoft.com/office/drawing/2014/main" id="{554A2DED-34BC-2C41-A8E6-3868425F4C98}"/>
+              </a:ext>
+            </a:extLst>
+          </p:cNvPr>
+          <p:cNvSpPr txBox="1"/>
+          <p:nvPr/>
+        </p:nvSpPr>
+        <p:spPr>
+          <a:xfrm>
+            <a:off x="1296894" y="5922012"/>
+            <a:ext cx="9598211" cy="954107"/>
+          </a:xfrm>
+          <a:prstGeom prst="rect">
+            <a:avLst/>
+          </a:prstGeom>
+          <a:noFill/>
+        </p:spPr>
+        <p:txBody>
+          <a:bodyPr wrap="square" rtlCol="0">
+            <a:spAutoFit/>
+          </a:bodyPr>
+          <a:lstStyle/>
+          <a:p>
+            <a:pPr algn="ctr"/>
+            <a:endParaRPr lang="en-US" sz="2800" dirty="0">
+              <a:solidFill>
+                <a:schemeClr val="accent6"/>
+              </a:solidFill>
+            </a:endParaRPr>
+          </a:p>
+          <a:p>
+            <a:pPr algn="ctr"/>
+            <a:r>
+              <a:rPr lang="en-US" sz="2800" dirty="0">
+                <a:solidFill>
+                  <a:schemeClr val="accent6"/>
+                </a:solidFill>
+              </a:rPr>
+              <a:t>…test vectors help!</a:t>
+            </a:r>
+          </a:p>
+        </p:txBody>
+      </p:sp>
       <p:sp>
         <p:nvSpPr>
           <p:cNvPr id="2" name="Title 1">
@@ -11029,62 +11168,6 @@
           </a:p>
         </p:txBody>
       </p:sp>
-      <p:sp>
-        <p:nvSpPr>
-          <p:cNvPr id="16" name="TextBox 15">
-            <a:extLst>
-              <a:ext uri="{FF2B5EF4-FFF2-40B4-BE49-F238E27FC236}">
-                <a16:creationId xmlns:a16="http://schemas.microsoft.com/office/drawing/2014/main" id="{FE9768D8-EF42-1844-B563-19E207A2A994}"/>
-              </a:ext>
-            </a:extLst>
-          </p:cNvPr>
-          <p:cNvSpPr txBox="1"/>
-          <p:nvPr/>
-        </p:nvSpPr>
-        <p:spPr>
-          <a:xfrm>
-            <a:off x="1296894" y="5922012"/>
-            <a:ext cx="9598211" cy="523220"/>
-          </a:xfrm>
-          <a:prstGeom prst="rect">
-            <a:avLst/>
-          </a:prstGeom>
-          <a:noFill/>
-        </p:spPr>
-        <p:txBody>
-          <a:bodyPr wrap="square" rtlCol="0">
-            <a:spAutoFit/>
-          </a:bodyPr>
-          <a:lstStyle/>
-          <a:p>
-            <a:pPr algn="ctr"/>
-            <a:r>
-              <a:rPr lang="en-US" sz="2800" dirty="0">
-                <a:solidFill>
-                  <a:schemeClr val="accent6"/>
-                </a:solidFill>
-              </a:rPr>
-              <a:t>Around 200 Lines of </a:t>
-            </a:r>
-            <a:r>
-              <a:rPr lang="en-US" sz="2800" dirty="0" err="1">
-                <a:solidFill>
-                  <a:schemeClr val="accent6"/>
-                </a:solidFill>
-              </a:rPr>
-              <a:t>Cryptol</a:t>
-            </a:r>
-            <a:r>
-              <a:rPr lang="en-US" sz="2800" dirty="0">
-                <a:solidFill>
-                  <a:schemeClr val="accent6"/>
-                </a:solidFill>
-              </a:rPr>
-              <a:t> to ponder and compare</a:t>
-            </a:r>
-          </a:p>
-        </p:txBody>
-      </p:sp>
     </p:spTree>
     <p:extLst>
       <p:ext uri="{BB962C8B-B14F-4D97-AF65-F5344CB8AC3E}">
@@ -11142,6 +11225,33 @@
                                   </p:childTnLst>
                                 </p:cTn>
                               </p:par>
+                              <p:par>
+                                <p:cTn id="7" presetID="1" presetClass="entr" presetSubtype="0" fill="hold" grpId="0" nodeType="withEffect">
+                                  <p:stCondLst>
+                                    <p:cond delay="0"/>
+                                  </p:stCondLst>
+                                  <p:childTnLst>
+                                    <p:set>
+                                      <p:cBhvr>
+                                        <p:cTn id="8" dur="1" fill="hold">
+                                          <p:stCondLst>
+                                            <p:cond delay="0"/>
+                                          </p:stCondLst>
+                                        </p:cTn>
+                                        <p:tgtEl>
+                                          <p:spTgt spid="16"/>
+                                        </p:tgtEl>
+                                        <p:attrNameLst>
+                                          <p:attrName>style.visibility</p:attrName>
+                                        </p:attrNameLst>
+                                      </p:cBhvr>
+                                      <p:to>
+                                        <p:strVal val="visible"/>
+                                      </p:to>
+                                    </p:set>
+                                  </p:childTnLst>
+                                </p:cTn>
+                              </p:par>
                             </p:childTnLst>
                           </p:cTn>
                         </p:par>
@@ -11149,26 +11259,26 @@
                     </p:cTn>
                   </p:par>
                   <p:par>
-                    <p:cTn id="7" fill="hold">
+                    <p:cTn id="9" fill="hold">
                       <p:stCondLst>
                         <p:cond delay="indefinite"/>
                       </p:stCondLst>
                       <p:childTnLst>
                         <p:par>
-                          <p:cTn id="8" fill="hold">
+                          <p:cTn id="10" fill="hold">
                             <p:stCondLst>
                               <p:cond delay="0"/>
                             </p:stCondLst>
                             <p:childTnLst>
                               <p:par>
-                                <p:cTn id="9" presetID="1" presetClass="entr" presetSubtype="0" fill="hold" grpId="0" nodeType="clickEffect">
+                                <p:cTn id="11" presetID="1" presetClass="entr" presetSubtype="0" fill="hold" grpId="0" nodeType="clickEffect">
                                   <p:stCondLst>
                                     <p:cond delay="0"/>
                                   </p:stCondLst>
                                   <p:childTnLst>
                                     <p:set>
                                       <p:cBhvr>
-                                        <p:cTn id="10" dur="1" fill="hold">
+                                        <p:cTn id="12" dur="1" fill="hold">
                                           <p:stCondLst>
                                             <p:cond delay="0"/>
                                           </p:stCondLst>
@@ -11188,14 +11298,14 @@
                                 </p:cTn>
                               </p:par>
                               <p:par>
-                                <p:cTn id="11" presetID="1" presetClass="entr" presetSubtype="0" fill="hold" grpId="0" nodeType="withEffect">
+                                <p:cTn id="13" presetID="1" presetClass="entr" presetSubtype="0" fill="hold" grpId="0" nodeType="withEffect">
                                   <p:stCondLst>
                                     <p:cond delay="0"/>
                                   </p:stCondLst>
                                   <p:childTnLst>
                                     <p:set>
                                       <p:cBhvr>
-                                        <p:cTn id="12" dur="1" fill="hold">
+                                        <p:cTn id="14" dur="1" fill="hold">
                                           <p:stCondLst>
                                             <p:cond delay="0"/>
                                           </p:stCondLst>
@@ -11214,26 +11324,8 @@
                                   </p:childTnLst>
                                 </p:cTn>
                               </p:par>
-                            </p:childTnLst>
-                          </p:cTn>
-                        </p:par>
-                      </p:childTnLst>
-                    </p:cTn>
-                  </p:par>
-                  <p:par>
-                    <p:cTn id="13" fill="hold">
-                      <p:stCondLst>
-                        <p:cond delay="indefinite"/>
-                      </p:stCondLst>
-                      <p:childTnLst>
-                        <p:par>
-                          <p:cTn id="14" fill="hold">
-                            <p:stCondLst>
-                              <p:cond delay="0"/>
-                            </p:stCondLst>
-                            <p:childTnLst>
                               <p:par>
-                                <p:cTn id="15" presetID="1" presetClass="entr" presetSubtype="0" fill="hold" grpId="0" nodeType="clickEffect">
+                                <p:cTn id="15" presetID="1" presetClass="entr" presetSubtype="0" fill="hold" grpId="0" nodeType="withEffect">
                                   <p:stCondLst>
                                     <p:cond delay="0"/>
                                   </p:stCondLst>
@@ -11246,7 +11338,7 @@
                                           </p:stCondLst>
                                         </p:cTn>
                                         <p:tgtEl>
-                                          <p:spTgt spid="16"/>
+                                          <p:spTgt spid="17"/>
                                         </p:tgtEl>
                                         <p:attrNameLst>
                                           <p:attrName>style.visibility</p:attrName>
@@ -11287,10 +11379,11 @@
       </p:par>
     </p:tnLst>
     <p:bldLst>
+      <p:bldP spid="16" grpId="0"/>
+      <p:bldP spid="17" grpId="0"/>
       <p:bldP spid="13" grpId="0" animBg="1"/>
       <p:bldP spid="14" grpId="0" animBg="1"/>
       <p:bldP spid="15" grpId="0" animBg="1"/>
-      <p:bldP spid="16" grpId="0"/>
     </p:bldLst>
   </p:timing>
 </p:sld>
@@ -13518,8 +13611,8 @@
           </a:p>
         </p:txBody>
       </p:sp>
-      <mc:AlternateContent xmlns:mc="http://schemas.openxmlformats.org/markup-compatibility/2006">
-        <mc:Choice xmlns:a14="http://schemas.microsoft.com/office/drawing/2010/main" Requires="a14">
+      <mc:AlternateContent xmlns:mc="http://schemas.openxmlformats.org/markup-compatibility/2006" xmlns:a14="http://schemas.microsoft.com/office/drawing/2010/main">
+        <mc:Choice Requires="a14">
           <p:sp>
             <p:nvSpPr>
               <p:cNvPr id="30" name="TextBox 29">
@@ -14151,7 +14244,7 @@
             </p:txBody>
           </p:sp>
         </mc:Choice>
-        <mc:Fallback>
+        <mc:Fallback xmlns="">
           <p:sp>
             <p:nvSpPr>
               <p:cNvPr id="30" name="TextBox 29">
@@ -14196,6 +14289,87 @@
           </p:sp>
         </mc:Fallback>
       </mc:AlternateContent>
+      <p:sp>
+        <p:nvSpPr>
+          <p:cNvPr id="32" name="Right Brace 31">
+            <a:extLst>
+              <a:ext uri="{FF2B5EF4-FFF2-40B4-BE49-F238E27FC236}">
+                <a16:creationId xmlns:a16="http://schemas.microsoft.com/office/drawing/2014/main" id="{906E752F-E2D2-A34A-995A-DA6FE9EF1D15}"/>
+              </a:ext>
+            </a:extLst>
+          </p:cNvPr>
+          <p:cNvSpPr/>
+          <p:nvPr/>
+        </p:nvSpPr>
+        <p:spPr>
+          <a:xfrm rot="16200000">
+            <a:off x="4506709" y="3765467"/>
+            <a:ext cx="276632" cy="2292351"/>
+          </a:xfrm>
+          <a:prstGeom prst="rightBrace">
+            <a:avLst/>
+          </a:prstGeom>
+          <a:ln w="38100"/>
+        </p:spPr>
+        <p:style>
+          <a:lnRef idx="1">
+            <a:schemeClr val="accent1"/>
+          </a:lnRef>
+          <a:fillRef idx="0">
+            <a:schemeClr val="accent1"/>
+          </a:fillRef>
+          <a:effectRef idx="0">
+            <a:schemeClr val="accent1"/>
+          </a:effectRef>
+          <a:fontRef idx="minor">
+            <a:schemeClr val="tx1"/>
+          </a:fontRef>
+        </p:style>
+        <p:txBody>
+          <a:bodyPr rtlCol="0" anchor="ctr"/>
+          <a:lstStyle/>
+          <a:p>
+            <a:pPr algn="ctr"/>
+            <a:endParaRPr lang="en-US"/>
+          </a:p>
+        </p:txBody>
+      </p:sp>
+      <p:sp>
+        <p:nvSpPr>
+          <p:cNvPr id="33" name="TextBox 32">
+            <a:extLst>
+              <a:ext uri="{FF2B5EF4-FFF2-40B4-BE49-F238E27FC236}">
+                <a16:creationId xmlns:a16="http://schemas.microsoft.com/office/drawing/2014/main" id="{23E02DDB-EFC2-284B-A624-8A591EA85844}"/>
+              </a:ext>
+            </a:extLst>
+          </p:cNvPr>
+          <p:cNvSpPr txBox="1"/>
+          <p:nvPr/>
+        </p:nvSpPr>
+        <p:spPr>
+          <a:xfrm>
+            <a:off x="3642460" y="4311661"/>
+            <a:ext cx="1849158" cy="461665"/>
+          </a:xfrm>
+          <a:prstGeom prst="rect">
+            <a:avLst/>
+          </a:prstGeom>
+          <a:noFill/>
+        </p:spPr>
+        <p:txBody>
+          <a:bodyPr wrap="square" rtlCol="0">
+            <a:spAutoFit/>
+          </a:bodyPr>
+          <a:lstStyle/>
+          <a:p>
+            <a:pPr algn="ctr"/>
+            <a:r>
+              <a:rPr lang="en-US" sz="2400" dirty="0"/>
+              <a:t>Computed</a:t>
+            </a:r>
+          </a:p>
+        </p:txBody>
+      </p:sp>
     </p:spTree>
     <p:extLst>
       <p:ext uri="{BB962C8B-B14F-4D97-AF65-F5344CB8AC3E}">
@@ -17553,11 +17727,11 @@
             <p:nvPr/>
           </p:nvPicPr>
           <p:blipFill>
-            <a:blip r:embed="rId3">
+            <a:blip r:embed="rId13">
               <a:extLst>
                 <a:ext uri="{BEBA8EAE-BF5A-486C-A8C5-ECC9F3942E4B}">
                   <a14:imgProps xmlns:a14="http://schemas.microsoft.com/office/drawing/2010/main">
-                    <a14:imgLayer r:embed="rId13">
+                    <a14:imgLayer r:embed="rId14">
                       <a14:imgEffect>
                         <a14:backgroundRemoval t="1613" b="97312" l="8487" r="89668">
                           <a14:foregroundMark x1="26130" y1="89661" x2="29963" y2="90114"/>
@@ -21846,8 +22020,8 @@
           </a:p>
         </p:txBody>
       </p:sp>
-      <mc:AlternateContent xmlns:mc="http://schemas.openxmlformats.org/markup-compatibility/2006">
-        <mc:Choice xmlns:a14="http://schemas.microsoft.com/office/drawing/2010/main" Requires="a14">
+      <mc:AlternateContent xmlns:mc="http://schemas.openxmlformats.org/markup-compatibility/2006" xmlns:a14="http://schemas.microsoft.com/office/drawing/2010/main">
+        <mc:Choice Requires="a14">
           <p:graphicFrame>
             <p:nvGraphicFramePr>
               <p:cNvPr id="3" name="Table 3">
@@ -22525,7 +22699,7 @@
             </a:graphic>
           </p:graphicFrame>
         </mc:Choice>
-        <mc:Fallback>
+        <mc:Fallback xmlns="">
           <p:graphicFrame>
             <p:nvGraphicFramePr>
               <p:cNvPr id="3" name="Table 3">
@@ -23197,6 +23371,434 @@
   <p:clrMapOvr>
     <a:masterClrMapping/>
   </p:clrMapOvr>
+</p:sld>
+</file>
+
+<file path=ppt/slides/slide22.xml><?xml version="1.0" encoding="utf-8"?>
+<p:sld xmlns:a="http://schemas.openxmlformats.org/drawingml/2006/main" xmlns:r="http://schemas.openxmlformats.org/officeDocument/2006/relationships" xmlns:p="http://schemas.openxmlformats.org/presentationml/2006/main">
+  <p:cSld>
+    <p:spTree>
+      <p:nvGrpSpPr>
+        <p:cNvPr id="1" name=""/>
+        <p:cNvGrpSpPr/>
+        <p:nvPr/>
+      </p:nvGrpSpPr>
+      <p:grpSpPr>
+        <a:xfrm>
+          <a:off x="0" y="0"/>
+          <a:ext cx="0" cy="0"/>
+          <a:chOff x="0" y="0"/>
+          <a:chExt cx="0" cy="0"/>
+        </a:xfrm>
+      </p:grpSpPr>
+      <p:sp>
+        <p:nvSpPr>
+          <p:cNvPr id="2" name="Title 1">
+            <a:extLst>
+              <a:ext uri="{FF2B5EF4-FFF2-40B4-BE49-F238E27FC236}">
+                <a16:creationId xmlns:a16="http://schemas.microsoft.com/office/drawing/2014/main" id="{C1917FA5-0DD9-3E49-8576-522A7BD16DA9}"/>
+              </a:ext>
+            </a:extLst>
+          </p:cNvPr>
+          <p:cNvSpPr>
+            <a:spLocks noGrp="1"/>
+          </p:cNvSpPr>
+          <p:nvPr>
+            <p:ph type="title"/>
+          </p:nvPr>
+        </p:nvSpPr>
+        <p:spPr/>
+        <p:txBody>
+          <a:bodyPr/>
+          <a:lstStyle/>
+          <a:p>
+            <a:r>
+              <a:rPr lang="en-US" dirty="0"/>
+              <a:t>Conclusions and Future Work</a:t>
+            </a:r>
+          </a:p>
+        </p:txBody>
+      </p:sp>
+      <p:sp>
+        <p:nvSpPr>
+          <p:cNvPr id="3" name="Content Placeholder 2">
+            <a:extLst>
+              <a:ext uri="{FF2B5EF4-FFF2-40B4-BE49-F238E27FC236}">
+                <a16:creationId xmlns:a16="http://schemas.microsoft.com/office/drawing/2014/main" id="{A3358C60-5467-9F4D-9E79-46C580510F53}"/>
+              </a:ext>
+            </a:extLst>
+          </p:cNvPr>
+          <p:cNvSpPr>
+            <a:spLocks noGrp="1"/>
+          </p:cNvSpPr>
+          <p:nvPr>
+            <p:ph idx="1"/>
+          </p:nvPr>
+        </p:nvSpPr>
+        <p:spPr/>
+        <p:txBody>
+          <a:bodyPr>
+            <a:normAutofit fontScale="77500" lnSpcReduction="20000"/>
+          </a:bodyPr>
+          <a:lstStyle/>
+          <a:p>
+            <a:r>
+              <a:rPr lang="en-US" dirty="0" err="1"/>
+              <a:t>Cryptol</a:t>
+            </a:r>
+            <a:r>
+              <a:rPr lang="en-US" dirty="0"/>
+              <a:t> is well suited to SHA-3 specification</a:t>
+            </a:r>
+          </a:p>
+          <a:p>
+            <a:r>
+              <a:rPr lang="en-US" dirty="0"/>
+              <a:t>Hiding list comprehensions makes visual inspection easier</a:t>
+            </a:r>
+          </a:p>
+          <a:p>
+            <a:r>
+              <a:rPr lang="en-US" dirty="0"/>
+              <a:t>Must take intermediate step for C memory layout with OpenSSL</a:t>
+            </a:r>
+          </a:p>
+          <a:p>
+            <a:r>
+              <a:rPr lang="en-US" dirty="0">
+                <a:solidFill>
+                  <a:schemeClr val="accent6"/>
+                </a:solidFill>
+              </a:rPr>
+              <a:t>Proved new </a:t>
+            </a:r>
+            <a:r>
+              <a:rPr lang="en-US" dirty="0" err="1">
+                <a:solidFill>
+                  <a:schemeClr val="accent6"/>
+                </a:solidFill>
+              </a:rPr>
+              <a:t>Cryptol</a:t>
+            </a:r>
+            <a:r>
+              <a:rPr lang="en-US" dirty="0">
+                <a:solidFill>
+                  <a:schemeClr val="accent6"/>
+                </a:solidFill>
+              </a:rPr>
+              <a:t> specification equivalent to NIST one for 0 to 1,088 bit messages</a:t>
+            </a:r>
+          </a:p>
+          <a:p>
+            <a:r>
+              <a:rPr lang="en-US" dirty="0"/>
+              <a:t>SHA-3 modularity creates override targets (intractable without)</a:t>
+            </a:r>
+          </a:p>
+          <a:p>
+            <a:r>
+              <a:rPr lang="en-US" dirty="0">
+                <a:solidFill>
+                  <a:schemeClr val="accent6"/>
+                </a:solidFill>
+              </a:rPr>
+              <a:t>Proved </a:t>
+            </a:r>
+            <a:r>
+              <a:rPr lang="en-US" dirty="0">
+                <a:solidFill>
+                  <a:schemeClr val="accent6"/>
+                </a:solidFill>
+                <a:latin typeface="Copperplate" panose="02000504000000020004" pitchFamily="2" charset="77"/>
+              </a:rPr>
+              <a:t>Keccak </a:t>
+            </a:r>
+            <a:r>
+              <a:rPr lang="en-US" dirty="0">
+                <a:solidFill>
+                  <a:schemeClr val="accent6"/>
+                </a:solidFill>
+              </a:rPr>
+              <a:t>equivalence to OpenSSL C code for any arbitrary state</a:t>
+            </a:r>
+          </a:p>
+          <a:p>
+            <a:pPr marL="0" indent="0">
+              <a:buNone/>
+            </a:pPr>
+            <a:endParaRPr lang="en-US" dirty="0"/>
+          </a:p>
+          <a:p>
+            <a:r>
+              <a:rPr lang="en-US" dirty="0"/>
+              <a:t>Prove padding equivalence to OpenSSL</a:t>
+            </a:r>
+          </a:p>
+          <a:p>
+            <a:r>
+              <a:rPr lang="en-US" dirty="0"/>
+              <a:t>Prove squeeze equivalence to OpenSSL (some difficult type issues…)</a:t>
+            </a:r>
+          </a:p>
+          <a:p>
+            <a:r>
+              <a:rPr lang="en-US" dirty="0"/>
+              <a:t>Proof of specification against OpenSSL with padding, squeeze and </a:t>
+            </a:r>
+            <a:r>
+              <a:rPr lang="en-US" dirty="0">
+                <a:solidFill>
+                  <a:schemeClr val="tx2"/>
+                </a:solidFill>
+                <a:latin typeface="Copperplate" panose="02000504000000020004" pitchFamily="2" charset="77"/>
+              </a:rPr>
+              <a:t>Keccak</a:t>
+            </a:r>
+            <a:r>
+              <a:rPr lang="en-US" dirty="0">
+                <a:solidFill>
+                  <a:schemeClr val="accent6"/>
+                </a:solidFill>
+                <a:latin typeface="Copperplate" panose="02000504000000020004" pitchFamily="2" charset="77"/>
+              </a:rPr>
+              <a:t> </a:t>
+            </a:r>
+            <a:r>
+              <a:rPr lang="en-US" dirty="0"/>
+              <a:t>overrides</a:t>
+            </a:r>
+          </a:p>
+          <a:p>
+            <a:r>
+              <a:rPr lang="en-US" dirty="0"/>
+              <a:t>Formal argument that 0 to 1,088 bit messages sufficient for any message</a:t>
+            </a:r>
+          </a:p>
+          <a:p>
+            <a:r>
+              <a:rPr lang="en-US" dirty="0" err="1"/>
+              <a:t>Dafny</a:t>
+            </a:r>
+            <a:r>
+              <a:rPr lang="en-US" dirty="0"/>
+              <a:t> proof?</a:t>
+            </a:r>
+          </a:p>
+        </p:txBody>
+      </p:sp>
+    </p:spTree>
+    <p:extLst>
+      <p:ext uri="{BB962C8B-B14F-4D97-AF65-F5344CB8AC3E}">
+        <p14:creationId xmlns:p14="http://schemas.microsoft.com/office/powerpoint/2010/main" val="2841511471"/>
+      </p:ext>
+    </p:extLst>
+  </p:cSld>
+  <p:clrMapOvr>
+    <a:masterClrMapping/>
+  </p:clrMapOvr>
+  <p:timing>
+    <p:tnLst>
+      <p:par>
+        <p:cTn id="1" dur="indefinite" restart="never" nodeType="tmRoot">
+          <p:childTnLst>
+            <p:seq concurrent="1" nextAc="seek">
+              <p:cTn id="2" dur="indefinite" nodeType="mainSeq">
+                <p:childTnLst>
+                  <p:par>
+                    <p:cTn id="3" fill="hold">
+                      <p:stCondLst>
+                        <p:cond delay="indefinite"/>
+                      </p:stCondLst>
+                      <p:childTnLst>
+                        <p:par>
+                          <p:cTn id="4" fill="hold">
+                            <p:stCondLst>
+                              <p:cond delay="0"/>
+                            </p:stCondLst>
+                            <p:childTnLst>
+                              <p:par>
+                                <p:cTn id="5" presetID="1" presetClass="entr" presetSubtype="0" fill="hold" nodeType="clickEffect">
+                                  <p:stCondLst>
+                                    <p:cond delay="0"/>
+                                  </p:stCondLst>
+                                  <p:childTnLst>
+                                    <p:set>
+                                      <p:cBhvr>
+                                        <p:cTn id="6" dur="1" fill="hold">
+                                          <p:stCondLst>
+                                            <p:cond delay="0"/>
+                                          </p:stCondLst>
+                                        </p:cTn>
+                                        <p:tgtEl>
+                                          <p:spTgt spid="3">
+                                            <p:txEl>
+                                              <p:pRg st="7" end="7"/>
+                                            </p:txEl>
+                                          </p:spTgt>
+                                        </p:tgtEl>
+                                        <p:attrNameLst>
+                                          <p:attrName>style.visibility</p:attrName>
+                                        </p:attrNameLst>
+                                      </p:cBhvr>
+                                      <p:to>
+                                        <p:strVal val="visible"/>
+                                      </p:to>
+                                    </p:set>
+                                  </p:childTnLst>
+                                </p:cTn>
+                              </p:par>
+                              <p:par>
+                                <p:cTn id="7" presetID="1" presetClass="entr" presetSubtype="0" fill="hold" nodeType="withEffect">
+                                  <p:stCondLst>
+                                    <p:cond delay="0"/>
+                                  </p:stCondLst>
+                                  <p:childTnLst>
+                                    <p:set>
+                                      <p:cBhvr>
+                                        <p:cTn id="8" dur="1" fill="hold">
+                                          <p:stCondLst>
+                                            <p:cond delay="0"/>
+                                          </p:stCondLst>
+                                        </p:cTn>
+                                        <p:tgtEl>
+                                          <p:spTgt spid="3">
+                                            <p:txEl>
+                                              <p:pRg st="8" end="8"/>
+                                            </p:txEl>
+                                          </p:spTgt>
+                                        </p:tgtEl>
+                                        <p:attrNameLst>
+                                          <p:attrName>style.visibility</p:attrName>
+                                        </p:attrNameLst>
+                                      </p:cBhvr>
+                                      <p:to>
+                                        <p:strVal val="visible"/>
+                                      </p:to>
+                                    </p:set>
+                                  </p:childTnLst>
+                                </p:cTn>
+                              </p:par>
+                              <p:par>
+                                <p:cTn id="9" presetID="1" presetClass="entr" presetSubtype="0" fill="hold" nodeType="withEffect">
+                                  <p:stCondLst>
+                                    <p:cond delay="0"/>
+                                  </p:stCondLst>
+                                  <p:childTnLst>
+                                    <p:set>
+                                      <p:cBhvr>
+                                        <p:cTn id="10" dur="1" fill="hold">
+                                          <p:stCondLst>
+                                            <p:cond delay="0"/>
+                                          </p:stCondLst>
+                                        </p:cTn>
+                                        <p:tgtEl>
+                                          <p:spTgt spid="3">
+                                            <p:txEl>
+                                              <p:pRg st="9" end="9"/>
+                                            </p:txEl>
+                                          </p:spTgt>
+                                        </p:tgtEl>
+                                        <p:attrNameLst>
+                                          <p:attrName>style.visibility</p:attrName>
+                                        </p:attrNameLst>
+                                      </p:cBhvr>
+                                      <p:to>
+                                        <p:strVal val="visible"/>
+                                      </p:to>
+                                    </p:set>
+                                  </p:childTnLst>
+                                </p:cTn>
+                              </p:par>
+                              <p:par>
+                                <p:cTn id="11" presetID="1" presetClass="entr" presetSubtype="0" fill="hold" nodeType="withEffect">
+                                  <p:stCondLst>
+                                    <p:cond delay="0"/>
+                                  </p:stCondLst>
+                                  <p:childTnLst>
+                                    <p:set>
+                                      <p:cBhvr>
+                                        <p:cTn id="12" dur="1" fill="hold">
+                                          <p:stCondLst>
+                                            <p:cond delay="0"/>
+                                          </p:stCondLst>
+                                        </p:cTn>
+                                        <p:tgtEl>
+                                          <p:spTgt spid="3">
+                                            <p:txEl>
+                                              <p:pRg st="10" end="10"/>
+                                            </p:txEl>
+                                          </p:spTgt>
+                                        </p:tgtEl>
+                                        <p:attrNameLst>
+                                          <p:attrName>style.visibility</p:attrName>
+                                        </p:attrNameLst>
+                                      </p:cBhvr>
+                                      <p:to>
+                                        <p:strVal val="visible"/>
+                                      </p:to>
+                                    </p:set>
+                                  </p:childTnLst>
+                                </p:cTn>
+                              </p:par>
+                              <p:par>
+                                <p:cTn id="13" presetID="1" presetClass="entr" presetSubtype="0" fill="hold" nodeType="withEffect">
+                                  <p:stCondLst>
+                                    <p:cond delay="0"/>
+                                  </p:stCondLst>
+                                  <p:childTnLst>
+                                    <p:set>
+                                      <p:cBhvr>
+                                        <p:cTn id="14" dur="1" fill="hold">
+                                          <p:stCondLst>
+                                            <p:cond delay="0"/>
+                                          </p:stCondLst>
+                                        </p:cTn>
+                                        <p:tgtEl>
+                                          <p:spTgt spid="3">
+                                            <p:txEl>
+                                              <p:pRg st="11" end="11"/>
+                                            </p:txEl>
+                                          </p:spTgt>
+                                        </p:tgtEl>
+                                        <p:attrNameLst>
+                                          <p:attrName>style.visibility</p:attrName>
+                                        </p:attrNameLst>
+                                      </p:cBhvr>
+                                      <p:to>
+                                        <p:strVal val="visible"/>
+                                      </p:to>
+                                    </p:set>
+                                  </p:childTnLst>
+                                </p:cTn>
+                              </p:par>
+                            </p:childTnLst>
+                          </p:cTn>
+                        </p:par>
+                      </p:childTnLst>
+                    </p:cTn>
+                  </p:par>
+                </p:childTnLst>
+              </p:cTn>
+              <p:prevCondLst>
+                <p:cond evt="onPrev" delay="0">
+                  <p:tgtEl>
+                    <p:sldTgt/>
+                  </p:tgtEl>
+                </p:cond>
+              </p:prevCondLst>
+              <p:nextCondLst>
+                <p:cond evt="onNext" delay="0">
+                  <p:tgtEl>
+                    <p:sldTgt/>
+                  </p:tgtEl>
+                </p:cond>
+              </p:nextCondLst>
+            </p:seq>
+          </p:childTnLst>
+        </p:cTn>
+      </p:par>
+    </p:tnLst>
+  </p:timing>
 </p:sld>
 </file>
 
@@ -27448,8 +28050,8 @@
           </a:p>
         </p:txBody>
       </p:sp>
-      <mc:AlternateContent xmlns:mc="http://schemas.openxmlformats.org/markup-compatibility/2006">
-        <mc:Choice xmlns:a14="http://schemas.microsoft.com/office/drawing/2010/main" Requires="a14">
+      <mc:AlternateContent xmlns:mc="http://schemas.openxmlformats.org/markup-compatibility/2006" xmlns:a14="http://schemas.microsoft.com/office/drawing/2010/main">
+        <mc:Choice Requires="a14">
           <p:sp>
             <p:nvSpPr>
               <p:cNvPr id="14" name="TextBox 13">
@@ -27882,7 +28484,7 @@
             </p:txBody>
           </p:sp>
         </mc:Choice>
-        <mc:Fallback>
+        <mc:Fallback xmlns="">
           <p:sp>
             <p:nvSpPr>
               <p:cNvPr id="14" name="TextBox 13">
@@ -27941,7 +28543,7 @@
         </p:nvSpPr>
         <p:spPr>
           <a:xfrm>
-            <a:off x="1877860" y="5705605"/>
+            <a:off x="1877860" y="5699255"/>
             <a:ext cx="8436280" cy="646331"/>
           </a:xfrm>
           <a:prstGeom prst="rect">

--- a/presentation/SPIN2022.pptx
+++ b/presentation/SPIN2022.pptx
@@ -144,36 +144,19 @@
 
 <file path=ppt/comments/modernComment_110_EF993C80.xml><?xml version="1.0" encoding="utf-8"?>
 <p188:cmLst xmlns:a="http://schemas.openxmlformats.org/drawingml/2006/main" xmlns:r="http://schemas.openxmlformats.org/officeDocument/2006/relationships" xmlns:p188="http://schemas.microsoft.com/office/powerpoint/2018/8/main">
-  <p188:cm id="{EA0E8BA7-7854-472F-B1D3-F39F990E67FF}" authorId="{2047F790-A760-A233-90F9-8943DDACFEB7}" created="2022-05-19T00:44:11.223">
-    <ac:txMkLst xmlns:ac="http://schemas.microsoft.com/office/drawing/2013/main/command">
+  <p188:cm id="{4AD2C686-7115-4188-9B6C-52688C30AF2A}" authorId="{2047F790-A760-A233-90F9-8943DDACFEB7}" created="2022-05-20T06:19:15.948">
+    <ac:deMkLst xmlns:ac="http://schemas.microsoft.com/office/drawing/2013/main/command">
       <pc:docMk xmlns:pc="http://schemas.microsoft.com/office/powerpoint/2013/main/command"/>
       <pc:sldMk xmlns:pc="http://schemas.microsoft.com/office/powerpoint/2013/main/command" cId="4019797120" sldId="272"/>
-      <ac:spMk id="21" creationId="{D4EE9CAC-5C9B-9C40-A030-757CE0B5B310}"/>
-      <ac:txMk cp="8">
-        <ac:context len="29" hash="3121733803"/>
-      </ac:txMk>
-    </ac:txMkLst>
-    <p188:replyLst>
-      <p188:reply id="{FC1A7384-E593-402F-BD89-F6C1C17E4DA1}" authorId="{2047F790-A760-A233-90F9-8943DDACFEB7}" created="2022-05-19T00:44:34.992">
-        <p188:txBody>
-          <a:bodyPr/>
-          <a:lstStyle/>
-          <a:p>
-            <a:r>
-              <a:rPr lang="en-US"/>
-              <a:t>Main issues were typing and iterative stream setup.</a:t>
-            </a:r>
-          </a:p>
-        </p188:txBody>
-      </p188:reply>
-    </p188:replyLst>
+      <ac:grpSpMk id="11" creationId="{D83EBA79-56D4-8444-A85B-3CD6A7E12450}"/>
+    </ac:deMkLst>
     <p188:txBody>
       <a:bodyPr/>
       <a:lstStyle/>
       <a:p>
         <a:r>
           <a:rPr lang="en-US"/>
-          <a:t>Is this the proper term?</a:t>
+          <a:t>Should this be the OpenSSL cryptol rather than Spec?</a:t>
         </a:r>
       </a:p>
     </p188:txBody>
@@ -263,7 +246,7 @@
           <a:p>
             <a:fld id="{6E742D25-F818-3F41-A083-9D0C2C4584D2}" type="datetimeFigureOut">
               <a:rPr lang="en-US" smtClean="0"/>
-              <a:t>5/19/22</a:t>
+              <a:t>5/19/2022</a:t>
             </a:fld>
             <a:endParaRPr lang="en-US"/>
           </a:p>
@@ -576,21 +559,7 @@
           <a:p>
             <a:r>
               <a:rPr lang="en-US" dirty="0"/>
-              <a:t>My name is Parker Hanson, and I’m an adult.</a:t>
-            </a:r>
-          </a:p>
-          <a:p>
-            <a:r>
-              <a:rPr lang="en-US" dirty="0"/>
-              <a:t>My dad </a:t>
-            </a:r>
-            <a:r>
-              <a:rPr lang="en-US" dirty="0" err="1"/>
-              <a:t>ain’t</a:t>
-            </a:r>
-            <a:r>
-              <a:rPr lang="en-US" dirty="0"/>
-              <a:t> a cell phone.</a:t>
+              <a:t>&lt;How should I introduce myself?&gt;</a:t>
             </a:r>
           </a:p>
         </p:txBody>
@@ -691,13 +660,42 @@
           <a:p>
             <a:r>
               <a:rPr lang="en-US" dirty="0"/>
-              <a:t>We constructed higher order functions that hide the less comparable list comprehensions to greatly simplify looping structures such as for and while loops.</a:t>
+              <a:t>We constructed higher order functions that hide the less comparable list comprehensions to greatly simplify looping structures such as for loops.</a:t>
             </a:r>
           </a:p>
           <a:p>
             <a:r>
               <a:rPr lang="en-US" dirty="0"/>
               <a:t>This led to a more straightforward visual comparison.</a:t>
+            </a:r>
+          </a:p>
+          <a:p>
+            <a:endParaRPr lang="en-US" dirty="0"/>
+          </a:p>
+          <a:p>
+            <a:r>
+              <a:rPr lang="en-US" dirty="0"/>
+              <a:t>On the left, we see how the unaltered </a:t>
+            </a:r>
+            <a:r>
+              <a:rPr lang="en-US" dirty="0" err="1"/>
+              <a:t>Cryptol</a:t>
+            </a:r>
+            <a:r>
+              <a:rPr lang="en-US" dirty="0"/>
+              <a:t> code, while functionally identical to the NIST specification above, appears backwards.</a:t>
+            </a:r>
+          </a:p>
+          <a:p>
+            <a:r>
+              <a:rPr lang="en-US" dirty="0"/>
+              <a:t>The looping body is first, with the iterating variables appearing in reversed order.</a:t>
+            </a:r>
+          </a:p>
+          <a:p>
+            <a:r>
+              <a:rPr lang="en-US" dirty="0"/>
+              <a:t>Using the higher order function, the variables and looping body more closely align with the NIST document.</a:t>
             </a:r>
           </a:p>
         </p:txBody>
@@ -784,7 +782,13 @@
           <a:p>
             <a:r>
               <a:rPr lang="en-US" dirty="0"/>
-              <a:t>Visual inspection with the standard </a:t>
+              <a:t>The same was true of while loops.</a:t>
+            </a:r>
+          </a:p>
+          <a:p>
+            <a:r>
+              <a:rPr lang="en-US" dirty="0"/>
+              <a:t>With list comprehensions, maintained state through loop iterations was rather difficult to compare between unaltered </a:t>
             </a:r>
             <a:r>
               <a:rPr lang="en-US" dirty="0" err="1"/>
@@ -792,19 +796,39 @@
             </a:r>
             <a:r>
               <a:rPr lang="en-US" dirty="0"/>
-              <a:t> syntax of list comprehensions was not always intuitive.</a:t>
+              <a:t> and the NIST specification.</a:t>
             </a:r>
           </a:p>
           <a:p>
             <a:r>
               <a:rPr lang="en-US" dirty="0"/>
-              <a:t>We constructed higher order functions that hide the less comparable list comprehensions to greatly simplify looping structures such as for and while loops.</a:t>
+              <a:t>Though obtuse, the unaltered </a:t>
             </a:r>
           </a:p>
           <a:p>
             <a:r>
               <a:rPr lang="en-US" dirty="0"/>
-              <a:t>This led to a more straightforward visual comparison.</a:t>
+              <a:t>With the recursive while function seen on the left, an initial state is clearly defined and updated each loop.</a:t>
+            </a:r>
+          </a:p>
+          <a:p>
+            <a:r>
+              <a:rPr lang="en-US" dirty="0"/>
+              <a:t>In this case, the state maintains the iteration count </a:t>
+            </a:r>
+            <a:r>
+              <a:rPr lang="en-US" dirty="0" err="1"/>
+              <a:t>i</a:t>
+            </a:r>
+            <a:r>
+              <a:rPr lang="en-US" dirty="0"/>
+              <a:t> and an 8-bit value R.</a:t>
+            </a:r>
+          </a:p>
+          <a:p>
+            <a:r>
+              <a:rPr lang="en-US" dirty="0"/>
+              <a:t>Lastly, the state is queried for the proper field to return, in this case R.</a:t>
             </a:r>
           </a:p>
         </p:txBody>
@@ -998,12 +1022,6 @@
           <a:p>
             <a:r>
               <a:rPr lang="en-US" dirty="0"/>
-              <a:t>OpenSSL’s C implementation formatted the intermediate state differently from the NIST standard.</a:t>
-            </a:r>
-          </a:p>
-          <a:p>
-            <a:r>
-              <a:rPr lang="en-US" dirty="0"/>
               <a:t>A direct comparison from our visually reviewable </a:t>
             </a:r>
             <a:r>
@@ -1018,71 +1036,7 @@
           <a:p>
             <a:r>
               <a:rPr lang="en-US" dirty="0"/>
-              <a:t>Because </a:t>
-            </a:r>
-            <a:r>
-              <a:rPr lang="en-US" dirty="0" err="1"/>
-              <a:t>Cryptol</a:t>
-            </a:r>
-            <a:r>
-              <a:rPr lang="en-US" dirty="0"/>
-              <a:t> is natively supported in SAW, </a:t>
-            </a:r>
-            <a:r>
-              <a:rPr lang="en-US" dirty="0" err="1"/>
-              <a:t>Cryptol</a:t>
-            </a:r>
-            <a:r>
-              <a:rPr lang="en-US" dirty="0"/>
-              <a:t> to </a:t>
-            </a:r>
-            <a:r>
-              <a:rPr lang="en-US" dirty="0" err="1"/>
-              <a:t>Cryptol</a:t>
-            </a:r>
-            <a:r>
-              <a:rPr lang="en-US" dirty="0"/>
-              <a:t> comparisons are more feasible.</a:t>
-            </a:r>
-          </a:p>
-          <a:p>
-            <a:r>
-              <a:rPr lang="en-US" dirty="0"/>
-              <a:t>We produced a second </a:t>
-            </a:r>
-            <a:r>
-              <a:rPr lang="en-US" dirty="0" err="1"/>
-              <a:t>Cryptol</a:t>
-            </a:r>
-            <a:r>
-              <a:rPr lang="en-US" dirty="0"/>
-              <a:t> implementation that followed the OpenSSL’s memory layout and proved the equivalence between the two </a:t>
-            </a:r>
-            <a:r>
-              <a:rPr lang="en-US" dirty="0" err="1"/>
-              <a:t>Cryptol</a:t>
-            </a:r>
-            <a:r>
-              <a:rPr lang="en-US" dirty="0"/>
-              <a:t> implementations.</a:t>
-            </a:r>
-          </a:p>
-          <a:p>
-            <a:r>
-              <a:rPr lang="en-US" dirty="0"/>
-              <a:t>Due to differences in memory, this was done at the top level of the SHA3 algorithm.</a:t>
-            </a:r>
-          </a:p>
-          <a:p>
-            <a:r>
-              <a:rPr lang="en-US" dirty="0"/>
-              <a:t>Strict typing constraints required us to verify for each critical input message size.</a:t>
-            </a:r>
-          </a:p>
-          <a:p>
-            <a:r>
-              <a:rPr lang="en-US" dirty="0"/>
-              <a:t>By verifying all message lengths from 0 to 1088 bits, all possible padding inputs, we covered every conceivable branch.</a:t>
+              <a:t>This was mostly due to differences in memory layout between the two languages.</a:t>
             </a:r>
           </a:p>
         </p:txBody>
@@ -1169,13 +1123,35 @@
           <a:p>
             <a:r>
               <a:rPr lang="en-US" dirty="0"/>
-              <a:t>OpenSSL’s C implementation formatted the intermediate state differently from the NIST standard.</a:t>
-            </a:r>
-          </a:p>
-          <a:p>
+              <a:t>The </a:t>
+            </a:r>
+            <a:r>
+              <a:rPr lang="en-US" dirty="0" err="1"/>
+              <a:t>keccak</a:t>
+            </a:r>
             <a:r>
               <a:rPr lang="en-US" dirty="0"/>
-              <a:t>A direct comparison from our visually reviewable </a:t>
+              <a:t> function state is a 3-dimensional array of bits in the NIST specification.</a:t>
+            </a:r>
+          </a:p>
+          <a:p>
+            <a:r>
+              <a:rPr lang="en-US" dirty="0"/>
+              <a:t>The </a:t>
+            </a:r>
+            <a:r>
+              <a:rPr lang="en-US" dirty="0" err="1"/>
+              <a:t>cryptol</a:t>
+            </a:r>
+            <a:r>
+              <a:rPr lang="en-US" dirty="0"/>
+              <a:t> implementation relies on this as well, but OpenSSL’s implementation uses a two-dimensional array of 64 bit integers.</a:t>
+            </a:r>
+          </a:p>
+          <a:p>
+            <a:r>
+              <a:rPr lang="en-US" dirty="0"/>
+              <a:t>The NIST specification and </a:t>
             </a:r>
             <a:r>
               <a:rPr lang="en-US" dirty="0" err="1"/>
@@ -1183,77 +1159,7 @@
             </a:r>
             <a:r>
               <a:rPr lang="en-US" dirty="0"/>
-              <a:t> implementation to the OpenSSL implementation was too complex to complete with SAW.</a:t>
-            </a:r>
-          </a:p>
-          <a:p>
-            <a:r>
-              <a:rPr lang="en-US" dirty="0"/>
-              <a:t>Because </a:t>
-            </a:r>
-            <a:r>
-              <a:rPr lang="en-US" dirty="0" err="1"/>
-              <a:t>Cryptol</a:t>
-            </a:r>
-            <a:r>
-              <a:rPr lang="en-US" dirty="0"/>
-              <a:t> is natively supported in SAW, </a:t>
-            </a:r>
-            <a:r>
-              <a:rPr lang="en-US" dirty="0" err="1"/>
-              <a:t>Cryptol</a:t>
-            </a:r>
-            <a:r>
-              <a:rPr lang="en-US" dirty="0"/>
-              <a:t> to </a:t>
-            </a:r>
-            <a:r>
-              <a:rPr lang="en-US" dirty="0" err="1"/>
-              <a:t>Cryptol</a:t>
-            </a:r>
-            <a:r>
-              <a:rPr lang="en-US" dirty="0"/>
-              <a:t> comparisons are more feasible.</a:t>
-            </a:r>
-          </a:p>
-          <a:p>
-            <a:r>
-              <a:rPr lang="en-US" dirty="0"/>
-              <a:t>We produced a second </a:t>
-            </a:r>
-            <a:r>
-              <a:rPr lang="en-US" dirty="0" err="1"/>
-              <a:t>Cryptol</a:t>
-            </a:r>
-            <a:r>
-              <a:rPr lang="en-US" dirty="0"/>
-              <a:t> implementation that followed the OpenSSL’s memory layout and proved the equivalence between the two </a:t>
-            </a:r>
-            <a:r>
-              <a:rPr lang="en-US" dirty="0" err="1"/>
-              <a:t>Cryptol</a:t>
-            </a:r>
-            <a:r>
-              <a:rPr lang="en-US" dirty="0"/>
-              <a:t> implementations.</a:t>
-            </a:r>
-          </a:p>
-          <a:p>
-            <a:r>
-              <a:rPr lang="en-US" dirty="0"/>
-              <a:t>Due to differences in memory, this was done at the top level of the SHA3 algorithm.</a:t>
-            </a:r>
-          </a:p>
-          <a:p>
-            <a:r>
-              <a:rPr lang="en-US" dirty="0"/>
-              <a:t>Strict typing constraints required us to verify for each critical input message size.</a:t>
-            </a:r>
-          </a:p>
-          <a:p>
-            <a:r>
-              <a:rPr lang="en-US" dirty="0"/>
-              <a:t>By verifying all message lengths from 0 to 1088 bits, all possible padding inputs, we covered every conceivable branch.</a:t>
+              <a:t> implementation also index into the array by column then row, while OpenSSL indexes into the column first.</a:t>
             </a:r>
           </a:p>
         </p:txBody>
@@ -1340,13 +1246,13 @@
           <a:p>
             <a:r>
               <a:rPr lang="en-US" dirty="0"/>
-              <a:t>OpenSSL’s C implementation formatted the intermediate state differently from the NIST standard.</a:t>
+              <a:t>OpenSSL also relied on precomputed constants pulled from tables. </a:t>
             </a:r>
           </a:p>
           <a:p>
             <a:r>
               <a:rPr lang="en-US" dirty="0"/>
-              <a:t>A direct comparison from our visually reviewable </a:t>
+              <a:t>Our </a:t>
             </a:r>
             <a:r>
               <a:rPr lang="en-US" dirty="0" err="1"/>
@@ -1354,13 +1260,16 @@
             </a:r>
             <a:r>
               <a:rPr lang="en-US" dirty="0"/>
-              <a:t> implementation to the OpenSSL implementation was too complex to complete with SAW.</a:t>
-            </a:r>
+              <a:t> implementation computed these values during the hashing process.</a:t>
+            </a:r>
+          </a:p>
+          <a:p>
+            <a:endParaRPr lang="en-US" dirty="0"/>
           </a:p>
           <a:p>
             <a:r>
               <a:rPr lang="en-US" dirty="0"/>
-              <a:t>Because </a:t>
+              <a:t>Together, these differences proved too great for SAW to prove equivalence between OpenSSL and our initial </a:t>
             </a:r>
             <a:r>
               <a:rPr lang="en-US" dirty="0" err="1"/>
@@ -1368,64 +1277,11 @@
             </a:r>
             <a:r>
               <a:rPr lang="en-US" dirty="0"/>
-              <a:t> is natively supported in SAW, </a:t>
-            </a:r>
-            <a:r>
-              <a:rPr lang="en-US" dirty="0" err="1"/>
-              <a:t>Cryptol</a:t>
-            </a:r>
-            <a:r>
-              <a:rPr lang="en-US" dirty="0"/>
-              <a:t> to </a:t>
-            </a:r>
-            <a:r>
-              <a:rPr lang="en-US" dirty="0" err="1"/>
-              <a:t>Cryptol</a:t>
-            </a:r>
-            <a:r>
-              <a:rPr lang="en-US" dirty="0"/>
-              <a:t> comparisons are more feasible.</a:t>
-            </a:r>
-          </a:p>
-          <a:p>
-            <a:r>
-              <a:rPr lang="en-US" dirty="0"/>
-              <a:t>We produced a second </a:t>
-            </a:r>
-            <a:r>
-              <a:rPr lang="en-US" dirty="0" err="1"/>
-              <a:t>Cryptol</a:t>
-            </a:r>
-            <a:r>
-              <a:rPr lang="en-US" dirty="0"/>
-              <a:t> implementation that followed the OpenSSL’s memory layout and proved the equivalence between the two </a:t>
-            </a:r>
-            <a:r>
-              <a:rPr lang="en-US" dirty="0" err="1"/>
-              <a:t>Cryptol</a:t>
-            </a:r>
-            <a:r>
-              <a:rPr lang="en-US" dirty="0"/>
-              <a:t> implementations.</a:t>
-            </a:r>
-          </a:p>
-          <a:p>
-            <a:r>
-              <a:rPr lang="en-US" dirty="0"/>
-              <a:t>Due to differences in memory, this was done at the top level of the SHA3 algorithm.</a:t>
-            </a:r>
-          </a:p>
-          <a:p>
-            <a:r>
-              <a:rPr lang="en-US" dirty="0"/>
-              <a:t>Strict typing constraints required us to verify for each critical input message size.</a:t>
-            </a:r>
-          </a:p>
-          <a:p>
-            <a:r>
-              <a:rPr lang="en-US" dirty="0"/>
-              <a:t>By verifying all message lengths from 0 to 1088 bits, all possible padding inputs, we covered every conceivable branch.</a:t>
-            </a:r>
+              <a:t> implementation.</a:t>
+            </a:r>
+          </a:p>
+          <a:p>
+            <a:endParaRPr lang="en-US" dirty="0"/>
           </a:p>
         </p:txBody>
       </p:sp>
@@ -1509,15 +1365,12 @@
           <a:bodyPr/>
           <a:lstStyle/>
           <a:p>
+            <a:endParaRPr lang="en-US" dirty="0"/>
+          </a:p>
+          <a:p>
             <a:r>
               <a:rPr lang="en-US" dirty="0"/>
-              <a:t>OpenSSL’s C implementation formatted the intermediate state differently from the NIST standard.</a:t>
-            </a:r>
-          </a:p>
-          <a:p>
-            <a:r>
-              <a:rPr lang="en-US" dirty="0"/>
-              <a:t>A direct comparison from our visually reviewable </a:t>
+              <a:t>Because </a:t>
             </a:r>
             <a:r>
               <a:rPr lang="en-US" dirty="0" err="1"/>
@@ -1525,13 +1378,7 @@
             </a:r>
             <a:r>
               <a:rPr lang="en-US" dirty="0"/>
-              <a:t> implementation to the OpenSSL implementation was too complex to complete with SAW.</a:t>
-            </a:r>
-          </a:p>
-          <a:p>
-            <a:r>
-              <a:rPr lang="en-US" dirty="0"/>
-              <a:t>Because </a:t>
+              <a:t> is natively supported in SAW, </a:t>
             </a:r>
             <a:r>
               <a:rPr lang="en-US" dirty="0" err="1"/>
@@ -1539,7 +1386,7 @@
             </a:r>
             <a:r>
               <a:rPr lang="en-US" dirty="0"/>
-              <a:t> is natively supported in SAW, </a:t>
+              <a:t> to </a:t>
             </a:r>
             <a:r>
               <a:rPr lang="en-US" dirty="0" err="1"/>
@@ -1547,7 +1394,13 @@
             </a:r>
             <a:r>
               <a:rPr lang="en-US" dirty="0"/>
-              <a:t> to </a:t>
+              <a:t> comparisons are more feasible.</a:t>
+            </a:r>
+          </a:p>
+          <a:p>
+            <a:r>
+              <a:rPr lang="en-US" dirty="0"/>
+              <a:t>We produced a second </a:t>
             </a:r>
             <a:r>
               <a:rPr lang="en-US" dirty="0" err="1"/>
@@ -1555,13 +1408,7 @@
             </a:r>
             <a:r>
               <a:rPr lang="en-US" dirty="0"/>
-              <a:t> comparisons are more feasible.</a:t>
-            </a:r>
-          </a:p>
-          <a:p>
-            <a:r>
-              <a:rPr lang="en-US" dirty="0"/>
-              <a:t>We produced a second </a:t>
+              <a:t> implementation that followed the OpenSSL’s memory layout and proved the equivalence between the two </a:t>
             </a:r>
             <a:r>
               <a:rPr lang="en-US" dirty="0" err="1"/>
@@ -1569,21 +1416,7 @@
             </a:r>
             <a:r>
               <a:rPr lang="en-US" dirty="0"/>
-              <a:t> implementation that followed the OpenSSL’s memory layout and proved the equivalence between the two </a:t>
-            </a:r>
-            <a:r>
-              <a:rPr lang="en-US" dirty="0" err="1"/>
-              <a:t>Cryptol</a:t>
-            </a:r>
-            <a:r>
-              <a:rPr lang="en-US" dirty="0"/>
-              <a:t> implementations.</a:t>
-            </a:r>
-          </a:p>
-          <a:p>
-            <a:r>
-              <a:rPr lang="en-US" dirty="0"/>
-              <a:t>Due to differences in memory, this was done at the top level of the SHA3 algorithm.</a:t>
+              <a:t> implementations. </a:t>
             </a:r>
           </a:p>
           <a:p>
@@ -1681,8 +1514,82 @@
           <a:lstStyle/>
           <a:p>
             <a:r>
+              <a:rPr lang="en-US" b="0" i="0" dirty="0">
+                <a:effectLst/>
+                <a:latin typeface="Arial" panose="020B0604020202020204" pitchFamily="34" charset="0"/>
+              </a:rPr>
+              <a:t>The extracted </a:t>
+            </a:r>
+            <a:r>
+              <a:rPr lang="en-US" b="0" i="0" dirty="0" err="1">
+                <a:effectLst/>
+                <a:latin typeface="Arial" panose="020B0604020202020204" pitchFamily="34" charset="0"/>
+              </a:rPr>
+              <a:t>SAWCore</a:t>
+            </a:r>
+            <a:r>
+              <a:rPr lang="en-US" b="0" i="0" dirty="0">
+                <a:effectLst/>
+                <a:latin typeface="Arial" panose="020B0604020202020204" pitchFamily="34" charset="0"/>
+              </a:rPr>
+              <a:t> from the OpenSSL C implementation of </a:t>
+            </a:r>
+            <a:r>
+              <a:rPr lang="en-US" b="0" i="0" dirty="0">
+                <a:effectLst/>
+                <a:latin typeface="Courier New" panose="02070309020205020404" pitchFamily="49" charset="0"/>
+              </a:rPr>
+              <a:t>SHA-3 </a:t>
+            </a:r>
+            <a:r>
+              <a:rPr lang="en-US" b="0" i="0" dirty="0">
+                <a:effectLst/>
+                <a:latin typeface="Arial" panose="020B0604020202020204" pitchFamily="34" charset="0"/>
+              </a:rPr>
+              <a:t>is too big and complex for </a:t>
+            </a:r>
+            <a:r>
+              <a:rPr lang="en-US" b="0" i="0" dirty="0">
+                <a:effectLst/>
+                <a:latin typeface="Courier New" panose="02070309020205020404" pitchFamily="49" charset="0"/>
+              </a:rPr>
+              <a:t>SAW </a:t>
+            </a:r>
+            <a:r>
+              <a:rPr lang="en-US" b="0" i="0" dirty="0">
+                <a:effectLst/>
+                <a:latin typeface="Arial" panose="020B0604020202020204" pitchFamily="34" charset="0"/>
+              </a:rPr>
+              <a:t>to reason about directly.</a:t>
+            </a:r>
+          </a:p>
+          <a:p>
+            <a:r>
+              <a:rPr lang="en-US" b="0" i="0" dirty="0">
+                <a:effectLst/>
+                <a:latin typeface="Arial" panose="020B0604020202020204" pitchFamily="34" charset="0"/>
+              </a:rPr>
+              <a:t>Adding to the complexity of the equivalence proof is that the OpenSSL implementation changes the meaning of the state S in the algorithm so that it no longer directly matches the meaning defined in the published standard.</a:t>
+            </a:r>
+          </a:p>
+          <a:p>
+            <a:endParaRPr lang="en-US" b="0" i="0" dirty="0">
+              <a:effectLst/>
+              <a:latin typeface="Arial" panose="020B0604020202020204" pitchFamily="34" charset="0"/>
+            </a:endParaRPr>
+          </a:p>
+          <a:p>
+            <a:r>
               <a:rPr lang="en-US" dirty="0"/>
-              <a:t>&lt;What should we cover here?&gt;</a:t>
+              <a:t>SAW can, however, reason with the OpenSSL implementation at the level of the </a:t>
+            </a:r>
+            <a:r>
+              <a:rPr lang="en-US" dirty="0" err="1"/>
+              <a:t>keccak</a:t>
+            </a:r>
+            <a:r>
+              <a:rPr lang="en-US" dirty="0"/>
+              <a:t> function.</a:t>
             </a:r>
           </a:p>
         </p:txBody>
@@ -1769,7 +1676,13 @@
           <a:p>
             <a:r>
               <a:rPr lang="en-US" dirty="0"/>
-              <a:t>Keccak was too difficult to prove, yet due to its modularity we could prove each of the inner functions individually.</a:t>
+              <a:t>At the top level, Keccak was too difficult to prove.</a:t>
+            </a:r>
+          </a:p>
+          <a:p>
+            <a:r>
+              <a:rPr lang="en-US" dirty="0"/>
+              <a:t>Due to its modularity, however, we could prove each of the inner functions individually.</a:t>
             </a:r>
           </a:p>
         </p:txBody>
@@ -1859,6 +1772,20 @@
               <a:t>Each smaller transformation function was compared and shown equivalent.</a:t>
             </a:r>
           </a:p>
+          <a:p>
+            <a:r>
+              <a:rPr lang="en-US" dirty="0"/>
+              <a:t>SAW compared our provided OpenSSL-based </a:t>
+            </a:r>
+            <a:r>
+              <a:rPr lang="en-US" dirty="0" err="1"/>
+              <a:t>Cryptol</a:t>
+            </a:r>
+            <a:r>
+              <a:rPr lang="en-US" dirty="0"/>
+              <a:t> implementation to OpenSSL’s LLVM Bit Code compiled from C and showed they were equal for all inputs for each of these methods.</a:t>
+            </a:r>
+          </a:p>
         </p:txBody>
       </p:sp>
       <p:sp>
@@ -1942,23 +1869,155 @@
           <a:lstStyle/>
           <a:p>
             <a:r>
-              <a:rPr lang="en-US" dirty="0"/>
-              <a:t>What is </a:t>
-            </a:r>
-            <a:r>
-              <a:rPr lang="en-US" dirty="0" err="1"/>
-              <a:t>cryptol</a:t>
-            </a:r>
-            <a:r>
-              <a:rPr lang="en-US" dirty="0"/>
-              <a:t>?</a:t>
-            </a:r>
-          </a:p>
-          <a:p>
-            <a:r>
-              <a:rPr lang="en-US" dirty="0"/>
-              <a:t>What is SAW?</a:t>
-            </a:r>
+              <a:rPr lang="en-US" b="0" i="0" dirty="0">
+                <a:solidFill>
+                  <a:srgbClr val="24292F"/>
+                </a:solidFill>
+                <a:effectLst/>
+                <a:latin typeface="-apple-system"/>
+              </a:rPr>
+              <a:t>Galois designed the </a:t>
+            </a:r>
+            <a:r>
+              <a:rPr lang="en-US" b="0" i="0" dirty="0" err="1">
+                <a:solidFill>
+                  <a:srgbClr val="24292F"/>
+                </a:solidFill>
+                <a:effectLst/>
+                <a:latin typeface="-apple-system"/>
+              </a:rPr>
+              <a:t>Cryptol</a:t>
+            </a:r>
+            <a:r>
+              <a:rPr lang="en-US" b="0" i="0" dirty="0">
+                <a:solidFill>
+                  <a:srgbClr val="24292F"/>
+                </a:solidFill>
+                <a:effectLst/>
+                <a:latin typeface="-apple-system"/>
+              </a:rPr>
+              <a:t> specification language as a public standard for specifying cryptographic algorithms.</a:t>
+            </a:r>
+          </a:p>
+          <a:p>
+            <a:endParaRPr lang="en-US" b="0" i="0" dirty="0">
+              <a:solidFill>
+                <a:srgbClr val="24292F"/>
+              </a:solidFill>
+              <a:effectLst/>
+              <a:latin typeface="-apple-system"/>
+            </a:endParaRPr>
+          </a:p>
+          <a:p>
+            <a:r>
+              <a:rPr lang="en-US" b="0" i="0" dirty="0">
+                <a:solidFill>
+                  <a:srgbClr val="222222"/>
+                </a:solidFill>
+                <a:effectLst/>
+                <a:latin typeface="Open Sans" panose="020B0604020202020204" pitchFamily="34" charset="0"/>
+              </a:rPr>
+              <a:t>The Software Analysis Workbench, or SAW, formally verifies properties of code written in C, Java, and </a:t>
+            </a:r>
+            <a:r>
+              <a:rPr lang="en-US" b="0" i="0" u="none" strike="noStrike" dirty="0" err="1">
+                <a:solidFill>
+                  <a:srgbClr val="008CBA"/>
+                </a:solidFill>
+                <a:effectLst/>
+                <a:latin typeface="Open Sans" panose="020B0604020202020204" pitchFamily="34" charset="0"/>
+              </a:rPr>
+              <a:t>Cryptol</a:t>
+            </a:r>
+            <a:r>
+              <a:rPr lang="en-US" b="0" i="0" u="none" strike="noStrike" dirty="0">
+                <a:solidFill>
+                  <a:srgbClr val="008CBA"/>
+                </a:solidFill>
+                <a:effectLst/>
+                <a:latin typeface="Open Sans" panose="020B0604020202020204" pitchFamily="34" charset="0"/>
+              </a:rPr>
+              <a:t>.</a:t>
+            </a:r>
+          </a:p>
+          <a:p>
+            <a:pPr algn="l"/>
+            <a:r>
+              <a:rPr lang="en-US" b="0" i="0" dirty="0">
+                <a:solidFill>
+                  <a:srgbClr val="222222"/>
+                </a:solidFill>
+                <a:effectLst/>
+                <a:latin typeface="Open Sans" panose="020B0606030504020204" pitchFamily="34" charset="0"/>
+              </a:rPr>
+              <a:t>SAW translates code into formal models using symbolic execution.</a:t>
+            </a:r>
+          </a:p>
+          <a:p>
+            <a:pPr algn="l"/>
+            <a:endParaRPr lang="en-US" b="0" i="0" dirty="0">
+              <a:solidFill>
+                <a:srgbClr val="222222"/>
+              </a:solidFill>
+              <a:effectLst/>
+              <a:latin typeface="Open Sans" panose="020B0606030504020204" pitchFamily="34" charset="0"/>
+            </a:endParaRPr>
+          </a:p>
+          <a:p>
+            <a:pPr algn="l"/>
+            <a:r>
+              <a:rPr lang="en-US" b="0" i="0" dirty="0">
+                <a:solidFill>
+                  <a:srgbClr val="222222"/>
+                </a:solidFill>
+                <a:effectLst/>
+                <a:latin typeface="Open Sans" panose="020B0606030504020204" pitchFamily="34" charset="0"/>
+              </a:rPr>
+              <a:t>SAW and </a:t>
+            </a:r>
+            <a:r>
+              <a:rPr lang="en-US" b="0" i="0" dirty="0" err="1">
+                <a:solidFill>
+                  <a:srgbClr val="222222"/>
+                </a:solidFill>
+                <a:effectLst/>
+                <a:latin typeface="Open Sans" panose="020B0606030504020204" pitchFamily="34" charset="0"/>
+              </a:rPr>
+              <a:t>Cryptol</a:t>
+            </a:r>
+            <a:r>
+              <a:rPr lang="en-US" b="0" i="0" dirty="0">
+                <a:solidFill>
+                  <a:srgbClr val="222222"/>
+                </a:solidFill>
+                <a:effectLst/>
+                <a:latin typeface="Open Sans" panose="020B0606030504020204" pitchFamily="34" charset="0"/>
+              </a:rPr>
+              <a:t> are closely connected and are used to prove equivalence between a </a:t>
+            </a:r>
+            <a:r>
+              <a:rPr lang="en-US" b="0" i="0" dirty="0" err="1">
+                <a:solidFill>
+                  <a:srgbClr val="222222"/>
+                </a:solidFill>
+                <a:effectLst/>
+                <a:latin typeface="Open Sans" panose="020B0606030504020204" pitchFamily="34" charset="0"/>
+              </a:rPr>
+              <a:t>Cryptol</a:t>
+            </a:r>
+            <a:r>
+              <a:rPr lang="en-US" b="0" i="0" dirty="0">
+                <a:solidFill>
+                  <a:srgbClr val="222222"/>
+                </a:solidFill>
+                <a:effectLst/>
+                <a:latin typeface="Open Sans" panose="020B0606030504020204" pitchFamily="34" charset="0"/>
+              </a:rPr>
+              <a:t> specification and production C or Java code.</a:t>
+            </a:r>
+          </a:p>
+          <a:p>
+            <a:endParaRPr lang="en-US" dirty="0"/>
           </a:p>
         </p:txBody>
       </p:sp>
@@ -2091,6 +2150,397 @@
 </p:notes>
 </file>
 
+<file path=ppt/notesSlides/notesSlide21.xml><?xml version="1.0" encoding="utf-8"?>
+<p:notes xmlns:a="http://schemas.openxmlformats.org/drawingml/2006/main" xmlns:r="http://schemas.openxmlformats.org/officeDocument/2006/relationships" xmlns:p="http://schemas.openxmlformats.org/presentationml/2006/main">
+  <p:cSld>
+    <p:spTree>
+      <p:nvGrpSpPr>
+        <p:cNvPr id="1" name=""/>
+        <p:cNvGrpSpPr/>
+        <p:nvPr/>
+      </p:nvGrpSpPr>
+      <p:grpSpPr>
+        <a:xfrm>
+          <a:off x="0" y="0"/>
+          <a:ext cx="0" cy="0"/>
+          <a:chOff x="0" y="0"/>
+          <a:chExt cx="0" cy="0"/>
+        </a:xfrm>
+      </p:grpSpPr>
+      <p:sp>
+        <p:nvSpPr>
+          <p:cNvPr id="2" name="Slide Image Placeholder 1"/>
+          <p:cNvSpPr>
+            <a:spLocks noGrp="1" noRot="1" noChangeAspect="1"/>
+          </p:cNvSpPr>
+          <p:nvPr>
+            <p:ph type="sldImg"/>
+          </p:nvPr>
+        </p:nvSpPr>
+        <p:spPr/>
+      </p:sp>
+      <p:sp>
+        <p:nvSpPr>
+          <p:cNvPr id="3" name="Notes Placeholder 2"/>
+          <p:cNvSpPr>
+            <a:spLocks noGrp="1"/>
+          </p:cNvSpPr>
+          <p:nvPr>
+            <p:ph type="body" idx="1"/>
+          </p:nvPr>
+        </p:nvSpPr>
+        <p:spPr/>
+        <p:txBody>
+          <a:bodyPr/>
+          <a:lstStyle/>
+          <a:p>
+            <a:r>
+              <a:rPr lang="en-US" dirty="0"/>
+              <a:t>Except for iota, each transformation has a trivial proof time.</a:t>
+            </a:r>
+          </a:p>
+          <a:p>
+            <a:r>
+              <a:rPr lang="en-US" dirty="0"/>
+              <a:t>Iota relies on 24 different round constants, and each had to be proved out.</a:t>
+            </a:r>
+          </a:p>
+          <a:p>
+            <a:r>
+              <a:rPr lang="en-US" dirty="0"/>
+              <a:t>With the </a:t>
+            </a:r>
+            <a:r>
+              <a:rPr lang="en-US" dirty="0" err="1"/>
+              <a:t>yices</a:t>
+            </a:r>
+            <a:r>
+              <a:rPr lang="en-US" dirty="0"/>
+              <a:t> solver, </a:t>
+            </a:r>
+            <a:r>
+              <a:rPr lang="en-US" b="0" i="0" dirty="0">
+                <a:effectLst/>
+                <a:latin typeface="Arial" panose="020B0604020202020204" pitchFamily="34" charset="0"/>
+              </a:rPr>
+              <a:t>proving the equivalence in Keccak with the overrides takes less than 15 minutes.</a:t>
+            </a:r>
+            <a:endParaRPr lang="en-US" dirty="0"/>
+          </a:p>
+        </p:txBody>
+      </p:sp>
+      <p:sp>
+        <p:nvSpPr>
+          <p:cNvPr id="4" name="Slide Number Placeholder 3"/>
+          <p:cNvSpPr>
+            <a:spLocks noGrp="1"/>
+          </p:cNvSpPr>
+          <p:nvPr>
+            <p:ph type="sldNum" sz="quarter" idx="5"/>
+          </p:nvPr>
+        </p:nvSpPr>
+        <p:spPr/>
+        <p:txBody>
+          <a:bodyPr/>
+          <a:lstStyle/>
+          <a:p>
+            <a:fld id="{F9212696-0A7F-9A4B-8E6F-F66892427D89}" type="slidenum">
+              <a:rPr lang="en-US" smtClean="0"/>
+              <a:t>21</a:t>
+            </a:fld>
+            <a:endParaRPr lang="en-US"/>
+          </a:p>
+        </p:txBody>
+      </p:sp>
+    </p:spTree>
+    <p:extLst>
+      <p:ext uri="{BB962C8B-B14F-4D97-AF65-F5344CB8AC3E}">
+        <p14:creationId xmlns:p14="http://schemas.microsoft.com/office/powerpoint/2010/main" val="1234419745"/>
+      </p:ext>
+    </p:extLst>
+  </p:cSld>
+  <p:clrMapOvr>
+    <a:masterClrMapping/>
+  </p:clrMapOvr>
+</p:notes>
+</file>
+
+<file path=ppt/notesSlides/notesSlide22.xml><?xml version="1.0" encoding="utf-8"?>
+<p:notes xmlns:a="http://schemas.openxmlformats.org/drawingml/2006/main" xmlns:r="http://schemas.openxmlformats.org/officeDocument/2006/relationships" xmlns:p="http://schemas.openxmlformats.org/presentationml/2006/main">
+  <p:cSld>
+    <p:spTree>
+      <p:nvGrpSpPr>
+        <p:cNvPr id="1" name=""/>
+        <p:cNvGrpSpPr/>
+        <p:nvPr/>
+      </p:nvGrpSpPr>
+      <p:grpSpPr>
+        <a:xfrm>
+          <a:off x="0" y="0"/>
+          <a:ext cx="0" cy="0"/>
+          <a:chOff x="0" y="0"/>
+          <a:chExt cx="0" cy="0"/>
+        </a:xfrm>
+      </p:grpSpPr>
+      <p:sp>
+        <p:nvSpPr>
+          <p:cNvPr id="2" name="Slide Image Placeholder 1"/>
+          <p:cNvSpPr>
+            <a:spLocks noGrp="1" noRot="1" noChangeAspect="1"/>
+          </p:cNvSpPr>
+          <p:nvPr>
+            <p:ph type="sldImg"/>
+          </p:nvPr>
+        </p:nvSpPr>
+        <p:spPr/>
+      </p:sp>
+      <p:sp>
+        <p:nvSpPr>
+          <p:cNvPr id="3" name="Notes Placeholder 2"/>
+          <p:cNvSpPr>
+            <a:spLocks noGrp="1"/>
+          </p:cNvSpPr>
+          <p:nvPr>
+            <p:ph type="body" idx="1"/>
+          </p:nvPr>
+        </p:nvSpPr>
+        <p:spPr/>
+        <p:txBody>
+          <a:bodyPr/>
+          <a:lstStyle/>
+          <a:p>
+            <a:r>
+              <a:rPr lang="en-US" dirty="0"/>
+              <a:t>The modularity of the Keccak algorithm was key to this proof of equivalence.</a:t>
+            </a:r>
+          </a:p>
+          <a:p>
+            <a:r>
+              <a:rPr lang="en-US" dirty="0"/>
+              <a:t>The independence of the round transformations allowed us to prove equivalence with our simple laptops.</a:t>
+            </a:r>
+          </a:p>
+          <a:p>
+            <a:endParaRPr lang="en-US" dirty="0"/>
+          </a:p>
+          <a:p>
+            <a:r>
+              <a:rPr lang="en-US" dirty="0"/>
+              <a:t>The unappealing list comprehensions made visual inspection difficult.</a:t>
+            </a:r>
+          </a:p>
+          <a:p>
+            <a:r>
+              <a:rPr lang="en-US" dirty="0"/>
+              <a:t>Our helper methods reduced the burden of visual inspection.</a:t>
+            </a:r>
+          </a:p>
+          <a:p>
+            <a:endParaRPr lang="en-US" dirty="0"/>
+          </a:p>
+          <a:p>
+            <a:r>
+              <a:rPr lang="en-US" dirty="0"/>
+              <a:t>The </a:t>
+            </a:r>
+            <a:r>
+              <a:rPr lang="en-US" dirty="0" err="1"/>
+              <a:t>Cryptol</a:t>
+            </a:r>
+            <a:r>
+              <a:rPr lang="en-US" dirty="0"/>
+              <a:t>-to-</a:t>
+            </a:r>
+            <a:r>
+              <a:rPr lang="en-US" dirty="0" err="1"/>
+              <a:t>Cryptol</a:t>
+            </a:r>
+            <a:r>
+              <a:rPr lang="en-US" dirty="0"/>
+              <a:t> proof was key—without it, we couldn’t show that our visually aligned </a:t>
+            </a:r>
+            <a:r>
+              <a:rPr lang="en-US" dirty="0" err="1"/>
+              <a:t>cryptol</a:t>
+            </a:r>
+            <a:r>
+              <a:rPr lang="en-US" dirty="0"/>
+              <a:t> implementation was equivalent to OpenSSL’s C implementation.</a:t>
+            </a:r>
+          </a:p>
+          <a:p>
+            <a:endParaRPr lang="en-US" dirty="0"/>
+          </a:p>
+          <a:p>
+            <a:r>
+              <a:rPr lang="en-US" dirty="0"/>
+              <a:t>For each message size from 0 to 1088, we showed equivalence.</a:t>
+            </a:r>
+          </a:p>
+          <a:p>
+            <a:r>
+              <a:rPr lang="en-US" dirty="0"/>
+              <a:t>This covers all possible block padding sizes.</a:t>
+            </a:r>
+          </a:p>
+          <a:p>
+            <a:endParaRPr lang="en-US" dirty="0"/>
+          </a:p>
+          <a:p>
+            <a:r>
+              <a:rPr lang="en-US" dirty="0"/>
+              <a:t>&lt;How is this different from point 1?&gt;</a:t>
+            </a:r>
+          </a:p>
+          <a:p>
+            <a:endParaRPr lang="en-US" dirty="0"/>
+          </a:p>
+          <a:p>
+            <a:r>
+              <a:rPr lang="en-US" dirty="0"/>
+              <a:t>For all possible inputs, we showed that the OpenSSL implementation for </a:t>
+            </a:r>
+            <a:r>
+              <a:rPr lang="en-US" dirty="0" err="1"/>
+              <a:t>keccak</a:t>
+            </a:r>
+            <a:r>
+              <a:rPr lang="en-US" dirty="0"/>
+              <a:t> was equivalent to our visually aligned </a:t>
+            </a:r>
+            <a:r>
+              <a:rPr lang="en-US" dirty="0" err="1"/>
+              <a:t>cryptol</a:t>
+            </a:r>
+            <a:r>
+              <a:rPr lang="en-US" dirty="0"/>
+              <a:t> implementation.</a:t>
+            </a:r>
+          </a:p>
+          <a:p>
+            <a:endParaRPr lang="en-US" dirty="0"/>
+          </a:p>
+          <a:p>
+            <a:endParaRPr lang="en-US" dirty="0"/>
+          </a:p>
+          <a:p>
+            <a:endParaRPr lang="en-US" dirty="0"/>
+          </a:p>
+          <a:p>
+            <a:r>
+              <a:rPr lang="en-US" dirty="0"/>
+              <a:t>While we were able to prove equivalence for the </a:t>
+            </a:r>
+            <a:r>
+              <a:rPr lang="en-US" dirty="0" err="1"/>
+              <a:t>keccak</a:t>
+            </a:r>
+            <a:r>
+              <a:rPr lang="en-US" dirty="0"/>
+              <a:t> function, we have yet to prove out equivalence for the padding and squeeze methods.</a:t>
+            </a:r>
+          </a:p>
+          <a:p>
+            <a:r>
+              <a:rPr lang="en-US" dirty="0"/>
+              <a:t>This is due to strict typing requirements by </a:t>
+            </a:r>
+            <a:r>
+              <a:rPr lang="en-US" dirty="0" err="1"/>
+              <a:t>cryptol</a:t>
+            </a:r>
+            <a:r>
+              <a:rPr lang="en-US" dirty="0"/>
+              <a:t>.</a:t>
+            </a:r>
+          </a:p>
+          <a:p>
+            <a:r>
+              <a:rPr lang="en-US" dirty="0"/>
+              <a:t>Together with the </a:t>
+            </a:r>
+            <a:r>
+              <a:rPr lang="en-US" dirty="0" err="1"/>
+              <a:t>keccak</a:t>
+            </a:r>
+            <a:r>
+              <a:rPr lang="en-US" dirty="0"/>
+              <a:t> overrides, we would be able to prove equivalence between OpenSSL and the NIST specification.</a:t>
+            </a:r>
+          </a:p>
+          <a:p>
+            <a:endParaRPr lang="en-US" dirty="0"/>
+          </a:p>
+          <a:p>
+            <a:r>
+              <a:rPr lang="en-US" dirty="0"/>
+              <a:t>While we have covered all possible block sizes, we have yet to formalize the argument that this will cover all possible messages.</a:t>
+            </a:r>
+          </a:p>
+          <a:p>
+            <a:endParaRPr lang="en-US" dirty="0"/>
+          </a:p>
+          <a:p>
+            <a:r>
+              <a:rPr lang="en-US" dirty="0"/>
+              <a:t>A proof in </a:t>
+            </a:r>
+            <a:r>
+              <a:rPr lang="en-US" dirty="0" err="1"/>
+              <a:t>dafny</a:t>
+            </a:r>
+            <a:r>
+              <a:rPr lang="en-US" dirty="0"/>
+              <a:t> would synthesize to several different backend languages. &lt;Further elaboration here…&gt;</a:t>
+            </a:r>
+          </a:p>
+          <a:p>
+            <a:endParaRPr lang="en-US" dirty="0"/>
+          </a:p>
+          <a:p>
+            <a:r>
+              <a:rPr lang="en-US" dirty="0"/>
+              <a:t>Thanks you.</a:t>
+            </a:r>
+          </a:p>
+        </p:txBody>
+      </p:sp>
+      <p:sp>
+        <p:nvSpPr>
+          <p:cNvPr id="4" name="Slide Number Placeholder 3"/>
+          <p:cNvSpPr>
+            <a:spLocks noGrp="1"/>
+          </p:cNvSpPr>
+          <p:nvPr>
+            <p:ph type="sldNum" sz="quarter" idx="5"/>
+          </p:nvPr>
+        </p:nvSpPr>
+        <p:spPr/>
+        <p:txBody>
+          <a:bodyPr/>
+          <a:lstStyle/>
+          <a:p>
+            <a:fld id="{F9212696-0A7F-9A4B-8E6F-F66892427D89}" type="slidenum">
+              <a:rPr lang="en-US" smtClean="0"/>
+              <a:t>22</a:t>
+            </a:fld>
+            <a:endParaRPr lang="en-US"/>
+          </a:p>
+        </p:txBody>
+      </p:sp>
+    </p:spTree>
+    <p:extLst>
+      <p:ext uri="{BB962C8B-B14F-4D97-AF65-F5344CB8AC3E}">
+        <p14:creationId xmlns:p14="http://schemas.microsoft.com/office/powerpoint/2010/main" val="2780793836"/>
+      </p:ext>
+    </p:extLst>
+  </p:cSld>
+  <p:clrMapOvr>
+    <a:masterClrMapping/>
+  </p:clrMapOvr>
+</p:notes>
+</file>
+
 <file path=ppt/notesSlides/notesSlide3.xml><?xml version="1.0" encoding="utf-8"?>
 <p:notes xmlns:a="http://schemas.openxmlformats.org/drawingml/2006/main" xmlns:r="http://schemas.openxmlformats.org/officeDocument/2006/relationships" xmlns:p="http://schemas.openxmlformats.org/presentationml/2006/main">
   <p:cSld>
@@ -2143,13 +2593,8 @@
           <a:p>
             <a:r>
               <a:rPr lang="en-US" dirty="0"/>
-              <a:t>The HMAC proof assumes correctness of the </a:t>
-            </a:r>
-            <a:r>
-              <a:rPr lang="en-US"/>
-              <a:t>SHA2 algorithm</a:t>
-            </a:r>
-            <a:endParaRPr lang="en-US" dirty="0"/>
+              <a:t>This HMAC proof assumed correctness of the SHA2 algorithm</a:t>
+            </a:r>
           </a:p>
         </p:txBody>
       </p:sp>
@@ -2241,13 +2686,13 @@
           <a:p>
             <a:r>
               <a:rPr lang="en-US" dirty="0"/>
-              <a:t>It is not modular, so it had to be decomposed to be proved out in SAW.</a:t>
+              <a:t>It is not modular, so it had to be decomposed to be proven out in SAW.</a:t>
             </a:r>
           </a:p>
           <a:p>
             <a:r>
               <a:rPr lang="en-US" dirty="0"/>
-              <a:t>Each decomposed piece shown equivalent to a </a:t>
+              <a:t>Each decomposed piece was shown equivalent to a </a:t>
             </a:r>
             <a:r>
               <a:rPr lang="en-US" dirty="0" err="1"/>
@@ -2261,7 +2706,7 @@
           <a:p>
             <a:r>
               <a:rPr lang="en-US" dirty="0"/>
-              <a:t>Use overrides to replace decomposed piece with the </a:t>
+              <a:t>It used overrides to replace decomposed pieces with the </a:t>
             </a:r>
             <a:r>
               <a:rPr lang="en-US" dirty="0" err="1"/>
@@ -2269,13 +2714,13 @@
             </a:r>
             <a:r>
               <a:rPr lang="en-US" dirty="0"/>
-              <a:t>.</a:t>
+              <a:t> implementation.</a:t>
             </a:r>
           </a:p>
           <a:p>
             <a:r>
               <a:rPr lang="en-US" dirty="0"/>
-              <a:t>Reduced the complexity of the proof of equivalence to a </a:t>
+              <a:t>This reduced the complexity of the proof of equivalence to a </a:t>
             </a:r>
             <a:r>
               <a:rPr lang="en-US" dirty="0" err="1"/>
@@ -2292,13 +2737,13 @@
           <a:p>
             <a:r>
               <a:rPr lang="en-US" dirty="0"/>
-              <a:t>What about SHA-2.</a:t>
+              <a:t>What about SHA-3?</a:t>
             </a:r>
           </a:p>
           <a:p>
             <a:r>
               <a:rPr lang="en-US" dirty="0"/>
-              <a:t>The sponge construction is inherently more modular so it should lend itself better to SAW---no need for a decomposition.</a:t>
+              <a:t>The sponge construction is inherently more modular so it should lend itself better to SAW---no need for a decomposition step.</a:t>
             </a:r>
           </a:p>
         </p:txBody>
@@ -2410,7 +2855,100 @@
                 <a:ea typeface="+mn-ea"/>
                 <a:cs typeface="+mn-cs"/>
               </a:rPr>
-              <a:t>n ≥ 0 and (d, r) ∈ {(224, 1152) (256, 1088) (384, 832) (512, 576)} </a:t>
+              <a:t>Here is pseudocode for the SHA3 algorithm.</a:t>
+            </a:r>
+          </a:p>
+          <a:p>
+            <a:pPr marL="0" marR="0" lvl="0" indent="0" algn="l" defTabSz="914400" rtl="0" eaLnBrk="1" fontAlgn="auto" latinLnBrk="0" hangingPunct="1">
+              <a:lnSpc>
+                <a:spcPct val="100000"/>
+              </a:lnSpc>
+              <a:spcBef>
+                <a:spcPts val="0"/>
+              </a:spcBef>
+              <a:spcAft>
+                <a:spcPts val="0"/>
+              </a:spcAft>
+              <a:buClrTx/>
+              <a:buSzTx/>
+              <a:buFontTx/>
+              <a:buNone/>
+              <a:tabLst/>
+              <a:defRPr/>
+            </a:pPr>
+            <a:r>
+              <a:rPr lang="en-US" sz="1200" kern="1200" dirty="0">
+                <a:solidFill>
+                  <a:schemeClr val="tx1"/>
+                </a:solidFill>
+                <a:effectLst/>
+                <a:latin typeface="+mn-lt"/>
+                <a:ea typeface="+mn-ea"/>
+                <a:cs typeface="+mn-cs"/>
+              </a:rPr>
+              <a:t>‘d’ represents the digest length, with NIST defined values being {224, 256, 384, 512}.</a:t>
+            </a:r>
+          </a:p>
+          <a:p>
+            <a:pPr marL="0" marR="0" lvl="0" indent="0" algn="l" defTabSz="914400" rtl="0" eaLnBrk="1" fontAlgn="auto" latinLnBrk="0" hangingPunct="1">
+              <a:lnSpc>
+                <a:spcPct val="100000"/>
+              </a:lnSpc>
+              <a:spcBef>
+                <a:spcPts val="0"/>
+              </a:spcBef>
+              <a:spcAft>
+                <a:spcPts val="0"/>
+              </a:spcAft>
+              <a:buClrTx/>
+              <a:buSzTx/>
+              <a:buFontTx/>
+              <a:buNone/>
+              <a:tabLst/>
+              <a:defRPr/>
+            </a:pPr>
+            <a:r>
+              <a:rPr lang="en-US" sz="1200" kern="1200" dirty="0">
+                <a:solidFill>
+                  <a:schemeClr val="tx1"/>
+                </a:solidFill>
+                <a:effectLst/>
+                <a:latin typeface="+mn-lt"/>
+                <a:ea typeface="+mn-ea"/>
+                <a:cs typeface="+mn-cs"/>
+              </a:rPr>
+              <a:t>‘M’ represents in the input string.</a:t>
+            </a:r>
+          </a:p>
+          <a:p>
+            <a:pPr marL="0" marR="0" lvl="0" indent="0" algn="l" defTabSz="914400" rtl="0" eaLnBrk="1" fontAlgn="auto" latinLnBrk="0" hangingPunct="1">
+              <a:lnSpc>
+                <a:spcPct val="100000"/>
+              </a:lnSpc>
+              <a:spcBef>
+                <a:spcPts val="0"/>
+              </a:spcBef>
+              <a:spcAft>
+                <a:spcPts val="0"/>
+              </a:spcAft>
+              <a:buClrTx/>
+              <a:buSzTx/>
+              <a:buFontTx/>
+              <a:buNone/>
+              <a:tabLst/>
+              <a:defRPr/>
+            </a:pPr>
+            <a:r>
+              <a:rPr lang="en-US" sz="1200" kern="1200" dirty="0">
+                <a:solidFill>
+                  <a:schemeClr val="tx1"/>
+                </a:solidFill>
+                <a:effectLst/>
+                <a:latin typeface="+mn-lt"/>
+                <a:ea typeface="+mn-ea"/>
+                <a:cs typeface="+mn-cs"/>
+              </a:rPr>
+              <a:t>‘D’ is the returned digest.</a:t>
             </a:r>
           </a:p>
           <a:p>
@@ -2469,53 +3007,8 @@
                 <a:ea typeface="+mn-ea"/>
                 <a:cs typeface="+mn-cs"/>
               </a:rPr>
-              <a:t>With d=</a:t>
-            </a:r>
-            <a:r>
-              <a:rPr lang="en-US" sz="1200" kern="1200" dirty="0" err="1">
-                <a:solidFill>
-                  <a:schemeClr val="tx1"/>
-                </a:solidFill>
-                <a:effectLst/>
-                <a:latin typeface="+mn-lt"/>
-                <a:ea typeface="+mn-ea"/>
-                <a:cs typeface="+mn-cs"/>
-              </a:rPr>
-              <a:t>digest_size</a:t>
-            </a:r>
-            <a:r>
-              <a:rPr lang="en-US" sz="1200" kern="1200" dirty="0">
-                <a:solidFill>
-                  <a:schemeClr val="tx1"/>
-                </a:solidFill>
-                <a:effectLst/>
-                <a:latin typeface="+mn-lt"/>
-                <a:ea typeface="+mn-ea"/>
-                <a:cs typeface="+mn-cs"/>
-              </a:rPr>
-              <a:t>, r=rate, n=</a:t>
-            </a:r>
-            <a:r>
-              <a:rPr lang="en-US" sz="1200" kern="1200" dirty="0" err="1">
-                <a:solidFill>
-                  <a:schemeClr val="tx1"/>
-                </a:solidFill>
-                <a:effectLst/>
-                <a:latin typeface="+mn-lt"/>
-                <a:ea typeface="+mn-ea"/>
-                <a:cs typeface="+mn-cs"/>
-              </a:rPr>
-              <a:t>input_size</a:t>
-            </a:r>
-            <a:endParaRPr lang="en-US" sz="1200" kern="1200" dirty="0">
-              <a:solidFill>
-                <a:schemeClr val="tx1"/>
-              </a:solidFill>
-              <a:effectLst/>
-              <a:latin typeface="+mn-lt"/>
-              <a:ea typeface="+mn-ea"/>
-              <a:cs typeface="+mn-cs"/>
-            </a:endParaRPr>
+              <a:t>SHA3 handles its input differently from its predecessors through sponge construction.</a:t>
+            </a:r>
           </a:p>
           <a:p>
             <a:pPr marL="0" marR="0" lvl="0" indent="0" algn="l" defTabSz="914400" rtl="0" eaLnBrk="1" fontAlgn="auto" latinLnBrk="0" hangingPunct="1">
@@ -2545,7 +3038,7 @@
                 <a:ea typeface="+mn-ea"/>
                 <a:cs typeface="+mn-cs"/>
               </a:rPr>
-              <a:t>VERIFY ^</a:t>
+              <a:t>During the absorption step, each block is zero padded to be 1600 bits long.</a:t>
             </a:r>
           </a:p>
           <a:p>
@@ -2566,34 +3059,6 @@
               <a:tabLst/>
               <a:defRPr/>
             </a:pPr>
-            <a:endParaRPr lang="en-US" sz="1200" kern="1200" dirty="0">
-              <a:solidFill>
-                <a:schemeClr val="tx1"/>
-              </a:solidFill>
-              <a:effectLst/>
-              <a:latin typeface="+mn-lt"/>
-              <a:ea typeface="+mn-ea"/>
-              <a:cs typeface="+mn-cs"/>
-            </a:endParaRPr>
-          </a:p>
-          <a:p>
-            <a:pPr marL="0" marR="0" lvl="0" indent="0" algn="l" defTabSz="914400" rtl="0" eaLnBrk="1" fontAlgn="auto" latinLnBrk="0" hangingPunct="1">
-              <a:lnSpc>
-                <a:spcPct val="100000"/>
-              </a:lnSpc>
-              <a:spcBef>
-                <a:spcPts val="0"/>
-              </a:spcBef>
-              <a:spcAft>
-                <a:spcPts val="0"/>
-              </a:spcAft>
-              <a:buClrTx/>
-              <a:buSzTx/>
-              <a:buFontTx/>
-              <a:buNone/>
-              <a:tabLst/>
-              <a:defRPr/>
-            </a:pPr>
             <a:r>
               <a:rPr lang="en-US" sz="1200" kern="1200" dirty="0">
                 <a:solidFill>
@@ -2604,66 +3069,7 @@
                 <a:ea typeface="+mn-ea"/>
                 <a:cs typeface="+mn-cs"/>
               </a:rPr>
-              <a:t>SHA3 handles its input differently from its predecessors.</a:t>
-            </a:r>
-          </a:p>
-          <a:p>
-            <a:pPr marL="0" marR="0" lvl="0" indent="0" algn="l" defTabSz="914400" rtl="0" eaLnBrk="1" fontAlgn="auto" latinLnBrk="0" hangingPunct="1">
-              <a:lnSpc>
-                <a:spcPct val="100000"/>
-              </a:lnSpc>
-              <a:spcBef>
-                <a:spcPts val="0"/>
-              </a:spcBef>
-              <a:spcAft>
-                <a:spcPts val="0"/>
-              </a:spcAft>
-              <a:buClrTx/>
-              <a:buSzTx/>
-              <a:buFontTx/>
-              <a:buNone/>
-              <a:tabLst/>
-              <a:defRPr/>
-            </a:pPr>
-            <a:endParaRPr lang="en-US" sz="1200" kern="1200" dirty="0">
-              <a:solidFill>
-                <a:schemeClr val="tx1"/>
-              </a:solidFill>
-              <a:effectLst/>
-              <a:latin typeface="+mn-lt"/>
-              <a:ea typeface="+mn-ea"/>
-              <a:cs typeface="+mn-cs"/>
-            </a:endParaRPr>
-          </a:p>
-          <a:p>
-            <a:pPr marL="0" marR="0" lvl="0" indent="0" algn="l" defTabSz="914400" rtl="0" eaLnBrk="1" fontAlgn="auto" latinLnBrk="0" hangingPunct="1">
-              <a:lnSpc>
-                <a:spcPct val="100000"/>
-              </a:lnSpc>
-              <a:spcBef>
-                <a:spcPts val="0"/>
-              </a:spcBef>
-              <a:spcAft>
-                <a:spcPts val="0"/>
-              </a:spcAft>
-              <a:buClrTx/>
-              <a:buSzTx/>
-              <a:buFontTx/>
-              <a:buNone/>
-              <a:tabLst/>
-              <a:defRPr/>
-            </a:pPr>
-            <a:r>
-              <a:rPr lang="en-US" sz="1200" kern="1200" dirty="0">
-                <a:solidFill>
-                  <a:schemeClr val="tx1"/>
-                </a:solidFill>
-                <a:effectLst/>
-                <a:latin typeface="+mn-lt"/>
-                <a:ea typeface="+mn-ea"/>
-                <a:cs typeface="+mn-cs"/>
-              </a:rPr>
-              <a:t>&lt;Possible description of sponge?&gt;</a:t>
+              <a:t>Lastly, the digest squeezed out by truncating the state to its first c bits.</a:t>
             </a:r>
           </a:p>
         </p:txBody>
@@ -2750,13 +3156,13 @@
           <a:p>
             <a:r>
               <a:rPr lang="en-US" dirty="0"/>
-              <a:t>Keccak consists of five functions.</a:t>
+              <a:t>Keccak-p consists of five self-contained inner functions: theta, rho, pi, chi(kai), and iota.</a:t>
             </a:r>
           </a:p>
           <a:p>
             <a:r>
               <a:rPr lang="en-US" dirty="0"/>
-              <a:t>Each function performs an independent state transformation.</a:t>
+              <a:t>Each of these functions performs an independent state transformation.</a:t>
             </a:r>
           </a:p>
         </p:txBody>
@@ -2843,13 +3249,13 @@
           <a:p>
             <a:r>
               <a:rPr lang="en-US" dirty="0"/>
-              <a:t>Keccak consists of five functions.</a:t>
+              <a:t>For each block, these functions are performed in order 24 times.</a:t>
             </a:r>
           </a:p>
           <a:p>
             <a:r>
               <a:rPr lang="en-US" dirty="0"/>
-              <a:t>Each function performs an independent state transformation.</a:t>
+              <a:t>Note that iota alone relies on the iteration step.</a:t>
             </a:r>
           </a:p>
         </p:txBody>
@@ -2936,7 +3342,7 @@
           <a:p>
             <a:r>
               <a:rPr lang="en-US" dirty="0"/>
-              <a:t>Sponge construction versus compression-based construction in SHA-2</a:t>
+              <a:t>Shown is SHA3’s sponge construction versus compression-based construction in SHA-2</a:t>
             </a:r>
           </a:p>
           <a:p>
@@ -2945,7 +3351,13 @@
           <a:p>
             <a:r>
               <a:rPr lang="en-US" dirty="0"/>
-              <a:t>&lt;What differences should we focus on?&gt;</a:t>
+              <a:t>In SHA2, the state transformations were much more convoluted and much less independent from one another.</a:t>
+            </a:r>
+          </a:p>
+          <a:p>
+            <a:r>
+              <a:rPr lang="en-US" dirty="0"/>
+              <a:t>Also note that the final squeezing step in SHA3 is much simpler than SHA2’s digest concatenation.</a:t>
             </a:r>
           </a:p>
         </p:txBody>
@@ -3038,7 +3450,7 @@
           <a:p>
             <a:r>
               <a:rPr lang="en-US" dirty="0"/>
-              <a:t>With those resulting contracts we proved the entirety of KECCAK.</a:t>
+              <a:t>With those resulting contracts chained together, we proved the entirety of KECCAK.</a:t>
             </a:r>
           </a:p>
         </p:txBody>
@@ -3210,7 +3622,7 @@
           <a:p>
             <a:fld id="{F1C7DD81-8C6B-F24B-99BC-64FACD17F553}" type="datetimeFigureOut">
               <a:rPr lang="en-US" smtClean="0"/>
-              <a:t>5/19/22</a:t>
+              <a:t>5/19/2022</a:t>
             </a:fld>
             <a:endParaRPr lang="en-US"/>
           </a:p>
@@ -3380,7 +3792,7 @@
           <a:p>
             <a:fld id="{F1C7DD81-8C6B-F24B-99BC-64FACD17F553}" type="datetimeFigureOut">
               <a:rPr lang="en-US" smtClean="0"/>
-              <a:t>5/19/22</a:t>
+              <a:t>5/19/2022</a:t>
             </a:fld>
             <a:endParaRPr lang="en-US"/>
           </a:p>
@@ -3560,7 +3972,7 @@
           <a:p>
             <a:fld id="{F1C7DD81-8C6B-F24B-99BC-64FACD17F553}" type="datetimeFigureOut">
               <a:rPr lang="en-US" smtClean="0"/>
-              <a:t>5/19/22</a:t>
+              <a:t>5/19/2022</a:t>
             </a:fld>
             <a:endParaRPr lang="en-US"/>
           </a:p>
@@ -3730,7 +4142,7 @@
           <a:p>
             <a:fld id="{F1C7DD81-8C6B-F24B-99BC-64FACD17F553}" type="datetimeFigureOut">
               <a:rPr lang="en-US" smtClean="0"/>
-              <a:t>5/19/22</a:t>
+              <a:t>5/19/2022</a:t>
             </a:fld>
             <a:endParaRPr lang="en-US"/>
           </a:p>
@@ -3976,7 +4388,7 @@
           <a:p>
             <a:fld id="{F1C7DD81-8C6B-F24B-99BC-64FACD17F553}" type="datetimeFigureOut">
               <a:rPr lang="en-US" smtClean="0"/>
-              <a:t>5/19/22</a:t>
+              <a:t>5/19/2022</a:t>
             </a:fld>
             <a:endParaRPr lang="en-US"/>
           </a:p>
@@ -4208,7 +4620,7 @@
           <a:p>
             <a:fld id="{F1C7DD81-8C6B-F24B-99BC-64FACD17F553}" type="datetimeFigureOut">
               <a:rPr lang="en-US" smtClean="0"/>
-              <a:t>5/19/22</a:t>
+              <a:t>5/19/2022</a:t>
             </a:fld>
             <a:endParaRPr lang="en-US"/>
           </a:p>
@@ -4575,7 +4987,7 @@
           <a:p>
             <a:fld id="{F1C7DD81-8C6B-F24B-99BC-64FACD17F553}" type="datetimeFigureOut">
               <a:rPr lang="en-US" smtClean="0"/>
-              <a:t>5/19/22</a:t>
+              <a:t>5/19/2022</a:t>
             </a:fld>
             <a:endParaRPr lang="en-US"/>
           </a:p>
@@ -4693,7 +5105,7 @@
           <a:p>
             <a:fld id="{F1C7DD81-8C6B-F24B-99BC-64FACD17F553}" type="datetimeFigureOut">
               <a:rPr lang="en-US" smtClean="0"/>
-              <a:t>5/19/22</a:t>
+              <a:t>5/19/2022</a:t>
             </a:fld>
             <a:endParaRPr lang="en-US"/>
           </a:p>
@@ -4788,7 +5200,7 @@
           <a:p>
             <a:fld id="{F1C7DD81-8C6B-F24B-99BC-64FACD17F553}" type="datetimeFigureOut">
               <a:rPr lang="en-US" smtClean="0"/>
-              <a:t>5/19/22</a:t>
+              <a:t>5/19/2022</a:t>
             </a:fld>
             <a:endParaRPr lang="en-US"/>
           </a:p>
@@ -5065,7 +5477,7 @@
           <a:p>
             <a:fld id="{F1C7DD81-8C6B-F24B-99BC-64FACD17F553}" type="datetimeFigureOut">
               <a:rPr lang="en-US" smtClean="0"/>
-              <a:t>5/19/22</a:t>
+              <a:t>5/19/2022</a:t>
             </a:fld>
             <a:endParaRPr lang="en-US"/>
           </a:p>
@@ -5322,7 +5734,7 @@
           <a:p>
             <a:fld id="{F1C7DD81-8C6B-F24B-99BC-64FACD17F553}" type="datetimeFigureOut">
               <a:rPr lang="en-US" smtClean="0"/>
-              <a:t>5/19/22</a:t>
+              <a:t>5/19/2022</a:t>
             </a:fld>
             <a:endParaRPr lang="en-US"/>
           </a:p>
@@ -5535,7 +5947,7 @@
           <a:p>
             <a:fld id="{F1C7DD81-8C6B-F24B-99BC-64FACD17F553}" type="datetimeFigureOut">
               <a:rPr lang="en-US" smtClean="0"/>
-              <a:t>5/19/22</a:t>
+              <a:t>5/19/2022</a:t>
             </a:fld>
             <a:endParaRPr lang="en-US"/>
           </a:p>
@@ -8519,7 +8931,7 @@
                   </a:schemeClr>
                 </a:solidFill>
               </a:rPr>
-              <a:t>.</a:t>
+              <a:t>[0].</a:t>
             </a:r>
           </a:p>
           <a:p>
@@ -8805,8 +9217,8 @@
         </p:nvSpPr>
         <p:spPr>
           <a:xfrm>
-            <a:off x="5538591" y="101030"/>
-            <a:ext cx="6519798" cy="2862322"/>
+            <a:off x="5538591" y="50926"/>
+            <a:ext cx="6519798" cy="2554545"/>
           </a:xfrm>
           <a:prstGeom prst="rect">
             <a:avLst/>
@@ -9189,25 +9601,117 @@
               <a:t>  </a:t>
             </a:r>
             <a:r>
-              <a:rPr lang="en-US" sz="2000" b="0" dirty="0">
+              <a:rPr lang="en-US" sz="2000" b="1" dirty="0">
                 <a:solidFill>
                   <a:srgbClr val="D4D4D4"/>
+                </a:solidFill>
+                <a:latin typeface="Menlo" panose="020B0609030804020204" pitchFamily="49" charset="0"/>
+              </a:rPr>
+              <a:t>take</a:t>
+            </a:r>
+            <a:r>
+              <a:rPr lang="en-US" sz="2000" dirty="0">
+                <a:solidFill>
+                  <a:srgbClr val="D4D4D4"/>
+                </a:solidFill>
+                <a:latin typeface="Menlo" panose="020B0609030804020204" pitchFamily="49" charset="0"/>
+              </a:rPr>
+              <a:t>`{</a:t>
+            </a:r>
+            <a:r>
+              <a:rPr lang="en-US" sz="2000" dirty="0">
+                <a:solidFill>
+                  <a:schemeClr val="accent2"/>
+                </a:solidFill>
+                <a:latin typeface="Menlo" panose="020B0609030804020204" pitchFamily="49" charset="0"/>
+              </a:rPr>
+              <a:t>8</a:t>
+            </a:r>
+            <a:r>
+              <a:rPr lang="en-US" sz="2000" dirty="0">
+                <a:solidFill>
+                  <a:srgbClr val="D4D4D4"/>
+                </a:solidFill>
+                <a:latin typeface="Menlo" panose="020B0609030804020204" pitchFamily="49" charset="0"/>
+              </a:rPr>
+              <a:t>}(</a:t>
+            </a:r>
+            <a:r>
+              <a:rPr lang="en-US" sz="2000" b="0" dirty="0" err="1">
+                <a:solidFill>
+                  <a:schemeClr val="accent6"/>
                 </a:solidFill>
                 <a:effectLst/>
                 <a:latin typeface="Menlo" panose="020B0609030804020204" pitchFamily="49" charset="0"/>
               </a:rPr>
-              <a:t>((</a:t>
-            </a:r>
-            <a:r>
-              <a:rPr lang="en-US" sz="2000" b="0" dirty="0" err="1">
-                <a:solidFill>
-                  <a:schemeClr val="accent6"/>
+              <a:t>nextR</a:t>
+            </a:r>
+            <a:r>
+              <a:rPr lang="en-US" sz="2000" b="0" dirty="0">
+                <a:solidFill>
+                  <a:srgbClr val="D4D4D4"/>
                 </a:solidFill>
                 <a:effectLst/>
                 <a:latin typeface="Menlo" panose="020B0609030804020204" pitchFamily="49" charset="0"/>
               </a:rPr>
-              <a:t>nextR</a:t>
-            </a:r>
+              <a:t> (</a:t>
+            </a:r>
+            <a:r>
+              <a:rPr lang="en-US" sz="2000" b="1" dirty="0" err="1">
+                <a:latin typeface="Menlo" panose="020B0609030804020204" pitchFamily="49" charset="0"/>
+              </a:rPr>
+              <a:t>rs</a:t>
+            </a:r>
+            <a:r>
+              <a:rPr lang="en-US" sz="2000" b="1" dirty="0">
+                <a:latin typeface="Menlo" panose="020B0609030804020204" pitchFamily="49" charset="0"/>
+              </a:rPr>
+              <a:t> </a:t>
+            </a:r>
+            <a:r>
+              <a:rPr lang="en-US" sz="2000" dirty="0">
+                <a:solidFill>
+                  <a:srgbClr val="D4D4D4"/>
+                </a:solidFill>
+                <a:latin typeface="Menlo" panose="020B0609030804020204" pitchFamily="49" charset="0"/>
+              </a:rPr>
+              <a:t>@(</a:t>
+            </a:r>
+            <a:r>
+              <a:rPr lang="en-US" sz="2000" b="1" dirty="0">
+                <a:latin typeface="Menlo" panose="020B0609030804020204" pitchFamily="49" charset="0"/>
+              </a:rPr>
+              <a:t>i</a:t>
+            </a:r>
+            <a:r>
+              <a:rPr lang="en-US" sz="2000" dirty="0">
+                <a:solidFill>
+                  <a:srgbClr val="D4D4D4"/>
+                </a:solidFill>
+                <a:latin typeface="Menlo" panose="020B0609030804020204" pitchFamily="49" charset="0"/>
+              </a:rPr>
+              <a:t> – </a:t>
+            </a:r>
+            <a:r>
+              <a:rPr lang="en-US" sz="2000" dirty="0">
+                <a:solidFill>
+                  <a:schemeClr val="accent2"/>
+                </a:solidFill>
+                <a:latin typeface="Menlo" panose="020B0609030804020204" pitchFamily="49" charset="0"/>
+              </a:rPr>
+              <a:t>1</a:t>
+            </a:r>
+            <a:r>
+              <a:rPr lang="en-US" sz="2000" dirty="0">
+                <a:solidFill>
+                  <a:srgbClr val="D4D4D4"/>
+                </a:solidFill>
+                <a:latin typeface="Menlo" panose="020B0609030804020204" pitchFamily="49" charset="0"/>
+              </a:rPr>
+              <a:t>)))</a:t>
+            </a:r>
+          </a:p>
+          <a:p>
             <a:r>
               <a:rPr lang="en-US" sz="2000" b="0" dirty="0">
                 <a:solidFill>
@@ -9216,14 +9720,17 @@
                 <a:effectLst/>
                 <a:latin typeface="Menlo" panose="020B0609030804020204" pitchFamily="49" charset="0"/>
               </a:rPr>
-              <a:t> </a:t>
+              <a:t>          </a:t>
             </a:r>
             <a:r>
               <a:rPr lang="en-US" sz="2000" b="1" dirty="0">
+                <a:solidFill>
+                  <a:schemeClr val="accent4"/>
+                </a:solidFill>
                 <a:effectLst/>
                 <a:latin typeface="Menlo" panose="020B0609030804020204" pitchFamily="49" charset="0"/>
               </a:rPr>
-              <a:t>r</a:t>
+              <a:t>else</a:t>
             </a:r>
             <a:r>
               <a:rPr lang="en-US" sz="2000" b="0" dirty="0">
@@ -9233,75 +9740,7 @@
                 <a:effectLst/>
                 <a:latin typeface="Menlo" panose="020B0609030804020204" pitchFamily="49" charset="0"/>
               </a:rPr>
-              <a:t>) </a:t>
-            </a:r>
-            <a:r>
-              <a:rPr lang="en-US" sz="2000" b="1" dirty="0">
-                <a:solidFill>
-                  <a:schemeClr val="accent4"/>
-                </a:solidFill>
-                <a:effectLst/>
-                <a:latin typeface="Menlo" panose="020B0609030804020204" pitchFamily="49" charset="0"/>
-              </a:rPr>
-              <a:t>where</a:t>
-            </a:r>
-            <a:r>
-              <a:rPr lang="en-US" sz="2000" b="0" dirty="0">
-                <a:solidFill>
-                  <a:srgbClr val="D4D4D4"/>
-                </a:solidFill>
-                <a:effectLst/>
-                <a:latin typeface="Menlo" panose="020B0609030804020204" pitchFamily="49" charset="0"/>
-              </a:rPr>
               <a:t> </a:t>
-            </a:r>
-          </a:p>
-          <a:p>
-            <a:r>
-              <a:rPr lang="en-US" sz="2000" dirty="0">
-                <a:solidFill>
-                  <a:srgbClr val="D4D4D4"/>
-                </a:solidFill>
-                <a:latin typeface="Menlo" panose="020B0609030804020204" pitchFamily="49" charset="0"/>
-              </a:rPr>
-              <a:t>             </a:t>
-            </a:r>
-            <a:r>
-              <a:rPr lang="en-US" sz="2000" b="1" dirty="0">
-                <a:effectLst/>
-                <a:latin typeface="Menlo" panose="020B0609030804020204" pitchFamily="49" charset="0"/>
-              </a:rPr>
-              <a:t>r</a:t>
-            </a:r>
-            <a:r>
-              <a:rPr lang="en-US" sz="2000" b="0" dirty="0">
-                <a:solidFill>
-                  <a:srgbClr val="D4D4D4"/>
-                </a:solidFill>
-                <a:effectLst/>
-                <a:latin typeface="Menlo" panose="020B0609030804020204" pitchFamily="49" charset="0"/>
-              </a:rPr>
-              <a:t> = [</a:t>
-            </a:r>
-            <a:r>
-              <a:rPr lang="en-US" sz="2000" b="0" dirty="0">
-                <a:solidFill>
-                  <a:schemeClr val="accent2"/>
-                </a:solidFill>
-                <a:effectLst/>
-                <a:latin typeface="Menlo" panose="020B0609030804020204" pitchFamily="49" charset="0"/>
-              </a:rPr>
-              <a:t>0</a:t>
-            </a:r>
-            <a:r>
-              <a:rPr lang="en-US" sz="2000" b="0" dirty="0">
-                <a:solidFill>
-                  <a:srgbClr val="D4D4D4"/>
-                </a:solidFill>
-                <a:effectLst/>
-                <a:latin typeface="Menlo" panose="020B0609030804020204" pitchFamily="49" charset="0"/>
-              </a:rPr>
-              <a:t>] # </a:t>
             </a:r>
             <a:r>
               <a:rPr lang="en-US" sz="2000" b="1" dirty="0" err="1">
@@ -9311,7 +9750,10 @@
               <a:t>rs</a:t>
             </a:r>
             <a:r>
-              <a:rPr lang="en-US" sz="2000" b="1" dirty="0">
+              <a:rPr lang="en-US" sz="2000" b="0" dirty="0">
+                <a:solidFill>
+                  <a:srgbClr val="D4D4D4"/>
+                </a:solidFill>
                 <a:effectLst/>
                 <a:latin typeface="Menlo" panose="020B0609030804020204" pitchFamily="49" charset="0"/>
               </a:rPr>
@@ -9324,43 +9766,8 @@
                 </a:solidFill>
                 <a:latin typeface="Menlo" panose="020B0609030804020204" pitchFamily="49" charset="0"/>
               </a:rPr>
-              <a:t>@(</a:t>
-            </a:r>
-            <a:r>
-              <a:rPr lang="en-US" sz="2000" b="1" dirty="0" err="1">
-                <a:latin typeface="Menlo" panose="020B0609030804020204" pitchFamily="49" charset="0"/>
-              </a:rPr>
-              <a:t>i</a:t>
-            </a:r>
-            <a:r>
-              <a:rPr lang="en-US" sz="2000" dirty="0">
-                <a:solidFill>
-                  <a:srgbClr val="D4D4D4"/>
-                </a:solidFill>
-                <a:latin typeface="Menlo" panose="020B0609030804020204" pitchFamily="49" charset="0"/>
-              </a:rPr>
-              <a:t> – </a:t>
-            </a:r>
-            <a:r>
-              <a:rPr lang="en-US" sz="2000" dirty="0">
-                <a:solidFill>
-                  <a:schemeClr val="accent2"/>
-                </a:solidFill>
-                <a:latin typeface="Menlo" panose="020B0609030804020204" pitchFamily="49" charset="0"/>
-              </a:rPr>
-              <a:t>1</a:t>
-            </a:r>
-            <a:r>
-              <a:rPr lang="en-US" sz="2000" dirty="0">
-                <a:solidFill>
-                  <a:srgbClr val="D4D4D4"/>
-                </a:solidFill>
-                <a:latin typeface="Menlo" panose="020B0609030804020204" pitchFamily="49" charset="0"/>
-              </a:rPr>
-              <a:t>)))</a:t>
-            </a:r>
-          </a:p>
-          <a:p>
+              <a:t>@</a:t>
+            </a:r>
             <a:r>
               <a:rPr lang="en-US" sz="2000" b="0" dirty="0">
                 <a:solidFill>
@@ -9369,44 +9776,7 @@
                 <a:effectLst/>
                 <a:latin typeface="Menlo" panose="020B0609030804020204" pitchFamily="49" charset="0"/>
               </a:rPr>
-              <a:t>          </a:t>
-            </a:r>
-            <a:r>
-              <a:rPr lang="en-US" sz="2000" b="1" dirty="0">
-                <a:solidFill>
-                  <a:schemeClr val="accent4"/>
-                </a:solidFill>
-                <a:effectLst/>
-                <a:latin typeface="Menlo" panose="020B0609030804020204" pitchFamily="49" charset="0"/>
-              </a:rPr>
-              <a:t>else</a:t>
-            </a:r>
-            <a:r>
-              <a:rPr lang="en-US" sz="2000" b="0" dirty="0">
-                <a:solidFill>
-                  <a:srgbClr val="D4D4D4"/>
-                </a:solidFill>
-                <a:effectLst/>
-                <a:latin typeface="Menlo" panose="020B0609030804020204" pitchFamily="49" charset="0"/>
-              </a:rPr>
-              <a:t> </a:t>
-            </a:r>
-            <a:r>
-              <a:rPr lang="en-US" sz="2000" b="1" dirty="0" err="1">
-                <a:effectLst/>
-                <a:latin typeface="Menlo" panose="020B0609030804020204" pitchFamily="49" charset="0"/>
-              </a:rPr>
-              <a:t>rs</a:t>
-            </a:r>
-            <a:r>
-              <a:rPr lang="en-US" sz="2000" b="0" dirty="0">
-                <a:solidFill>
-                  <a:srgbClr val="D4D4D4"/>
-                </a:solidFill>
-                <a:effectLst/>
-                <a:latin typeface="Menlo" panose="020B0609030804020204" pitchFamily="49" charset="0"/>
-              </a:rPr>
-              <a:t> @(</a:t>
+              <a:t>(</a:t>
             </a:r>
             <a:r>
               <a:rPr lang="en-US" sz="2000" b="1" dirty="0" err="1">
@@ -9532,7 +9902,7 @@
         <p:spPr>
           <a:xfrm>
             <a:off x="5538591" y="3826702"/>
-            <a:ext cx="6716039" cy="2862322"/>
+            <a:ext cx="6716039" cy="2554545"/>
           </a:xfrm>
           <a:prstGeom prst="rect">
             <a:avLst/>
@@ -9952,7 +10322,28 @@
                 <a:effectLst/>
                 <a:latin typeface="Menlo" panose="020B0609030804020204" pitchFamily="49" charset="0"/>
               </a:rPr>
-              <a:t> = (</a:t>
+              <a:t> = </a:t>
+            </a:r>
+            <a:r>
+              <a:rPr lang="en-US" b="1" dirty="0"/>
+              <a:t>take</a:t>
+            </a:r>
+            <a:r>
+              <a:rPr lang="en-US" dirty="0"/>
+              <a:t>`{</a:t>
+            </a:r>
+            <a:r>
+              <a:rPr lang="en-US" sz="2000" dirty="0">
+                <a:solidFill>
+                  <a:schemeClr val="accent2"/>
+                </a:solidFill>
+                <a:latin typeface="Menlo" panose="020B0609030804020204" pitchFamily="49" charset="0"/>
+              </a:rPr>
+              <a:t>8</a:t>
+            </a:r>
+            <a:r>
+              <a:rPr lang="en-US" dirty="0"/>
+              <a:t>}(</a:t>
             </a:r>
             <a:r>
               <a:rPr lang="en-US" sz="2000" b="0" dirty="0" err="1">
@@ -9975,96 +10366,16 @@
               <a:t> </a:t>
             </a:r>
             <a:r>
-              <a:rPr lang="en-US" sz="2000" b="1" dirty="0">
-                <a:effectLst/>
+              <a:rPr lang="en-US" sz="2000" b="1" dirty="0" err="1">
                 <a:latin typeface="Menlo" panose="020B0609030804020204" pitchFamily="49" charset="0"/>
               </a:rPr>
-              <a:t>r</a:t>
-            </a:r>
-            <a:r>
-              <a:rPr lang="en-US" sz="2000" b="0" dirty="0">
-                <a:solidFill>
-                  <a:srgbClr val="D4D4D4"/>
-                </a:solidFill>
-                <a:effectLst/>
+              <a:t>state.R</a:t>
+            </a:r>
+            <a:r>
+              <a:rPr lang="en-US" sz="2000" dirty="0">
                 <a:latin typeface="Menlo" panose="020B0609030804020204" pitchFamily="49" charset="0"/>
               </a:rPr>
-              <a:t>) </a:t>
-            </a:r>
-            <a:r>
-              <a:rPr lang="en-US" sz="2000" b="1" dirty="0">
-                <a:solidFill>
-                  <a:schemeClr val="accent4"/>
-                </a:solidFill>
-                <a:effectLst/>
-                <a:latin typeface="Menlo" panose="020B0609030804020204" pitchFamily="49" charset="0"/>
-              </a:rPr>
-              <a:t>where</a:t>
-            </a:r>
-            <a:r>
-              <a:rPr lang="en-US" sz="2000" b="0" dirty="0">
-                <a:solidFill>
-                  <a:srgbClr val="D4D4D4"/>
-                </a:solidFill>
-                <a:effectLst/>
-                <a:latin typeface="Menlo" panose="020B0609030804020204" pitchFamily="49" charset="0"/>
-              </a:rPr>
-              <a:t> </a:t>
-            </a:r>
-          </a:p>
-          <a:p>
-            <a:r>
-              <a:rPr lang="en-US" sz="2000" dirty="0">
-                <a:solidFill>
-                  <a:srgbClr val="D4D4D4"/>
-                </a:solidFill>
-                <a:latin typeface="Menlo" panose="020B0609030804020204" pitchFamily="49" charset="0"/>
-              </a:rPr>
-              <a:t>                  </a:t>
-            </a:r>
-            <a:r>
-              <a:rPr lang="en-US" sz="2000" b="1" dirty="0">
-                <a:effectLst/>
-                <a:latin typeface="Menlo" panose="020B0609030804020204" pitchFamily="49" charset="0"/>
-              </a:rPr>
-              <a:t>r</a:t>
-            </a:r>
-            <a:r>
-              <a:rPr lang="en-US" sz="2000" b="0" dirty="0">
-                <a:solidFill>
-                  <a:srgbClr val="D4D4D4"/>
-                </a:solidFill>
-                <a:effectLst/>
-                <a:latin typeface="Menlo" panose="020B0609030804020204" pitchFamily="49" charset="0"/>
-              </a:rPr>
-              <a:t> = [</a:t>
-            </a:r>
-            <a:r>
-              <a:rPr lang="en-US" sz="2000" b="0" dirty="0">
-                <a:solidFill>
-                  <a:schemeClr val="accent2"/>
-                </a:solidFill>
-                <a:effectLst/>
-                <a:latin typeface="Menlo" panose="020B0609030804020204" pitchFamily="49" charset="0"/>
-              </a:rPr>
-              <a:t>0</a:t>
-            </a:r>
-            <a:r>
-              <a:rPr lang="en-US" sz="2000" b="0" dirty="0">
-                <a:solidFill>
-                  <a:srgbClr val="D4D4D4"/>
-                </a:solidFill>
-                <a:effectLst/>
-                <a:latin typeface="Menlo" panose="020B0609030804020204" pitchFamily="49" charset="0"/>
-              </a:rPr>
-              <a:t>] # </a:t>
-            </a:r>
-            <a:r>
-              <a:rPr lang="en-US" sz="2000" b="1" dirty="0" err="1">
-                <a:effectLst/>
-                <a:latin typeface="Menlo" panose="020B0609030804020204" pitchFamily="49" charset="0"/>
-              </a:rPr>
-              <a:t>state.R</a:t>
+              <a:t>)</a:t>
             </a:r>
             <a:r>
               <a:rPr lang="en-US" sz="2000" dirty="0">
@@ -11517,8 +11828,8 @@
           </p:nvSpPr>
           <p:spPr>
             <a:xfrm>
-              <a:off x="1948329" y="4668229"/>
-              <a:ext cx="1332752" cy="461665"/>
+              <a:off x="1874812" y="4668229"/>
+              <a:ext cx="1468899" cy="492944"/>
             </a:xfrm>
             <a:prstGeom prst="rect">
               <a:avLst/>
@@ -11701,8 +12012,8 @@
           </p:nvSpPr>
           <p:spPr>
             <a:xfrm>
-              <a:off x="1948329" y="4668229"/>
-              <a:ext cx="1332752" cy="461665"/>
+              <a:off x="1873172" y="4668229"/>
+              <a:ext cx="1467391" cy="492944"/>
             </a:xfrm>
             <a:prstGeom prst="rect">
               <a:avLst/>
@@ -14701,8 +15012,8 @@
           </p:nvSpPr>
           <p:spPr>
             <a:xfrm>
-              <a:off x="1948329" y="4668229"/>
-              <a:ext cx="1332752" cy="461665"/>
+              <a:off x="1912597" y="4668229"/>
+              <a:ext cx="1431114" cy="492944"/>
             </a:xfrm>
             <a:prstGeom prst="rect">
               <a:avLst/>
@@ -14885,8 +15196,8 @@
           </p:nvSpPr>
           <p:spPr>
             <a:xfrm>
-              <a:off x="1948329" y="4668229"/>
-              <a:ext cx="1332752" cy="461665"/>
+              <a:off x="1860646" y="4668229"/>
+              <a:ext cx="1529815" cy="492944"/>
             </a:xfrm>
             <a:prstGeom prst="rect">
               <a:avLst/>
@@ -15476,8 +15787,8 @@
           </p:nvSpPr>
           <p:spPr>
             <a:xfrm>
-              <a:off x="1948329" y="4668229"/>
-              <a:ext cx="1332752" cy="461665"/>
+              <a:off x="1910751" y="4668229"/>
+              <a:ext cx="1410576" cy="492944"/>
             </a:xfrm>
             <a:prstGeom prst="rect">
               <a:avLst/>
@@ -15660,8 +15971,8 @@
           </p:nvSpPr>
           <p:spPr>
             <a:xfrm>
-              <a:off x="1948329" y="4668229"/>
-              <a:ext cx="1332752" cy="461665"/>
+              <a:off x="1910751" y="4668229"/>
+              <a:ext cx="1410576" cy="492944"/>
             </a:xfrm>
             <a:prstGeom prst="rect">
               <a:avLst/>
@@ -15775,8 +16086,8 @@
         </p:nvSpPr>
         <p:spPr>
           <a:xfrm>
-            <a:off x="2516092" y="5187417"/>
-            <a:ext cx="1332752" cy="432370"/>
+            <a:off x="2453461" y="5187417"/>
+            <a:ext cx="1473207" cy="461665"/>
           </a:xfrm>
           <a:prstGeom prst="rect">
             <a:avLst/>
@@ -15830,8 +16141,8 @@
         </p:nvSpPr>
         <p:spPr>
           <a:xfrm>
-            <a:off x="8202702" y="5187417"/>
-            <a:ext cx="1332752" cy="432370"/>
+            <a:off x="8140072" y="5187417"/>
+            <a:ext cx="1473206" cy="461665"/>
           </a:xfrm>
           <a:prstGeom prst="rect">
             <a:avLst/>
@@ -17643,10 +17954,10 @@
       </p:grpSp>
       <p:grpSp>
         <p:nvGrpSpPr>
-          <p:cNvPr id="19" name="Group 18">
+          <p:cNvPr id="25" name="Group 24">
             <a:extLst>
               <a:ext uri="{FF2B5EF4-FFF2-40B4-BE49-F238E27FC236}">
-                <a16:creationId xmlns:a16="http://schemas.microsoft.com/office/drawing/2014/main" id="{E1B32F05-9FE1-3F45-BB91-B2FAF75A112E}"/>
+                <a16:creationId xmlns:a16="http://schemas.microsoft.com/office/drawing/2014/main" id="{3A526BF6-4D9D-51D9-2773-192EDB6D09FE}"/>
               </a:ext>
             </a:extLst>
           </p:cNvPr>
@@ -17655,7 +17966,7 @@
         </p:nvGrpSpPr>
         <p:grpSpPr>
           <a:xfrm>
-            <a:off x="4544502" y="2269497"/>
+            <a:off x="4462179" y="2275385"/>
             <a:ext cx="3441700" cy="2362200"/>
             <a:chOff x="4462179" y="1887079"/>
             <a:chExt cx="3441700" cy="2362200"/>
@@ -17663,10 +17974,10 @@
         </p:grpSpPr>
         <p:sp>
           <p:nvSpPr>
-            <p:cNvPr id="20" name="Left-Right Arrow 19">
+            <p:cNvPr id="26" name="Left-Right Arrow 19">
               <a:extLst>
                 <a:ext uri="{FF2B5EF4-FFF2-40B4-BE49-F238E27FC236}">
-                  <a16:creationId xmlns:a16="http://schemas.microsoft.com/office/drawing/2014/main" id="{07CD635E-9047-7845-A678-2E5B836A9DF9}"/>
+                  <a16:creationId xmlns:a16="http://schemas.microsoft.com/office/drawing/2014/main" id="{96FBDE78-8687-D564-4766-786FC9F5E7F9}"/>
                 </a:ext>
               </a:extLst>
             </p:cNvPr>
@@ -17714,10 +18025,10 @@
         </p:sp>
         <p:pic>
           <p:nvPicPr>
-            <p:cNvPr id="21" name="Picture 20">
+            <p:cNvPr id="27" name="Picture 26">
               <a:extLst>
                 <a:ext uri="{FF2B5EF4-FFF2-40B4-BE49-F238E27FC236}">
-                  <a16:creationId xmlns:a16="http://schemas.microsoft.com/office/drawing/2014/main" id="{66DE0006-3822-1B4E-BE45-02E8A61E6D26}"/>
+                  <a16:creationId xmlns:a16="http://schemas.microsoft.com/office/drawing/2014/main" id="{34EC5125-53C3-8FE6-DDB1-09E1B53FA72E}"/>
                 </a:ext>
               </a:extLst>
             </p:cNvPr>
@@ -17783,81 +18094,6 @@
   <p:clrMapOvr>
     <a:masterClrMapping/>
   </p:clrMapOvr>
-  <p:timing>
-    <p:tnLst>
-      <p:par>
-        <p:cTn id="1" dur="indefinite" restart="never" nodeType="tmRoot">
-          <p:childTnLst>
-            <p:seq concurrent="1" nextAc="seek">
-              <p:cTn id="2" dur="indefinite" nodeType="mainSeq">
-                <p:childTnLst>
-                  <p:par>
-                    <p:cTn id="3" fill="hold">
-                      <p:stCondLst>
-                        <p:cond delay="indefinite"/>
-                      </p:stCondLst>
-                      <p:childTnLst>
-                        <p:par>
-                          <p:cTn id="4" fill="hold">
-                            <p:stCondLst>
-                              <p:cond delay="0"/>
-                            </p:stCondLst>
-                            <p:childTnLst>
-                              <p:par>
-                                <p:cTn id="5" presetID="1" presetClass="entr" presetSubtype="0" fill="hold" nodeType="clickEffect">
-                                  <p:stCondLst>
-                                    <p:cond delay="0"/>
-                                  </p:stCondLst>
-                                  <p:childTnLst>
-                                    <p:set>
-                                      <p:cBhvr>
-                                        <p:cTn id="6" dur="1" fill="hold">
-                                          <p:stCondLst>
-                                            <p:cond delay="0"/>
-                                          </p:stCondLst>
-                                        </p:cTn>
-                                        <p:tgtEl>
-                                          <p:spTgt spid="19"/>
-                                        </p:tgtEl>
-                                        <p:attrNameLst>
-                                          <p:attrName>style.visibility</p:attrName>
-                                        </p:attrNameLst>
-                                      </p:cBhvr>
-                                      <p:to>
-                                        <p:strVal val="visible"/>
-                                      </p:to>
-                                    </p:set>
-                                  </p:childTnLst>
-                                </p:cTn>
-                              </p:par>
-                            </p:childTnLst>
-                          </p:cTn>
-                        </p:par>
-                      </p:childTnLst>
-                    </p:cTn>
-                  </p:par>
-                </p:childTnLst>
-              </p:cTn>
-              <p:prevCondLst>
-                <p:cond evt="onPrev" delay="0">
-                  <p:tgtEl>
-                    <p:sldTgt/>
-                  </p:tgtEl>
-                </p:cond>
-              </p:prevCondLst>
-              <p:nextCondLst>
-                <p:cond evt="onNext" delay="0">
-                  <p:tgtEl>
-                    <p:sldTgt/>
-                  </p:tgtEl>
-                </p:cond>
-              </p:nextCondLst>
-            </p:seq>
-          </p:childTnLst>
-        </p:cTn>
-      </p:par>
-    </p:tnLst>
-  </p:timing>
 </p:sld>
 </file>
 
@@ -22862,7 +23098,7 @@
                       </a:txBody>
                       <a:tcPr>
                         <a:blipFill>
-                          <a:blip r:embed="rId2"/>
+                          <a:blip r:embed="rId3"/>
                           <a:stretch>
                             <a:fillRect l="-781" t="-91667" r="-402344" b="-533333"/>
                           </a:stretch>
@@ -22938,7 +23174,7 @@
                       </a:txBody>
                       <a:tcPr>
                         <a:blipFill>
-                          <a:blip r:embed="rId2"/>
+                          <a:blip r:embed="rId3"/>
                           <a:stretch>
                             <a:fillRect l="-781" t="-191667" r="-402344" b="-433333"/>
                           </a:stretch>
@@ -23014,7 +23250,7 @@
                       </a:txBody>
                       <a:tcPr>
                         <a:blipFill>
-                          <a:blip r:embed="rId2"/>
+                          <a:blip r:embed="rId3"/>
                           <a:stretch>
                             <a:fillRect l="-781" t="-291667" r="-402344" b="-333333"/>
                           </a:stretch>
@@ -23090,7 +23326,7 @@
                       </a:txBody>
                       <a:tcPr>
                         <a:blipFill>
-                          <a:blip r:embed="rId2"/>
+                          <a:blip r:embed="rId3"/>
                           <a:stretch>
                             <a:fillRect l="-781" t="-381081" r="-402344" b="-224324"/>
                           </a:stretch>
@@ -23166,7 +23402,7 @@
                       </a:txBody>
                       <a:tcPr>
                         <a:blipFill>
-                          <a:blip r:embed="rId2"/>
+                          <a:blip r:embed="rId3"/>
                           <a:stretch>
                             <a:fillRect l="-781" t="-494444" r="-402344" b="-130556"/>
                           </a:stretch>
@@ -25595,7 +25831,7 @@
         </p:nvSpPr>
         <p:spPr>
           <a:xfrm>
-            <a:off x="1720430" y="2394021"/>
+            <a:off x="1757841" y="2394021"/>
             <a:ext cx="6914923" cy="3108543"/>
           </a:xfrm>
           <a:prstGeom prst="rect">
@@ -25622,57 +25858,45 @@
               <a:rPr lang="en-US" sz="2400" dirty="0">
                 <a:latin typeface="Lucida Console" panose="020B0609040504020204" pitchFamily="49" charset="0"/>
               </a:rPr>
-              <a:t> SHA-3(</a:t>
-            </a:r>
-            <a:r>
-              <a:rPr lang="en-US" sz="2400" i="1" dirty="0" err="1">
+              <a:t> SHA-3[</a:t>
+            </a:r>
+            <a:r>
+              <a:rPr lang="en-US" sz="2400" i="1" dirty="0">
                 <a:latin typeface="Lucida Console" panose="020B0609040504020204" pitchFamily="49" charset="0"/>
               </a:rPr>
-              <a:t>N</a:t>
-            </a:r>
-            <a:r>
-              <a:rPr lang="en-US" sz="2400" dirty="0" err="1">
-                <a:latin typeface="Lucida Console" panose="020B0609040504020204" pitchFamily="49" charset="0"/>
-              </a:rPr>
-              <a:t>,</a:t>
-            </a:r>
-            <a:r>
-              <a:rPr lang="en-US" sz="2400" i="1" dirty="0" err="1">
-                <a:latin typeface="Lucida Console" panose="020B0609040504020204" pitchFamily="49" charset="0"/>
-              </a:rPr>
               <a:t>d</a:t>
-            </a:r>
-            <a:r>
-              <a:rPr lang="en-US" sz="2400" dirty="0" err="1">
-                <a:latin typeface="Lucida Console" panose="020B0609040504020204" pitchFamily="49" charset="0"/>
-              </a:rPr>
-              <a:t>,</a:t>
-            </a:r>
-            <a:r>
-              <a:rPr lang="en-US" sz="2400" i="1" dirty="0" err="1">
-                <a:latin typeface="Lucida Console" panose="020B0609040504020204" pitchFamily="49" charset="0"/>
-              </a:rPr>
-              <a:t>r</a:t>
             </a:r>
             <a:r>
               <a:rPr lang="en-US" sz="2400" dirty="0">
                 <a:latin typeface="Lucida Console" panose="020B0609040504020204" pitchFamily="49" charset="0"/>
               </a:rPr>
-              <a:t>) </a:t>
-            </a:r>
-            <a:r>
-              <a:rPr lang="en-US" sz="2400" b="1" dirty="0">
-                <a:solidFill>
-                  <a:schemeClr val="accent4"/>
-                </a:solidFill>
+              <a:t>](</a:t>
+            </a:r>
+            <a:r>
+              <a:rPr lang="en-US" sz="2400" i="1" dirty="0">
                 <a:latin typeface="Lucida Console" panose="020B0609040504020204" pitchFamily="49" charset="0"/>
               </a:rPr>
-              <a:t>returns</a:t>
+              <a:t>M</a:t>
             </a:r>
             <a:r>
               <a:rPr lang="en-US" sz="2400" dirty="0">
                 <a:latin typeface="Lucida Console" panose="020B0609040504020204" pitchFamily="49" charset="0"/>
               </a:rPr>
+              <a:t>) </a:t>
+            </a:r>
+            <a:r>
+              <a:rPr lang="en-US" sz="2400" b="1" dirty="0">
+                <a:solidFill>
+                  <a:schemeClr val="accent4"/>
+                </a:solidFill>
+                <a:latin typeface="Lucida Console" panose="020B0609040504020204" pitchFamily="49" charset="0"/>
+              </a:rPr>
+              <a:t>returns</a:t>
+            </a:r>
+            <a:r>
+              <a:rPr lang="en-US" sz="2400" dirty="0">
+                <a:latin typeface="Lucida Console" panose="020B0609040504020204" pitchFamily="49" charset="0"/>
+              </a:rPr>
               <a:t> </a:t>
             </a:r>
             <a:r>
@@ -25738,25 +25962,13 @@
               <a:rPr lang="en-US" sz="2400" dirty="0">
                 <a:latin typeface="Lucida Console" panose="020B0609040504020204" pitchFamily="49" charset="0"/>
               </a:rPr>
-              <a:t>(</a:t>
-            </a:r>
-            <a:r>
-              <a:rPr lang="en-US" sz="2400" i="1" dirty="0" err="1">
+              <a:t>(1600-2d,</a:t>
+            </a:r>
+            <a:r>
+              <a:rPr lang="en-US" sz="2400" i="1" dirty="0">
                 <a:latin typeface="Lucida Console" panose="020B0609040504020204" pitchFamily="49" charset="0"/>
               </a:rPr>
-              <a:t>N</a:t>
-            </a:r>
-            <a:r>
-              <a:rPr lang="en-US" sz="2400" dirty="0" err="1">
-                <a:latin typeface="Lucida Console" panose="020B0609040504020204" pitchFamily="49" charset="0"/>
-              </a:rPr>
-              <a:t>,</a:t>
-            </a:r>
-            <a:r>
-              <a:rPr lang="en-US" sz="2400" i="1" dirty="0" err="1">
-                <a:latin typeface="Lucida Console" panose="020B0609040504020204" pitchFamily="49" charset="0"/>
-              </a:rPr>
-              <a:t>r</a:t>
+              <a:t>M·01</a:t>
             </a:r>
             <a:r>
               <a:rPr lang="en-US" sz="2400" dirty="0">
@@ -25951,40 +26163,28 @@
               <a:t>(</a:t>
             </a:r>
             <a:r>
-              <a:rPr lang="en-US" sz="2400" i="1" dirty="0" err="1">
+              <a:rPr lang="en-US" sz="2400" i="1" dirty="0">
                 <a:latin typeface="Lucida Console" panose="020B0609040504020204" pitchFamily="49" charset="0"/>
               </a:rPr>
               <a:t>p</a:t>
             </a:r>
             <a:r>
-              <a:rPr lang="en-US" sz="2400" i="1" baseline="-25000" dirty="0" err="1">
+              <a:rPr lang="en-US" sz="2400" i="1" baseline="-25000" dirty="0">
                 <a:latin typeface="Lucida Console" panose="020B0609040504020204" pitchFamily="49" charset="0"/>
               </a:rPr>
               <a:t>i</a:t>
-            </a:r>
-            <a:r>
-              <a:rPr lang="en-US" sz="2400" dirty="0" err="1">
-                <a:latin typeface="Lucida Console" panose="020B0609040504020204" pitchFamily="49" charset="0"/>
-              </a:rPr>
-              <a:t>,</a:t>
-            </a:r>
-            <a:r>
-              <a:rPr lang="en-US" sz="2400" i="1" dirty="0" err="1">
-                <a:latin typeface="Lucida Console" panose="020B0609040504020204" pitchFamily="49" charset="0"/>
-              </a:rPr>
-              <a:t>a</a:t>
             </a:r>
             <a:r>
               <a:rPr lang="en-US" sz="2400" dirty="0">
                 <a:latin typeface="Lucida Console" panose="020B0609040504020204" pitchFamily="49" charset="0"/>
               </a:rPr>
-              <a:t>-</a:t>
+              <a:t>,</a:t>
             </a:r>
             <a:r>
               <a:rPr lang="en-US" sz="2400" i="1" dirty="0">
                 <a:latin typeface="Lucida Console" panose="020B0609040504020204" pitchFamily="49" charset="0"/>
               </a:rPr>
-              <a:t>r</a:t>
+              <a:t>2d</a:t>
             </a:r>
             <a:r>
               <a:rPr lang="en-US" sz="2400" dirty="0">
@@ -26017,7 +26217,7 @@
                 <a:solidFill>
                   <a:schemeClr val="accent5"/>
                 </a:solidFill>
-                <a:latin typeface="Copperplate" panose="02000504000000020004" pitchFamily="2" charset="77"/>
+                <a:latin typeface="Copperplate"/>
               </a:rPr>
               <a:t>Keccak</a:t>
             </a:r>
@@ -26025,7 +26225,31 @@
               <a:rPr lang="en-US" sz="2400" dirty="0">
                 <a:latin typeface="Lucida Console" panose="020B0609040504020204" pitchFamily="49" charset="0"/>
               </a:rPr>
-              <a:t>(</a:t>
+              <a:t>[</a:t>
+            </a:r>
+            <a:r>
+              <a:rPr lang="en-US" sz="2400" i="1" dirty="0">
+                <a:latin typeface="Lucida Console" panose="020B0609040504020204" pitchFamily="49" charset="0"/>
+              </a:rPr>
+              <a:t>1600</a:t>
+            </a:r>
+            <a:r>
+              <a:rPr lang="en-US" sz="2400" dirty="0">
+                <a:latin typeface="Lucida Console" panose="020B0609040504020204" pitchFamily="49" charset="0"/>
+              </a:rPr>
+              <a:t>,</a:t>
+            </a:r>
+            <a:r>
+              <a:rPr lang="en-US" sz="2400" i="1" dirty="0">
+                <a:latin typeface="Lucida Console" panose="020B0609040504020204" pitchFamily="49" charset="0"/>
+              </a:rPr>
+              <a:t>24</a:t>
+            </a:r>
+            <a:r>
+              <a:rPr lang="en-US" sz="2400" dirty="0">
+                <a:latin typeface="Lucida Console" panose="020B0609040504020204" pitchFamily="49" charset="0"/>
+              </a:rPr>
+              <a:t>](</a:t>
             </a:r>
             <a:r>
               <a:rPr lang="en-US" sz="2400" i="1" dirty="0">
@@ -26160,7 +26384,7 @@
         </p:nvSpPr>
         <p:spPr>
           <a:xfrm>
-            <a:off x="8230855" y="3864279"/>
+            <a:off x="8191046" y="3864279"/>
             <a:ext cx="187891" cy="795403"/>
           </a:xfrm>
           <a:prstGeom prst="rightBrace">
@@ -26205,7 +26429,7 @@
         </p:nvSpPr>
         <p:spPr>
           <a:xfrm>
-            <a:off x="8447821" y="3969592"/>
+            <a:off x="8408012" y="3969592"/>
             <a:ext cx="2590765" cy="584775"/>
           </a:xfrm>
           <a:prstGeom prst="rect">
@@ -26225,23 +26449,7 @@
                   <a:schemeClr val="accent1"/>
                 </a:solidFill>
               </a:rPr>
-              <a:t>Absorb </a:t>
-            </a:r>
-            <a:r>
-              <a:rPr lang="en-US" sz="3200" i="1" dirty="0">
-                <a:solidFill>
-                  <a:schemeClr val="accent1"/>
-                </a:solidFill>
-              </a:rPr>
-              <a:t>r</a:t>
-            </a:r>
-            <a:r>
-              <a:rPr lang="en-US" sz="3200" dirty="0">
-                <a:solidFill>
-                  <a:schemeClr val="accent1"/>
-                </a:solidFill>
-              </a:rPr>
-              <a:t> bits</a:t>
+              <a:t>Absorb</a:t>
             </a:r>
           </a:p>
         </p:txBody>
@@ -26260,7 +26468,7 @@
         </p:nvSpPr>
         <p:spPr>
           <a:xfrm>
-            <a:off x="5163903" y="5064374"/>
+            <a:off x="5274570" y="5064374"/>
             <a:ext cx="187891" cy="389567"/>
           </a:xfrm>
           <a:prstGeom prst="rightBrace">
@@ -26305,7 +26513,7 @@
         </p:nvSpPr>
         <p:spPr>
           <a:xfrm>
-            <a:off x="5351794" y="4966769"/>
+            <a:off x="5462461" y="4966769"/>
             <a:ext cx="2590765" cy="584775"/>
           </a:xfrm>
           <a:prstGeom prst="rect">
@@ -26325,23 +26533,7 @@
                   <a:schemeClr val="accent1"/>
                 </a:solidFill>
               </a:rPr>
-              <a:t>Squeeze </a:t>
-            </a:r>
-            <a:r>
-              <a:rPr lang="en-US" sz="3200" i="1" dirty="0">
-                <a:solidFill>
-                  <a:schemeClr val="accent1"/>
-                </a:solidFill>
-              </a:rPr>
-              <a:t>d</a:t>
-            </a:r>
-            <a:r>
-              <a:rPr lang="en-US" sz="3200" dirty="0">
-                <a:solidFill>
-                  <a:schemeClr val="accent1"/>
-                </a:solidFill>
-              </a:rPr>
-              <a:t> bits</a:t>
+              <a:t>Squeeze</a:t>
             </a:r>
           </a:p>
         </p:txBody>
@@ -26360,7 +26552,7 @@
         </p:nvSpPr>
         <p:spPr>
           <a:xfrm>
-            <a:off x="5992646" y="2803602"/>
+            <a:off x="7816364" y="2803602"/>
             <a:ext cx="187891" cy="389567"/>
           </a:xfrm>
           <a:prstGeom prst="rightBrace">
@@ -26405,8 +26597,8 @@
         </p:nvSpPr>
         <p:spPr>
           <a:xfrm>
-            <a:off x="6180537" y="2705997"/>
-            <a:ext cx="4272216" cy="584775"/>
+            <a:off x="7995534" y="2701333"/>
+            <a:ext cx="1762242" cy="584775"/>
           </a:xfrm>
           <a:prstGeom prst="rect">
             <a:avLst/>
@@ -26425,23 +26617,7 @@
                   <a:schemeClr val="accent1"/>
                 </a:solidFill>
               </a:rPr>
-              <a:t>Partition to </a:t>
-            </a:r>
-            <a:r>
-              <a:rPr lang="en-US" sz="3200" i="1" dirty="0">
-                <a:solidFill>
-                  <a:schemeClr val="accent1"/>
-                </a:solidFill>
-              </a:rPr>
-              <a:t>r</a:t>
-            </a:r>
-            <a:r>
-              <a:rPr lang="en-US" sz="3200" dirty="0">
-                <a:solidFill>
-                  <a:schemeClr val="accent1"/>
-                </a:solidFill>
-              </a:rPr>
-              <a:t>-bit blocks</a:t>
+              <a:t>Partition</a:t>
             </a:r>
           </a:p>
         </p:txBody>
@@ -26755,9 +26931,15 @@
           <a:p>
             <a:r>
               <a:rPr lang="en-US" sz="4800" dirty="0">
+                <a:latin typeface="Copperplate" panose="02027200000000000000" pitchFamily="18" charset="0"/>
+              </a:rPr>
+              <a:t>KECCAK</a:t>
+            </a:r>
+            <a:r>
+              <a:rPr lang="en-US" sz="4800" dirty="0">
                 <a:latin typeface="Copperplate" panose="02000504000000020004" pitchFamily="2" charset="77"/>
               </a:rPr>
-              <a:t>Keccak </a:t>
+              <a:t> </a:t>
             </a:r>
             <a:r>
               <a:rPr lang="en-US" sz="4800" dirty="0"/>
@@ -28039,9 +28221,15 @@
           <a:p>
             <a:r>
               <a:rPr lang="en-US" sz="4800" dirty="0">
+                <a:latin typeface="Copperplate" panose="02027200000000000000" pitchFamily="18" charset="0"/>
+              </a:rPr>
+              <a:t>KECCAK</a:t>
+            </a:r>
+            <a:r>
+              <a:rPr lang="en-US" sz="4800" dirty="0">
                 <a:latin typeface="Copperplate" panose="02000504000000020004" pitchFamily="2" charset="77"/>
               </a:rPr>
-              <a:t>Keccak </a:t>
+              <a:t> </a:t>
             </a:r>
             <a:r>
               <a:rPr lang="en-US" sz="4800" dirty="0"/>
@@ -28050,8 +28238,8 @@
           </a:p>
         </p:txBody>
       </p:sp>
-      <mc:AlternateContent xmlns:mc="http://schemas.openxmlformats.org/markup-compatibility/2006" xmlns:a14="http://schemas.microsoft.com/office/drawing/2010/main">
-        <mc:Choice Requires="a14">
+      <mc:AlternateContent xmlns:mc="http://schemas.openxmlformats.org/markup-compatibility/2006">
+        <mc:Choice xmlns:a14="http://schemas.microsoft.com/office/drawing/2010/main" Requires="a14">
           <p:sp>
             <p:nvSpPr>
               <p:cNvPr id="14" name="TextBox 13">
@@ -28099,7 +28287,7 @@
                   <a:rPr lang="en-US" sz="2400" dirty="0">
                     <a:latin typeface="Copperplate" panose="02000504000000020004" pitchFamily="2" charset="77"/>
                   </a:rPr>
-                  <a:t>Keccak</a:t>
+                  <a:t>KECCAK</a:t>
                 </a:r>
                 <a:r>
                   <a:rPr lang="en-US" sz="2400" dirty="0">
@@ -28226,7 +28414,7 @@
                   <a:t> = </a:t>
                 </a:r>
                 <a:r>
-                  <a:rPr lang="en-US" sz="2800" dirty="0" err="1">
+                  <a:rPr lang="en-US" sz="2800" dirty="0">
                     <a:solidFill>
                       <a:schemeClr val="accent5"/>
                     </a:solidFill>
@@ -28444,10 +28632,22 @@
                   <a:t>(</a:t>
                 </a:r>
                 <a:r>
-                  <a:rPr lang="en-US" sz="2400" i="1" dirty="0">
+                  <a:rPr lang="en-US" sz="2400" i="1" dirty="0" err="1">
                     <a:latin typeface="Lucida Console" panose="020B0609040504020204" pitchFamily="49" charset="0"/>
                   </a:rPr>
                   <a:t>A</a:t>
+                </a:r>
+                <a:r>
+                  <a:rPr lang="en-US" sz="2400" dirty="0" err="1">
+                    <a:latin typeface="Lucida Console" panose="020B0609040504020204" pitchFamily="49" charset="0"/>
+                  </a:rPr>
+                  <a:t>,</a:t>
+                </a:r>
+                <a:r>
+                  <a:rPr lang="en-US" sz="2400" i="1" dirty="0" err="1">
+                    <a:latin typeface="Lucida Console" panose="020B0609040504020204" pitchFamily="49" charset="0"/>
+                  </a:rPr>
+                  <a:t>i</a:t>
                 </a:r>
                 <a:r>
                   <a:rPr lang="en-US" sz="2400" dirty="0">
@@ -28484,7 +28684,7 @@
             </p:txBody>
           </p:sp>
         </mc:Choice>
-        <mc:Fallback xmlns="">
+        <mc:Fallback>
           <p:sp>
             <p:nvSpPr>
               <p:cNvPr id="14" name="TextBox 13">
@@ -28510,7 +28710,7 @@
               <a:blipFill>
                 <a:blip r:embed="rId3"/>
                 <a:stretch>
-                  <a:fillRect l="-1468" t="-1818"/>
+                  <a:fillRect l="-1411" t="-1576"/>
                 </a:stretch>
               </a:blipFill>
             </p:spPr>
@@ -28708,8 +28908,8 @@
         </p:nvSpPr>
         <p:spPr>
           <a:xfrm>
-            <a:off x="2552701" y="3921740"/>
-            <a:ext cx="2815684" cy="523220"/>
+            <a:off x="626304" y="3921740"/>
+            <a:ext cx="4742081" cy="892552"/>
           </a:xfrm>
           <a:prstGeom prst="rect">
             <a:avLst/>
@@ -28742,26 +28942,56 @@
                 </a:solidFill>
                 <a:latin typeface="Copperplate" panose="02000504000000020004" pitchFamily="2" charset="77"/>
               </a:rPr>
-              <a:t>Keccak</a:t>
+              <a:t>KECCAK</a:t>
             </a:r>
             <a:r>
               <a:rPr lang="en-US" sz="2400" dirty="0">
                 <a:latin typeface="Lucida Console" panose="020B0609040504020204" pitchFamily="49" charset="0"/>
               </a:rPr>
-              <a:t>(</a:t>
+              <a:t>[</a:t>
             </a:r>
             <a:r>
               <a:rPr lang="en-US" sz="2400" i="1" dirty="0">
                 <a:latin typeface="Lucida Console" panose="020B0609040504020204" pitchFamily="49" charset="0"/>
               </a:rPr>
-              <a:t>A</a:t>
+              <a:t>1600</a:t>
             </a:r>
             <a:r>
               <a:rPr lang="en-US" sz="2400" dirty="0">
                 <a:latin typeface="Lucida Console" panose="020B0609040504020204" pitchFamily="49" charset="0"/>
               </a:rPr>
+              <a:t>,</a:t>
+            </a:r>
+            <a:r>
+              <a:rPr lang="en-US" sz="2400" i="1" dirty="0">
+                <a:latin typeface="Lucida Console" panose="020B0609040504020204" pitchFamily="49" charset="0"/>
+              </a:rPr>
+              <a:t>24</a:t>
+            </a:r>
+            <a:r>
+              <a:rPr lang="en-US" sz="2400" dirty="0">
+                <a:latin typeface="Lucida Console" panose="020B0609040504020204" pitchFamily="49" charset="0"/>
+              </a:rPr>
+              <a:t>](</a:t>
+            </a:r>
+            <a:r>
+              <a:rPr lang="en-US" sz="2400" i="1" dirty="0">
+                <a:latin typeface="Lucida Console" panose="020B0609040504020204" pitchFamily="49" charset="0"/>
+              </a:rPr>
+              <a:t>A</a:t>
+            </a:r>
+            <a:r>
+              <a:rPr lang="en-US" sz="2400" dirty="0">
+                <a:latin typeface="Lucida Console" panose="020B0609040504020204" pitchFamily="49" charset="0"/>
+              </a:rPr>
               <a:t>)</a:t>
             </a:r>
+          </a:p>
+          <a:p>
+            <a:pPr algn="r"/>
+            <a:endParaRPr lang="en-US" sz="2400" dirty="0">
+              <a:latin typeface="Lucida Console" panose="020B0609040504020204" pitchFamily="49" charset="0"/>
+            </a:endParaRPr>
           </a:p>
         </p:txBody>
       </p:sp>
@@ -30333,40 +30563,28 @@
               <a:t>(</a:t>
             </a:r>
             <a:r>
-              <a:rPr lang="en-US" sz="2400" i="1" dirty="0" err="1">
+              <a:rPr lang="en-US" sz="2400" i="1" dirty="0">
                 <a:latin typeface="Lucida Console" panose="020B0609040504020204" pitchFamily="49" charset="0"/>
               </a:rPr>
               <a:t>p</a:t>
             </a:r>
             <a:r>
-              <a:rPr lang="en-US" sz="2400" i="1" baseline="-25000" dirty="0" err="1">
+              <a:rPr lang="en-US" sz="2400" i="1" baseline="-25000" dirty="0">
                 <a:latin typeface="Lucida Console" panose="020B0609040504020204" pitchFamily="49" charset="0"/>
               </a:rPr>
               <a:t>i</a:t>
-            </a:r>
-            <a:r>
-              <a:rPr lang="en-US" sz="2400" dirty="0" err="1">
-                <a:latin typeface="Lucida Console" panose="020B0609040504020204" pitchFamily="49" charset="0"/>
-              </a:rPr>
-              <a:t>,</a:t>
-            </a:r>
-            <a:r>
-              <a:rPr lang="en-US" sz="2400" i="1" dirty="0" err="1">
-                <a:latin typeface="Lucida Console" panose="020B0609040504020204" pitchFamily="49" charset="0"/>
-              </a:rPr>
-              <a:t>a</a:t>
             </a:r>
             <a:r>
               <a:rPr lang="en-US" sz="2400" dirty="0">
                 <a:latin typeface="Lucida Console" panose="020B0609040504020204" pitchFamily="49" charset="0"/>
               </a:rPr>
-              <a:t>-</a:t>
+              <a:t>,</a:t>
             </a:r>
             <a:r>
               <a:rPr lang="en-US" sz="2400" i="1" dirty="0">
                 <a:latin typeface="Lucida Console" panose="020B0609040504020204" pitchFamily="49" charset="0"/>
               </a:rPr>
-              <a:t>r</a:t>
+              <a:t>2c</a:t>
             </a:r>
             <a:r>
               <a:rPr lang="en-US" sz="2400" dirty="0">
@@ -30450,7 +30668,7 @@
               <a:rPr lang="en-US" sz="2400" i="1" dirty="0" err="1">
                 <a:latin typeface="Lucida Console" panose="020B0609040504020204" pitchFamily="49" charset="0"/>
               </a:rPr>
-              <a:t>d</a:t>
+              <a:t>c</a:t>
             </a:r>
             <a:r>
               <a:rPr lang="en-US" sz="2400" dirty="0">

--- a/presentation/SPIN2022.pptx
+++ b/presentation/SPIN2022.pptx
@@ -246,7 +246,7 @@
           <a:p>
             <a:fld id="{6E742D25-F818-3F41-A083-9D0C2C4584D2}" type="datetimeFigureOut">
               <a:rPr lang="en-US" smtClean="0"/>
-              <a:t>5/19/2022</a:t>
+              <a:t>5/21/2022</a:t>
             </a:fld>
             <a:endParaRPr lang="en-US"/>
           </a:p>
@@ -559,7 +559,13 @@
           <a:p>
             <a:r>
               <a:rPr lang="en-US" dirty="0"/>
-              <a:t>&lt;How should I introduce myself?&gt;</a:t>
+              <a:t>Hello, I’m Parker Hanson and I’m a graduate student at BYU.</a:t>
+            </a:r>
+          </a:p>
+          <a:p>
+            <a:r>
+              <a:rPr lang="en-US" dirty="0"/>
+              <a:t>Today I’m presenting our work on verifying the OpenSSL’s SHA3 implementation with the Software Analysis Workbench.</a:t>
             </a:r>
           </a:p>
         </p:txBody>
@@ -646,7 +652,69 @@
           <a:p>
             <a:r>
               <a:rPr lang="en-US" dirty="0"/>
-              <a:t>Visual inspection with the standard </a:t>
+              <a:t>Alas, visual inspection isn’t something we can handwave away.</a:t>
+            </a:r>
+          </a:p>
+          <a:p>
+            <a:r>
+              <a:rPr lang="en-US" dirty="0"/>
+              <a:t>CLICK:</a:t>
+            </a:r>
+          </a:p>
+          <a:p>
+            <a:endParaRPr lang="en-US" dirty="0"/>
+          </a:p>
+          <a:p>
+            <a:r>
+              <a:rPr lang="en-US" dirty="0"/>
+              <a:t>The NIST specification contains parallel for structures, like so.</a:t>
+            </a:r>
+          </a:p>
+          <a:p>
+            <a:r>
+              <a:rPr lang="en-US" dirty="0"/>
+              <a:t>In a more sequential language like C, for loops are the natural structure to represent this pattern.</a:t>
+            </a:r>
+          </a:p>
+          <a:p>
+            <a:r>
+              <a:rPr lang="en-US" dirty="0"/>
+              <a:t>When translated to standard </a:t>
+            </a:r>
+            <a:r>
+              <a:rPr lang="en-US" dirty="0" err="1"/>
+              <a:t>cryptol</a:t>
+            </a:r>
+            <a:r>
+              <a:rPr lang="en-US" dirty="0"/>
+              <a:t>, however…</a:t>
+            </a:r>
+          </a:p>
+          <a:p>
+            <a:r>
+              <a:rPr lang="en-US" dirty="0"/>
+              <a:t>CLICK</a:t>
+            </a:r>
+          </a:p>
+          <a:p>
+            <a:endParaRPr lang="en-US" dirty="0"/>
+          </a:p>
+          <a:p>
+            <a:r>
+              <a:rPr lang="en-US" dirty="0"/>
+              <a:t>The visual inspection of list comprehensions was not always intuitive.</a:t>
+            </a:r>
+          </a:p>
+          <a:p>
+            <a:r>
+              <a:rPr lang="en-US" dirty="0"/>
+              <a:t>Here is our first attempt.</a:t>
+            </a:r>
+          </a:p>
+          <a:p>
+            <a:r>
+              <a:rPr lang="en-US" dirty="0"/>
+              <a:t>We see how the </a:t>
             </a:r>
             <a:r>
               <a:rPr lang="en-US" dirty="0" err="1"/>
@@ -654,28 +722,31 @@
             </a:r>
             <a:r>
               <a:rPr lang="en-US" dirty="0"/>
-              <a:t> syntax of list comprehensions was not always intuitive.</a:t>
+              <a:t> code, while functionally identical to the NIST specification above, appears backwards.</a:t>
             </a:r>
           </a:p>
           <a:p>
             <a:r>
               <a:rPr lang="en-US" dirty="0"/>
-              <a:t>We constructed higher order functions that hide the less comparable list comprehensions to greatly simplify looping structures such as for loops.</a:t>
+              <a:t>The looping body is first.</a:t>
             </a:r>
           </a:p>
           <a:p>
             <a:r>
               <a:rPr lang="en-US" dirty="0"/>
-              <a:t>This led to a more straightforward visual comparison.</a:t>
-            </a:r>
-          </a:p>
-          <a:p>
-            <a:endParaRPr lang="en-US" dirty="0"/>
+              <a:t>The nesting is reversed.</a:t>
+            </a:r>
           </a:p>
           <a:p>
             <a:r>
               <a:rPr lang="en-US" dirty="0"/>
-              <a:t>On the left, we see how the unaltered </a:t>
+              <a:t>This is rather dissimilar from the NIST specification.</a:t>
+            </a:r>
+          </a:p>
+          <a:p>
+            <a:r>
+              <a:rPr lang="en-US" dirty="0"/>
+              <a:t>Much of our time was spent fighting with </a:t>
             </a:r>
             <a:r>
               <a:rPr lang="en-US" dirty="0" err="1"/>
@@ -683,20 +754,81 @@
             </a:r>
             <a:r>
               <a:rPr lang="en-US" dirty="0"/>
-              <a:t> code, while functionally identical to the NIST specification above, appears backwards.</a:t>
+              <a:t> to align as closely as possible with the NIST document.</a:t>
             </a:r>
           </a:p>
           <a:p>
             <a:r>
               <a:rPr lang="en-US" dirty="0"/>
-              <a:t>The looping body is first, with the iterating variables appearing in reversed order.</a:t>
-            </a:r>
+              <a:t>This led us to…</a:t>
+            </a:r>
+          </a:p>
+          <a:p>
+            <a:endParaRPr lang="en-US" dirty="0"/>
           </a:p>
           <a:p>
             <a:r>
               <a:rPr lang="en-US" dirty="0"/>
-              <a:t>Using the higher order function, the variables and looping body more closely align with the NIST document.</a:t>
-            </a:r>
+              <a:t>CLICK</a:t>
+            </a:r>
+          </a:p>
+          <a:p>
+            <a:r>
+              <a:rPr lang="en-US" dirty="0"/>
+              <a:t>Construct a helper method that hides the less comparable list comprehensions.</a:t>
+            </a:r>
+          </a:p>
+          <a:p>
+            <a:r>
+              <a:rPr lang="en-US" dirty="0"/>
+              <a:t>This visually simplifies the looping structure and provided the </a:t>
+            </a:r>
+            <a:r>
+              <a:rPr lang="en-US" dirty="0" err="1"/>
+              <a:t>cryptol</a:t>
+            </a:r>
+            <a:r>
+              <a:rPr lang="en-US" dirty="0"/>
+              <a:t> a more straightforward visual comparison to the NIST specification.</a:t>
+            </a:r>
+          </a:p>
+          <a:p>
+            <a:r>
+              <a:rPr lang="en-US" dirty="0"/>
+              <a:t>CLICK</a:t>
+            </a:r>
+          </a:p>
+          <a:p>
+            <a:endParaRPr lang="en-US" dirty="0"/>
+          </a:p>
+          <a:p>
+            <a:r>
+              <a:rPr lang="en-US" dirty="0"/>
+              <a:t>Here is the helper function in use.</a:t>
+            </a:r>
+          </a:p>
+          <a:p>
+            <a:r>
+              <a:rPr lang="en-US" dirty="0"/>
+              <a:t>A domain is passed for a lambda body in an order that mimics a more standard for loop that isn’t natively present in the </a:t>
+            </a:r>
+            <a:r>
+              <a:rPr lang="en-US" dirty="0" err="1"/>
+              <a:t>Cryptol</a:t>
+            </a:r>
+            <a:r>
+              <a:rPr lang="en-US" dirty="0"/>
+              <a:t> language.</a:t>
+            </a:r>
+          </a:p>
+          <a:p>
+            <a:r>
+              <a:rPr lang="en-US" dirty="0"/>
+              <a:t>The nesting is more inline with the NIST document, and visual equivalence is much clearer.</a:t>
+            </a:r>
+          </a:p>
+          <a:p>
+            <a:endParaRPr lang="en-US" dirty="0"/>
           </a:p>
         </p:txBody>
       </p:sp>
@@ -782,28 +914,83 @@
           <a:p>
             <a:r>
               <a:rPr lang="en-US" dirty="0"/>
-              <a:t>The same was true of while loops.</a:t>
+              <a:t>A few places in the NIST document required a condition-bound loop.</a:t>
             </a:r>
           </a:p>
           <a:p>
             <a:r>
               <a:rPr lang="en-US" dirty="0"/>
-              <a:t>With list comprehensions, maintained state through loop iterations was rather difficult to compare between unaltered </a:t>
+              <a:t>CLICK</a:t>
+            </a:r>
+          </a:p>
+          <a:p>
+            <a:endParaRPr lang="en-US" dirty="0"/>
+          </a:p>
+          <a:p>
+            <a:r>
+              <a:rPr lang="en-US" dirty="0"/>
+              <a:t>In the method that produces the round constant ‘</a:t>
             </a:r>
             <a:r>
               <a:rPr lang="en-US" dirty="0" err="1"/>
-              <a:t>Cryptol</a:t>
+              <a:t>rc</a:t>
             </a:r>
             <a:r>
               <a:rPr lang="en-US" dirty="0"/>
-              <a:t> and the NIST specification.</a:t>
+              <a:t>’, we iterate from `1 to t mod 255`…</a:t>
             </a:r>
           </a:p>
           <a:p>
             <a:r>
               <a:rPr lang="en-US" dirty="0"/>
-              <a:t>Though obtuse, the unaltered </a:t>
-            </a:r>
+              <a:t>CLICK</a:t>
+            </a:r>
+          </a:p>
+          <a:p>
+            <a:endParaRPr lang="en-US" dirty="0"/>
+          </a:p>
+          <a:p>
+            <a:r>
+              <a:rPr lang="en-US" dirty="0"/>
+              <a:t>Though obtuse, this </a:t>
+            </a:r>
+            <a:r>
+              <a:rPr lang="en-US" dirty="0" err="1"/>
+              <a:t>cryptol</a:t>
+            </a:r>
+            <a:r>
+              <a:rPr lang="en-US" dirty="0"/>
+              <a:t> code produces the </a:t>
+            </a:r>
+            <a:r>
+              <a:rPr lang="en-US" dirty="0" err="1"/>
+              <a:t>proer</a:t>
+            </a:r>
+            <a:r>
+              <a:rPr lang="en-US" dirty="0"/>
+              <a:t> round constant.</a:t>
+            </a:r>
+          </a:p>
+          <a:p>
+            <a:r>
+              <a:rPr lang="en-US" dirty="0"/>
+              <a:t>To do so, we build a list of length `t mod 255` of the state after reach iteration and then return the last value in the list.</a:t>
+            </a:r>
+          </a:p>
+          <a:p>
+            <a:r>
+              <a:rPr lang="en-US" dirty="0"/>
+              <a:t>This doesn’t align naturally with the NIST document.</a:t>
+            </a:r>
+          </a:p>
+          <a:p>
+            <a:r>
+              <a:rPr lang="en-US" dirty="0"/>
+              <a:t>CLICK</a:t>
+            </a:r>
+          </a:p>
+          <a:p>
+            <a:endParaRPr lang="en-US" dirty="0"/>
           </a:p>
           <a:p>
             <a:r>
@@ -814,7 +1001,28 @@
           <a:p>
             <a:r>
               <a:rPr lang="en-US" dirty="0"/>
-              <a:t>In this case, the state maintains the iteration count </a:t>
+              <a:t>When the provided condition fails, the final state is returned.</a:t>
+            </a:r>
+          </a:p>
+          <a:p>
+            <a:r>
+              <a:rPr lang="en-US" dirty="0"/>
+              <a:t>CLICK</a:t>
+            </a:r>
+          </a:p>
+          <a:p>
+            <a:endParaRPr lang="en-US" dirty="0"/>
+          </a:p>
+          <a:p>
+            <a:r>
+              <a:rPr lang="en-US" dirty="0"/>
+              <a:t>Here it is in use.</a:t>
+            </a:r>
+          </a:p>
+          <a:p>
+            <a:r>
+              <a:rPr lang="en-US" dirty="0"/>
+              <a:t>The state is a record with the iteration count `</a:t>
             </a:r>
             <a:r>
               <a:rPr lang="en-US" dirty="0" err="1"/>
@@ -822,13 +1030,31 @@
             </a:r>
             <a:r>
               <a:rPr lang="en-US" dirty="0"/>
-              <a:t> and an 8-bit value R.</a:t>
+              <a:t>` and an 8-bit value `R`.</a:t>
             </a:r>
           </a:p>
           <a:p>
             <a:r>
               <a:rPr lang="en-US" dirty="0"/>
-              <a:t>Lastly, the state is queried for the proper field to return, in this case R.</a:t>
+              <a:t>The condition is a lambda that limits the number of iterations to `t mod 255`.</a:t>
+            </a:r>
+          </a:p>
+          <a:p>
+            <a:r>
+              <a:rPr lang="en-US" dirty="0"/>
+              <a:t>The body is a lambda that updates the `R` value.</a:t>
+            </a:r>
+          </a:p>
+          <a:p>
+            <a:r>
+              <a:rPr lang="en-US" dirty="0"/>
+              <a:t>After we finish looping, we grab the `R` value from the final state.</a:t>
+            </a:r>
+          </a:p>
+          <a:p>
+            <a:r>
+              <a:rPr lang="en-US" dirty="0"/>
+              <a:t>As with the for loop, this is visually much more comparable to the NIST document.</a:t>
             </a:r>
           </a:p>
         </p:txBody>
@@ -915,13 +1141,28 @@
           <a:p>
             <a:r>
               <a:rPr lang="en-US" dirty="0"/>
-              <a:t>Since the NIST standard is written in a document, visual inspection is impossible to avoid.</a:t>
+              <a:t>Since the NIST standard is written in a document…</a:t>
             </a:r>
           </a:p>
           <a:p>
             <a:r>
               <a:rPr lang="en-US" dirty="0"/>
-              <a:t>By leveraging our higher-order functions we produced a visually comparable </a:t>
+              <a:t>CLICK</a:t>
+            </a:r>
+          </a:p>
+          <a:p>
+            <a:endParaRPr lang="en-US" dirty="0"/>
+          </a:p>
+          <a:p>
+            <a:r>
+              <a:rPr lang="en-US" dirty="0"/>
+              <a:t>Visual inspection is impossible to avoid.</a:t>
+            </a:r>
+          </a:p>
+          <a:p>
+            <a:r>
+              <a:rPr lang="en-US" dirty="0"/>
+              <a:t>Our helper methods certainly reduced the burden of the visual inspection and aided in producing a NIST-comparable </a:t>
             </a:r>
             <a:r>
               <a:rPr lang="en-US" dirty="0" err="1"/>
@@ -931,6 +1172,15 @@
               <a:rPr lang="en-US" dirty="0"/>
               <a:t> implementation of SHA3.</a:t>
             </a:r>
+          </a:p>
+          <a:p>
+            <a:r>
+              <a:rPr lang="en-US" dirty="0"/>
+              <a:t>CLICK</a:t>
+            </a:r>
+          </a:p>
+          <a:p>
+            <a:endParaRPr lang="en-US" dirty="0"/>
           </a:p>
           <a:p>
             <a:r>
@@ -1030,13 +1280,36 @@
             </a:r>
             <a:r>
               <a:rPr lang="en-US" dirty="0"/>
-              <a:t> implementation to the OpenSSL implementation was too complex to complete with SAW.</a:t>
+              <a:t> implementation to the OpenSSL implementation…</a:t>
             </a:r>
           </a:p>
           <a:p>
             <a:r>
               <a:rPr lang="en-US" dirty="0"/>
-              <a:t>This was mostly due to differences in memory layout between the two languages.</a:t>
+              <a:t>CLICK</a:t>
+            </a:r>
+          </a:p>
+          <a:p>
+            <a:endParaRPr lang="en-US" dirty="0"/>
+          </a:p>
+          <a:p>
+            <a:r>
+              <a:rPr lang="en-US" dirty="0"/>
+              <a:t>Was too complex to complete with SAW.</a:t>
+            </a:r>
+          </a:p>
+          <a:p>
+            <a:r>
+              <a:rPr lang="en-US" dirty="0"/>
+              <a:t>The differences between the NIST-based </a:t>
+            </a:r>
+            <a:r>
+              <a:rPr lang="en-US" dirty="0" err="1"/>
+              <a:t>cryptol</a:t>
+            </a:r>
+            <a:r>
+              <a:rPr lang="en-US" dirty="0"/>
+              <a:t> implementation and OpenSSL’s implementation were simply too great.</a:t>
             </a:r>
           </a:p>
         </p:txBody>
@@ -1123,7 +1396,13 @@
           <a:p>
             <a:r>
               <a:rPr lang="en-US" dirty="0"/>
-              <a:t>The </a:t>
+              <a:t>The NIST specification is very much math based.</a:t>
+            </a:r>
+          </a:p>
+          <a:p>
+            <a:r>
+              <a:rPr lang="en-US" dirty="0"/>
+              <a:t>The state used in the </a:t>
             </a:r>
             <a:r>
               <a:rPr lang="en-US" dirty="0" err="1"/>
@@ -1131,35 +1410,46 @@
             </a:r>
             <a:r>
               <a:rPr lang="en-US" dirty="0"/>
-              <a:t> function state is a 3-dimensional array of bits in the NIST specification.</a:t>
+              <a:t> function is cartesian: Each bit is defined first by column, then by row, and lastly by lane.</a:t>
             </a:r>
           </a:p>
           <a:p>
             <a:r>
               <a:rPr lang="en-US" dirty="0"/>
-              <a:t>The </a:t>
-            </a:r>
-            <a:r>
-              <a:rPr lang="en-US" dirty="0" err="1"/>
-              <a:t>cryptol</a:t>
-            </a:r>
-            <a:r>
+              <a:t>CLICK</a:t>
+            </a:r>
+          </a:p>
+          <a:p>
+            <a:br>
               <a:rPr lang="en-US" dirty="0"/>
-              <a:t> implementation relies on this as well, but OpenSSL’s implementation uses a two-dimensional array of 64 bit integers.</a:t>
-            </a:r>
-          </a:p>
-          <a:p>
+            </a:br>
             <a:r>
               <a:rPr lang="en-US" dirty="0"/>
-              <a:t>The NIST specification and </a:t>
-            </a:r>
-            <a:r>
-              <a:rPr lang="en-US" dirty="0" err="1"/>
-              <a:t>Cryptol</a:t>
-            </a:r>
+              <a:t>In C, OpenSSL isn’t representing state as bits in a 3dimensional structure.</a:t>
+            </a:r>
+          </a:p>
+          <a:p>
             <a:r>
               <a:rPr lang="en-US" dirty="0"/>
-              <a:t> implementation also index into the array by column then row, while OpenSSL indexes into the column first.</a:t>
+              <a:t>Bits aren’t a type—and Booleans aren’t optimal.</a:t>
+            </a:r>
+          </a:p>
+          <a:p>
+            <a:r>
+              <a:rPr lang="en-US" dirty="0"/>
+              <a:t>OpenSSL represents state by a 2dimensional array of64-bit unsigned integers.</a:t>
+            </a:r>
+          </a:p>
+          <a:p>
+            <a:r>
+              <a:rPr lang="en-US" dirty="0"/>
+              <a:t>Indexing by column and then row isn’t feasible either—C indexes row first, then column.</a:t>
+            </a:r>
+          </a:p>
+          <a:p>
+            <a:r>
+              <a:rPr lang="en-US" dirty="0"/>
+              <a:t>The differences don’t stop with the state representation, however.</a:t>
             </a:r>
           </a:p>
         </p:txBody>
@@ -1246,7 +1536,19 @@
           <a:p>
             <a:r>
               <a:rPr lang="en-US" dirty="0"/>
-              <a:t>OpenSSL also relied on precomputed constants pulled from tables. </a:t>
+              <a:t>The NIST specification simply doesn’t care for optimization.</a:t>
+            </a:r>
+          </a:p>
+          <a:p>
+            <a:r>
+              <a:rPr lang="en-US" dirty="0"/>
+              <a:t>The iota function relies on round constants, and the specification computes them as part of the transformation function.</a:t>
+            </a:r>
+          </a:p>
+          <a:p>
+            <a:r>
+              <a:rPr lang="en-US" dirty="0"/>
+              <a:t>The same can be said of the rho function.</a:t>
             </a:r>
           </a:p>
           <a:p>
@@ -1256,11 +1558,11 @@
             </a:r>
             <a:r>
               <a:rPr lang="en-US" dirty="0" err="1"/>
-              <a:t>Cryptol</a:t>
+              <a:t>cryptol</a:t>
             </a:r>
             <a:r>
               <a:rPr lang="en-US" dirty="0"/>
-              <a:t> implementation computed these values during the hashing process.</a:t>
+              <a:t> implementation computes these constants in the same way as the NIST standard.</a:t>
             </a:r>
           </a:p>
           <a:p>
@@ -1269,7 +1571,28 @@
           <a:p>
             <a:r>
               <a:rPr lang="en-US" dirty="0"/>
-              <a:t>Together, these differences proved too great for SAW to prove equivalence between OpenSSL and our initial </a:t>
+              <a:t>CLICK</a:t>
+            </a:r>
+          </a:p>
+          <a:p>
+            <a:r>
+              <a:rPr lang="en-US" dirty="0"/>
+              <a:t>OpenSSL does care about performance and deviates greatly from the NIST standard.</a:t>
+            </a:r>
+          </a:p>
+          <a:p>
+            <a:r>
+              <a:rPr lang="en-US" dirty="0"/>
+              <a:t>These values are constants—so they’re pulled from tables in a much more efficient manner.</a:t>
+            </a:r>
+          </a:p>
+          <a:p>
+            <a:endParaRPr lang="en-US" dirty="0"/>
+          </a:p>
+          <a:p>
+            <a:r>
+              <a:rPr lang="en-US" dirty="0"/>
+              <a:t>Together with the state representation dissimilarities, these differences were too great for SAW to prove equivalence between OpenSSL and our initial </a:t>
             </a:r>
             <a:r>
               <a:rPr lang="en-US" dirty="0" err="1"/>
@@ -1278,6 +1601,12 @@
             <a:r>
               <a:rPr lang="en-US" dirty="0"/>
               <a:t> implementation.</a:t>
+            </a:r>
+          </a:p>
+          <a:p>
+            <a:r>
+              <a:rPr lang="en-US" dirty="0"/>
+              <a:t>Having previously seen this in proving equivalence for SHA2…</a:t>
             </a:r>
           </a:p>
           <a:p>
@@ -1365,13 +1694,20 @@
           <a:bodyPr/>
           <a:lstStyle/>
           <a:p>
-            <a:endParaRPr lang="en-US" dirty="0"/>
-          </a:p>
-          <a:p>
             <a:r>
               <a:rPr lang="en-US" dirty="0"/>
-              <a:t>Because </a:t>
-            </a:r>
+              <a:t>We created a new </a:t>
+            </a:r>
+            <a:r>
+              <a:rPr lang="en-US" dirty="0" err="1"/>
+              <a:t>cryptol</a:t>
+            </a:r>
+            <a:r>
+              <a:rPr lang="en-US" dirty="0"/>
+              <a:t> implementation.</a:t>
+            </a:r>
+          </a:p>
+          <a:p>
             <a:r>
               <a:rPr lang="en-US" dirty="0" err="1"/>
               <a:t>Cryptol</a:t>
@@ -1400,7 +1736,7 @@
           <a:p>
             <a:r>
               <a:rPr lang="en-US" dirty="0"/>
-              <a:t>We produced a second </a:t>
+              <a:t>This second </a:t>
             </a:r>
             <a:r>
               <a:rPr lang="en-US" dirty="0" err="1"/>
@@ -1408,7 +1744,22 @@
             </a:r>
             <a:r>
               <a:rPr lang="en-US" dirty="0"/>
-              <a:t> implementation that followed the OpenSSL’s memory layout and proved the equivalence between the two </a:t>
+              <a:t> implementation followed the OpenSSL’s memory layout.</a:t>
+            </a:r>
+          </a:p>
+          <a:p>
+            <a:r>
+              <a:rPr lang="en-US" dirty="0"/>
+              <a:t>CLICK</a:t>
+            </a:r>
+          </a:p>
+          <a:p>
+            <a:endParaRPr lang="en-US" dirty="0"/>
+          </a:p>
+          <a:p>
+            <a:r>
+              <a:rPr lang="en-US" dirty="0"/>
+              <a:t>We were able to prove equivalence between these two </a:t>
             </a:r>
             <a:r>
               <a:rPr lang="en-US" dirty="0" err="1"/>
@@ -1416,13 +1767,37 @@
             </a:r>
             <a:r>
               <a:rPr lang="en-US" dirty="0"/>
-              <a:t> implementations. </a:t>
-            </a:r>
+              <a:t> implementations, but only for certain input message sizes.</a:t>
+            </a:r>
+          </a:p>
+          <a:p>
+            <a:endParaRPr lang="en-US" dirty="0"/>
           </a:p>
           <a:p>
             <a:r>
               <a:rPr lang="en-US" dirty="0"/>
-              <a:t>Strict typing constraints required us to verify for each critical input message size.</a:t>
+              <a:t>SAW relies on symbolic execution and unrolls loops a fixed number of times—as such, this number must be statically defined.</a:t>
+            </a:r>
+          </a:p>
+          <a:p>
+            <a:r>
+              <a:rPr lang="en-US" dirty="0"/>
+              <a:t>Unfortunately SAW was unable to prove equivalence with an arbitrary input message size as this would lead to an unbound number of iterations.</a:t>
+            </a:r>
+          </a:p>
+          <a:p>
+            <a:r>
+              <a:rPr lang="en-US" dirty="0"/>
+              <a:t>This is also true of the digest size, as the digest size controls the sponge padding and affects the number of iterations.</a:t>
+            </a:r>
+          </a:p>
+          <a:p>
+            <a:endParaRPr lang="en-US" dirty="0"/>
+          </a:p>
+          <a:p>
+            <a:r>
+              <a:rPr lang="en-US" dirty="0"/>
+              <a:t>This is a requirement when working with SAW that forced us to verify for each critical input message size.</a:t>
             </a:r>
           </a:p>
           <a:p>
@@ -1546,7 +1921,31 @@
                 <a:effectLst/>
                 <a:latin typeface="Arial" panose="020B0604020202020204" pitchFamily="34" charset="0"/>
               </a:rPr>
-              <a:t>is too big and complex for </a:t>
+              <a:t>is…</a:t>
+            </a:r>
+          </a:p>
+          <a:p>
+            <a:r>
+              <a:rPr lang="en-US" b="0" i="0" dirty="0">
+                <a:effectLst/>
+                <a:latin typeface="Arial" panose="020B0604020202020204" pitchFamily="34" charset="0"/>
+              </a:rPr>
+              <a:t>CLICK</a:t>
+            </a:r>
+          </a:p>
+          <a:p>
+            <a:endParaRPr lang="en-US" b="0" i="0" dirty="0">
+              <a:effectLst/>
+              <a:latin typeface="Arial" panose="020B0604020202020204" pitchFamily="34" charset="0"/>
+            </a:endParaRPr>
+          </a:p>
+          <a:p>
+            <a:r>
+              <a:rPr lang="en-US" b="0" i="0" dirty="0">
+                <a:effectLst/>
+                <a:latin typeface="Arial" panose="020B0604020202020204" pitchFamily="34" charset="0"/>
+              </a:rPr>
+              <a:t>too big and complex for </a:t>
             </a:r>
             <a:r>
               <a:rPr lang="en-US" b="0" i="0" dirty="0">
@@ -1569,7 +1968,25 @@
                 <a:effectLst/>
                 <a:latin typeface="Arial" panose="020B0604020202020204" pitchFamily="34" charset="0"/>
               </a:rPr>
-              <a:t>Adding to the complexity of the equivalence proof is that the OpenSSL implementation changes the meaning of the state S in the algorithm so that it no longer directly matches the meaning defined in the published standard.</a:t>
+              <a:t>The complexity of the equivalence proof is increased since OpenSSL’s implementation changes the meaning of the state.</a:t>
+            </a:r>
+          </a:p>
+          <a:p>
+            <a:r>
+              <a:rPr lang="en-US" b="0" i="0" dirty="0">
+                <a:effectLst/>
+                <a:latin typeface="Arial" panose="020B0604020202020204" pitchFamily="34" charset="0"/>
+              </a:rPr>
+              <a:t>In fact, the state is changed to the degree that it no longer directly matches the meaning defined in the published standard.</a:t>
+            </a:r>
+          </a:p>
+          <a:p>
+            <a:r>
+              <a:rPr lang="en-US" b="0" i="0" dirty="0">
+                <a:effectLst/>
+                <a:latin typeface="Arial" panose="020B0604020202020204" pitchFamily="34" charset="0"/>
+              </a:rPr>
+              <a:t>CLICK</a:t>
             </a:r>
           </a:p>
           <a:p>
@@ -1676,7 +2093,28 @@
           <a:p>
             <a:r>
               <a:rPr lang="en-US" dirty="0"/>
-              <a:t>At the top level, Keccak was too difficult to prove.</a:t>
+              <a:t>At the top level, </a:t>
+            </a:r>
+          </a:p>
+          <a:p>
+            <a:r>
+              <a:rPr lang="en-US" dirty="0"/>
+              <a:t>CLICK</a:t>
+            </a:r>
+          </a:p>
+          <a:p>
+            <a:endParaRPr lang="en-US" dirty="0"/>
+          </a:p>
+          <a:p>
+            <a:r>
+              <a:rPr lang="en-US" dirty="0"/>
+              <a:t>Keccak was still too difficult to prove, at least initially.</a:t>
+            </a:r>
+          </a:p>
+          <a:p>
+            <a:r>
+              <a:rPr lang="en-US" dirty="0"/>
+              <a:t>SAW could not assert equivalence between these rather dissimilar implementations within a reasonable amount of time, or at least what we were willing to wait for.</a:t>
             </a:r>
           </a:p>
           <a:p>
@@ -1769,7 +2207,38 @@
           <a:p>
             <a:r>
               <a:rPr lang="en-US" dirty="0"/>
-              <a:t>Each smaller transformation function was compared and shown equivalent.</a:t>
+              <a:t>These inner functions are significantly smaller than </a:t>
+            </a:r>
+            <a:r>
+              <a:rPr lang="en-US" dirty="0" err="1"/>
+              <a:t>keccak</a:t>
+            </a:r>
+            <a:r>
+              <a:rPr lang="en-US" dirty="0"/>
+              <a:t>.</a:t>
+            </a:r>
+          </a:p>
+          <a:p>
+            <a:r>
+              <a:rPr lang="en-US" dirty="0"/>
+              <a:t>Each method takes up less than 10 lines of </a:t>
+            </a:r>
+            <a:r>
+              <a:rPr lang="en-US" dirty="0" err="1"/>
+              <a:t>Cryptol</a:t>
+            </a:r>
+            <a:r>
+              <a:rPr lang="en-US" dirty="0"/>
+              <a:t> code.</a:t>
+            </a:r>
+          </a:p>
+          <a:p>
+            <a:endParaRPr lang="en-US" dirty="0"/>
+          </a:p>
+          <a:p>
+            <a:r>
+              <a:rPr lang="en-US" dirty="0"/>
+              <a:t>Each smaller transformation function was compared and shown equivalent. CLICK x5</a:t>
             </a:r>
           </a:p>
           <a:p>
@@ -1900,6 +2369,40 @@
             </a:r>
           </a:p>
           <a:p>
+            <a:r>
+              <a:rPr lang="en-US" b="0" i="0" dirty="0" err="1">
+                <a:solidFill>
+                  <a:srgbClr val="24292F"/>
+                </a:solidFill>
+                <a:effectLst/>
+                <a:latin typeface="-apple-system"/>
+              </a:rPr>
+              <a:t>Gaiois</a:t>
+            </a:r>
+            <a:r>
+              <a:rPr lang="en-US" b="0" i="0" dirty="0">
+                <a:solidFill>
+                  <a:srgbClr val="24292F"/>
+                </a:solidFill>
+                <a:effectLst/>
+                <a:latin typeface="-apple-system"/>
+              </a:rPr>
+              <a:t> also designed…</a:t>
+            </a:r>
+          </a:p>
+          <a:p>
+            <a:r>
+              <a:rPr lang="en-US" b="0" i="0" dirty="0">
+                <a:solidFill>
+                  <a:srgbClr val="24292F"/>
+                </a:solidFill>
+                <a:effectLst/>
+                <a:latin typeface="-apple-system"/>
+              </a:rPr>
+              <a:t>CLICK</a:t>
+            </a:r>
+          </a:p>
+          <a:p>
             <a:endParaRPr lang="en-US" b="0" i="0" dirty="0">
               <a:solidFill>
                 <a:srgbClr val="24292F"/>
@@ -1917,26 +2420,38 @@
                 <a:effectLst/>
                 <a:latin typeface="Open Sans" panose="020B0604020202020204" pitchFamily="34" charset="0"/>
               </a:rPr>
-              <a:t>The Software Analysis Workbench, or SAW, formally verifies properties of code written in C, Java, and </a:t>
-            </a:r>
-            <a:r>
-              <a:rPr lang="en-US" b="0" i="0" u="none" strike="noStrike" dirty="0" err="1">
-                <a:solidFill>
-                  <a:srgbClr val="008CBA"/>
+              <a:t>The Software Analysis Workbench, or SAW.</a:t>
+            </a:r>
+          </a:p>
+          <a:p>
+            <a:r>
+              <a:rPr lang="en-US" b="0" i="0" dirty="0">
+                <a:solidFill>
+                  <a:srgbClr val="222222"/>
                 </a:solidFill>
                 <a:effectLst/>
                 <a:latin typeface="Open Sans" panose="020B0604020202020204" pitchFamily="34" charset="0"/>
               </a:rPr>
-              <a:t>Cryptol</a:t>
-            </a:r>
-            <a:r>
-              <a:rPr lang="en-US" b="0" i="0" u="none" strike="noStrike" dirty="0">
+              <a:t>SAW formally verifies properties of code written in C, Java, and </a:t>
+            </a:r>
+            <a:r>
+              <a:rPr lang="en-US" b="0" i="0" u="none" strike="noStrike" dirty="0" err="1">
                 <a:solidFill>
                   <a:srgbClr val="008CBA"/>
                 </a:solidFill>
                 <a:effectLst/>
                 <a:latin typeface="Open Sans" panose="020B0604020202020204" pitchFamily="34" charset="0"/>
               </a:rPr>
+              <a:t>Cryptol</a:t>
+            </a:r>
+            <a:r>
+              <a:rPr lang="en-US" b="0" i="0" u="none" strike="noStrike" dirty="0">
+                <a:solidFill>
+                  <a:srgbClr val="008CBA"/>
+                </a:solidFill>
+                <a:effectLst/>
+                <a:latin typeface="Open Sans" panose="020B0604020202020204" pitchFamily="34" charset="0"/>
+              </a:rPr>
               <a:t>.</a:t>
             </a:r>
           </a:p>
@@ -1950,7 +2465,7 @@
                 <a:effectLst/>
                 <a:latin typeface="Open Sans" panose="020B0606030504020204" pitchFamily="34" charset="0"/>
               </a:rPr>
-              <a:t>SAW translates code into formal models using symbolic execution.</a:t>
+              <a:t>It translates code into formal models using symbolic execution.</a:t>
             </a:r>
           </a:p>
           <a:p>
@@ -2109,7 +2624,36 @@
           <a:p>
             <a:r>
               <a:rPr lang="en-US" dirty="0"/>
+              <a:t>CLICK</a:t>
+            </a:r>
+          </a:p>
+          <a:p>
+            <a:endParaRPr lang="en-US" dirty="0"/>
+          </a:p>
+          <a:p>
+            <a:r>
+              <a:rPr lang="en-US" dirty="0"/>
               <a:t>This allowed the solver to complete within a reasonable time.</a:t>
+            </a:r>
+          </a:p>
+          <a:p>
+            <a:r>
+              <a:rPr lang="en-US" dirty="0"/>
+              <a:t>Knowing that the inner methods are equivalent, SAW replaces each C method with the appropriate </a:t>
+            </a:r>
+            <a:r>
+              <a:rPr lang="en-US" dirty="0" err="1"/>
+              <a:t>cryptol</a:t>
+            </a:r>
+            <a:r>
+              <a:rPr lang="en-US" dirty="0"/>
+              <a:t> implementation.</a:t>
+            </a:r>
+          </a:p>
+          <a:p>
+            <a:r>
+              <a:rPr lang="en-US" dirty="0"/>
+              <a:t>From there, all SAW needs to do is reason about Keccak’s looping structure.</a:t>
             </a:r>
           </a:p>
         </p:txBody>
@@ -2194,6 +2738,15 @@
           <a:bodyPr/>
           <a:lstStyle/>
           <a:p>
+            <a:endParaRPr lang="en-US" dirty="0"/>
+          </a:p>
+          <a:p>
+            <a:r>
+              <a:rPr lang="en-US" dirty="0"/>
+              <a:t>Here we see the individual times to prove equivalence for  each method.</a:t>
+            </a:r>
+          </a:p>
+          <a:p>
             <a:r>
               <a:rPr lang="en-US" dirty="0"/>
               <a:t>Except for iota, each transformation has a trivial proof time.</a:t>
@@ -2202,7 +2755,7 @@
           <a:p>
             <a:r>
               <a:rPr lang="en-US" dirty="0"/>
-              <a:t>Iota relies on 24 different round constants, and each had to be proved out.</a:t>
+              <a:t>Iota relies on 24 different round constants, and each had to be proven out.</a:t>
             </a:r>
           </a:p>
           <a:p>
@@ -2309,6 +2862,89 @@
           <a:bodyPr/>
           <a:lstStyle/>
           <a:p>
+            <a:endParaRPr lang="en-US" dirty="0"/>
+          </a:p>
+          <a:p>
+            <a:r>
+              <a:rPr lang="en-US" dirty="0"/>
+              <a:t>As with SHA2, </a:t>
+            </a:r>
+            <a:r>
+              <a:rPr lang="en-US" dirty="0" err="1"/>
+              <a:t>cryptol</a:t>
+            </a:r>
+            <a:r>
+              <a:rPr lang="en-US" dirty="0"/>
+              <a:t> worked well with SHA3.</a:t>
+            </a:r>
+          </a:p>
+          <a:p>
+            <a:endParaRPr lang="en-US" dirty="0"/>
+          </a:p>
+          <a:p>
+            <a:r>
+              <a:rPr lang="en-US" dirty="0"/>
+              <a:t>However, the unappealing list comprehensions made visual inspection difficult.</a:t>
+            </a:r>
+          </a:p>
+          <a:p>
+            <a:r>
+              <a:rPr lang="en-US" dirty="0"/>
+              <a:t>Our helper methods reduced the burden of visual inspection.</a:t>
+            </a:r>
+          </a:p>
+          <a:p>
+            <a:endParaRPr lang="en-US" dirty="0"/>
+          </a:p>
+          <a:p>
+            <a:r>
+              <a:rPr lang="en-US" dirty="0"/>
+              <a:t>The </a:t>
+            </a:r>
+            <a:r>
+              <a:rPr lang="en-US" dirty="0" err="1"/>
+              <a:t>Cryptol</a:t>
+            </a:r>
+            <a:r>
+              <a:rPr lang="en-US" dirty="0"/>
+              <a:t>-to-</a:t>
+            </a:r>
+            <a:r>
+              <a:rPr lang="en-US" dirty="0" err="1"/>
+              <a:t>Cryptol</a:t>
+            </a:r>
+            <a:r>
+              <a:rPr lang="en-US" dirty="0"/>
+              <a:t> proof was key—without it, we couldn’t show that our visually aligned </a:t>
+            </a:r>
+            <a:r>
+              <a:rPr lang="en-US" dirty="0" err="1"/>
+              <a:t>cryptol</a:t>
+            </a:r>
+            <a:r>
+              <a:rPr lang="en-US" dirty="0"/>
+              <a:t> implementation was equivalent to OpenSSL’s C implementation.</a:t>
+            </a:r>
+          </a:p>
+          <a:p>
+            <a:endParaRPr lang="en-US" dirty="0"/>
+          </a:p>
+          <a:p>
+            <a:r>
+              <a:rPr lang="en-US" dirty="0"/>
+              <a:t>For each message size from 0 to 1088, we showed equivalence.</a:t>
+            </a:r>
+          </a:p>
+          <a:p>
+            <a:r>
+              <a:rPr lang="en-US" dirty="0"/>
+              <a:t>This covers all possible block padding sizes.</a:t>
+            </a:r>
+          </a:p>
+          <a:p>
+            <a:endParaRPr lang="en-US" dirty="0"/>
+          </a:p>
+          <a:p>
             <a:r>
               <a:rPr lang="en-US" dirty="0"/>
               <a:t>The modularity of the Keccak algorithm was key to this proof of equivalence.</a:t>
@@ -2326,22 +2962,131 @@
           <a:p>
             <a:r>
               <a:rPr lang="en-US" dirty="0"/>
-              <a:t>The unappealing list comprehensions made visual inspection difficult.</a:t>
-            </a:r>
-          </a:p>
-          <a:p>
+              <a:t>For all possible inputs, we showed that the OpenSSL implementation for </a:t>
+            </a:r>
+            <a:r>
+              <a:rPr lang="en-US" dirty="0" err="1"/>
+              <a:t>keccak</a:t>
+            </a:r>
             <a:r>
               <a:rPr lang="en-US" dirty="0"/>
-              <a:t>Our helper methods reduced the burden of visual inspection.</a:t>
+              <a:t> was equivalent to our visually aligned </a:t>
+            </a:r>
+            <a:r>
+              <a:rPr lang="en-US" dirty="0" err="1"/>
+              <a:t>cryptol</a:t>
+            </a:r>
+            <a:r>
+              <a:rPr lang="en-US" dirty="0"/>
+              <a:t> implementation.</a:t>
+            </a:r>
+          </a:p>
+          <a:p>
+            <a:r>
+              <a:rPr lang="en-US" dirty="0"/>
+              <a:t>CLICK</a:t>
             </a:r>
           </a:p>
           <a:p>
             <a:endParaRPr lang="en-US" dirty="0"/>
           </a:p>
           <a:p>
+            <a:endParaRPr lang="en-US" dirty="0"/>
+          </a:p>
+          <a:p>
             <a:r>
               <a:rPr lang="en-US" dirty="0"/>
-              <a:t>The </a:t>
+              <a:t>But, while we were able to prove equivalence for the </a:t>
+            </a:r>
+            <a:r>
+              <a:rPr lang="en-US" dirty="0" err="1"/>
+              <a:t>keccak</a:t>
+            </a:r>
+            <a:r>
+              <a:rPr lang="en-US" dirty="0"/>
+              <a:t> function, we have yet to prove out equivalence for the padding and squeeze methods.</a:t>
+            </a:r>
+          </a:p>
+          <a:p>
+            <a:r>
+              <a:rPr lang="en-US" dirty="0"/>
+              <a:t>This is due to strict typing requirements by </a:t>
+            </a:r>
+            <a:r>
+              <a:rPr lang="en-US" dirty="0" err="1"/>
+              <a:t>cryptol</a:t>
+            </a:r>
+            <a:r>
+              <a:rPr lang="en-US" dirty="0"/>
+              <a:t>.</a:t>
+            </a:r>
+          </a:p>
+          <a:p>
+            <a:r>
+              <a:rPr lang="en-US" dirty="0"/>
+              <a:t>Were we to solve these issues, we could combine the new proofs with our </a:t>
+            </a:r>
+            <a:r>
+              <a:rPr lang="en-US" dirty="0" err="1"/>
+              <a:t>keccak</a:t>
+            </a:r>
+            <a:r>
+              <a:rPr lang="en-US" dirty="0"/>
+              <a:t> overrides to prove equivalence between OpenSSL and the NIST specification.</a:t>
+            </a:r>
+          </a:p>
+          <a:p>
+            <a:r>
+              <a:rPr lang="en-US" dirty="0"/>
+              <a:t>Future efforts will be placed here.</a:t>
+            </a:r>
+          </a:p>
+          <a:p>
+            <a:endParaRPr lang="en-US" dirty="0"/>
+          </a:p>
+          <a:p>
+            <a:r>
+              <a:rPr lang="en-US" dirty="0"/>
+              <a:t>While we have covered all possible block sizes, we have yet to formalize the argument that this will cover all possible messages.</a:t>
+            </a:r>
+          </a:p>
+          <a:p>
+            <a:endParaRPr lang="en-US" dirty="0"/>
+          </a:p>
+          <a:p>
+            <a:r>
+              <a:rPr lang="en-US" dirty="0"/>
+              <a:t>A proof in </a:t>
+            </a:r>
+            <a:r>
+              <a:rPr lang="en-US" dirty="0" err="1"/>
+              <a:t>dafny</a:t>
+            </a:r>
+            <a:r>
+              <a:rPr lang="en-US" dirty="0"/>
+              <a:t> would synthesize to several different backend languages.</a:t>
+            </a:r>
+          </a:p>
+          <a:p>
+            <a:r>
+              <a:rPr lang="en-US" dirty="0"/>
+              <a:t>We’ve already proven out 4 of the five of </a:t>
+            </a:r>
+            <a:r>
+              <a:rPr lang="en-US" dirty="0" err="1"/>
+              <a:t>keccak</a:t>
+            </a:r>
+            <a:r>
+              <a:rPr lang="en-US" dirty="0"/>
+              <a:t> inner functions in </a:t>
+            </a:r>
+            <a:r>
+              <a:rPr lang="en-US" dirty="0" err="1"/>
+              <a:t>dafny</a:t>
+            </a:r>
+            <a:r>
+              <a:rPr lang="en-US" dirty="0"/>
+              <a:t> simply by mirroring our </a:t>
             </a:r>
             <a:r>
               <a:rPr lang="en-US" dirty="0" err="1"/>
@@ -2349,158 +3094,23 @@
             </a:r>
             <a:r>
               <a:rPr lang="en-US" dirty="0"/>
-              <a:t>-to-</a:t>
-            </a:r>
-            <a:r>
-              <a:rPr lang="en-US" dirty="0" err="1"/>
-              <a:t>Cryptol</a:t>
-            </a:r>
+              <a:t> implementation.</a:t>
+            </a:r>
+          </a:p>
+          <a:p>
             <a:r>
               <a:rPr lang="en-US" dirty="0"/>
-              <a:t> proof was key—without it, we couldn’t show that our visually aligned </a:t>
-            </a:r>
-            <a:r>
-              <a:rPr lang="en-US" dirty="0" err="1"/>
-              <a:t>cryptol</a:t>
+              <a:t>We would love to pursue this further.</a:t>
+            </a:r>
+          </a:p>
+          <a:p>
+            <a:r>
+              <a:rPr lang="en-US"/>
+              <a:t>Thank </a:t>
             </a:r>
             <a:r>
               <a:rPr lang="en-US" dirty="0"/>
-              <a:t> implementation was equivalent to OpenSSL’s C implementation.</a:t>
-            </a:r>
-          </a:p>
-          <a:p>
-            <a:endParaRPr lang="en-US" dirty="0"/>
-          </a:p>
-          <a:p>
-            <a:r>
-              <a:rPr lang="en-US" dirty="0"/>
-              <a:t>For each message size from 0 to 1088, we showed equivalence.</a:t>
-            </a:r>
-          </a:p>
-          <a:p>
-            <a:r>
-              <a:rPr lang="en-US" dirty="0"/>
-              <a:t>This covers all possible block padding sizes.</a:t>
-            </a:r>
-          </a:p>
-          <a:p>
-            <a:endParaRPr lang="en-US" dirty="0"/>
-          </a:p>
-          <a:p>
-            <a:r>
-              <a:rPr lang="en-US" dirty="0"/>
-              <a:t>&lt;How is this different from point 1?&gt;</a:t>
-            </a:r>
-          </a:p>
-          <a:p>
-            <a:endParaRPr lang="en-US" dirty="0"/>
-          </a:p>
-          <a:p>
-            <a:r>
-              <a:rPr lang="en-US" dirty="0"/>
-              <a:t>For all possible inputs, we showed that the OpenSSL implementation for </a:t>
-            </a:r>
-            <a:r>
-              <a:rPr lang="en-US" dirty="0" err="1"/>
-              <a:t>keccak</a:t>
-            </a:r>
-            <a:r>
-              <a:rPr lang="en-US" dirty="0"/>
-              <a:t> was equivalent to our visually aligned </a:t>
-            </a:r>
-            <a:r>
-              <a:rPr lang="en-US" dirty="0" err="1"/>
-              <a:t>cryptol</a:t>
-            </a:r>
-            <a:r>
-              <a:rPr lang="en-US" dirty="0"/>
-              <a:t> implementation.</a:t>
-            </a:r>
-          </a:p>
-          <a:p>
-            <a:endParaRPr lang="en-US" dirty="0"/>
-          </a:p>
-          <a:p>
-            <a:endParaRPr lang="en-US" dirty="0"/>
-          </a:p>
-          <a:p>
-            <a:endParaRPr lang="en-US" dirty="0"/>
-          </a:p>
-          <a:p>
-            <a:r>
-              <a:rPr lang="en-US" dirty="0"/>
-              <a:t>While we were able to prove equivalence for the </a:t>
-            </a:r>
-            <a:r>
-              <a:rPr lang="en-US" dirty="0" err="1"/>
-              <a:t>keccak</a:t>
-            </a:r>
-            <a:r>
-              <a:rPr lang="en-US" dirty="0"/>
-              <a:t> function, we have yet to prove out equivalence for the padding and squeeze methods.</a:t>
-            </a:r>
-          </a:p>
-          <a:p>
-            <a:r>
-              <a:rPr lang="en-US" dirty="0"/>
-              <a:t>This is due to strict typing requirements by </a:t>
-            </a:r>
-            <a:r>
-              <a:rPr lang="en-US" dirty="0" err="1"/>
-              <a:t>cryptol</a:t>
-            </a:r>
-            <a:r>
-              <a:rPr lang="en-US" dirty="0"/>
-              <a:t>.</a:t>
-            </a:r>
-          </a:p>
-          <a:p>
-            <a:r>
-              <a:rPr lang="en-US" dirty="0"/>
-              <a:t>Together with the </a:t>
-            </a:r>
-            <a:r>
-              <a:rPr lang="en-US" dirty="0" err="1"/>
-              <a:t>keccak</a:t>
-            </a:r>
-            <a:r>
-              <a:rPr lang="en-US" dirty="0"/>
-              <a:t> overrides, we would be able to prove equivalence between OpenSSL and the NIST specification.</a:t>
-            </a:r>
-          </a:p>
-          <a:p>
-            <a:endParaRPr lang="en-US" dirty="0"/>
-          </a:p>
-          <a:p>
-            <a:r>
-              <a:rPr lang="en-US" dirty="0"/>
-              <a:t>While we have covered all possible block sizes, we have yet to formalize the argument that this will cover all possible messages.</a:t>
-            </a:r>
-          </a:p>
-          <a:p>
-            <a:endParaRPr lang="en-US" dirty="0"/>
-          </a:p>
-          <a:p>
-            <a:r>
-              <a:rPr lang="en-US" dirty="0"/>
-              <a:t>A proof in </a:t>
-            </a:r>
-            <a:r>
-              <a:rPr lang="en-US" dirty="0" err="1"/>
-              <a:t>dafny</a:t>
-            </a:r>
-            <a:r>
-              <a:rPr lang="en-US" dirty="0"/>
-              <a:t> would synthesize to several different backend languages. &lt;Further elaboration here…&gt;</a:t>
-            </a:r>
-          </a:p>
-          <a:p>
-            <a:endParaRPr lang="en-US" dirty="0"/>
-          </a:p>
-          <a:p>
-            <a:r>
-              <a:rPr lang="en-US" dirty="0"/>
-              <a:t>Thanks you.</a:t>
+              <a:t>you.</a:t>
             </a:r>
           </a:p>
         </p:txBody>
@@ -2593,8 +3203,29 @@
           <a:p>
             <a:r>
               <a:rPr lang="en-US" dirty="0"/>
-              <a:t>This HMAC proof assumed correctness of the SHA2 algorithm</a:t>
-            </a:r>
+              <a:t>This HMAC proof assumed correctness of the SHA2 algorithm.</a:t>
+            </a:r>
+          </a:p>
+          <a:p>
+            <a:endParaRPr lang="en-US" dirty="0"/>
+          </a:p>
+          <a:p>
+            <a:r>
+              <a:rPr lang="en-US" dirty="0"/>
+              <a:t>We then thought: What’s the most widely relied on implementation?</a:t>
+            </a:r>
+          </a:p>
+          <a:p>
+            <a:r>
+              <a:rPr lang="en-US" dirty="0"/>
+              <a:t>OpenSSL.</a:t>
+            </a:r>
+          </a:p>
+          <a:p>
+            <a:endParaRPr lang="en-US" dirty="0"/>
+          </a:p>
+          <a:p>
+            <a:endParaRPr lang="en-US" dirty="0"/>
           </a:p>
         </p:txBody>
       </p:sp>
@@ -2680,13 +3311,13 @@
           <a:p>
             <a:r>
               <a:rPr lang="en-US" dirty="0"/>
-              <a:t>SHA-2 is a compression-based algorithm.</a:t>
+              <a:t>Now, SHA-2 is a compression-based algorithm.</a:t>
             </a:r>
           </a:p>
           <a:p>
             <a:r>
               <a:rPr lang="en-US" dirty="0"/>
-              <a:t>It is not modular, so it had to be decomposed to be proven out in SAW.</a:t>
+              <a:t>It isn’t modular, so it had to be decomposed to be proven out in SAW.</a:t>
             </a:r>
           </a:p>
           <a:p>
@@ -2706,7 +3337,7 @@
           <a:p>
             <a:r>
               <a:rPr lang="en-US" dirty="0"/>
-              <a:t>It used overrides to replace decomposed pieces with the </a:t>
+              <a:t>We then used overrides to replace decomposed pieces with the </a:t>
             </a:r>
             <a:r>
               <a:rPr lang="en-US" dirty="0" err="1"/>
@@ -2737,13 +3368,7 @@
           <a:p>
             <a:r>
               <a:rPr lang="en-US" dirty="0"/>
-              <a:t>What about SHA-3?</a:t>
-            </a:r>
-          </a:p>
-          <a:p>
-            <a:r>
-              <a:rPr lang="en-US" dirty="0"/>
-              <a:t>The sponge construction is inherently more modular so it should lend itself better to SAW---no need for a decomposition step.</a:t>
+              <a:t>Naturally, the next question was: What about SHA-3?</a:t>
             </a:r>
           </a:p>
         </p:txBody>
@@ -2855,38 +3480,7 @@
                 <a:ea typeface="+mn-ea"/>
                 <a:cs typeface="+mn-cs"/>
               </a:rPr>
-              <a:t>Here is pseudocode for the SHA3 algorithm.</a:t>
-            </a:r>
-          </a:p>
-          <a:p>
-            <a:pPr marL="0" marR="0" lvl="0" indent="0" algn="l" defTabSz="914400" rtl="0" eaLnBrk="1" fontAlgn="auto" latinLnBrk="0" hangingPunct="1">
-              <a:lnSpc>
-                <a:spcPct val="100000"/>
-              </a:lnSpc>
-              <a:spcBef>
-                <a:spcPts val="0"/>
-              </a:spcBef>
-              <a:spcAft>
-                <a:spcPts val="0"/>
-              </a:spcAft>
-              <a:buClrTx/>
-              <a:buSzTx/>
-              <a:buFontTx/>
-              <a:buNone/>
-              <a:tabLst/>
-              <a:defRPr/>
-            </a:pPr>
-            <a:r>
-              <a:rPr lang="en-US" sz="1200" kern="1200" dirty="0">
-                <a:solidFill>
-                  <a:schemeClr val="tx1"/>
-                </a:solidFill>
-                <a:effectLst/>
-                <a:latin typeface="+mn-lt"/>
-                <a:ea typeface="+mn-ea"/>
-                <a:cs typeface="+mn-cs"/>
-              </a:rPr>
-              <a:t>‘d’ represents the digest length, with NIST defined values being {224, 256, 384, 512}.</a:t>
+              <a:t>Here’s simplified pseudocode for the SHA3-256 algorithm. </a:t>
             </a:r>
           </a:p>
           <a:p>
@@ -3038,7 +3632,7 @@
                 <a:ea typeface="+mn-ea"/>
                 <a:cs typeface="+mn-cs"/>
               </a:rPr>
-              <a:t>During the absorption step, each block is zero padded to be 1600 bits long.</a:t>
+              <a:t>CLICK</a:t>
             </a:r>
           </a:p>
           <a:p>
@@ -3059,6 +3653,34 @@
               <a:tabLst/>
               <a:defRPr/>
             </a:pPr>
+            <a:endParaRPr lang="en-US" sz="1200" kern="1200" dirty="0">
+              <a:solidFill>
+                <a:schemeClr val="tx1"/>
+              </a:solidFill>
+              <a:effectLst/>
+              <a:latin typeface="+mn-lt"/>
+              <a:ea typeface="+mn-ea"/>
+              <a:cs typeface="+mn-cs"/>
+            </a:endParaRPr>
+          </a:p>
+          <a:p>
+            <a:pPr marL="0" marR="0" lvl="0" indent="0" algn="l" defTabSz="914400" rtl="0" eaLnBrk="1" fontAlgn="auto" latinLnBrk="0" hangingPunct="1">
+              <a:lnSpc>
+                <a:spcPct val="100000"/>
+              </a:lnSpc>
+              <a:spcBef>
+                <a:spcPts val="0"/>
+              </a:spcBef>
+              <a:spcAft>
+                <a:spcPts val="0"/>
+              </a:spcAft>
+              <a:buClrTx/>
+              <a:buSzTx/>
+              <a:buFontTx/>
+              <a:buNone/>
+              <a:tabLst/>
+              <a:defRPr/>
+            </a:pPr>
             <a:r>
               <a:rPr lang="en-US" sz="1200" kern="1200" dirty="0">
                 <a:solidFill>
@@ -3069,7 +3691,369 @@
                 <a:ea typeface="+mn-ea"/>
                 <a:cs typeface="+mn-cs"/>
               </a:rPr>
-              <a:t>Lastly, the digest squeezed out by truncating the state to its first c bits.</a:t>
+              <a:t>We initially partition the input into several blocks of a size dependent on the digest length.</a:t>
+            </a:r>
+          </a:p>
+          <a:p>
+            <a:pPr marL="0" marR="0" lvl="0" indent="0" algn="l" defTabSz="914400" rtl="0" eaLnBrk="1" fontAlgn="auto" latinLnBrk="0" hangingPunct="1">
+              <a:lnSpc>
+                <a:spcPct val="100000"/>
+              </a:lnSpc>
+              <a:spcBef>
+                <a:spcPts val="0"/>
+              </a:spcBef>
+              <a:spcAft>
+                <a:spcPts val="0"/>
+              </a:spcAft>
+              <a:buClrTx/>
+              <a:buSzTx/>
+              <a:buFontTx/>
+              <a:buNone/>
+              <a:tabLst/>
+              <a:defRPr/>
+            </a:pPr>
+            <a:r>
+              <a:rPr lang="en-US" sz="1200" kern="1200" dirty="0">
+                <a:solidFill>
+                  <a:schemeClr val="tx1"/>
+                </a:solidFill>
+                <a:effectLst/>
+                <a:latin typeface="+mn-lt"/>
+                <a:ea typeface="+mn-ea"/>
+                <a:cs typeface="+mn-cs"/>
+              </a:rPr>
+              <a:t>CLICK</a:t>
+            </a:r>
+          </a:p>
+          <a:p>
+            <a:pPr marL="0" marR="0" lvl="0" indent="0" algn="l" defTabSz="914400" rtl="0" eaLnBrk="1" fontAlgn="auto" latinLnBrk="0" hangingPunct="1">
+              <a:lnSpc>
+                <a:spcPct val="100000"/>
+              </a:lnSpc>
+              <a:spcBef>
+                <a:spcPts val="0"/>
+              </a:spcBef>
+              <a:spcAft>
+                <a:spcPts val="0"/>
+              </a:spcAft>
+              <a:buClrTx/>
+              <a:buSzTx/>
+              <a:buFontTx/>
+              <a:buNone/>
+              <a:tabLst/>
+              <a:defRPr/>
+            </a:pPr>
+            <a:endParaRPr lang="en-US" sz="1200" kern="1200" dirty="0">
+              <a:solidFill>
+                <a:schemeClr val="tx1"/>
+              </a:solidFill>
+              <a:effectLst/>
+              <a:latin typeface="+mn-lt"/>
+              <a:ea typeface="+mn-ea"/>
+              <a:cs typeface="+mn-cs"/>
+            </a:endParaRPr>
+          </a:p>
+          <a:p>
+            <a:pPr marL="0" marR="0" lvl="0" indent="0" algn="l" defTabSz="914400" rtl="0" eaLnBrk="1" fontAlgn="auto" latinLnBrk="0" hangingPunct="1">
+              <a:lnSpc>
+                <a:spcPct val="100000"/>
+              </a:lnSpc>
+              <a:spcBef>
+                <a:spcPts val="0"/>
+              </a:spcBef>
+              <a:spcAft>
+                <a:spcPts val="0"/>
+              </a:spcAft>
+              <a:buClrTx/>
+              <a:buSzTx/>
+              <a:buFontTx/>
+              <a:buNone/>
+              <a:tabLst/>
+              <a:defRPr/>
+            </a:pPr>
+            <a:r>
+              <a:rPr lang="en-US" sz="1200" kern="1200" dirty="0">
+                <a:solidFill>
+                  <a:schemeClr val="tx1"/>
+                </a:solidFill>
+                <a:effectLst/>
+                <a:latin typeface="+mn-lt"/>
+                <a:ea typeface="+mn-ea"/>
+                <a:cs typeface="+mn-cs"/>
+              </a:rPr>
+              <a:t>During the absorption step, each block is zero padded to be 1600 bits long.</a:t>
+            </a:r>
+          </a:p>
+          <a:p>
+            <a:pPr marL="0" marR="0" lvl="0" indent="0" algn="l" defTabSz="914400" rtl="0" eaLnBrk="1" fontAlgn="auto" latinLnBrk="0" hangingPunct="1">
+              <a:lnSpc>
+                <a:spcPct val="100000"/>
+              </a:lnSpc>
+              <a:spcBef>
+                <a:spcPts val="0"/>
+              </a:spcBef>
+              <a:spcAft>
+                <a:spcPts val="0"/>
+              </a:spcAft>
+              <a:buClrTx/>
+              <a:buSzTx/>
+              <a:buFontTx/>
+              <a:buNone/>
+              <a:tabLst/>
+              <a:defRPr/>
+            </a:pPr>
+            <a:r>
+              <a:rPr lang="en-US" sz="1200" kern="1200" dirty="0">
+                <a:solidFill>
+                  <a:schemeClr val="tx1"/>
+                </a:solidFill>
+                <a:effectLst/>
+                <a:latin typeface="+mn-lt"/>
+                <a:ea typeface="+mn-ea"/>
+                <a:cs typeface="+mn-cs"/>
+              </a:rPr>
+              <a:t>We then </a:t>
+            </a:r>
+            <a:r>
+              <a:rPr lang="en-US" sz="1200" kern="1200" dirty="0" err="1">
+                <a:solidFill>
+                  <a:schemeClr val="tx1"/>
+                </a:solidFill>
+                <a:effectLst/>
+                <a:latin typeface="+mn-lt"/>
+                <a:ea typeface="+mn-ea"/>
+                <a:cs typeface="+mn-cs"/>
+              </a:rPr>
+              <a:t>xor</a:t>
+            </a:r>
+            <a:r>
+              <a:rPr lang="en-US" sz="1200" kern="1200" dirty="0">
+                <a:solidFill>
+                  <a:schemeClr val="tx1"/>
+                </a:solidFill>
+                <a:effectLst/>
+                <a:latin typeface="+mn-lt"/>
+                <a:ea typeface="+mn-ea"/>
+                <a:cs typeface="+mn-cs"/>
+              </a:rPr>
+              <a:t> the padded block into the state and run the state through the </a:t>
+            </a:r>
+            <a:r>
+              <a:rPr lang="en-US" sz="1200" kern="1200" dirty="0" err="1">
+                <a:solidFill>
+                  <a:schemeClr val="tx1"/>
+                </a:solidFill>
+                <a:effectLst/>
+                <a:latin typeface="+mn-lt"/>
+                <a:ea typeface="+mn-ea"/>
+                <a:cs typeface="+mn-cs"/>
+              </a:rPr>
+              <a:t>keccak</a:t>
+            </a:r>
+            <a:r>
+              <a:rPr lang="en-US" sz="1200" kern="1200" dirty="0">
+                <a:solidFill>
+                  <a:schemeClr val="tx1"/>
+                </a:solidFill>
+                <a:effectLst/>
+                <a:latin typeface="+mn-lt"/>
+                <a:ea typeface="+mn-ea"/>
+                <a:cs typeface="+mn-cs"/>
+              </a:rPr>
+              <a:t> function.</a:t>
+            </a:r>
+          </a:p>
+          <a:p>
+            <a:pPr marL="0" marR="0" lvl="0" indent="0" algn="l" defTabSz="914400" rtl="0" eaLnBrk="1" fontAlgn="auto" latinLnBrk="0" hangingPunct="1">
+              <a:lnSpc>
+                <a:spcPct val="100000"/>
+              </a:lnSpc>
+              <a:spcBef>
+                <a:spcPts val="0"/>
+              </a:spcBef>
+              <a:spcAft>
+                <a:spcPts val="0"/>
+              </a:spcAft>
+              <a:buClrTx/>
+              <a:buSzTx/>
+              <a:buFontTx/>
+              <a:buNone/>
+              <a:tabLst/>
+              <a:defRPr/>
+            </a:pPr>
+            <a:r>
+              <a:rPr lang="en-US" sz="1200" kern="1200" dirty="0">
+                <a:solidFill>
+                  <a:schemeClr val="tx1"/>
+                </a:solidFill>
+                <a:effectLst/>
+                <a:latin typeface="+mn-lt"/>
+                <a:ea typeface="+mn-ea"/>
+                <a:cs typeface="+mn-cs"/>
+              </a:rPr>
+              <a:t>While </a:t>
+            </a:r>
+            <a:r>
+              <a:rPr lang="en-US" sz="1200" kern="1200" dirty="0" err="1">
+                <a:solidFill>
+                  <a:schemeClr val="tx1"/>
+                </a:solidFill>
+                <a:effectLst/>
+                <a:latin typeface="+mn-lt"/>
+                <a:ea typeface="+mn-ea"/>
+                <a:cs typeface="+mn-cs"/>
+              </a:rPr>
+              <a:t>keccak</a:t>
+            </a:r>
+            <a:r>
+              <a:rPr lang="en-US" sz="1200" kern="1200" dirty="0">
+                <a:solidFill>
+                  <a:schemeClr val="tx1"/>
+                </a:solidFill>
+                <a:effectLst/>
+                <a:latin typeface="+mn-lt"/>
+                <a:ea typeface="+mn-ea"/>
+                <a:cs typeface="+mn-cs"/>
+              </a:rPr>
+              <a:t> refers to a family of functions, for presentation purposes we will refer to </a:t>
+            </a:r>
+            <a:r>
+              <a:rPr lang="en-US" sz="1200" kern="1200" dirty="0" err="1">
+                <a:solidFill>
+                  <a:schemeClr val="tx1"/>
+                </a:solidFill>
+                <a:effectLst/>
+                <a:latin typeface="+mn-lt"/>
+                <a:ea typeface="+mn-ea"/>
+                <a:cs typeface="+mn-cs"/>
+              </a:rPr>
+              <a:t>keccak</a:t>
+            </a:r>
+            <a:r>
+              <a:rPr lang="en-US" sz="1200" kern="1200" dirty="0">
+                <a:solidFill>
+                  <a:schemeClr val="tx1"/>
+                </a:solidFill>
+                <a:effectLst/>
+                <a:latin typeface="+mn-lt"/>
+                <a:ea typeface="+mn-ea"/>
+                <a:cs typeface="+mn-cs"/>
+              </a:rPr>
+              <a:t>-p as </a:t>
+            </a:r>
+            <a:r>
+              <a:rPr lang="en-US" sz="1200" kern="1200" dirty="0" err="1">
+                <a:solidFill>
+                  <a:schemeClr val="tx1"/>
+                </a:solidFill>
+                <a:effectLst/>
+                <a:latin typeface="+mn-lt"/>
+                <a:ea typeface="+mn-ea"/>
+                <a:cs typeface="+mn-cs"/>
+              </a:rPr>
+              <a:t>keccak</a:t>
+            </a:r>
+            <a:r>
+              <a:rPr lang="en-US" sz="1200" kern="1200" dirty="0">
+                <a:solidFill>
+                  <a:schemeClr val="tx1"/>
+                </a:solidFill>
+                <a:effectLst/>
+                <a:latin typeface="+mn-lt"/>
+                <a:ea typeface="+mn-ea"/>
+                <a:cs typeface="+mn-cs"/>
+              </a:rPr>
+              <a:t>.</a:t>
+            </a:r>
+          </a:p>
+          <a:p>
+            <a:pPr marL="0" marR="0" lvl="0" indent="0" algn="l" defTabSz="914400" rtl="0" eaLnBrk="1" fontAlgn="auto" latinLnBrk="0" hangingPunct="1">
+              <a:lnSpc>
+                <a:spcPct val="100000"/>
+              </a:lnSpc>
+              <a:spcBef>
+                <a:spcPts val="0"/>
+              </a:spcBef>
+              <a:spcAft>
+                <a:spcPts val="0"/>
+              </a:spcAft>
+              <a:buClrTx/>
+              <a:buSzTx/>
+              <a:buFontTx/>
+              <a:buNone/>
+              <a:tabLst/>
+              <a:defRPr/>
+            </a:pPr>
+            <a:r>
+              <a:rPr lang="en-US" sz="1200" kern="1200" dirty="0">
+                <a:solidFill>
+                  <a:schemeClr val="tx1"/>
+                </a:solidFill>
+                <a:effectLst/>
+                <a:latin typeface="+mn-lt"/>
+                <a:ea typeface="+mn-ea"/>
+                <a:cs typeface="+mn-cs"/>
+              </a:rPr>
+              <a:t>CLICK</a:t>
+            </a:r>
+          </a:p>
+          <a:p>
+            <a:pPr marL="0" marR="0" lvl="0" indent="0" algn="l" defTabSz="914400" rtl="0" eaLnBrk="1" fontAlgn="auto" latinLnBrk="0" hangingPunct="1">
+              <a:lnSpc>
+                <a:spcPct val="100000"/>
+              </a:lnSpc>
+              <a:spcBef>
+                <a:spcPts val="0"/>
+              </a:spcBef>
+              <a:spcAft>
+                <a:spcPts val="0"/>
+              </a:spcAft>
+              <a:buClrTx/>
+              <a:buSzTx/>
+              <a:buFontTx/>
+              <a:buNone/>
+              <a:tabLst/>
+              <a:defRPr/>
+            </a:pPr>
+            <a:endParaRPr lang="en-US" sz="1200" kern="1200" dirty="0">
+              <a:solidFill>
+                <a:schemeClr val="tx1"/>
+              </a:solidFill>
+              <a:effectLst/>
+              <a:latin typeface="+mn-lt"/>
+              <a:ea typeface="+mn-ea"/>
+              <a:cs typeface="+mn-cs"/>
+            </a:endParaRPr>
+          </a:p>
+          <a:p>
+            <a:pPr marL="0" marR="0" lvl="0" indent="0" algn="l" defTabSz="914400" rtl="0" eaLnBrk="1" fontAlgn="auto" latinLnBrk="0" hangingPunct="1">
+              <a:lnSpc>
+                <a:spcPct val="100000"/>
+              </a:lnSpc>
+              <a:spcBef>
+                <a:spcPts val="0"/>
+              </a:spcBef>
+              <a:spcAft>
+                <a:spcPts val="0"/>
+              </a:spcAft>
+              <a:buClrTx/>
+              <a:buSzTx/>
+              <a:buFontTx/>
+              <a:buNone/>
+              <a:tabLst/>
+              <a:defRPr/>
+            </a:pPr>
+            <a:r>
+              <a:rPr lang="en-US" sz="1200" kern="1200" dirty="0">
+                <a:solidFill>
+                  <a:schemeClr val="tx1"/>
+                </a:solidFill>
+                <a:effectLst/>
+                <a:latin typeface="+mn-lt"/>
+                <a:ea typeface="+mn-ea"/>
+                <a:cs typeface="+mn-cs"/>
+              </a:rPr>
+              <a:t>Lastly, the digest squeezed out by truncating the state to its first 256 bits.</a:t>
             </a:r>
           </a:p>
         </p:txBody>
@@ -3156,8 +4140,29 @@
           <a:p>
             <a:r>
               <a:rPr lang="en-US" dirty="0"/>
-              <a:t>Keccak-p consists of five self-contained inner functions: theta, rho, pi, chi(kai), and iota.</a:t>
-            </a:r>
+              <a:t>Keccak consists of five self-contained inner functions:</a:t>
+            </a:r>
+          </a:p>
+          <a:p>
+            <a:r>
+              <a:rPr lang="en-US" dirty="0"/>
+              <a:t> </a:t>
+            </a:r>
+          </a:p>
+          <a:p>
+            <a:r>
+              <a:rPr lang="en-US" dirty="0"/>
+              <a:t>CLICK BEFORE EACH:</a:t>
+            </a:r>
+          </a:p>
+          <a:p>
+            <a:r>
+              <a:rPr lang="en-US" dirty="0"/>
+              <a:t>Theta, rho, pi, chi(kai), and iota.</a:t>
+            </a:r>
+          </a:p>
+          <a:p>
+            <a:endParaRPr lang="en-US" dirty="0"/>
           </a:p>
           <a:p>
             <a:r>
@@ -3249,13 +4254,28 @@
           <a:p>
             <a:r>
               <a:rPr lang="en-US" dirty="0"/>
-              <a:t>For each block, these functions are performed in order 24 times.</a:t>
+              <a:t>For each block, these functions are performed in sequential order.</a:t>
             </a:r>
           </a:p>
           <a:p>
             <a:r>
               <a:rPr lang="en-US" dirty="0"/>
-              <a:t>Note that iota alone relies on the iteration step.</a:t>
+              <a:t>Note again their independence and that iota alone relies on the iteration step.</a:t>
+            </a:r>
+          </a:p>
+          <a:p>
+            <a:r>
+              <a:rPr lang="en-US" dirty="0"/>
+              <a:t>CLICK</a:t>
+            </a:r>
+          </a:p>
+          <a:p>
+            <a:endParaRPr lang="en-US" dirty="0"/>
+          </a:p>
+          <a:p>
+            <a:r>
+              <a:rPr lang="en-US" dirty="0"/>
+              <a:t>For each block, this occurs 24 times.</a:t>
             </a:r>
           </a:p>
         </p:txBody>
@@ -3342,23 +4362,169 @@
           <a:p>
             <a:r>
               <a:rPr lang="en-US" dirty="0"/>
-              <a:t>Shown is SHA3’s sponge construction versus compression-based construction in SHA-2</a:t>
+              <a:t>To further demonstrate the modularity of SHA3, here’s a side-by-side of its predecessor.</a:t>
+            </a:r>
+          </a:p>
+          <a:p>
+            <a:r>
+              <a:rPr lang="en-US" dirty="0"/>
+              <a:t>CLICK</a:t>
             </a:r>
           </a:p>
           <a:p>
             <a:endParaRPr lang="en-US" dirty="0"/>
           </a:p>
           <a:p>
+            <a:r>
+              <a:rPr lang="en-US" dirty="0"/>
+              <a:t>SHA3’s padding is much simpler than SHA2’s compression.</a:t>
+            </a:r>
+          </a:p>
+          <a:p>
+            <a:r>
+              <a:rPr lang="en-US" dirty="0"/>
+              <a:t>CLICK</a:t>
+            </a:r>
+          </a:p>
+          <a:p>
+            <a:endParaRPr lang="en-US" dirty="0"/>
+          </a:p>
+          <a:p>
+            <a:pPr marL="0" marR="0" lvl="0" indent="0" algn="l" defTabSz="914400" rtl="0" eaLnBrk="1" fontAlgn="auto" latinLnBrk="0" hangingPunct="1">
+              <a:lnSpc>
+                <a:spcPct val="100000"/>
+              </a:lnSpc>
+              <a:spcBef>
+                <a:spcPts val="0"/>
+              </a:spcBef>
+              <a:spcAft>
+                <a:spcPts val="0"/>
+              </a:spcAft>
+              <a:buClrTx/>
+              <a:buSzTx/>
+              <a:buFontTx/>
+              <a:buNone/>
+              <a:tabLst/>
+              <a:defRPr/>
+            </a:pPr>
             <a:r>
               <a:rPr lang="en-US" dirty="0"/>
               <a:t>In SHA2, the state transformations were much more convoluted and much less independent from one another.</a:t>
             </a:r>
+            <a:endParaRPr lang="en-US" sz="1200" kern="1200" dirty="0">
+              <a:solidFill>
+                <a:schemeClr val="tx1"/>
+              </a:solidFill>
+              <a:effectLst/>
+              <a:latin typeface="+mn-lt"/>
+              <a:ea typeface="+mn-ea"/>
+              <a:cs typeface="+mn-cs"/>
+            </a:endParaRPr>
+          </a:p>
+          <a:p>
+            <a:pPr marL="0" marR="0" lvl="0" indent="0" algn="l" defTabSz="914400" rtl="0" eaLnBrk="1" fontAlgn="auto" latinLnBrk="0" hangingPunct="1">
+              <a:lnSpc>
+                <a:spcPct val="100000"/>
+              </a:lnSpc>
+              <a:spcBef>
+                <a:spcPts val="0"/>
+              </a:spcBef>
+              <a:spcAft>
+                <a:spcPts val="0"/>
+              </a:spcAft>
+              <a:buClrTx/>
+              <a:buSzTx/>
+              <a:buFontTx/>
+              <a:buNone/>
+              <a:tabLst/>
+              <a:defRPr/>
+            </a:pPr>
+            <a:r>
+              <a:rPr lang="en-US" sz="1200" kern="1200" dirty="0">
+                <a:solidFill>
+                  <a:schemeClr val="tx1"/>
+                </a:solidFill>
+                <a:effectLst/>
+                <a:latin typeface="+mn-lt"/>
+                <a:ea typeface="+mn-ea"/>
+                <a:cs typeface="+mn-cs"/>
+              </a:rPr>
+              <a:t>Where we previously needed to coerce SHA2 to be modular, SHA3 provides this inherently.</a:t>
+            </a:r>
+          </a:p>
+          <a:p>
+            <a:pPr marL="0" marR="0" lvl="0" indent="0" algn="l" defTabSz="914400" rtl="0" eaLnBrk="1" fontAlgn="auto" latinLnBrk="0" hangingPunct="1">
+              <a:lnSpc>
+                <a:spcPct val="100000"/>
+              </a:lnSpc>
+              <a:spcBef>
+                <a:spcPts val="0"/>
+              </a:spcBef>
+              <a:spcAft>
+                <a:spcPts val="0"/>
+              </a:spcAft>
+              <a:buClrTx/>
+              <a:buSzTx/>
+              <a:buFontTx/>
+              <a:buNone/>
+              <a:tabLst/>
+              <a:defRPr/>
+            </a:pPr>
+            <a:r>
+              <a:rPr lang="en-US" sz="1200" kern="1200" dirty="0">
+                <a:solidFill>
+                  <a:schemeClr val="tx1"/>
+                </a:solidFill>
+                <a:effectLst/>
+                <a:latin typeface="+mn-lt"/>
+                <a:ea typeface="+mn-ea"/>
+                <a:cs typeface="+mn-cs"/>
+              </a:rPr>
+              <a:t>SHA3’s matrix state is easily passed between the inner </a:t>
+            </a:r>
+            <a:r>
+              <a:rPr lang="en-US" sz="1200" kern="1200" dirty="0" err="1">
+                <a:solidFill>
+                  <a:schemeClr val="tx1"/>
+                </a:solidFill>
+                <a:effectLst/>
+                <a:latin typeface="+mn-lt"/>
+                <a:ea typeface="+mn-ea"/>
+                <a:cs typeface="+mn-cs"/>
+              </a:rPr>
+              <a:t>keccak</a:t>
+            </a:r>
+            <a:r>
+              <a:rPr lang="en-US" sz="1200" kern="1200" dirty="0">
+                <a:solidFill>
+                  <a:schemeClr val="tx1"/>
+                </a:solidFill>
+                <a:effectLst/>
+                <a:latin typeface="+mn-lt"/>
+                <a:ea typeface="+mn-ea"/>
+                <a:cs typeface="+mn-cs"/>
+              </a:rPr>
+              <a:t> methods, whereas the SHA2 state is updated in a much less sequential fashion.</a:t>
+            </a:r>
+            <a:endParaRPr lang="en-US" dirty="0"/>
+          </a:p>
+          <a:p>
+            <a:r>
+              <a:rPr lang="en-US" dirty="0"/>
+              <a:t>CLICK</a:t>
+            </a:r>
+          </a:p>
+          <a:p>
+            <a:endParaRPr lang="en-US" dirty="0"/>
           </a:p>
           <a:p>
             <a:r>
               <a:rPr lang="en-US" dirty="0"/>
               <a:t>Also note that the final squeezing step in SHA3 is much simpler than SHA2’s digest concatenation.</a:t>
             </a:r>
+          </a:p>
+          <a:p>
+            <a:endParaRPr lang="en-US" dirty="0"/>
           </a:p>
         </p:txBody>
       </p:sp>
@@ -3444,13 +4610,38 @@
           <a:p>
             <a:r>
               <a:rPr lang="en-US" dirty="0"/>
-              <a:t>Through SAW’s override system and KECCAK’s modular layout, we were able to prove each of the five functions individually.</a:t>
+              <a:t>Our initial thoughts were that this provided modularity should allow us to prove each of the five functions individually.</a:t>
             </a:r>
           </a:p>
           <a:p>
             <a:r>
               <a:rPr lang="en-US" dirty="0"/>
-              <a:t>With those resulting contracts chained together, we proved the entirety of KECCAK.</a:t>
+              <a:t>This would allow us to chain the individual contracts of each inner function together, simplify the outer model, and prove out </a:t>
+            </a:r>
+            <a:r>
+              <a:rPr lang="en-US" dirty="0" err="1"/>
+              <a:t>keccak</a:t>
+            </a:r>
+            <a:r>
+              <a:rPr lang="en-US" dirty="0"/>
+              <a:t> at a higher level.</a:t>
+            </a:r>
+          </a:p>
+          <a:p>
+            <a:endParaRPr lang="en-US" dirty="0"/>
+          </a:p>
+          <a:p>
+            <a:r>
+              <a:rPr lang="en-US" dirty="0"/>
+              <a:t>With this in mind, all that was required was a visually comparable </a:t>
+            </a:r>
+            <a:r>
+              <a:rPr lang="en-US" dirty="0" err="1"/>
+              <a:t>cryptol</a:t>
+            </a:r>
+            <a:r>
+              <a:rPr lang="en-US" dirty="0"/>
+              <a:t> implementation of the NIST specification.</a:t>
             </a:r>
           </a:p>
         </p:txBody>
@@ -3622,7 +4813,7 @@
           <a:p>
             <a:fld id="{F1C7DD81-8C6B-F24B-99BC-64FACD17F553}" type="datetimeFigureOut">
               <a:rPr lang="en-US" smtClean="0"/>
-              <a:t>5/19/2022</a:t>
+              <a:t>5/21/2022</a:t>
             </a:fld>
             <a:endParaRPr lang="en-US"/>
           </a:p>
@@ -3792,7 +4983,7 @@
           <a:p>
             <a:fld id="{F1C7DD81-8C6B-F24B-99BC-64FACD17F553}" type="datetimeFigureOut">
               <a:rPr lang="en-US" smtClean="0"/>
-              <a:t>5/19/2022</a:t>
+              <a:t>5/21/2022</a:t>
             </a:fld>
             <a:endParaRPr lang="en-US"/>
           </a:p>
@@ -3972,7 +5163,7 @@
           <a:p>
             <a:fld id="{F1C7DD81-8C6B-F24B-99BC-64FACD17F553}" type="datetimeFigureOut">
               <a:rPr lang="en-US" smtClean="0"/>
-              <a:t>5/19/2022</a:t>
+              <a:t>5/21/2022</a:t>
             </a:fld>
             <a:endParaRPr lang="en-US"/>
           </a:p>
@@ -4142,7 +5333,7 @@
           <a:p>
             <a:fld id="{F1C7DD81-8C6B-F24B-99BC-64FACD17F553}" type="datetimeFigureOut">
               <a:rPr lang="en-US" smtClean="0"/>
-              <a:t>5/19/2022</a:t>
+              <a:t>5/21/2022</a:t>
             </a:fld>
             <a:endParaRPr lang="en-US"/>
           </a:p>
@@ -4388,7 +5579,7 @@
           <a:p>
             <a:fld id="{F1C7DD81-8C6B-F24B-99BC-64FACD17F553}" type="datetimeFigureOut">
               <a:rPr lang="en-US" smtClean="0"/>
-              <a:t>5/19/2022</a:t>
+              <a:t>5/21/2022</a:t>
             </a:fld>
             <a:endParaRPr lang="en-US"/>
           </a:p>
@@ -4620,7 +5811,7 @@
           <a:p>
             <a:fld id="{F1C7DD81-8C6B-F24B-99BC-64FACD17F553}" type="datetimeFigureOut">
               <a:rPr lang="en-US" smtClean="0"/>
-              <a:t>5/19/2022</a:t>
+              <a:t>5/21/2022</a:t>
             </a:fld>
             <a:endParaRPr lang="en-US"/>
           </a:p>
@@ -4987,7 +6178,7 @@
           <a:p>
             <a:fld id="{F1C7DD81-8C6B-F24B-99BC-64FACD17F553}" type="datetimeFigureOut">
               <a:rPr lang="en-US" smtClean="0"/>
-              <a:t>5/19/2022</a:t>
+              <a:t>5/21/2022</a:t>
             </a:fld>
             <a:endParaRPr lang="en-US"/>
           </a:p>
@@ -5105,7 +6296,7 @@
           <a:p>
             <a:fld id="{F1C7DD81-8C6B-F24B-99BC-64FACD17F553}" type="datetimeFigureOut">
               <a:rPr lang="en-US" smtClean="0"/>
-              <a:t>5/19/2022</a:t>
+              <a:t>5/21/2022</a:t>
             </a:fld>
             <a:endParaRPr lang="en-US"/>
           </a:p>
@@ -5200,7 +6391,7 @@
           <a:p>
             <a:fld id="{F1C7DD81-8C6B-F24B-99BC-64FACD17F553}" type="datetimeFigureOut">
               <a:rPr lang="en-US" smtClean="0"/>
-              <a:t>5/19/2022</a:t>
+              <a:t>5/21/2022</a:t>
             </a:fld>
             <a:endParaRPr lang="en-US"/>
           </a:p>
@@ -5477,7 +6668,7 @@
           <a:p>
             <a:fld id="{F1C7DD81-8C6B-F24B-99BC-64FACD17F553}" type="datetimeFigureOut">
               <a:rPr lang="en-US" smtClean="0"/>
-              <a:t>5/19/2022</a:t>
+              <a:t>5/21/2022</a:t>
             </a:fld>
             <a:endParaRPr lang="en-US"/>
           </a:p>
@@ -5734,7 +6925,7 @@
           <a:p>
             <a:fld id="{F1C7DD81-8C6B-F24B-99BC-64FACD17F553}" type="datetimeFigureOut">
               <a:rPr lang="en-US" smtClean="0"/>
-              <a:t>5/19/2022</a:t>
+              <a:t>5/21/2022</a:t>
             </a:fld>
             <a:endParaRPr lang="en-US"/>
           </a:p>
@@ -5947,7 +7138,7 @@
           <a:p>
             <a:fld id="{F1C7DD81-8C6B-F24B-99BC-64FACD17F553}" type="datetimeFigureOut">
               <a:rPr lang="en-US" smtClean="0"/>
-              <a:t>5/19/2022</a:t>
+              <a:t>5/21/2022</a:t>
             </a:fld>
             <a:endParaRPr lang="en-US"/>
           </a:p>
@@ -10325,12 +11516,26 @@
               <a:t> = </a:t>
             </a:r>
             <a:r>
-              <a:rPr lang="en-US" b="1" dirty="0"/>
+              <a:rPr lang="en-US" sz="2000" b="1" dirty="0">
+                <a:solidFill>
+                  <a:srgbClr val="D4D4D4"/>
+                </a:solidFill>
+                <a:latin typeface="Menlo" panose="020B0609030804020204" pitchFamily="49" charset="0"/>
+              </a:rPr>
               <a:t>take</a:t>
             </a:r>
             <a:r>
               <a:rPr lang="en-US" dirty="0"/>
-              <a:t>`{</a:t>
+              <a:t>`</a:t>
+            </a:r>
+            <a:r>
+              <a:rPr lang="en-US" dirty="0">
+                <a:solidFill>
+                  <a:srgbClr val="D4D4D4"/>
+                </a:solidFill>
+                <a:latin typeface="Menlo" panose="020B0609030804020204" pitchFamily="49" charset="0"/>
+              </a:rPr>
+              <a:t>{</a:t>
             </a:r>
             <a:r>
               <a:rPr lang="en-US" sz="2000" dirty="0">
@@ -10342,8 +11547,22 @@
               <a:t>8</a:t>
             </a:r>
             <a:r>
-              <a:rPr lang="en-US" dirty="0"/>
-              <a:t>}(</a:t>
+              <a:rPr lang="en-US" dirty="0">
+                <a:solidFill>
+                  <a:srgbClr val="D4D4D4"/>
+                </a:solidFill>
+                <a:latin typeface="Menlo" panose="020B0609030804020204" pitchFamily="49" charset="0"/>
+              </a:rPr>
+              <a:t>}</a:t>
+            </a:r>
+            <a:r>
+              <a:rPr lang="en-US" sz="2000" dirty="0">
+                <a:solidFill>
+                  <a:srgbClr val="D4D4D4"/>
+                </a:solidFill>
+                <a:latin typeface="Menlo" panose="020B0609030804020204" pitchFamily="49" charset="0"/>
+              </a:rPr>
+              <a:t>(</a:t>
             </a:r>
             <a:r>
               <a:rPr lang="en-US" sz="2000" b="0" dirty="0" err="1">
@@ -11084,8 +12303,8 @@
           </p:nvSpPr>
           <p:spPr>
             <a:xfrm>
-              <a:off x="1948329" y="4668229"/>
-              <a:ext cx="1332752" cy="461665"/>
+              <a:off x="1861472" y="4668229"/>
+              <a:ext cx="1508760" cy="492944"/>
             </a:xfrm>
             <a:prstGeom prst="rect">
               <a:avLst/>
@@ -11234,8 +12453,8 @@
           </p:nvSpPr>
           <p:spPr>
             <a:xfrm>
-              <a:off x="1948329" y="4668229"/>
-              <a:ext cx="1332752" cy="461665"/>
+              <a:off x="1892885" y="4668229"/>
+              <a:ext cx="1508760" cy="492944"/>
             </a:xfrm>
             <a:prstGeom prst="rect">
               <a:avLst/>
@@ -11828,8 +13047,8 @@
           </p:nvSpPr>
           <p:spPr>
             <a:xfrm>
-              <a:off x="1874812" y="4668229"/>
-              <a:ext cx="1468899" cy="492944"/>
+              <a:off x="1874811" y="4668229"/>
+              <a:ext cx="1508760" cy="492944"/>
             </a:xfrm>
             <a:prstGeom prst="rect">
               <a:avLst/>
@@ -12012,8 +13231,8 @@
           </p:nvSpPr>
           <p:spPr>
             <a:xfrm>
-              <a:off x="1873172" y="4668229"/>
-              <a:ext cx="1467391" cy="492944"/>
+              <a:off x="1873171" y="4668229"/>
+              <a:ext cx="1508760" cy="492944"/>
             </a:xfrm>
             <a:prstGeom prst="rect">
               <a:avLst/>
@@ -13230,7 +14449,7 @@
           <a:p>
             <a:r>
               <a:rPr lang="en-US" dirty="0"/>
-              <a:t>Address C Memory Layout</a:t>
+              <a:t>Address Use of Constants</a:t>
             </a:r>
           </a:p>
         </p:txBody>
@@ -15952,7 +17171,7 @@
               <a:pPr algn="ctr"/>
               <a:r>
                 <a:rPr lang="en-US" sz="2400" dirty="0"/>
-                <a:t>SPEC (256)</a:t>
+                <a:t>OpenSSL (256)</a:t>
               </a:r>
             </a:p>
           </p:txBody>
@@ -16305,7 +17524,7 @@
                             </p:stCondLst>
                             <p:childTnLst>
                               <p:par>
-                                <p:cTn id="5" presetID="1" presetClass="entr" presetSubtype="0" fill="hold" grpId="0" nodeType="clickEffect">
+                                <p:cTn id="5" presetID="1" presetClass="entr" presetSubtype="0" fill="hold" nodeType="clickEffect">
                                   <p:stCondLst>
                                     <p:cond delay="0"/>
                                   </p:stCondLst>
@@ -16318,7 +17537,7 @@
                                           </p:stCondLst>
                                         </p:cTn>
                                         <p:tgtEl>
-                                          <p:spTgt spid="17"/>
+                                          <p:spTgt spid="22"/>
                                         </p:tgtEl>
                                         <p:attrNameLst>
                                           <p:attrName>style.visibility</p:attrName>
@@ -16331,35 +17550,26 @@
                                   </p:childTnLst>
                                 </p:cTn>
                               </p:par>
+                            </p:childTnLst>
+                          </p:cTn>
+                        </p:par>
+                      </p:childTnLst>
+                    </p:cTn>
+                  </p:par>
+                  <p:par>
+                    <p:cTn id="7" fill="hold">
+                      <p:stCondLst>
+                        <p:cond delay="indefinite"/>
+                      </p:stCondLst>
+                      <p:childTnLst>
+                        <p:par>
+                          <p:cTn id="8" fill="hold">
+                            <p:stCondLst>
+                              <p:cond delay="0"/>
+                            </p:stCondLst>
+                            <p:childTnLst>
                               <p:par>
-                                <p:cTn id="7" presetID="1" presetClass="entr" presetSubtype="0" fill="hold" grpId="0" nodeType="withEffect">
-                                  <p:stCondLst>
-                                    <p:cond delay="0"/>
-                                  </p:stCondLst>
-                                  <p:childTnLst>
-                                    <p:set>
-                                      <p:cBhvr>
-                                        <p:cTn id="8" dur="1" fill="hold">
-                                          <p:stCondLst>
-                                            <p:cond delay="0"/>
-                                          </p:stCondLst>
-                                        </p:cTn>
-                                        <p:tgtEl>
-                                          <p:spTgt spid="18"/>
-                                        </p:tgtEl>
-                                        <p:attrNameLst>
-                                          <p:attrName>style.visibility</p:attrName>
-                                        </p:attrNameLst>
-                                      </p:cBhvr>
-                                      <p:to>
-                                        <p:strVal val="visible"/>
-                                      </p:to>
-                                    </p:set>
-                                  </p:childTnLst>
-                                </p:cTn>
-                              </p:par>
-                              <p:par>
-                                <p:cTn id="9" presetID="1" presetClass="entr" presetSubtype="0" fill="hold" grpId="0" nodeType="withEffect">
+                                <p:cTn id="9" presetID="1" presetClass="entr" presetSubtype="0" fill="hold" grpId="0" nodeType="clickEffect">
                                   <p:stCondLst>
                                     <p:cond delay="0"/>
                                   </p:stCondLst>
@@ -16372,7 +17582,7 @@
                                           </p:stCondLst>
                                         </p:cTn>
                                         <p:tgtEl>
-                                          <p:spTgt spid="16"/>
+                                          <p:spTgt spid="17"/>
                                         </p:tgtEl>
                                         <p:attrNameLst>
                                           <p:attrName>style.visibility</p:attrName>
@@ -16394,6 +17604,60 @@
                                     <p:set>
                                       <p:cBhvr>
                                         <p:cTn id="12" dur="1" fill="hold">
+                                          <p:stCondLst>
+                                            <p:cond delay="0"/>
+                                          </p:stCondLst>
+                                        </p:cTn>
+                                        <p:tgtEl>
+                                          <p:spTgt spid="18"/>
+                                        </p:tgtEl>
+                                        <p:attrNameLst>
+                                          <p:attrName>style.visibility</p:attrName>
+                                        </p:attrNameLst>
+                                      </p:cBhvr>
+                                      <p:to>
+                                        <p:strVal val="visible"/>
+                                      </p:to>
+                                    </p:set>
+                                  </p:childTnLst>
+                                </p:cTn>
+                              </p:par>
+                              <p:par>
+                                <p:cTn id="13" presetID="1" presetClass="entr" presetSubtype="0" fill="hold" grpId="0" nodeType="withEffect">
+                                  <p:stCondLst>
+                                    <p:cond delay="0"/>
+                                  </p:stCondLst>
+                                  <p:childTnLst>
+                                    <p:set>
+                                      <p:cBhvr>
+                                        <p:cTn id="14" dur="1" fill="hold">
+                                          <p:stCondLst>
+                                            <p:cond delay="0"/>
+                                          </p:stCondLst>
+                                        </p:cTn>
+                                        <p:tgtEl>
+                                          <p:spTgt spid="16"/>
+                                        </p:tgtEl>
+                                        <p:attrNameLst>
+                                          <p:attrName>style.visibility</p:attrName>
+                                        </p:attrNameLst>
+                                      </p:cBhvr>
+                                      <p:to>
+                                        <p:strVal val="visible"/>
+                                      </p:to>
+                                    </p:set>
+                                  </p:childTnLst>
+                                </p:cTn>
+                              </p:par>
+                              <p:par>
+                                <p:cTn id="15" presetID="1" presetClass="entr" presetSubtype="0" fill="hold" grpId="0" nodeType="withEffect">
+                                  <p:stCondLst>
+                                    <p:cond delay="0"/>
+                                  </p:stCondLst>
+                                  <p:childTnLst>
+                                    <p:set>
+                                      <p:cBhvr>
+                                        <p:cTn id="16" dur="1" fill="hold">
                                           <p:stCondLst>
                                             <p:cond delay="0"/>
                                           </p:stCondLst>
@@ -18094,6 +19358,81 @@
   <p:clrMapOvr>
     <a:masterClrMapping/>
   </p:clrMapOvr>
+  <p:timing>
+    <p:tnLst>
+      <p:par>
+        <p:cTn id="1" dur="indefinite" restart="never" nodeType="tmRoot">
+          <p:childTnLst>
+            <p:seq concurrent="1" nextAc="seek">
+              <p:cTn id="2" dur="indefinite" nodeType="mainSeq">
+                <p:childTnLst>
+                  <p:par>
+                    <p:cTn id="3" fill="hold">
+                      <p:stCondLst>
+                        <p:cond delay="indefinite"/>
+                      </p:stCondLst>
+                      <p:childTnLst>
+                        <p:par>
+                          <p:cTn id="4" fill="hold">
+                            <p:stCondLst>
+                              <p:cond delay="0"/>
+                            </p:stCondLst>
+                            <p:childTnLst>
+                              <p:par>
+                                <p:cTn id="5" presetID="1" presetClass="entr" presetSubtype="0" fill="hold" nodeType="clickEffect">
+                                  <p:stCondLst>
+                                    <p:cond delay="0"/>
+                                  </p:stCondLst>
+                                  <p:childTnLst>
+                                    <p:set>
+                                      <p:cBhvr>
+                                        <p:cTn id="6" dur="1" fill="hold">
+                                          <p:stCondLst>
+                                            <p:cond delay="0"/>
+                                          </p:stCondLst>
+                                        </p:cTn>
+                                        <p:tgtEl>
+                                          <p:spTgt spid="25"/>
+                                        </p:tgtEl>
+                                        <p:attrNameLst>
+                                          <p:attrName>style.visibility</p:attrName>
+                                        </p:attrNameLst>
+                                      </p:cBhvr>
+                                      <p:to>
+                                        <p:strVal val="visible"/>
+                                      </p:to>
+                                    </p:set>
+                                  </p:childTnLst>
+                                </p:cTn>
+                              </p:par>
+                            </p:childTnLst>
+                          </p:cTn>
+                        </p:par>
+                      </p:childTnLst>
+                    </p:cTn>
+                  </p:par>
+                </p:childTnLst>
+              </p:cTn>
+              <p:prevCondLst>
+                <p:cond evt="onPrev" delay="0">
+                  <p:tgtEl>
+                    <p:sldTgt/>
+                  </p:tgtEl>
+                </p:cond>
+              </p:prevCondLst>
+              <p:nextCondLst>
+                <p:cond evt="onNext" delay="0">
+                  <p:tgtEl>
+                    <p:sldTgt/>
+                  </p:tgtEl>
+                </p:cond>
+              </p:nextCondLst>
+            </p:seq>
+          </p:childTnLst>
+        </p:cTn>
+      </p:par>
+    </p:tnLst>
+  </p:timing>
 </p:sld>
 </file>
 
@@ -19684,6 +21023,60 @@
                                           </p:stCondLst>
                                         </p:cTn>
                                         <p:tgtEl>
+                                          <p:spTgt spid="3"/>
+                                        </p:tgtEl>
+                                        <p:attrNameLst>
+                                          <p:attrName>style.visibility</p:attrName>
+                                        </p:attrNameLst>
+                                      </p:cBhvr>
+                                      <p:to>
+                                        <p:strVal val="visible"/>
+                                      </p:to>
+                                    </p:set>
+                                  </p:childTnLst>
+                                </p:cTn>
+                              </p:par>
+                              <p:par>
+                                <p:cTn id="7" presetID="1" presetClass="entr" presetSubtype="0" fill="hold" grpId="0" nodeType="withEffect">
+                                  <p:stCondLst>
+                                    <p:cond delay="0"/>
+                                  </p:stCondLst>
+                                  <p:childTnLst>
+                                    <p:set>
+                                      <p:cBhvr>
+                                        <p:cTn id="8" dur="1" fill="hold">
+                                          <p:stCondLst>
+                                            <p:cond delay="0"/>
+                                          </p:stCondLst>
+                                        </p:cTn>
+                                        <p:tgtEl>
+                                          <p:spTgt spid="8"/>
+                                        </p:tgtEl>
+                                        <p:attrNameLst>
+                                          <p:attrName>style.visibility</p:attrName>
+                                        </p:attrNameLst>
+                                      </p:cBhvr>
+                                      <p:to>
+                                        <p:strVal val="visible"/>
+                                      </p:to>
+                                    </p:set>
+                                  </p:childTnLst>
+                                </p:cTn>
+                              </p:par>
+                              <p:par>
+                                <p:cTn id="9" presetID="1" presetClass="entr" presetSubtype="0" fill="hold" grpId="0" nodeType="withEffect">
+                                  <p:stCondLst>
+                                    <p:cond delay="0"/>
+                                  </p:stCondLst>
+                                  <p:childTnLst>
+                                    <p:set>
+                                      <p:cBhvr>
+                                        <p:cTn id="10" dur="1" fill="hold">
+                                          <p:stCondLst>
+                                            <p:cond delay="0"/>
+                                          </p:stCondLst>
+                                        </p:cTn>
+                                        <p:tgtEl>
                                           <p:spTgt spid="13"/>
                                         </p:tgtEl>
                                         <p:attrNameLst>
@@ -19704,26 +21097,26 @@
                     </p:cTn>
                   </p:par>
                   <p:par>
-                    <p:cTn id="7" fill="hold">
+                    <p:cTn id="11" fill="hold">
                       <p:stCondLst>
                         <p:cond delay="indefinite"/>
                       </p:stCondLst>
                       <p:childTnLst>
                         <p:par>
-                          <p:cTn id="8" fill="hold">
+                          <p:cTn id="12" fill="hold">
                             <p:stCondLst>
                               <p:cond delay="0"/>
                             </p:stCondLst>
                             <p:childTnLst>
                               <p:par>
-                                <p:cTn id="9" presetID="1" presetClass="entr" presetSubtype="0" fill="hold" grpId="0" nodeType="clickEffect">
+                                <p:cTn id="13" presetID="1" presetClass="entr" presetSubtype="0" fill="hold" grpId="0" nodeType="clickEffect">
                                   <p:stCondLst>
                                     <p:cond delay="0"/>
                                   </p:stCondLst>
                                   <p:childTnLst>
                                     <p:set>
                                       <p:cBhvr>
-                                        <p:cTn id="10" dur="1" fill="hold">
+                                        <p:cTn id="14" dur="1" fill="hold">
                                           <p:stCondLst>
                                             <p:cond delay="0"/>
                                           </p:stCondLst>
@@ -19743,14 +21136,14 @@
                                 </p:cTn>
                               </p:par>
                               <p:par>
-                                <p:cTn id="11" presetID="1" presetClass="entr" presetSubtype="0" fill="hold" grpId="0" nodeType="withEffect">
+                                <p:cTn id="15" presetID="1" presetClass="entr" presetSubtype="0" fill="hold" grpId="0" nodeType="withEffect">
                                   <p:stCondLst>
                                     <p:cond delay="0"/>
                                   </p:stCondLst>
                                   <p:childTnLst>
                                     <p:set>
                                       <p:cBhvr>
-                                        <p:cTn id="12" dur="1" fill="hold">
+                                        <p:cTn id="16" dur="1" fill="hold">
                                           <p:stCondLst>
                                             <p:cond delay="0"/>
                                           </p:stCondLst>
@@ -19769,33 +21162,15 @@
                                   </p:childTnLst>
                                 </p:cTn>
                               </p:par>
-                            </p:childTnLst>
-                          </p:cTn>
-                        </p:par>
-                      </p:childTnLst>
-                    </p:cTn>
-                  </p:par>
-                  <p:par>
-                    <p:cTn id="13" fill="hold">
-                      <p:stCondLst>
-                        <p:cond delay="indefinite"/>
-                      </p:stCondLst>
-                      <p:childTnLst>
-                        <p:par>
-                          <p:cTn id="14" fill="hold">
-                            <p:stCondLst>
-                              <p:cond delay="0"/>
-                            </p:stCondLst>
-                            <p:childTnLst>
                               <p:par>
-                                <p:cTn id="15" presetID="1" presetClass="entr" presetSubtype="0" fill="hold" grpId="0" nodeType="clickEffect">
+                                <p:cTn id="17" presetID="1" presetClass="entr" presetSubtype="0" fill="hold" grpId="0" nodeType="withEffect">
                                   <p:stCondLst>
                                     <p:cond delay="0"/>
                                   </p:stCondLst>
                                   <p:childTnLst>
                                     <p:set>
                                       <p:cBhvr>
-                                        <p:cTn id="16" dur="1" fill="hold">
+                                        <p:cTn id="18" dur="1" fill="hold">
                                           <p:stCondLst>
                                             <p:cond delay="0"/>
                                           </p:stCondLst>
@@ -19821,26 +21196,26 @@
                     </p:cTn>
                   </p:par>
                   <p:par>
-                    <p:cTn id="17" fill="hold">
+                    <p:cTn id="19" fill="hold">
                       <p:stCondLst>
                         <p:cond delay="indefinite"/>
                       </p:stCondLst>
                       <p:childTnLst>
                         <p:par>
-                          <p:cTn id="18" fill="hold">
+                          <p:cTn id="20" fill="hold">
                             <p:stCondLst>
                               <p:cond delay="0"/>
                             </p:stCondLst>
                             <p:childTnLst>
                               <p:par>
-                                <p:cTn id="19" presetID="1" presetClass="entr" presetSubtype="0" fill="hold" grpId="0" nodeType="clickEffect">
+                                <p:cTn id="21" presetID="1" presetClass="entr" presetSubtype="0" fill="hold" grpId="0" nodeType="clickEffect">
                                   <p:stCondLst>
                                     <p:cond delay="0"/>
                                   </p:stCondLst>
                                   <p:childTnLst>
                                     <p:set>
                                       <p:cBhvr>
-                                        <p:cTn id="20" dur="1" fill="hold">
+                                        <p:cTn id="22" dur="1" fill="hold">
                                           <p:stCondLst>
                                             <p:cond delay="0"/>
                                           </p:stCondLst>
@@ -19860,14 +21235,14 @@
                                 </p:cTn>
                               </p:par>
                               <p:par>
-                                <p:cTn id="21" presetID="1" presetClass="entr" presetSubtype="0" fill="hold" grpId="0" nodeType="withEffect">
+                                <p:cTn id="23" presetID="1" presetClass="entr" presetSubtype="0" fill="hold" grpId="0" nodeType="withEffect">
                                   <p:stCondLst>
                                     <p:cond delay="0"/>
                                   </p:stCondLst>
                                   <p:childTnLst>
                                     <p:set>
                                       <p:cBhvr>
-                                        <p:cTn id="22" dur="1" fill="hold">
+                                        <p:cTn id="24" dur="1" fill="hold">
                                           <p:stCondLst>
                                             <p:cond delay="0"/>
                                           </p:stCondLst>
@@ -19886,26 +21261,8 @@
                                   </p:childTnLst>
                                 </p:cTn>
                               </p:par>
-                            </p:childTnLst>
-                          </p:cTn>
-                        </p:par>
-                      </p:childTnLst>
-                    </p:cTn>
-                  </p:par>
-                  <p:par>
-                    <p:cTn id="23" fill="hold">
-                      <p:stCondLst>
-                        <p:cond delay="indefinite"/>
-                      </p:stCondLst>
-                      <p:childTnLst>
-                        <p:par>
-                          <p:cTn id="24" fill="hold">
-                            <p:stCondLst>
-                              <p:cond delay="0"/>
-                            </p:stCondLst>
-                            <p:childTnLst>
                               <p:par>
-                                <p:cTn id="25" presetID="1" presetClass="entr" presetSubtype="0" fill="hold" grpId="0" nodeType="clickEffect">
+                                <p:cTn id="25" presetID="1" presetClass="entr" presetSubtype="0" fill="hold" grpId="0" nodeType="withEffect">
                                   <p:stCondLst>
                                     <p:cond delay="0"/>
                                   </p:stCondLst>
@@ -19990,7 +21347,7 @@
                                           </p:stCondLst>
                                         </p:cTn>
                                         <p:tgtEl>
-                                          <p:spTgt spid="16"/>
+                                          <p:spTgt spid="11"/>
                                         </p:tgtEl>
                                         <p:attrNameLst>
                                           <p:attrName>style.visibility</p:attrName>
@@ -20017,7 +21374,7 @@
                                           </p:stCondLst>
                                         </p:cTn>
                                         <p:tgtEl>
-                                          <p:spTgt spid="11"/>
+                                          <p:spTgt spid="16"/>
                                         </p:tgtEl>
                                         <p:attrNameLst>
                                           <p:attrName>style.visibility</p:attrName>
@@ -20030,35 +21387,26 @@
                                   </p:childTnLst>
                                 </p:cTn>
                               </p:par>
+                            </p:childTnLst>
+                          </p:cTn>
+                        </p:par>
+                      </p:childTnLst>
+                    </p:cTn>
+                  </p:par>
+                  <p:par>
+                    <p:cTn id="35" fill="hold">
+                      <p:stCondLst>
+                        <p:cond delay="indefinite"/>
+                      </p:stCondLst>
+                      <p:childTnLst>
+                        <p:par>
+                          <p:cTn id="36" fill="hold">
+                            <p:stCondLst>
+                              <p:cond delay="0"/>
+                            </p:stCondLst>
+                            <p:childTnLst>
                               <p:par>
-                                <p:cTn id="35" presetID="1" presetClass="entr" presetSubtype="0" fill="hold" grpId="0" nodeType="withEffect">
-                                  <p:stCondLst>
-                                    <p:cond delay="0"/>
-                                  </p:stCondLst>
-                                  <p:childTnLst>
-                                    <p:set>
-                                      <p:cBhvr>
-                                        <p:cTn id="36" dur="1" fill="hold">
-                                          <p:stCondLst>
-                                            <p:cond delay="0"/>
-                                          </p:stCondLst>
-                                        </p:cTn>
-                                        <p:tgtEl>
-                                          <p:spTgt spid="7"/>
-                                        </p:tgtEl>
-                                        <p:attrNameLst>
-                                          <p:attrName>style.visibility</p:attrName>
-                                        </p:attrNameLst>
-                                      </p:cBhvr>
-                                      <p:to>
-                                        <p:strVal val="visible"/>
-                                      </p:to>
-                                    </p:set>
-                                  </p:childTnLst>
-                                </p:cTn>
-                              </p:par>
-                              <p:par>
-                                <p:cTn id="37" presetID="1" presetClass="entr" presetSubtype="0" fill="hold" grpId="0" nodeType="withEffect">
+                                <p:cTn id="37" presetID="1" presetClass="entr" presetSubtype="0" fill="hold" grpId="0" nodeType="clickEffect">
                                   <p:stCondLst>
                                     <p:cond delay="0"/>
                                   </p:stCondLst>
@@ -20071,7 +21419,7 @@
                                           </p:stCondLst>
                                         </p:cTn>
                                         <p:tgtEl>
-                                          <p:spTgt spid="17"/>
+                                          <p:spTgt spid="7"/>
                                         </p:tgtEl>
                                         <p:attrNameLst>
                                           <p:attrName>style.visibility</p:attrName>
@@ -20099,6 +21447,33 @@
                                         </p:cTn>
                                         <p:tgtEl>
                                           <p:spTgt spid="12"/>
+                                        </p:tgtEl>
+                                        <p:attrNameLst>
+                                          <p:attrName>style.visibility</p:attrName>
+                                        </p:attrNameLst>
+                                      </p:cBhvr>
+                                      <p:to>
+                                        <p:strVal val="visible"/>
+                                      </p:to>
+                                    </p:set>
+                                  </p:childTnLst>
+                                </p:cTn>
+                              </p:par>
+                              <p:par>
+                                <p:cTn id="41" presetID="1" presetClass="entr" presetSubtype="0" fill="hold" grpId="0" nodeType="withEffect">
+                                  <p:stCondLst>
+                                    <p:cond delay="0"/>
+                                  </p:stCondLst>
+                                  <p:childTnLst>
+                                    <p:set>
+                                      <p:cBhvr>
+                                        <p:cTn id="42" dur="1" fill="hold">
+                                          <p:stCondLst>
+                                            <p:cond delay="0"/>
+                                          </p:stCondLst>
+                                        </p:cTn>
+                                        <p:tgtEl>
+                                          <p:spTgt spid="17"/>
                                         </p:tgtEl>
                                         <p:attrNameLst>
                                           <p:attrName>style.visibility</p:attrName>
@@ -20139,10 +21514,12 @@
       </p:par>
     </p:tnLst>
     <p:bldLst>
+      <p:bldP spid="3" grpId="0" animBg="1"/>
       <p:bldP spid="4" grpId="0" animBg="1"/>
       <p:bldP spid="5" grpId="0" animBg="1"/>
       <p:bldP spid="6" grpId="0" animBg="1"/>
       <p:bldP spid="7" grpId="0" animBg="1"/>
+      <p:bldP spid="8" grpId="0" animBg="1"/>
       <p:bldP spid="9" grpId="0" animBg="1"/>
       <p:bldP spid="10" grpId="0" animBg="1"/>
       <p:bldP spid="11" grpId="0" animBg="1"/>
@@ -25864,7 +27241,7 @@
               <a:rPr lang="en-US" sz="2400" i="1" dirty="0">
                 <a:latin typeface="Lucida Console" panose="020B0609040504020204" pitchFamily="49" charset="0"/>
               </a:rPr>
-              <a:t>d</a:t>
+              <a:t>256</a:t>
             </a:r>
             <a:r>
               <a:rPr lang="en-US" sz="2400" dirty="0">
@@ -25962,7 +27339,7 @@
               <a:rPr lang="en-US" sz="2400" dirty="0">
                 <a:latin typeface="Lucida Console" panose="020B0609040504020204" pitchFamily="49" charset="0"/>
               </a:rPr>
-              <a:t>(1600-2d,</a:t>
+              <a:t>(1088,</a:t>
             </a:r>
             <a:r>
               <a:rPr lang="en-US" sz="2400" i="1" dirty="0">
@@ -26184,7 +27561,7 @@
               <a:rPr lang="en-US" sz="2400" i="1" dirty="0">
                 <a:latin typeface="Lucida Console" panose="020B0609040504020204" pitchFamily="49" charset="0"/>
               </a:rPr>
-              <a:t>2d</a:t>
+              <a:t>512</a:t>
             </a:r>
             <a:r>
               <a:rPr lang="en-US" sz="2400" dirty="0">
@@ -26316,22 +27693,22 @@
               <a:t>(</a:t>
             </a:r>
             <a:r>
-              <a:rPr lang="en-US" sz="2400" i="1" dirty="0" err="1">
+              <a:rPr lang="en-US" sz="2400" i="1" dirty="0">
                 <a:latin typeface="Lucida Console" panose="020B0609040504020204" pitchFamily="49" charset="0"/>
               </a:rPr>
               <a:t>A</a:t>
             </a:r>
             <a:r>
-              <a:rPr lang="en-US" sz="2400" dirty="0" err="1">
+              <a:rPr lang="en-US" sz="2400" dirty="0">
                 <a:latin typeface="Lucida Console" panose="020B0609040504020204" pitchFamily="49" charset="0"/>
               </a:rPr>
               <a:t>,</a:t>
             </a:r>
             <a:r>
-              <a:rPr lang="en-US" sz="2400" i="1" dirty="0" err="1">
+              <a:rPr lang="en-US" sz="2400" i="1" dirty="0">
                 <a:latin typeface="Lucida Console" panose="020B0609040504020204" pitchFamily="49" charset="0"/>
               </a:rPr>
-              <a:t>d</a:t>
+              <a:t>256</a:t>
             </a:r>
             <a:r>
               <a:rPr lang="en-US" sz="2400" dirty="0">
@@ -26468,7 +27845,7 @@
         </p:nvSpPr>
         <p:spPr>
           <a:xfrm>
-            <a:off x="5274570" y="5064374"/>
+            <a:off x="5550142" y="5064374"/>
             <a:ext cx="187891" cy="389567"/>
           </a:xfrm>
           <a:prstGeom prst="rightBrace">
@@ -26513,7 +27890,7 @@
         </p:nvSpPr>
         <p:spPr>
           <a:xfrm>
-            <a:off x="5462461" y="4966769"/>
+            <a:off x="5738033" y="4966769"/>
             <a:ext cx="2590765" cy="584775"/>
           </a:xfrm>
           <a:prstGeom prst="rect">
@@ -26552,7 +27929,7 @@
         </p:nvSpPr>
         <p:spPr>
           <a:xfrm>
-            <a:off x="7816364" y="2803602"/>
+            <a:off x="7152486" y="2803602"/>
             <a:ext cx="187891" cy="389567"/>
           </a:xfrm>
           <a:prstGeom prst="rightBrace">
@@ -26597,7 +27974,7 @@
         </p:nvSpPr>
         <p:spPr>
           <a:xfrm>
-            <a:off x="7995534" y="2701333"/>
+            <a:off x="7331656" y="2701333"/>
             <a:ext cx="1762242" cy="584775"/>
           </a:xfrm>
           <a:prstGeom prst="rect">
@@ -28238,8 +29615,8 @@
           </a:p>
         </p:txBody>
       </p:sp>
-      <mc:AlternateContent xmlns:mc="http://schemas.openxmlformats.org/markup-compatibility/2006">
-        <mc:Choice xmlns:a14="http://schemas.microsoft.com/office/drawing/2010/main" Requires="a14">
+      <mc:AlternateContent xmlns:mc="http://schemas.openxmlformats.org/markup-compatibility/2006" xmlns:a14="http://schemas.microsoft.com/office/drawing/2010/main">
+        <mc:Choice Requires="a14">
           <p:sp>
             <p:nvSpPr>
               <p:cNvPr id="14" name="TextBox 13">
@@ -28684,7 +30061,7 @@
             </p:txBody>
           </p:sp>
         </mc:Choice>
-        <mc:Fallback>
+        <mc:Fallback xmlns="">
           <p:sp>
             <p:nvSpPr>
               <p:cNvPr id="14" name="TextBox 13">
